--- a/US Bicycle Fatalities_Group 4.pptx
+++ b/US Bicycle Fatalities_Group 4.pptx
@@ -5,16 +5,17 @@
     <p:sldMasterId id="2147483660" r:id="rId1"/>
   </p:sldMasterIdLst>
   <p:notesMasterIdLst>
-    <p:notesMasterId r:id="rId9"/>
+    <p:notesMasterId r:id="rId10"/>
   </p:notesMasterIdLst>
   <p:sldIdLst>
     <p:sldId id="256" r:id="rId2"/>
-    <p:sldId id="257" r:id="rId3"/>
-    <p:sldId id="258" r:id="rId4"/>
-    <p:sldId id="259" r:id="rId5"/>
+    <p:sldId id="263" r:id="rId3"/>
+    <p:sldId id="257" r:id="rId4"/>
+    <p:sldId id="258" r:id="rId5"/>
     <p:sldId id="260" r:id="rId6"/>
-    <p:sldId id="261" r:id="rId7"/>
-    <p:sldId id="262" r:id="rId8"/>
+    <p:sldId id="264" r:id="rId7"/>
+    <p:sldId id="261" r:id="rId8"/>
+    <p:sldId id="262" r:id="rId9"/>
   </p:sldIdLst>
   <p:sldSz cx="12192000" cy="6858000"/>
   <p:notesSz cx="6858000" cy="9144000"/>
@@ -113,6 +114,11 @@
       </a:defRPr>
     </a:lvl9pPr>
   </p:defaultTextStyle>
+  <p:extLst>
+    <p:ext uri="{EFAFB233-063F-42B5-8137-9DF3F51BA10A}">
+      <p15:sldGuideLst xmlns:p15="http://schemas.microsoft.com/office/powerpoint/2012/main"/>
+    </p:ext>
+  </p:extLst>
 </p:presentation>
 </file>
 
@@ -198,7 +204,7 @@
           <a:p>
             <a:fld id="{2D8596F9-D31B-4687-976B-51472F7B15D4}" type="datetimeFigureOut">
               <a:rPr lang="en-US" smtClean="0"/>
-              <a:t>10/23/2019</a:t>
+              <a:t>10/24/2019</a:t>
             </a:fld>
             <a:endParaRPr lang="en-US"/>
           </a:p>
@@ -533,7 +539,7 @@
           <a:p>
             <a:fld id="{265EB43F-5B02-4A39-ABA6-1416420AA7A8}" type="slidenum">
               <a:rPr lang="en-US" smtClean="0"/>
-              <a:t>3</a:t>
+              <a:t>4</a:t>
             </a:fld>
             <a:endParaRPr lang="en-US"/>
           </a:p>
@@ -772,7 +778,7 @@
           <a:p>
             <a:fld id="{0D54D437-38F9-4602-9571-28821A5CC1D5}" type="datetimeFigureOut">
               <a:rPr lang="en-US" smtClean="0"/>
-              <a:t>10/23/2019</a:t>
+              <a:t>10/24/2019</a:t>
             </a:fld>
             <a:endParaRPr lang="en-US"/>
           </a:p>
@@ -1027,7 +1033,7 @@
           <a:p>
             <a:fld id="{0D54D437-38F9-4602-9571-28821A5CC1D5}" type="datetimeFigureOut">
               <a:rPr lang="en-US" smtClean="0"/>
-              <a:t>10/23/2019</a:t>
+              <a:t>10/24/2019</a:t>
             </a:fld>
             <a:endParaRPr lang="en-US"/>
           </a:p>
@@ -1195,7 +1201,7 @@
           <a:p>
             <a:fld id="{0D54D437-38F9-4602-9571-28821A5CC1D5}" type="datetimeFigureOut">
               <a:rPr lang="en-US" smtClean="0"/>
-              <a:t>10/23/2019</a:t>
+              <a:t>10/24/2019</a:t>
             </a:fld>
             <a:endParaRPr lang="en-US"/>
           </a:p>
@@ -1373,7 +1379,7 @@
           <a:p>
             <a:fld id="{0D54D437-38F9-4602-9571-28821A5CC1D5}" type="datetimeFigureOut">
               <a:rPr lang="en-US" smtClean="0"/>
-              <a:t>10/23/2019</a:t>
+              <a:t>10/24/2019</a:t>
             </a:fld>
             <a:endParaRPr lang="en-US"/>
           </a:p>
@@ -1655,7 +1661,7 @@
           <a:p>
             <a:fld id="{0D54D437-38F9-4602-9571-28821A5CC1D5}" type="datetimeFigureOut">
               <a:rPr lang="en-US" smtClean="0"/>
-              <a:t>10/23/2019</a:t>
+              <a:t>10/24/2019</a:t>
             </a:fld>
             <a:endParaRPr lang="en-US"/>
           </a:p>
@@ -1902,7 +1908,7 @@
           <a:p>
             <a:fld id="{0D54D437-38F9-4602-9571-28821A5CC1D5}" type="datetimeFigureOut">
               <a:rPr lang="en-US" smtClean="0"/>
-              <a:t>10/23/2019</a:t>
+              <a:t>10/24/2019</a:t>
             </a:fld>
             <a:endParaRPr lang="en-US"/>
           </a:p>
@@ -2147,7 +2153,7 @@
           <a:p>
             <a:fld id="{0D54D437-38F9-4602-9571-28821A5CC1D5}" type="datetimeFigureOut">
               <a:rPr lang="en-US" smtClean="0"/>
-              <a:t>10/23/2019</a:t>
+              <a:t>10/24/2019</a:t>
             </a:fld>
             <a:endParaRPr lang="en-US"/>
           </a:p>
@@ -2432,7 +2438,7 @@
           <a:p>
             <a:fld id="{0D54D437-38F9-4602-9571-28821A5CC1D5}" type="datetimeFigureOut">
               <a:rPr lang="en-US" smtClean="0"/>
-              <a:t>10/23/2019</a:t>
+              <a:t>10/24/2019</a:t>
             </a:fld>
             <a:endParaRPr lang="en-US"/>
           </a:p>
@@ -2920,7 +2926,7 @@
           <a:p>
             <a:fld id="{0D54D437-38F9-4602-9571-28821A5CC1D5}" type="datetimeFigureOut">
               <a:rPr lang="en-US" smtClean="0"/>
-              <a:t>10/23/2019</a:t>
+              <a:t>10/24/2019</a:t>
             </a:fld>
             <a:endParaRPr lang="en-US"/>
           </a:p>
@@ -3037,7 +3043,7 @@
           <a:p>
             <a:fld id="{0D54D437-38F9-4602-9571-28821A5CC1D5}" type="datetimeFigureOut">
               <a:rPr lang="en-US" smtClean="0"/>
-              <a:t>10/23/2019</a:t>
+              <a:t>10/24/2019</a:t>
             </a:fld>
             <a:endParaRPr lang="en-US"/>
           </a:p>
@@ -3132,7 +3138,7 @@
           <a:p>
             <a:fld id="{0D54D437-38F9-4602-9571-28821A5CC1D5}" type="datetimeFigureOut">
               <a:rPr lang="en-US" smtClean="0"/>
-              <a:t>10/23/2019</a:t>
+              <a:t>10/24/2019</a:t>
             </a:fld>
             <a:endParaRPr lang="en-US"/>
           </a:p>
@@ -3407,7 +3413,7 @@
           <a:p>
             <a:fld id="{0D54D437-38F9-4602-9571-28821A5CC1D5}" type="datetimeFigureOut">
               <a:rPr lang="en-US" smtClean="0"/>
-              <a:t>10/23/2019</a:t>
+              <a:t>10/24/2019</a:t>
             </a:fld>
             <a:endParaRPr lang="en-US"/>
           </a:p>
@@ -3627,7 +3633,7 @@
           <a:p>
             <a:fld id="{0D54D437-38F9-4602-9571-28821A5CC1D5}" type="datetimeFigureOut">
               <a:rPr lang="en-US" smtClean="0"/>
-              <a:t>10/23/2019</a:t>
+              <a:t>10/24/2019</a:t>
             </a:fld>
             <a:endParaRPr lang="en-US"/>
           </a:p>
@@ -4282,10 +4288,38 @@
       </p:grpSpPr>
       <p:sp>
         <p:nvSpPr>
+          <p:cNvPr id="2" name="Title 1">
+            <a:extLst>
+              <a:ext uri="{FF2B5EF4-FFF2-40B4-BE49-F238E27FC236}">
+                <a16:creationId xmlns:a16="http://schemas.microsoft.com/office/drawing/2014/main" id="{9E5637E2-70DC-4869-91A3-0300318EEF66}"/>
+              </a:ext>
+            </a:extLst>
+          </p:cNvPr>
+          <p:cNvSpPr>
+            <a:spLocks noGrp="1"/>
+          </p:cNvSpPr>
+          <p:nvPr>
+            <p:ph type="title"/>
+          </p:nvPr>
+        </p:nvSpPr>
+        <p:spPr/>
+        <p:txBody>
+          <a:bodyPr/>
+          <a:lstStyle/>
+          <a:p>
+            <a:r>
+              <a:rPr lang="en-US" dirty="0"/>
+              <a:t>Data Set</a:t>
+            </a:r>
+          </a:p>
+        </p:txBody>
+      </p:sp>
+      <p:sp>
+        <p:nvSpPr>
           <p:cNvPr id="3" name="Content Placeholder 2">
             <a:extLst>
               <a:ext uri="{FF2B5EF4-FFF2-40B4-BE49-F238E27FC236}">
-                <a16:creationId xmlns:a16="http://schemas.microsoft.com/office/drawing/2014/main" id="{64390837-42D8-435D-855B-52CBF5945A0E}"/>
+                <a16:creationId xmlns:a16="http://schemas.microsoft.com/office/drawing/2014/main" id="{950049A9-4805-4FEB-8FEA-61F349DC323F}"/>
               </a:ext>
             </a:extLst>
           </p:cNvPr>
@@ -4298,157 +4332,34 @@
         </p:nvSpPr>
         <p:spPr/>
         <p:txBody>
-          <a:bodyPr/>
+          <a:bodyPr>
+            <a:normAutofit fontScale="77500" lnSpcReduction="20000"/>
+          </a:bodyPr>
           <a:lstStyle/>
           <a:p>
-            <a:pPr marL="0" indent="0">
-              <a:buNone/>
-            </a:pPr>
-            <a:r>
-              <a:rPr lang="en-US" u="sng" dirty="0"/>
-              <a:t>Hypothesis analyzed</a:t>
-            </a:r>
             <a:r>
               <a:rPr lang="en-US" dirty="0"/>
-              <a:t>:</a:t>
-            </a:r>
+              <a:t>A primary objective of the National Highway Traffic Safety Administration (NHTSA) is to reduce fatal motor vehicle traffic crashes. An initiative created by NHTSA is to collect data to support the development, implementation, and assessment of highway traffic to reduce fatalities. </a:t>
+            </a:r>
+          </a:p>
+          <a:p>
+            <a:endParaRPr lang="en-US" dirty="0"/>
           </a:p>
           <a:p>
             <a:r>
               <a:rPr lang="en-US" dirty="0"/>
-              <a:t>Bicyclists travelling during </a:t>
-            </a:r>
-            <a:r>
-              <a:rPr lang="en-US" b="1" dirty="0"/>
-              <a:t>rush hour </a:t>
-            </a:r>
-            <a:r>
-              <a:rPr lang="en-US" dirty="0"/>
-              <a:t>in </a:t>
-            </a:r>
-            <a:r>
-              <a:rPr lang="en-US" b="1" dirty="0"/>
-              <a:t>urban areas </a:t>
-            </a:r>
-            <a:r>
-              <a:rPr lang="en-US" dirty="0"/>
-              <a:t>in the </a:t>
-            </a:r>
-            <a:r>
-              <a:rPr lang="en-US" b="1" dirty="0"/>
-              <a:t>evening</a:t>
-            </a:r>
-            <a:r>
-              <a:rPr lang="en-US" dirty="0"/>
-              <a:t> are at a higher risk of fatal accidents. </a:t>
-            </a:r>
-          </a:p>
-          <a:p>
-            <a:pPr marL="0" indent="0">
-              <a:buNone/>
-            </a:pPr>
-            <a:r>
-              <a:rPr lang="en-US" u="sng" dirty="0"/>
-              <a:t>Key factors considered</a:t>
-            </a:r>
-            <a:r>
-              <a:rPr lang="en-US" dirty="0"/>
-              <a:t>:</a:t>
-            </a:r>
-          </a:p>
-          <a:p>
-            <a:r>
-              <a:rPr lang="en-US" dirty="0"/>
-              <a:t>Time of day</a:t>
-            </a:r>
-          </a:p>
-          <a:p>
-            <a:r>
-              <a:rPr lang="en-US" dirty="0"/>
-              <a:t>Type of environment</a:t>
+              <a:t>Data points in the set: To qualify as a FARS (Fatality Analysis Reporting System) case, the crash had to involve a motor vehicle traveling on a trafficway customarily open to the public, and must have resulted in the death of a motorist or a non-motorist within 30 days of the crash.</a:t>
             </a:r>
           </a:p>
           <a:p>
             <a:endParaRPr lang="en-US" dirty="0"/>
-          </a:p>
-        </p:txBody>
-      </p:sp>
-      <p:sp>
-        <p:nvSpPr>
-          <p:cNvPr id="6" name="Title 1">
-            <a:extLst>
-              <a:ext uri="{FF2B5EF4-FFF2-40B4-BE49-F238E27FC236}">
-                <a16:creationId xmlns:a16="http://schemas.microsoft.com/office/drawing/2014/main" id="{AC5C526C-530B-499B-9CC9-3CB033A8B86D}"/>
-              </a:ext>
-            </a:extLst>
-          </p:cNvPr>
-          <p:cNvSpPr txBox="1">
-            <a:spLocks/>
-          </p:cNvSpPr>
-          <p:nvPr/>
-        </p:nvSpPr>
-        <p:spPr>
-          <a:xfrm>
-            <a:off x="412375" y="164706"/>
-            <a:ext cx="11525941" cy="1243811"/>
-          </a:xfrm>
-          <a:prstGeom prst="rect">
-            <a:avLst/>
-          </a:prstGeom>
-        </p:spPr>
-        <p:txBody>
-          <a:bodyPr vert="horz" lIns="91440" tIns="45720" rIns="91440" bIns="45720" rtlCol="0" anchor="ctr">
-            <a:noAutofit/>
-          </a:bodyPr>
-          <a:lstStyle>
-            <a:lvl1pPr algn="r" defTabSz="1219170" rtl="0" eaLnBrk="1" latinLnBrk="0" hangingPunct="1">
-              <a:spcBef>
-                <a:spcPct val="0"/>
-              </a:spcBef>
-              <a:buNone/>
-              <a:defRPr sz="4800" kern="1200" baseline="0">
-                <a:solidFill>
-                  <a:srgbClr val="002060"/>
-                </a:solidFill>
-                <a:effectLst>
-                  <a:outerShdw blurRad="50800" dist="38100" dir="2700000" algn="tl" rotWithShape="0">
-                    <a:prstClr val="black">
-                      <a:alpha val="40000"/>
-                    </a:prstClr>
-                  </a:outerShdw>
-                </a:effectLst>
-                <a:latin typeface="+mj-lt"/>
-                <a:ea typeface="+mj-ea"/>
-                <a:cs typeface="+mj-cs"/>
-              </a:defRPr>
-            </a:lvl1pPr>
-          </a:lstStyle>
-          <a:p>
-            <a:r>
-              <a:rPr lang="en-US" sz="4400" b="1" dirty="0">
-                <a:solidFill>
-                  <a:schemeClr val="bg1"/>
-                </a:solidFill>
-              </a:rPr>
-              <a:t>What Factors Contribute to a Higher </a:t>
-            </a:r>
-          </a:p>
-          <a:p>
-            <a:r>
-              <a:rPr lang="en-US" sz="4400" b="1" dirty="0">
-                <a:solidFill>
-                  <a:schemeClr val="bg1"/>
-                </a:solidFill>
-              </a:rPr>
-              <a:t>Risk of Bicycle Fatalities?</a:t>
-            </a:r>
           </a:p>
         </p:txBody>
       </p:sp>
     </p:spTree>
     <p:extLst>
       <p:ext uri="{BB962C8B-B14F-4D97-AF65-F5344CB8AC3E}">
-        <p14:creationId xmlns:p14="http://schemas.microsoft.com/office/powerpoint/2010/main" val="1141156376"/>
+        <p14:creationId xmlns:p14="http://schemas.microsoft.com/office/powerpoint/2010/main" val="1552060446"/>
       </p:ext>
     </p:extLst>
   </p:cSld>
@@ -4480,7 +4391,7 @@
           <p:cNvPr id="3" name="Content Placeholder 2">
             <a:extLst>
               <a:ext uri="{FF2B5EF4-FFF2-40B4-BE49-F238E27FC236}">
-                <a16:creationId xmlns:a16="http://schemas.microsoft.com/office/drawing/2014/main" id="{B97A95E2-E515-40A0-8699-AA74FE32F88E}"/>
+                <a16:creationId xmlns:a16="http://schemas.microsoft.com/office/drawing/2014/main" id="{64390837-42D8-435D-855B-52CBF5945A0E}"/>
               </a:ext>
             </a:extLst>
           </p:cNvPr>
@@ -4501,47 +4412,79 @@
             </a:pPr>
             <a:r>
               <a:rPr lang="en-US" u="sng" dirty="0"/>
-              <a:t>Other factors considered:</a:t>
-            </a:r>
-          </a:p>
-          <a:p>
+              <a:t>Hypothesis analyzed</a:t>
+            </a:r>
             <a:r>
               <a:rPr lang="en-US" dirty="0"/>
-              <a:t>Day of the week</a:t>
+              <a:t>:</a:t>
             </a:r>
           </a:p>
           <a:p>
             <a:r>
               <a:rPr lang="en-US" dirty="0"/>
-              <a:t>Gender of bicyclist</a:t>
-            </a:r>
-          </a:p>
-          <a:p>
+              <a:t>Bicyclists travelling during </a:t>
+            </a:r>
+            <a:r>
+              <a:rPr lang="en-US" b="1" dirty="0"/>
+              <a:t>rush hour </a:t>
+            </a:r>
             <a:r>
               <a:rPr lang="en-US" dirty="0"/>
-              <a:t>Involvement of alcohol</a:t>
-            </a:r>
-          </a:p>
-          <a:p>
+              <a:t>in </a:t>
+            </a:r>
+            <a:r>
+              <a:rPr lang="en-US" b="1" dirty="0"/>
+              <a:t>urban areas </a:t>
+            </a:r>
             <a:r>
               <a:rPr lang="en-US" dirty="0"/>
-              <a:t>Direction of travel (bicyclist vs. traffic)</a:t>
-            </a:r>
-          </a:p>
-          <a:p>
+              <a:t>in the </a:t>
+            </a:r>
+            <a:r>
+              <a:rPr lang="en-US" b="1" dirty="0"/>
+              <a:t>evening</a:t>
+            </a:r>
             <a:r>
               <a:rPr lang="en-US" dirty="0"/>
-              <a:t>Cause of accident</a:t>
-            </a:r>
-          </a:p>
-        </p:txBody>
-      </p:sp>
-      <p:sp>
-        <p:nvSpPr>
-          <p:cNvPr id="7" name="Title 1">
+              <a:t> are at a higher risk of fatal accidents. </a:t>
+            </a:r>
+          </a:p>
+          <a:p>
+            <a:pPr marL="0" indent="0">
+              <a:buNone/>
+            </a:pPr>
+            <a:r>
+              <a:rPr lang="en-US" u="sng" dirty="0"/>
+              <a:t>Key factors considered</a:t>
+            </a:r>
+            <a:r>
+              <a:rPr lang="en-US" dirty="0"/>
+              <a:t>:</a:t>
+            </a:r>
+          </a:p>
+          <a:p>
+            <a:r>
+              <a:rPr lang="en-US" dirty="0"/>
+              <a:t>Time of day</a:t>
+            </a:r>
+          </a:p>
+          <a:p>
+            <a:r>
+              <a:rPr lang="en-US" dirty="0"/>
+              <a:t>Type of environment</a:t>
+            </a:r>
+          </a:p>
+          <a:p>
+            <a:endParaRPr lang="en-US" dirty="0"/>
+          </a:p>
+        </p:txBody>
+      </p:sp>
+      <p:sp>
+        <p:nvSpPr>
+          <p:cNvPr id="6" name="Title 1">
             <a:extLst>
               <a:ext uri="{FF2B5EF4-FFF2-40B4-BE49-F238E27FC236}">
-                <a16:creationId xmlns:a16="http://schemas.microsoft.com/office/drawing/2014/main" id="{D0993A81-114F-4D81-BF1E-887B7C38F118}"/>
+                <a16:creationId xmlns:a16="http://schemas.microsoft.com/office/drawing/2014/main" id="{AC5C526C-530B-499B-9CC9-3CB033A8B86D}"/>
               </a:ext>
             </a:extLst>
           </p:cNvPr>
@@ -4611,7 +4554,7 @@
     </p:spTree>
     <p:extLst>
       <p:ext uri="{BB962C8B-B14F-4D97-AF65-F5344CB8AC3E}">
-        <p14:creationId xmlns:p14="http://schemas.microsoft.com/office/powerpoint/2010/main" val="2136803843"/>
+        <p14:creationId xmlns:p14="http://schemas.microsoft.com/office/powerpoint/2010/main" val="1141156376"/>
       </p:ext>
     </p:extLst>
   </p:cSld>
@@ -4640,10 +4583,10 @@
       </p:grpSpPr>
       <p:sp>
         <p:nvSpPr>
-          <p:cNvPr id="2" name="Title 1">
+          <p:cNvPr id="3" name="Content Placeholder 2">
             <a:extLst>
               <a:ext uri="{FF2B5EF4-FFF2-40B4-BE49-F238E27FC236}">
-                <a16:creationId xmlns:a16="http://schemas.microsoft.com/office/drawing/2014/main" id="{8D16821B-5561-4CE4-865D-9FA6DBA1AFBA}"/>
+                <a16:creationId xmlns:a16="http://schemas.microsoft.com/office/drawing/2014/main" id="{B97A95E2-E515-40A0-8699-AA74FE32F88E}"/>
               </a:ext>
             </a:extLst>
           </p:cNvPr>
@@ -4651,62 +4594,122 @@
             <a:spLocks noGrp="1"/>
           </p:cNvSpPr>
           <p:nvPr>
-            <p:ph type="title"/>
-          </p:nvPr>
-        </p:nvSpPr>
-        <p:spPr>
-          <a:xfrm>
-            <a:off x="598620" y="272669"/>
-            <a:ext cx="11258698" cy="985720"/>
-          </a:xfrm>
-        </p:spPr>
-        <p:txBody>
-          <a:bodyPr>
-            <a:normAutofit/>
-          </a:bodyPr>
+            <p:ph idx="1"/>
+          </p:nvPr>
+        </p:nvSpPr>
+        <p:spPr/>
+        <p:txBody>
+          <a:bodyPr/>
           <a:lstStyle/>
           <a:p>
-            <a:r>
-              <a:rPr lang="en-US" sz="4400" b="1" dirty="0">
-                <a:solidFill>
-                  <a:schemeClr val="bg1"/>
-                </a:solidFill>
-              </a:rPr>
-              <a:t>Data Utilized for Analysis</a:t>
-            </a:r>
-          </a:p>
-        </p:txBody>
-      </p:sp>
-      <p:sp>
-        <p:nvSpPr>
-          <p:cNvPr id="3" name="Content Placeholder 2">
+            <a:pPr marL="0" indent="0">
+              <a:buNone/>
+            </a:pPr>
+            <a:r>
+              <a:rPr lang="en-US" u="sng" dirty="0"/>
+              <a:t>Other factors considered:</a:t>
+            </a:r>
+          </a:p>
+          <a:p>
+            <a:r>
+              <a:rPr lang="en-US" dirty="0"/>
+              <a:t>Day of the week</a:t>
+            </a:r>
+          </a:p>
+          <a:p>
+            <a:r>
+              <a:rPr lang="en-US" dirty="0"/>
+              <a:t>Gender of bicyclist</a:t>
+            </a:r>
+          </a:p>
+          <a:p>
+            <a:r>
+              <a:rPr lang="en-US" dirty="0"/>
+              <a:t>Involvement of alcohol</a:t>
+            </a:r>
+          </a:p>
+          <a:p>
+            <a:r>
+              <a:rPr lang="en-US" dirty="0"/>
+              <a:t>Direction of travel (bicyclist vs. traffic)</a:t>
+            </a:r>
+          </a:p>
+          <a:p>
+            <a:r>
+              <a:rPr lang="en-US" dirty="0"/>
+              <a:t>Cause of accident</a:t>
+            </a:r>
+          </a:p>
+        </p:txBody>
+      </p:sp>
+      <p:sp>
+        <p:nvSpPr>
+          <p:cNvPr id="7" name="Title 1">
             <a:extLst>
               <a:ext uri="{FF2B5EF4-FFF2-40B4-BE49-F238E27FC236}">
-                <a16:creationId xmlns:a16="http://schemas.microsoft.com/office/drawing/2014/main" id="{00876E7C-0CEC-4879-B617-EB31BA139EDC}"/>
+                <a16:creationId xmlns:a16="http://schemas.microsoft.com/office/drawing/2014/main" id="{D0993A81-114F-4D81-BF1E-887B7C38F118}"/>
               </a:ext>
             </a:extLst>
           </p:cNvPr>
-          <p:cNvSpPr>
-            <a:spLocks noGrp="1"/>
-          </p:cNvSpPr>
-          <p:nvPr>
-            <p:ph idx="1"/>
-          </p:nvPr>
-        </p:nvSpPr>
-        <p:spPr/>
-        <p:txBody>
-          <a:bodyPr/>
-          <a:lstStyle/>
-          <a:p>
-            <a:r>
-              <a:rPr lang="en-US" dirty="0"/>
-              <a:t>Pulled from the National Highway Transportation Safety Administration (NHTSA)</a:t>
-            </a:r>
-          </a:p>
-          <a:p>
-            <a:r>
-              <a:rPr lang="en-US" dirty="0"/>
-              <a:t>Focused on most recent crash data available (2017) for bicyclist fatalities only</a:t>
+          <p:cNvSpPr txBox="1">
+            <a:spLocks/>
+          </p:cNvSpPr>
+          <p:nvPr/>
+        </p:nvSpPr>
+        <p:spPr>
+          <a:xfrm>
+            <a:off x="412375" y="164706"/>
+            <a:ext cx="11525941" cy="1243811"/>
+          </a:xfrm>
+          <a:prstGeom prst="rect">
+            <a:avLst/>
+          </a:prstGeom>
+        </p:spPr>
+        <p:txBody>
+          <a:bodyPr vert="horz" lIns="91440" tIns="45720" rIns="91440" bIns="45720" rtlCol="0" anchor="ctr">
+            <a:noAutofit/>
+          </a:bodyPr>
+          <a:lstStyle>
+            <a:lvl1pPr algn="r" defTabSz="1219170" rtl="0" eaLnBrk="1" latinLnBrk="0" hangingPunct="1">
+              <a:spcBef>
+                <a:spcPct val="0"/>
+              </a:spcBef>
+              <a:buNone/>
+              <a:defRPr sz="4800" kern="1200" baseline="0">
+                <a:solidFill>
+                  <a:srgbClr val="002060"/>
+                </a:solidFill>
+                <a:effectLst>
+                  <a:outerShdw blurRad="50800" dist="38100" dir="2700000" algn="tl" rotWithShape="0">
+                    <a:prstClr val="black">
+                      <a:alpha val="40000"/>
+                    </a:prstClr>
+                  </a:outerShdw>
+                </a:effectLst>
+                <a:latin typeface="+mj-lt"/>
+                <a:ea typeface="+mj-ea"/>
+                <a:cs typeface="+mj-cs"/>
+              </a:defRPr>
+            </a:lvl1pPr>
+          </a:lstStyle>
+          <a:p>
+            <a:r>
+              <a:rPr lang="en-US" sz="4400" b="1" dirty="0">
+                <a:solidFill>
+                  <a:schemeClr val="bg1"/>
+                </a:solidFill>
+              </a:rPr>
+              <a:t>What Factors Contribute to a Higher </a:t>
+            </a:r>
+          </a:p>
+          <a:p>
+            <a:r>
+              <a:rPr lang="en-US" sz="4400" b="1" dirty="0">
+                <a:solidFill>
+                  <a:schemeClr val="bg1"/>
+                </a:solidFill>
+              </a:rPr>
+              <a:t>Risk of Bicycle Fatalities?</a:t>
             </a:r>
           </a:p>
         </p:txBody>
@@ -4714,7 +4717,7 @@
     </p:spTree>
     <p:extLst>
       <p:ext uri="{BB962C8B-B14F-4D97-AF65-F5344CB8AC3E}">
-        <p14:creationId xmlns:p14="http://schemas.microsoft.com/office/powerpoint/2010/main" val="4020643074"/>
+        <p14:creationId xmlns:p14="http://schemas.microsoft.com/office/powerpoint/2010/main" val="2136803843"/>
       </p:ext>
     </p:extLst>
   </p:cSld>
@@ -5599,6 +5602,96 @@
           <p:cNvPr id="2" name="Title 1">
             <a:extLst>
               <a:ext uri="{FF2B5EF4-FFF2-40B4-BE49-F238E27FC236}">
+                <a16:creationId xmlns:a16="http://schemas.microsoft.com/office/drawing/2014/main" id="{41AB2E51-DE05-44AF-8C1F-9E63FAFD2553}"/>
+              </a:ext>
+            </a:extLst>
+          </p:cNvPr>
+          <p:cNvSpPr>
+            <a:spLocks noGrp="1"/>
+          </p:cNvSpPr>
+          <p:nvPr>
+            <p:ph type="title"/>
+          </p:nvPr>
+        </p:nvSpPr>
+        <p:spPr/>
+        <p:txBody>
+          <a:bodyPr/>
+          <a:lstStyle/>
+          <a:p>
+            <a:r>
+              <a:rPr lang="en-US" dirty="0">
+                <a:solidFill>
+                  <a:schemeClr val="bg1"/>
+                </a:solidFill>
+              </a:rPr>
+              <a:t>Data Features Definitions</a:t>
+            </a:r>
+          </a:p>
+        </p:txBody>
+      </p:sp>
+      <p:sp>
+        <p:nvSpPr>
+          <p:cNvPr id="3" name="Content Placeholder 2">
+            <a:extLst>
+              <a:ext uri="{FF2B5EF4-FFF2-40B4-BE49-F238E27FC236}">
+                <a16:creationId xmlns:a16="http://schemas.microsoft.com/office/drawing/2014/main" id="{C47EE0DB-F37A-4EA0-9134-3987C265D4B1}"/>
+              </a:ext>
+            </a:extLst>
+          </p:cNvPr>
+          <p:cNvSpPr>
+            <a:spLocks noGrp="1"/>
+          </p:cNvSpPr>
+          <p:nvPr>
+            <p:ph idx="1"/>
+          </p:nvPr>
+        </p:nvSpPr>
+        <p:spPr/>
+        <p:txBody>
+          <a:bodyPr/>
+          <a:lstStyle/>
+          <a:p>
+            <a:r>
+              <a:rPr lang="en-US" dirty="0"/>
+              <a:t>Do we want to define features during presentation just verbally?</a:t>
+            </a:r>
+          </a:p>
+        </p:txBody>
+      </p:sp>
+    </p:spTree>
+    <p:extLst>
+      <p:ext uri="{BB962C8B-B14F-4D97-AF65-F5344CB8AC3E}">
+        <p14:creationId xmlns:p14="http://schemas.microsoft.com/office/powerpoint/2010/main" val="519223448"/>
+      </p:ext>
+    </p:extLst>
+  </p:cSld>
+  <p:clrMapOvr>
+    <a:masterClrMapping/>
+  </p:clrMapOvr>
+</p:sld>
+</file>
+
+<file path=ppt/slides/slide7.xml><?xml version="1.0" encoding="utf-8"?>
+<p:sld xmlns:a="http://schemas.openxmlformats.org/drawingml/2006/main" xmlns:r="http://schemas.openxmlformats.org/officeDocument/2006/relationships" xmlns:p="http://schemas.openxmlformats.org/presentationml/2006/main">
+  <p:cSld>
+    <p:spTree>
+      <p:nvGrpSpPr>
+        <p:cNvPr id="1" name=""/>
+        <p:cNvGrpSpPr/>
+        <p:nvPr/>
+      </p:nvGrpSpPr>
+      <p:grpSpPr>
+        <a:xfrm>
+          <a:off x="0" y="0"/>
+          <a:ext cx="0" cy="0"/>
+          <a:chOff x="0" y="0"/>
+          <a:chExt cx="0" cy="0"/>
+        </a:xfrm>
+      </p:grpSpPr>
+      <p:sp>
+        <p:nvSpPr>
+          <p:cNvPr id="2" name="Title 1">
+            <a:extLst>
+              <a:ext uri="{FF2B5EF4-FFF2-40B4-BE49-F238E27FC236}">
                 <a16:creationId xmlns:a16="http://schemas.microsoft.com/office/drawing/2014/main" id="{C83A0351-F2B0-4118-8652-528BF0743D23}"/>
               </a:ext>
             </a:extLst>
@@ -5669,7 +5762,7 @@
 </p:sld>
 </file>
 
-<file path=ppt/slides/slide7.xml><?xml version="1.0" encoding="utf-8"?>
+<file path=ppt/slides/slide8.xml><?xml version="1.0" encoding="utf-8"?>
 <p:sld xmlns:a="http://schemas.openxmlformats.org/drawingml/2006/main" xmlns:r="http://schemas.openxmlformats.org/officeDocument/2006/relationships" xmlns:p="http://schemas.openxmlformats.org/presentationml/2006/main">
   <p:cSld>
     <p:spTree>

--- a/US Bicycle Fatalities_Group 4.pptx
+++ b/US Bicycle Fatalities_Group 4.pptx
@@ -549,6 +549,177 @@
     <p:extLst>
       <p:ext uri="{BB962C8B-B14F-4D97-AF65-F5344CB8AC3E}">
         <p14:creationId xmlns:p14="http://schemas.microsoft.com/office/powerpoint/2010/main" val="1681951065"/>
+      </p:ext>
+    </p:extLst>
+  </p:cSld>
+  <p:clrMapOvr>
+    <a:masterClrMapping/>
+  </p:clrMapOvr>
+</p:notes>
+</file>
+
+<file path=ppt/notesSlides/notesSlide2.xml><?xml version="1.0" encoding="utf-8"?>
+<p:notes xmlns:a="http://schemas.openxmlformats.org/drawingml/2006/main" xmlns:r="http://schemas.openxmlformats.org/officeDocument/2006/relationships" xmlns:p="http://schemas.openxmlformats.org/presentationml/2006/main">
+  <p:cSld>
+    <p:spTree>
+      <p:nvGrpSpPr>
+        <p:cNvPr id="1" name=""/>
+        <p:cNvGrpSpPr/>
+        <p:nvPr/>
+      </p:nvGrpSpPr>
+      <p:grpSpPr>
+        <a:xfrm>
+          <a:off x="0" y="0"/>
+          <a:ext cx="0" cy="0"/>
+          <a:chOff x="0" y="0"/>
+          <a:chExt cx="0" cy="0"/>
+        </a:xfrm>
+      </p:grpSpPr>
+      <p:sp>
+        <p:nvSpPr>
+          <p:cNvPr id="2" name="Slide Image Placeholder 1"/>
+          <p:cNvSpPr>
+            <a:spLocks noGrp="1" noRot="1" noChangeAspect="1"/>
+          </p:cNvSpPr>
+          <p:nvPr>
+            <p:ph type="sldImg"/>
+          </p:nvPr>
+        </p:nvSpPr>
+        <p:spPr/>
+      </p:sp>
+      <p:sp>
+        <p:nvSpPr>
+          <p:cNvPr id="3" name="Notes Placeholder 2"/>
+          <p:cNvSpPr>
+            <a:spLocks noGrp="1"/>
+          </p:cNvSpPr>
+          <p:nvPr>
+            <p:ph type="body" idx="1"/>
+          </p:nvPr>
+        </p:nvSpPr>
+        <p:spPr/>
+        <p:txBody>
+          <a:bodyPr/>
+          <a:lstStyle/>
+          <a:p>
+            <a:endParaRPr lang="en-US" dirty="0"/>
+          </a:p>
+        </p:txBody>
+      </p:sp>
+      <p:sp>
+        <p:nvSpPr>
+          <p:cNvPr id="4" name="Slide Number Placeholder 3"/>
+          <p:cNvSpPr>
+            <a:spLocks noGrp="1"/>
+          </p:cNvSpPr>
+          <p:nvPr>
+            <p:ph type="sldNum" sz="quarter" idx="5"/>
+          </p:nvPr>
+        </p:nvSpPr>
+        <p:spPr/>
+        <p:txBody>
+          <a:bodyPr/>
+          <a:lstStyle/>
+          <a:p>
+            <a:fld id="{265EB43F-5B02-4A39-ABA6-1416420AA7A8}" type="slidenum">
+              <a:rPr lang="en-US" smtClean="0"/>
+              <a:t>5</a:t>
+            </a:fld>
+            <a:endParaRPr lang="en-US"/>
+          </a:p>
+        </p:txBody>
+      </p:sp>
+    </p:spTree>
+    <p:extLst>
+      <p:ext uri="{BB962C8B-B14F-4D97-AF65-F5344CB8AC3E}">
+        <p14:creationId xmlns:p14="http://schemas.microsoft.com/office/powerpoint/2010/main" val="2514645530"/>
+      </p:ext>
+    </p:extLst>
+  </p:cSld>
+  <p:clrMapOvr>
+    <a:masterClrMapping/>
+  </p:clrMapOvr>
+</p:notes>
+</file>
+
+<file path=ppt/notesSlides/notesSlide3.xml><?xml version="1.0" encoding="utf-8"?>
+<p:notes xmlns:a="http://schemas.openxmlformats.org/drawingml/2006/main" xmlns:r="http://schemas.openxmlformats.org/officeDocument/2006/relationships" xmlns:p="http://schemas.openxmlformats.org/presentationml/2006/main">
+  <p:cSld>
+    <p:spTree>
+      <p:nvGrpSpPr>
+        <p:cNvPr id="1" name=""/>
+        <p:cNvGrpSpPr/>
+        <p:nvPr/>
+      </p:nvGrpSpPr>
+      <p:grpSpPr>
+        <a:xfrm>
+          <a:off x="0" y="0"/>
+          <a:ext cx="0" cy="0"/>
+          <a:chOff x="0" y="0"/>
+          <a:chExt cx="0" cy="0"/>
+        </a:xfrm>
+      </p:grpSpPr>
+      <p:sp>
+        <p:nvSpPr>
+          <p:cNvPr id="2" name="Slide Image Placeholder 1"/>
+          <p:cNvSpPr>
+            <a:spLocks noGrp="1" noRot="1" noChangeAspect="1"/>
+          </p:cNvSpPr>
+          <p:nvPr>
+            <p:ph type="sldImg"/>
+          </p:nvPr>
+        </p:nvSpPr>
+        <p:spPr/>
+      </p:sp>
+      <p:sp>
+        <p:nvSpPr>
+          <p:cNvPr id="3" name="Notes Placeholder 2"/>
+          <p:cNvSpPr>
+            <a:spLocks noGrp="1"/>
+          </p:cNvSpPr>
+          <p:nvPr>
+            <p:ph type="body" idx="1"/>
+          </p:nvPr>
+        </p:nvSpPr>
+        <p:spPr/>
+        <p:txBody>
+          <a:bodyPr/>
+          <a:lstStyle/>
+          <a:p>
+            <a:r>
+              <a:rPr lang="en-US" dirty="0"/>
+              <a:t>Add features most used</a:t>
+            </a:r>
+          </a:p>
+        </p:txBody>
+      </p:sp>
+      <p:sp>
+        <p:nvSpPr>
+          <p:cNvPr id="4" name="Slide Number Placeholder 3"/>
+          <p:cNvSpPr>
+            <a:spLocks noGrp="1"/>
+          </p:cNvSpPr>
+          <p:nvPr>
+            <p:ph type="sldNum" sz="quarter" idx="5"/>
+          </p:nvPr>
+        </p:nvSpPr>
+        <p:spPr/>
+        <p:txBody>
+          <a:bodyPr/>
+          <a:lstStyle/>
+          <a:p>
+            <a:fld id="{265EB43F-5B02-4A39-ABA6-1416420AA7A8}" type="slidenum">
+              <a:rPr lang="en-US" smtClean="0"/>
+              <a:t>6</a:t>
+            </a:fld>
+            <a:endParaRPr lang="en-US"/>
+          </a:p>
+        </p:txBody>
+      </p:sp>
+    </p:spTree>
+    <p:extLst>
+      <p:ext uri="{BB962C8B-B14F-4D97-AF65-F5344CB8AC3E}">
+        <p14:creationId xmlns:p14="http://schemas.microsoft.com/office/powerpoint/2010/main" val="1363139717"/>
       </p:ext>
     </p:extLst>
   </p:cSld>
@@ -5624,7 +5795,7 @@
                   <a:schemeClr val="bg1"/>
                 </a:solidFill>
               </a:rPr>
-              <a:t>Data Features Definitions</a:t>
+              <a:t>Data Features Used in Analysis</a:t>
             </a:r>
           </a:p>
         </p:txBody>
@@ -5650,10 +5821,7 @@
           <a:bodyPr/>
           <a:lstStyle/>
           <a:p>
-            <a:r>
-              <a:rPr lang="en-US" dirty="0"/>
-              <a:t>Do we want to define features during presentation just verbally?</a:t>
-            </a:r>
+            <a:endParaRPr lang="en-US" dirty="0"/>
           </a:p>
         </p:txBody>
       </p:sp>

--- a/US Bicycle Fatalities_Group 4.pptx
+++ b/US Bicycle Fatalities_Group 4.pptx
@@ -5,7 +5,7 @@
     <p:sldMasterId id="2147483660" r:id="rId1"/>
   </p:sldMasterIdLst>
   <p:notesMasterIdLst>
-    <p:notesMasterId r:id="rId10"/>
+    <p:notesMasterId r:id="rId12"/>
   </p:notesMasterIdLst>
   <p:sldIdLst>
     <p:sldId id="256" r:id="rId2"/>
@@ -16,6 +16,8 @@
     <p:sldId id="264" r:id="rId7"/>
     <p:sldId id="261" r:id="rId8"/>
     <p:sldId id="262" r:id="rId9"/>
+    <p:sldId id="265" r:id="rId10"/>
+    <p:sldId id="266" r:id="rId11"/>
   </p:sldIdLst>
   <p:sldSz cx="12192000" cy="6858000"/>
   <p:notesSz cx="6858000" cy="9144000"/>
@@ -204,7 +206,7 @@
           <a:p>
             <a:fld id="{2D8596F9-D31B-4687-976B-51472F7B15D4}" type="datetimeFigureOut">
               <a:rPr lang="en-US" smtClean="0"/>
-              <a:t>10/24/2019</a:t>
+              <a:t>10/29/2019</a:t>
             </a:fld>
             <a:endParaRPr lang="en-US"/>
           </a:p>
@@ -729,6 +731,93 @@
 </p:notes>
 </file>
 
+<file path=ppt/notesSlides/notesSlide4.xml><?xml version="1.0" encoding="utf-8"?>
+<p:notes xmlns:a="http://schemas.openxmlformats.org/drawingml/2006/main" xmlns:r="http://schemas.openxmlformats.org/officeDocument/2006/relationships" xmlns:p="http://schemas.openxmlformats.org/presentationml/2006/main">
+  <p:cSld>
+    <p:spTree>
+      <p:nvGrpSpPr>
+        <p:cNvPr id="1" name=""/>
+        <p:cNvGrpSpPr/>
+        <p:nvPr/>
+      </p:nvGrpSpPr>
+      <p:grpSpPr>
+        <a:xfrm>
+          <a:off x="0" y="0"/>
+          <a:ext cx="0" cy="0"/>
+          <a:chOff x="0" y="0"/>
+          <a:chExt cx="0" cy="0"/>
+        </a:xfrm>
+      </p:grpSpPr>
+      <p:sp>
+        <p:nvSpPr>
+          <p:cNvPr id="2" name="Slide Image Placeholder 1"/>
+          <p:cNvSpPr>
+            <a:spLocks noGrp="1" noRot="1" noChangeAspect="1"/>
+          </p:cNvSpPr>
+          <p:nvPr>
+            <p:ph type="sldImg"/>
+          </p:nvPr>
+        </p:nvSpPr>
+        <p:spPr/>
+      </p:sp>
+      <p:sp>
+        <p:nvSpPr>
+          <p:cNvPr id="3" name="Notes Placeholder 2"/>
+          <p:cNvSpPr>
+            <a:spLocks noGrp="1"/>
+          </p:cNvSpPr>
+          <p:nvPr>
+            <p:ph type="body" idx="1"/>
+          </p:nvPr>
+        </p:nvSpPr>
+        <p:spPr/>
+        <p:txBody>
+          <a:bodyPr/>
+          <a:lstStyle/>
+          <a:p>
+            <a:r>
+              <a:rPr lang="en-US" dirty="0"/>
+              <a:t>This correlates with our hypothesis that more urban areas are susceptible to bicycle crashes. </a:t>
+            </a:r>
+          </a:p>
+        </p:txBody>
+      </p:sp>
+      <p:sp>
+        <p:nvSpPr>
+          <p:cNvPr id="4" name="Slide Number Placeholder 3"/>
+          <p:cNvSpPr>
+            <a:spLocks noGrp="1"/>
+          </p:cNvSpPr>
+          <p:nvPr>
+            <p:ph type="sldNum" sz="quarter" idx="5"/>
+          </p:nvPr>
+        </p:nvSpPr>
+        <p:spPr/>
+        <p:txBody>
+          <a:bodyPr/>
+          <a:lstStyle/>
+          <a:p>
+            <a:fld id="{265EB43F-5B02-4A39-ABA6-1416420AA7A8}" type="slidenum">
+              <a:rPr lang="en-US" smtClean="0"/>
+              <a:t>10</a:t>
+            </a:fld>
+            <a:endParaRPr lang="en-US"/>
+          </a:p>
+        </p:txBody>
+      </p:sp>
+    </p:spTree>
+    <p:extLst>
+      <p:ext uri="{BB962C8B-B14F-4D97-AF65-F5344CB8AC3E}">
+        <p14:creationId xmlns:p14="http://schemas.microsoft.com/office/powerpoint/2010/main" val="296986981"/>
+      </p:ext>
+    </p:extLst>
+  </p:cSld>
+  <p:clrMapOvr>
+    <a:masterClrMapping/>
+  </p:clrMapOvr>
+</p:notes>
+</file>
+
 <file path=ppt/slideLayouts/slideLayout1.xml><?xml version="1.0" encoding="utf-8"?>
 <p:sldLayout xmlns:a="http://schemas.openxmlformats.org/drawingml/2006/main" xmlns:r="http://schemas.openxmlformats.org/officeDocument/2006/relationships" xmlns:p="http://schemas.openxmlformats.org/presentationml/2006/main" type="title" preserve="1">
   <p:cSld name="Title Slide">
@@ -949,7 +1038,7 @@
           <a:p>
             <a:fld id="{0D54D437-38F9-4602-9571-28821A5CC1D5}" type="datetimeFigureOut">
               <a:rPr lang="en-US" smtClean="0"/>
-              <a:t>10/24/2019</a:t>
+              <a:t>10/29/2019</a:t>
             </a:fld>
             <a:endParaRPr lang="en-US"/>
           </a:p>
@@ -1204,7 +1293,7 @@
           <a:p>
             <a:fld id="{0D54D437-38F9-4602-9571-28821A5CC1D5}" type="datetimeFigureOut">
               <a:rPr lang="en-US" smtClean="0"/>
-              <a:t>10/24/2019</a:t>
+              <a:t>10/29/2019</a:t>
             </a:fld>
             <a:endParaRPr lang="en-US"/>
           </a:p>
@@ -1372,7 +1461,7 @@
           <a:p>
             <a:fld id="{0D54D437-38F9-4602-9571-28821A5CC1D5}" type="datetimeFigureOut">
               <a:rPr lang="en-US" smtClean="0"/>
-              <a:t>10/24/2019</a:t>
+              <a:t>10/29/2019</a:t>
             </a:fld>
             <a:endParaRPr lang="en-US"/>
           </a:p>
@@ -1550,7 +1639,7 @@
           <a:p>
             <a:fld id="{0D54D437-38F9-4602-9571-28821A5CC1D5}" type="datetimeFigureOut">
               <a:rPr lang="en-US" smtClean="0"/>
-              <a:t>10/24/2019</a:t>
+              <a:t>10/29/2019</a:t>
             </a:fld>
             <a:endParaRPr lang="en-US"/>
           </a:p>
@@ -1832,7 +1921,7 @@
           <a:p>
             <a:fld id="{0D54D437-38F9-4602-9571-28821A5CC1D5}" type="datetimeFigureOut">
               <a:rPr lang="en-US" smtClean="0"/>
-              <a:t>10/24/2019</a:t>
+              <a:t>10/29/2019</a:t>
             </a:fld>
             <a:endParaRPr lang="en-US"/>
           </a:p>
@@ -2079,7 +2168,7 @@
           <a:p>
             <a:fld id="{0D54D437-38F9-4602-9571-28821A5CC1D5}" type="datetimeFigureOut">
               <a:rPr lang="en-US" smtClean="0"/>
-              <a:t>10/24/2019</a:t>
+              <a:t>10/29/2019</a:t>
             </a:fld>
             <a:endParaRPr lang="en-US"/>
           </a:p>
@@ -2324,7 +2413,7 @@
           <a:p>
             <a:fld id="{0D54D437-38F9-4602-9571-28821A5CC1D5}" type="datetimeFigureOut">
               <a:rPr lang="en-US" smtClean="0"/>
-              <a:t>10/24/2019</a:t>
+              <a:t>10/29/2019</a:t>
             </a:fld>
             <a:endParaRPr lang="en-US"/>
           </a:p>
@@ -2609,7 +2698,7 @@
           <a:p>
             <a:fld id="{0D54D437-38F9-4602-9571-28821A5CC1D5}" type="datetimeFigureOut">
               <a:rPr lang="en-US" smtClean="0"/>
-              <a:t>10/24/2019</a:t>
+              <a:t>10/29/2019</a:t>
             </a:fld>
             <a:endParaRPr lang="en-US"/>
           </a:p>
@@ -3097,7 +3186,7 @@
           <a:p>
             <a:fld id="{0D54D437-38F9-4602-9571-28821A5CC1D5}" type="datetimeFigureOut">
               <a:rPr lang="en-US" smtClean="0"/>
-              <a:t>10/24/2019</a:t>
+              <a:t>10/29/2019</a:t>
             </a:fld>
             <a:endParaRPr lang="en-US"/>
           </a:p>
@@ -3214,7 +3303,7 @@
           <a:p>
             <a:fld id="{0D54D437-38F9-4602-9571-28821A5CC1D5}" type="datetimeFigureOut">
               <a:rPr lang="en-US" smtClean="0"/>
-              <a:t>10/24/2019</a:t>
+              <a:t>10/29/2019</a:t>
             </a:fld>
             <a:endParaRPr lang="en-US"/>
           </a:p>
@@ -3309,7 +3398,7 @@
           <a:p>
             <a:fld id="{0D54D437-38F9-4602-9571-28821A5CC1D5}" type="datetimeFigureOut">
               <a:rPr lang="en-US" smtClean="0"/>
-              <a:t>10/24/2019</a:t>
+              <a:t>10/29/2019</a:t>
             </a:fld>
             <a:endParaRPr lang="en-US"/>
           </a:p>
@@ -3584,7 +3673,7 @@
           <a:p>
             <a:fld id="{0D54D437-38F9-4602-9571-28821A5CC1D5}" type="datetimeFigureOut">
               <a:rPr lang="en-US" smtClean="0"/>
-              <a:t>10/24/2019</a:t>
+              <a:t>10/29/2019</a:t>
             </a:fld>
             <a:endParaRPr lang="en-US"/>
           </a:p>
@@ -3804,7 +3893,7 @@
           <a:p>
             <a:fld id="{0D54D437-38F9-4602-9571-28821A5CC1D5}" type="datetimeFigureOut">
               <a:rPr lang="en-US" smtClean="0"/>
-              <a:t>10/24/2019</a:t>
+              <a:t>10/29/2019</a:t>
             </a:fld>
             <a:endParaRPr lang="en-US"/>
           </a:p>
@@ -4440,6 +4529,627 @@
 </p:sld>
 </file>
 
+<file path=ppt/slides/slide10.xml><?xml version="1.0" encoding="utf-8"?>
+<p:sld xmlns:a="http://schemas.openxmlformats.org/drawingml/2006/main" xmlns:r="http://schemas.openxmlformats.org/officeDocument/2006/relationships" xmlns:p="http://schemas.openxmlformats.org/presentationml/2006/main">
+  <p:cSld>
+    <p:spTree>
+      <p:nvGrpSpPr>
+        <p:cNvPr id="1" name=""/>
+        <p:cNvGrpSpPr/>
+        <p:nvPr/>
+      </p:nvGrpSpPr>
+      <p:grpSpPr>
+        <a:xfrm>
+          <a:off x="0" y="0"/>
+          <a:ext cx="0" cy="0"/>
+          <a:chOff x="0" y="0"/>
+          <a:chExt cx="0" cy="0"/>
+        </a:xfrm>
+      </p:grpSpPr>
+      <p:sp>
+        <p:nvSpPr>
+          <p:cNvPr id="2" name="Title 1">
+            <a:extLst>
+              <a:ext uri="{FF2B5EF4-FFF2-40B4-BE49-F238E27FC236}">
+                <a16:creationId xmlns:a16="http://schemas.microsoft.com/office/drawing/2014/main" id="{A3088442-7183-47CB-B5EF-C175260737F6}"/>
+              </a:ext>
+            </a:extLst>
+          </p:cNvPr>
+          <p:cNvSpPr>
+            <a:spLocks noGrp="1"/>
+          </p:cNvSpPr>
+          <p:nvPr>
+            <p:ph type="title"/>
+          </p:nvPr>
+        </p:nvSpPr>
+        <p:spPr>
+          <a:xfrm>
+            <a:off x="3245506" y="943884"/>
+            <a:ext cx="8347873" cy="763525"/>
+          </a:xfrm>
+        </p:spPr>
+        <p:txBody>
+          <a:bodyPr>
+            <a:normAutofit fontScale="90000"/>
+          </a:bodyPr>
+          <a:lstStyle/>
+          <a:p>
+            <a:r>
+              <a:rPr lang="en-US" b="1" dirty="0">
+                <a:solidFill>
+                  <a:schemeClr val="bg1"/>
+                </a:solidFill>
+              </a:rPr>
+              <a:t>Fatalities by State – Top 5	</a:t>
+            </a:r>
+          </a:p>
+        </p:txBody>
+      </p:sp>
+      <p:graphicFrame>
+        <p:nvGraphicFramePr>
+          <p:cNvPr id="4" name="Content Placeholder 3">
+            <a:extLst>
+              <a:ext uri="{FF2B5EF4-FFF2-40B4-BE49-F238E27FC236}">
+                <a16:creationId xmlns:a16="http://schemas.microsoft.com/office/drawing/2014/main" id="{2C19FFBA-98BC-436F-BBA1-E651FF3AFE0D}"/>
+              </a:ext>
+            </a:extLst>
+          </p:cNvPr>
+          <p:cNvGraphicFramePr>
+            <a:graphicFrameLocks noGrp="1"/>
+          </p:cNvGraphicFramePr>
+          <p:nvPr>
+            <p:ph idx="1"/>
+            <p:extLst>
+              <p:ext uri="{D42A27DB-BD31-4B8C-83A1-F6EECF244321}">
+                <p14:modId xmlns:p14="http://schemas.microsoft.com/office/powerpoint/2010/main" val="114573082"/>
+              </p:ext>
+            </p:extLst>
+          </p:nvPr>
+        </p:nvGraphicFramePr>
+        <p:xfrm>
+          <a:off x="3418586" y="2908681"/>
+          <a:ext cx="3741166" cy="2865120"/>
+        </p:xfrm>
+        <a:graphic>
+          <a:graphicData uri="http://schemas.openxmlformats.org/drawingml/2006/table">
+            <a:tbl>
+              <a:tblPr firstRow="1" bandRow="1">
+                <a:tableStyleId>{F5AB1C69-6EDB-4FF4-983F-18BD219EF322}</a:tableStyleId>
+              </a:tblPr>
+              <a:tblGrid>
+                <a:gridCol w="1870583">
+                  <a:extLst>
+                    <a:ext uri="{9D8B030D-6E8A-4147-A177-3AD203B41FA5}">
+                      <a16:colId xmlns:a16="http://schemas.microsoft.com/office/drawing/2014/main" val="57882462"/>
+                    </a:ext>
+                  </a:extLst>
+                </a:gridCol>
+                <a:gridCol w="1870583">
+                  <a:extLst>
+                    <a:ext uri="{9D8B030D-6E8A-4147-A177-3AD203B41FA5}">
+                      <a16:colId xmlns:a16="http://schemas.microsoft.com/office/drawing/2014/main" val="135359022"/>
+                    </a:ext>
+                  </a:extLst>
+                </a:gridCol>
+              </a:tblGrid>
+              <a:tr h="370840">
+                <a:tc>
+                  <a:txBody>
+                    <a:bodyPr/>
+                    <a:lstStyle/>
+                    <a:p>
+                      <a:r>
+                        <a:rPr lang="en-US" sz="1600" dirty="0"/>
+                        <a:t>State</a:t>
+                      </a:r>
+                    </a:p>
+                  </a:txBody>
+                  <a:tcPr>
+                    <a:solidFill>
+                      <a:srgbClr val="D1FF00"/>
+                    </a:solidFill>
+                  </a:tcPr>
+                </a:tc>
+                <a:tc>
+                  <a:txBody>
+                    <a:bodyPr/>
+                    <a:lstStyle/>
+                    <a:p>
+                      <a:r>
+                        <a:rPr lang="en-US" sz="1600" dirty="0"/>
+                        <a:t>Number of Fatalities in Data</a:t>
+                      </a:r>
+                    </a:p>
+                  </a:txBody>
+                  <a:tcPr>
+                    <a:solidFill>
+                      <a:srgbClr val="D1FF00"/>
+                    </a:solidFill>
+                  </a:tcPr>
+                </a:tc>
+                <a:extLst>
+                  <a:ext uri="{0D108BD9-81ED-4DB2-BD59-A6C34878D82A}">
+                    <a16:rowId xmlns:a16="http://schemas.microsoft.com/office/drawing/2014/main" val="3543200142"/>
+                  </a:ext>
+                </a:extLst>
+              </a:tr>
+              <a:tr h="370840">
+                <a:tc>
+                  <a:txBody>
+                    <a:bodyPr/>
+                    <a:lstStyle/>
+                    <a:p>
+                      <a:r>
+                        <a:rPr lang="en-US" dirty="0"/>
+                        <a:t>California</a:t>
+                      </a:r>
+                    </a:p>
+                  </a:txBody>
+                  <a:tcPr/>
+                </a:tc>
+                <a:tc>
+                  <a:txBody>
+                    <a:bodyPr/>
+                    <a:lstStyle/>
+                    <a:p>
+                      <a:r>
+                        <a:rPr lang="en-US" dirty="0"/>
+                        <a:t>124</a:t>
+                      </a:r>
+                    </a:p>
+                  </a:txBody>
+                  <a:tcPr/>
+                </a:tc>
+                <a:extLst>
+                  <a:ext uri="{0D108BD9-81ED-4DB2-BD59-A6C34878D82A}">
+                    <a16:rowId xmlns:a16="http://schemas.microsoft.com/office/drawing/2014/main" val="1302391072"/>
+                  </a:ext>
+                </a:extLst>
+              </a:tr>
+              <a:tr h="370840">
+                <a:tc>
+                  <a:txBody>
+                    <a:bodyPr/>
+                    <a:lstStyle/>
+                    <a:p>
+                      <a:r>
+                        <a:rPr lang="en-US" dirty="0"/>
+                        <a:t>Florida</a:t>
+                      </a:r>
+                    </a:p>
+                  </a:txBody>
+                  <a:tcPr/>
+                </a:tc>
+                <a:tc>
+                  <a:txBody>
+                    <a:bodyPr/>
+                    <a:lstStyle/>
+                    <a:p>
+                      <a:r>
+                        <a:rPr lang="en-US" dirty="0"/>
+                        <a:t>119</a:t>
+                      </a:r>
+                    </a:p>
+                  </a:txBody>
+                  <a:tcPr/>
+                </a:tc>
+                <a:extLst>
+                  <a:ext uri="{0D108BD9-81ED-4DB2-BD59-A6C34878D82A}">
+                    <a16:rowId xmlns:a16="http://schemas.microsoft.com/office/drawing/2014/main" val="1842595682"/>
+                  </a:ext>
+                </a:extLst>
+              </a:tr>
+              <a:tr h="370840">
+                <a:tc>
+                  <a:txBody>
+                    <a:bodyPr/>
+                    <a:lstStyle/>
+                    <a:p>
+                      <a:r>
+                        <a:rPr lang="en-US" dirty="0"/>
+                        <a:t>Texas</a:t>
+                      </a:r>
+                    </a:p>
+                  </a:txBody>
+                  <a:tcPr/>
+                </a:tc>
+                <a:tc>
+                  <a:txBody>
+                    <a:bodyPr/>
+                    <a:lstStyle/>
+                    <a:p>
+                      <a:r>
+                        <a:rPr lang="en-US" dirty="0"/>
+                        <a:t>59</a:t>
+                      </a:r>
+                    </a:p>
+                  </a:txBody>
+                  <a:tcPr/>
+                </a:tc>
+                <a:extLst>
+                  <a:ext uri="{0D108BD9-81ED-4DB2-BD59-A6C34878D82A}">
+                    <a16:rowId xmlns:a16="http://schemas.microsoft.com/office/drawing/2014/main" val="1318821594"/>
+                  </a:ext>
+                </a:extLst>
+              </a:tr>
+              <a:tr h="370840">
+                <a:tc>
+                  <a:txBody>
+                    <a:bodyPr/>
+                    <a:lstStyle/>
+                    <a:p>
+                      <a:r>
+                        <a:rPr lang="en-US" dirty="0"/>
+                        <a:t>New York</a:t>
+                      </a:r>
+                    </a:p>
+                  </a:txBody>
+                  <a:tcPr/>
+                </a:tc>
+                <a:tc>
+                  <a:txBody>
+                    <a:bodyPr/>
+                    <a:lstStyle/>
+                    <a:p>
+                      <a:r>
+                        <a:rPr lang="en-US" dirty="0"/>
+                        <a:t>47</a:t>
+                      </a:r>
+                    </a:p>
+                  </a:txBody>
+                  <a:tcPr/>
+                </a:tc>
+                <a:extLst>
+                  <a:ext uri="{0D108BD9-81ED-4DB2-BD59-A6C34878D82A}">
+                    <a16:rowId xmlns:a16="http://schemas.microsoft.com/office/drawing/2014/main" val="4075301972"/>
+                  </a:ext>
+                </a:extLst>
+              </a:tr>
+              <a:tr h="370840">
+                <a:tc>
+                  <a:txBody>
+                    <a:bodyPr/>
+                    <a:lstStyle/>
+                    <a:p>
+                      <a:r>
+                        <a:rPr lang="en-US" dirty="0"/>
+                        <a:t>Arizona</a:t>
+                      </a:r>
+                    </a:p>
+                  </a:txBody>
+                  <a:tcPr/>
+                </a:tc>
+                <a:tc>
+                  <a:txBody>
+                    <a:bodyPr/>
+                    <a:lstStyle/>
+                    <a:p>
+                      <a:r>
+                        <a:rPr lang="en-US" dirty="0"/>
+                        <a:t>33</a:t>
+                      </a:r>
+                    </a:p>
+                  </a:txBody>
+                  <a:tcPr/>
+                </a:tc>
+                <a:extLst>
+                  <a:ext uri="{0D108BD9-81ED-4DB2-BD59-A6C34878D82A}">
+                    <a16:rowId xmlns:a16="http://schemas.microsoft.com/office/drawing/2014/main" val="1997806999"/>
+                  </a:ext>
+                </a:extLst>
+              </a:tr>
+            </a:tbl>
+          </a:graphicData>
+        </a:graphic>
+      </p:graphicFrame>
+      <p:graphicFrame>
+        <p:nvGraphicFramePr>
+          <p:cNvPr id="6" name="Content Placeholder 3">
+            <a:extLst>
+              <a:ext uri="{FF2B5EF4-FFF2-40B4-BE49-F238E27FC236}">
+                <a16:creationId xmlns:a16="http://schemas.microsoft.com/office/drawing/2014/main" id="{B6A18B74-3D02-4E44-AD3F-A164FB9F663C}"/>
+              </a:ext>
+            </a:extLst>
+          </p:cNvPr>
+          <p:cNvGraphicFramePr>
+            <a:graphicFrameLocks/>
+          </p:cNvGraphicFramePr>
+          <p:nvPr>
+            <p:extLst>
+              <p:ext uri="{D42A27DB-BD31-4B8C-83A1-F6EECF244321}">
+                <p14:modId xmlns:p14="http://schemas.microsoft.com/office/powerpoint/2010/main" val="1924585805"/>
+              </p:ext>
+            </p:extLst>
+          </p:nvPr>
+        </p:nvGraphicFramePr>
+        <p:xfrm>
+          <a:off x="8106410" y="2908681"/>
+          <a:ext cx="3741166" cy="2656840"/>
+        </p:xfrm>
+        <a:graphic>
+          <a:graphicData uri="http://schemas.openxmlformats.org/drawingml/2006/table">
+            <a:tbl>
+              <a:tblPr firstRow="1" bandRow="1">
+                <a:tableStyleId>{F5AB1C69-6EDB-4FF4-983F-18BD219EF322}</a:tableStyleId>
+              </a:tblPr>
+              <a:tblGrid>
+                <a:gridCol w="1870583">
+                  <a:extLst>
+                    <a:ext uri="{9D8B030D-6E8A-4147-A177-3AD203B41FA5}">
+                      <a16:colId xmlns:a16="http://schemas.microsoft.com/office/drawing/2014/main" val="57882462"/>
+                    </a:ext>
+                  </a:extLst>
+                </a:gridCol>
+                <a:gridCol w="1870583">
+                  <a:extLst>
+                    <a:ext uri="{9D8B030D-6E8A-4147-A177-3AD203B41FA5}">
+                      <a16:colId xmlns:a16="http://schemas.microsoft.com/office/drawing/2014/main" val="135359022"/>
+                    </a:ext>
+                  </a:extLst>
+                </a:gridCol>
+              </a:tblGrid>
+              <a:tr h="370840">
+                <a:tc>
+                  <a:txBody>
+                    <a:bodyPr/>
+                    <a:lstStyle/>
+                    <a:p>
+                      <a:r>
+                        <a:rPr lang="en-US" sz="1600" dirty="0"/>
+                        <a:t>State</a:t>
+                      </a:r>
+                    </a:p>
+                  </a:txBody>
+                  <a:tcPr>
+                    <a:solidFill>
+                      <a:srgbClr val="D1FF00"/>
+                    </a:solidFill>
+                  </a:tcPr>
+                </a:tc>
+                <a:tc>
+                  <a:txBody>
+                    <a:bodyPr/>
+                    <a:lstStyle/>
+                    <a:p>
+                      <a:r>
+                        <a:rPr lang="en-US" sz="1600" dirty="0"/>
+                        <a:t>Population</a:t>
+                      </a:r>
+                    </a:p>
+                  </a:txBody>
+                  <a:tcPr>
+                    <a:solidFill>
+                      <a:srgbClr val="D1FF00"/>
+                    </a:solidFill>
+                  </a:tcPr>
+                </a:tc>
+                <a:extLst>
+                  <a:ext uri="{0D108BD9-81ED-4DB2-BD59-A6C34878D82A}">
+                    <a16:rowId xmlns:a16="http://schemas.microsoft.com/office/drawing/2014/main" val="3543200142"/>
+                  </a:ext>
+                </a:extLst>
+              </a:tr>
+              <a:tr h="370840">
+                <a:tc>
+                  <a:txBody>
+                    <a:bodyPr/>
+                    <a:lstStyle/>
+                    <a:p>
+                      <a:r>
+                        <a:rPr lang="en-US" dirty="0"/>
+                        <a:t>California</a:t>
+                      </a:r>
+                    </a:p>
+                  </a:txBody>
+                  <a:tcPr/>
+                </a:tc>
+                <a:tc>
+                  <a:txBody>
+                    <a:bodyPr/>
+                    <a:lstStyle/>
+                    <a:p>
+                      <a:r>
+                        <a:rPr lang="en-US" dirty="0"/>
+                        <a:t>39.7 M</a:t>
+                      </a:r>
+                    </a:p>
+                  </a:txBody>
+                  <a:tcPr/>
+                </a:tc>
+                <a:extLst>
+                  <a:ext uri="{0D108BD9-81ED-4DB2-BD59-A6C34878D82A}">
+                    <a16:rowId xmlns:a16="http://schemas.microsoft.com/office/drawing/2014/main" val="1302391072"/>
+                  </a:ext>
+                </a:extLst>
+              </a:tr>
+              <a:tr h="370840">
+                <a:tc>
+                  <a:txBody>
+                    <a:bodyPr/>
+                    <a:lstStyle/>
+                    <a:p>
+                      <a:r>
+                        <a:rPr lang="en-US" dirty="0"/>
+                        <a:t>Texas</a:t>
+                      </a:r>
+                    </a:p>
+                  </a:txBody>
+                  <a:tcPr/>
+                </a:tc>
+                <a:tc>
+                  <a:txBody>
+                    <a:bodyPr/>
+                    <a:lstStyle/>
+                    <a:p>
+                      <a:r>
+                        <a:rPr lang="en-US" dirty="0"/>
+                        <a:t>29.0 M</a:t>
+                      </a:r>
+                    </a:p>
+                  </a:txBody>
+                  <a:tcPr/>
+                </a:tc>
+                <a:extLst>
+                  <a:ext uri="{0D108BD9-81ED-4DB2-BD59-A6C34878D82A}">
+                    <a16:rowId xmlns:a16="http://schemas.microsoft.com/office/drawing/2014/main" val="1842595682"/>
+                  </a:ext>
+                </a:extLst>
+              </a:tr>
+              <a:tr h="370840">
+                <a:tc>
+                  <a:txBody>
+                    <a:bodyPr/>
+                    <a:lstStyle/>
+                    <a:p>
+                      <a:r>
+                        <a:rPr lang="en-US" dirty="0"/>
+                        <a:t>Florida</a:t>
+                      </a:r>
+                    </a:p>
+                  </a:txBody>
+                  <a:tcPr/>
+                </a:tc>
+                <a:tc>
+                  <a:txBody>
+                    <a:bodyPr/>
+                    <a:lstStyle/>
+                    <a:p>
+                      <a:r>
+                        <a:rPr lang="en-US" dirty="0"/>
+                        <a:t>21.6 M</a:t>
+                      </a:r>
+                    </a:p>
+                  </a:txBody>
+                  <a:tcPr/>
+                </a:tc>
+                <a:extLst>
+                  <a:ext uri="{0D108BD9-81ED-4DB2-BD59-A6C34878D82A}">
+                    <a16:rowId xmlns:a16="http://schemas.microsoft.com/office/drawing/2014/main" val="1318821594"/>
+                  </a:ext>
+                </a:extLst>
+              </a:tr>
+              <a:tr h="370840">
+                <a:tc>
+                  <a:txBody>
+                    <a:bodyPr/>
+                    <a:lstStyle/>
+                    <a:p>
+                      <a:r>
+                        <a:rPr lang="en-US" dirty="0"/>
+                        <a:t>New York</a:t>
+                      </a:r>
+                    </a:p>
+                  </a:txBody>
+                  <a:tcPr/>
+                </a:tc>
+                <a:tc>
+                  <a:txBody>
+                    <a:bodyPr/>
+                    <a:lstStyle/>
+                    <a:p>
+                      <a:r>
+                        <a:rPr lang="en-US" dirty="0"/>
+                        <a:t>19.5 M</a:t>
+                      </a:r>
+                    </a:p>
+                  </a:txBody>
+                  <a:tcPr/>
+                </a:tc>
+                <a:extLst>
+                  <a:ext uri="{0D108BD9-81ED-4DB2-BD59-A6C34878D82A}">
+                    <a16:rowId xmlns:a16="http://schemas.microsoft.com/office/drawing/2014/main" val="4075301972"/>
+                  </a:ext>
+                </a:extLst>
+              </a:tr>
+              <a:tr h="370840">
+                <a:tc>
+                  <a:txBody>
+                    <a:bodyPr/>
+                    <a:lstStyle/>
+                    <a:p>
+                      <a:r>
+                        <a:rPr lang="en-US" dirty="0"/>
+                        <a:t>Pennsylvania</a:t>
+                      </a:r>
+                    </a:p>
+                  </a:txBody>
+                  <a:tcPr/>
+                </a:tc>
+                <a:tc>
+                  <a:txBody>
+                    <a:bodyPr/>
+                    <a:lstStyle/>
+                    <a:p>
+                      <a:r>
+                        <a:rPr lang="en-US" dirty="0"/>
+                        <a:t>12.8 M</a:t>
+                      </a:r>
+                    </a:p>
+                  </a:txBody>
+                  <a:tcPr/>
+                </a:tc>
+                <a:extLst>
+                  <a:ext uri="{0D108BD9-81ED-4DB2-BD59-A6C34878D82A}">
+                    <a16:rowId xmlns:a16="http://schemas.microsoft.com/office/drawing/2014/main" val="1997806999"/>
+                  </a:ext>
+                </a:extLst>
+              </a:tr>
+            </a:tbl>
+          </a:graphicData>
+        </a:graphic>
+      </p:graphicFrame>
+      <p:sp>
+        <p:nvSpPr>
+          <p:cNvPr id="5" name="TextBox 4">
+            <a:extLst>
+              <a:ext uri="{FF2B5EF4-FFF2-40B4-BE49-F238E27FC236}">
+                <a16:creationId xmlns:a16="http://schemas.microsoft.com/office/drawing/2014/main" id="{E9DB884D-A759-43AB-8A56-07CFD217C000}"/>
+              </a:ext>
+            </a:extLst>
+          </p:cNvPr>
+          <p:cNvSpPr txBox="1"/>
+          <p:nvPr/>
+        </p:nvSpPr>
+        <p:spPr>
+          <a:xfrm>
+            <a:off x="7315200" y="4096512"/>
+            <a:ext cx="478272" cy="369332"/>
+          </a:xfrm>
+          <a:prstGeom prst="rect">
+            <a:avLst/>
+          </a:prstGeom>
+          <a:noFill/>
+        </p:spPr>
+        <p:txBody>
+          <a:bodyPr wrap="none" rtlCol="0">
+            <a:spAutoFit/>
+          </a:bodyPr>
+          <a:lstStyle/>
+          <a:p>
+            <a:r>
+              <a:rPr lang="en-US" dirty="0">
+                <a:solidFill>
+                  <a:schemeClr val="bg1"/>
+                </a:solidFill>
+              </a:rPr>
+              <a:t>VS.</a:t>
+            </a:r>
+          </a:p>
+        </p:txBody>
+      </p:sp>
+    </p:spTree>
+    <p:extLst>
+      <p:ext uri="{BB962C8B-B14F-4D97-AF65-F5344CB8AC3E}">
+        <p14:creationId xmlns:p14="http://schemas.microsoft.com/office/powerpoint/2010/main" val="179972183"/>
+      </p:ext>
+    </p:extLst>
+  </p:cSld>
+  <p:clrMapOvr>
+    <a:masterClrMapping/>
+  </p:clrMapOvr>
+</p:sld>
+</file>
+
 <file path=ppt/slides/slide2.xml><?xml version="1.0" encoding="utf-8"?>
 <p:sld xmlns:a="http://schemas.openxmlformats.org/drawingml/2006/main" xmlns:r="http://schemas.openxmlformats.org/officeDocument/2006/relationships" xmlns:p="http://schemas.openxmlformats.org/presentationml/2006/main">
   <p:cSld>
@@ -6015,6 +6725,122 @@
     <p:extLst>
       <p:ext uri="{BB962C8B-B14F-4D97-AF65-F5344CB8AC3E}">
         <p14:creationId xmlns:p14="http://schemas.microsoft.com/office/powerpoint/2010/main" val="2052706279"/>
+      </p:ext>
+    </p:extLst>
+  </p:cSld>
+  <p:clrMapOvr>
+    <a:masterClrMapping/>
+  </p:clrMapOvr>
+</p:sld>
+</file>
+
+<file path=ppt/slides/slide9.xml><?xml version="1.0" encoding="utf-8"?>
+<p:sld xmlns:a="http://schemas.openxmlformats.org/drawingml/2006/main" xmlns:r="http://schemas.openxmlformats.org/officeDocument/2006/relationships" xmlns:p="http://schemas.openxmlformats.org/presentationml/2006/main">
+  <p:cSld>
+    <p:spTree>
+      <p:nvGrpSpPr>
+        <p:cNvPr id="1" name=""/>
+        <p:cNvGrpSpPr/>
+        <p:nvPr/>
+      </p:nvGrpSpPr>
+      <p:grpSpPr>
+        <a:xfrm>
+          <a:off x="0" y="0"/>
+          <a:ext cx="0" cy="0"/>
+          <a:chOff x="0" y="0"/>
+          <a:chExt cx="0" cy="0"/>
+        </a:xfrm>
+      </p:grpSpPr>
+      <p:sp>
+        <p:nvSpPr>
+          <p:cNvPr id="2" name="Title 1">
+            <a:extLst>
+              <a:ext uri="{FF2B5EF4-FFF2-40B4-BE49-F238E27FC236}">
+                <a16:creationId xmlns:a16="http://schemas.microsoft.com/office/drawing/2014/main" id="{A3088442-7183-47CB-B5EF-C175260737F6}"/>
+              </a:ext>
+            </a:extLst>
+          </p:cNvPr>
+          <p:cNvSpPr>
+            <a:spLocks noGrp="1"/>
+          </p:cNvSpPr>
+          <p:nvPr>
+            <p:ph type="title"/>
+          </p:nvPr>
+        </p:nvSpPr>
+        <p:spPr>
+          <a:xfrm>
+            <a:off x="3245506" y="943884"/>
+            <a:ext cx="8347873" cy="763525"/>
+          </a:xfrm>
+        </p:spPr>
+        <p:txBody>
+          <a:bodyPr>
+            <a:normAutofit fontScale="90000"/>
+          </a:bodyPr>
+          <a:lstStyle/>
+          <a:p>
+            <a:r>
+              <a:rPr lang="en-US" b="1" dirty="0">
+                <a:solidFill>
+                  <a:schemeClr val="bg1"/>
+                </a:solidFill>
+              </a:rPr>
+              <a:t>Fatalities by State	</a:t>
+            </a:r>
+          </a:p>
+        </p:txBody>
+      </p:sp>
+      <p:pic>
+        <p:nvPicPr>
+          <p:cNvPr id="1026" name="Picture 2" descr="https://lh4.googleusercontent.com/TR80tTavajTR5l5HZFPpeQToG8GiwLy3g3vK6jALXhimVAlDXsQwfn4jE8dPreMeHXnTS5YYlX-69Xeczxq7IBhrRjs3QZNv9I5n67QLHtWkrck4dgpGm9E1MT76NH73pRns6wHPcpA">
+            <a:extLst>
+              <a:ext uri="{FF2B5EF4-FFF2-40B4-BE49-F238E27FC236}">
+                <a16:creationId xmlns:a16="http://schemas.microsoft.com/office/drawing/2014/main" id="{DB4CAA88-7F7F-4B77-B717-8D2374DB8DC2}"/>
+              </a:ext>
+            </a:extLst>
+          </p:cNvPr>
+          <p:cNvPicPr>
+            <a:picLocks noGrp="1" noChangeAspect="1" noChangeArrowheads="1"/>
+          </p:cNvPicPr>
+          <p:nvPr>
+            <p:ph idx="1"/>
+          </p:nvPr>
+        </p:nvPicPr>
+        <p:blipFill rotWithShape="1">
+          <a:blip r:embed="rId2">
+            <a:extLst>
+              <a:ext uri="{28A0092B-C50C-407E-A947-70E740481C1C}">
+                <a14:useLocalDpi xmlns:a14="http://schemas.microsoft.com/office/drawing/2010/main" val="0"/>
+              </a:ext>
+            </a:extLst>
+          </a:blip>
+          <a:srcRect t="25978" b="16021"/>
+          <a:stretch/>
+        </p:blipFill>
+        <p:spPr bwMode="auto">
+          <a:xfrm>
+            <a:off x="3822192" y="2247538"/>
+            <a:ext cx="7618462" cy="3787502"/>
+          </a:xfrm>
+          <a:prstGeom prst="rect">
+            <a:avLst/>
+          </a:prstGeom>
+          <a:noFill/>
+          <a:extLst>
+            <a:ext uri="{909E8E84-426E-40DD-AFC4-6F175D3DCCD1}">
+              <a14:hiddenFill xmlns:a14="http://schemas.microsoft.com/office/drawing/2010/main">
+                <a:solidFill>
+                  <a:srgbClr val="FFFFFF"/>
+                </a:solidFill>
+              </a14:hiddenFill>
+            </a:ext>
+          </a:extLst>
+        </p:spPr>
+      </p:pic>
+    </p:spTree>
+    <p:extLst>
+      <p:ext uri="{BB962C8B-B14F-4D97-AF65-F5344CB8AC3E}">
+        <p14:creationId xmlns:p14="http://schemas.microsoft.com/office/powerpoint/2010/main" val="1031673138"/>
       </p:ext>
     </p:extLst>
   </p:cSld>

--- a/US Bicycle Fatalities_Group 4.pptx
+++ b/US Bicycle Fatalities_Group 4.pptx
@@ -1,11 +1,11 @@
 
 <file path=ppt/presentation.xml><?xml version="1.0" encoding="utf-8"?>
-<p:presentation xmlns:a="http://schemas.openxmlformats.org/drawingml/2006/main" xmlns:r="http://schemas.openxmlformats.org/officeDocument/2006/relationships" xmlns:p="http://schemas.openxmlformats.org/presentationml/2006/main" saveSubsetFonts="1">
+<p:presentation xmlns:a="http://schemas.openxmlformats.org/drawingml/2006/main" xmlns:r="http://schemas.openxmlformats.org/officeDocument/2006/relationships" xmlns:p="http://schemas.openxmlformats.org/presentationml/2006/main" showSpecialPlsOnTitleSld="0" saveSubsetFonts="1">
   <p:sldMasterIdLst>
     <p:sldMasterId id="2147483660" r:id="rId1"/>
   </p:sldMasterIdLst>
   <p:notesMasterIdLst>
-    <p:notesMasterId r:id="rId12"/>
+    <p:notesMasterId r:id="rId14"/>
   </p:notesMasterIdLst>
   <p:sldIdLst>
     <p:sldId id="256" r:id="rId2"/>
@@ -15,9 +15,11 @@
     <p:sldId id="260" r:id="rId6"/>
     <p:sldId id="264" r:id="rId7"/>
     <p:sldId id="261" r:id="rId8"/>
-    <p:sldId id="262" r:id="rId9"/>
-    <p:sldId id="265" r:id="rId10"/>
-    <p:sldId id="266" r:id="rId11"/>
+    <p:sldId id="267" r:id="rId9"/>
+    <p:sldId id="269" r:id="rId10"/>
+    <p:sldId id="268" r:id="rId11"/>
+    <p:sldId id="265" r:id="rId12"/>
+    <p:sldId id="266" r:id="rId13"/>
   </p:sldIdLst>
   <p:sldSz cx="12192000" cy="6858000"/>
   <p:notesSz cx="6858000" cy="9144000"/>
@@ -124,6 +126,55 @@
 </p:presentation>
 </file>
 
+<file path=ppt/commentAuthors.xml><?xml version="1.0" encoding="utf-8"?>
+<p:cmAuthorLst xmlns:a="http://schemas.openxmlformats.org/drawingml/2006/main" xmlns:r="http://schemas.openxmlformats.org/officeDocument/2006/relationships" xmlns:p="http://schemas.openxmlformats.org/presentationml/2006/main">
+  <p:cmAuthor id="1" name="Jodie Carlson" initials="JC" lastIdx="3" clrIdx="0">
+    <p:extLst>
+      <p:ext uri="{19B8F6BF-5375-455C-9EA6-DF929625EA0E}">
+        <p15:presenceInfo xmlns:p15="http://schemas.microsoft.com/office/powerpoint/2012/main" userId="6df1db9b76b23012" providerId="Windows Live"/>
+      </p:ext>
+    </p:extLst>
+  </p:cmAuthor>
+</p:cmAuthorLst>
+</file>
+
+<file path=ppt/comments/comment1.xml><?xml version="1.0" encoding="utf-8"?>
+<p:cmLst xmlns:a="http://schemas.openxmlformats.org/drawingml/2006/main" xmlns:r="http://schemas.openxmlformats.org/officeDocument/2006/relationships" xmlns:p="http://schemas.openxmlformats.org/presentationml/2006/main">
+  <p:cm authorId="1" dt="2019-10-30T22:35:49.704" idx="3">
+    <p:pos x="10" y="10"/>
+    <p:text>May need to rerun - have filtered out the Unknown and NA bike direction - or should we only exclude these from that graph?</p:text>
+    <p:extLst>
+      <p:ext uri="{C676402C-5697-4E1C-873F-D02D1690AC5C}">
+        <p15:threadingInfo xmlns:p15="http://schemas.microsoft.com/office/powerpoint/2012/main" timeZoneBias="300"/>
+      </p:ext>
+    </p:extLst>
+  </p:cm>
+</p:cmLst>
+</file>
+
+<file path=ppt/comments/comment2.xml><?xml version="1.0" encoding="utf-8"?>
+<p:cmLst xmlns:a="http://schemas.openxmlformats.org/drawingml/2006/main" xmlns:r="http://schemas.openxmlformats.org/officeDocument/2006/relationships" xmlns:p="http://schemas.openxmlformats.org/presentationml/2006/main">
+  <p:cm authorId="1" dt="2019-10-30T21:15:42.027" idx="1">
+    <p:pos x="10" y="10"/>
+    <p:text>Should we add a table that would show the fatalities as a percentage of population?  Would be fairly small percentages but would be easier to compare across states</p:text>
+    <p:extLst>
+      <p:ext uri="{C676402C-5697-4E1C-873F-D02D1690AC5C}">
+        <p15:threadingInfo xmlns:p15="http://schemas.microsoft.com/office/powerpoint/2012/main" timeZoneBias="300"/>
+      </p:ext>
+    </p:extLst>
+  </p:cm>
+  <p:cm authorId="1" dt="2019-10-30T22:34:45.916" idx="2">
+    <p:pos x="106" y="106"/>
+    <p:text>May need to rerun - have filtered out the Unknown and NA bike direction - or should we only exclude these from that graph?</p:text>
+    <p:extLst>
+      <p:ext uri="{C676402C-5697-4E1C-873F-D02D1690AC5C}">
+        <p15:threadingInfo xmlns:p15="http://schemas.microsoft.com/office/powerpoint/2012/main" timeZoneBias="300"/>
+      </p:ext>
+    </p:extLst>
+  </p:cm>
+</p:cmLst>
+</file>
+
 <file path=ppt/notesMasters/notesMaster1.xml><?xml version="1.0" encoding="utf-8"?>
 <p:notesMaster xmlns:a="http://schemas.openxmlformats.org/drawingml/2006/main" xmlns:r="http://schemas.openxmlformats.org/officeDocument/2006/relationships" xmlns:p="http://schemas.openxmlformats.org/presentationml/2006/main">
   <p:cSld>
@@ -206,7 +257,7 @@
           <a:p>
             <a:fld id="{2D8596F9-D31B-4687-976B-51472F7B15D4}" type="datetimeFigureOut">
               <a:rPr lang="en-US" smtClean="0"/>
-              <a:t>10/29/2019</a:t>
+              <a:t>10/30/2019</a:t>
             </a:fld>
             <a:endParaRPr lang="en-US"/>
           </a:p>
@@ -519,7 +570,7 @@
           <a:p>
             <a:r>
               <a:rPr lang="en-US" dirty="0"/>
-              <a:t>Would weather be another to look at?  Use of helmet (if that is in our dataset – I wasn’t quickly seeing it)</a:t>
+              <a:t>Would weather be another to look at?  </a:t>
             </a:r>
           </a:p>
         </p:txBody>
@@ -777,7 +828,178 @@
           <a:p>
             <a:r>
               <a:rPr lang="en-US" dirty="0"/>
-              <a:t>This correlates with our hypothesis that more urban areas are susceptible to bicycle crashes. </a:t>
+              <a:t>When presenting, can share the times that correspond to each.  Shows highest number during 3-6pm (ties in with hypothesis of more during evening rush hour window, which is generally around 4-6pm)</a:t>
+            </a:r>
+          </a:p>
+        </p:txBody>
+      </p:sp>
+      <p:sp>
+        <p:nvSpPr>
+          <p:cNvPr id="4" name="Slide Number Placeholder 3"/>
+          <p:cNvSpPr>
+            <a:spLocks noGrp="1"/>
+          </p:cNvSpPr>
+          <p:nvPr>
+            <p:ph type="sldNum" sz="quarter" idx="5"/>
+          </p:nvPr>
+        </p:nvSpPr>
+        <p:spPr/>
+        <p:txBody>
+          <a:bodyPr/>
+          <a:lstStyle/>
+          <a:p>
+            <a:fld id="{265EB43F-5B02-4A39-ABA6-1416420AA7A8}" type="slidenum">
+              <a:rPr lang="en-US" smtClean="0"/>
+              <a:t>8</a:t>
+            </a:fld>
+            <a:endParaRPr lang="en-US"/>
+          </a:p>
+        </p:txBody>
+      </p:sp>
+    </p:spTree>
+    <p:extLst>
+      <p:ext uri="{BB962C8B-B14F-4D97-AF65-F5344CB8AC3E}">
+        <p14:creationId xmlns:p14="http://schemas.microsoft.com/office/powerpoint/2010/main" val="3428185444"/>
+      </p:ext>
+    </p:extLst>
+  </p:cSld>
+  <p:clrMapOvr>
+    <a:masterClrMapping/>
+  </p:clrMapOvr>
+</p:notes>
+</file>
+
+<file path=ppt/notesSlides/notesSlide5.xml><?xml version="1.0" encoding="utf-8"?>
+<p:notes xmlns:a="http://schemas.openxmlformats.org/drawingml/2006/main" xmlns:r="http://schemas.openxmlformats.org/officeDocument/2006/relationships" xmlns:p="http://schemas.openxmlformats.org/presentationml/2006/main">
+  <p:cSld>
+    <p:spTree>
+      <p:nvGrpSpPr>
+        <p:cNvPr id="1" name=""/>
+        <p:cNvGrpSpPr/>
+        <p:nvPr/>
+      </p:nvGrpSpPr>
+      <p:grpSpPr>
+        <a:xfrm>
+          <a:off x="0" y="0"/>
+          <a:ext cx="0" cy="0"/>
+          <a:chOff x="0" y="0"/>
+          <a:chExt cx="0" cy="0"/>
+        </a:xfrm>
+      </p:grpSpPr>
+      <p:sp>
+        <p:nvSpPr>
+          <p:cNvPr id="2" name="Slide Image Placeholder 1"/>
+          <p:cNvSpPr>
+            <a:spLocks noGrp="1" noRot="1" noChangeAspect="1"/>
+          </p:cNvSpPr>
+          <p:nvPr>
+            <p:ph type="sldImg"/>
+          </p:nvPr>
+        </p:nvSpPr>
+        <p:spPr/>
+      </p:sp>
+      <p:sp>
+        <p:nvSpPr>
+          <p:cNvPr id="3" name="Notes Placeholder 2"/>
+          <p:cNvSpPr>
+            <a:spLocks noGrp="1"/>
+          </p:cNvSpPr>
+          <p:nvPr>
+            <p:ph type="body" idx="1"/>
+          </p:nvPr>
+        </p:nvSpPr>
+        <p:spPr/>
+        <p:txBody>
+          <a:bodyPr/>
+          <a:lstStyle/>
+          <a:p>
+            <a:endParaRPr lang="en-US" dirty="0"/>
+          </a:p>
+        </p:txBody>
+      </p:sp>
+      <p:sp>
+        <p:nvSpPr>
+          <p:cNvPr id="4" name="Slide Number Placeholder 3"/>
+          <p:cNvSpPr>
+            <a:spLocks noGrp="1"/>
+          </p:cNvSpPr>
+          <p:nvPr>
+            <p:ph type="sldNum" sz="quarter" idx="5"/>
+          </p:nvPr>
+        </p:nvSpPr>
+        <p:spPr/>
+        <p:txBody>
+          <a:bodyPr/>
+          <a:lstStyle/>
+          <a:p>
+            <a:fld id="{265EB43F-5B02-4A39-ABA6-1416420AA7A8}" type="slidenum">
+              <a:rPr lang="en-US" smtClean="0"/>
+              <a:t>9</a:t>
+            </a:fld>
+            <a:endParaRPr lang="en-US"/>
+          </a:p>
+        </p:txBody>
+      </p:sp>
+    </p:spTree>
+    <p:extLst>
+      <p:ext uri="{BB962C8B-B14F-4D97-AF65-F5344CB8AC3E}">
+        <p14:creationId xmlns:p14="http://schemas.microsoft.com/office/powerpoint/2010/main" val="3779459296"/>
+      </p:ext>
+    </p:extLst>
+  </p:cSld>
+  <p:clrMapOvr>
+    <a:masterClrMapping/>
+  </p:clrMapOvr>
+</p:notes>
+</file>
+
+<file path=ppt/notesSlides/notesSlide6.xml><?xml version="1.0" encoding="utf-8"?>
+<p:notes xmlns:a="http://schemas.openxmlformats.org/drawingml/2006/main" xmlns:r="http://schemas.openxmlformats.org/officeDocument/2006/relationships" xmlns:p="http://schemas.openxmlformats.org/presentationml/2006/main">
+  <p:cSld>
+    <p:spTree>
+      <p:nvGrpSpPr>
+        <p:cNvPr id="1" name=""/>
+        <p:cNvGrpSpPr/>
+        <p:nvPr/>
+      </p:nvGrpSpPr>
+      <p:grpSpPr>
+        <a:xfrm>
+          <a:off x="0" y="0"/>
+          <a:ext cx="0" cy="0"/>
+          <a:chOff x="0" y="0"/>
+          <a:chExt cx="0" cy="0"/>
+        </a:xfrm>
+      </p:grpSpPr>
+      <p:sp>
+        <p:nvSpPr>
+          <p:cNvPr id="2" name="Slide Image Placeholder 1"/>
+          <p:cNvSpPr>
+            <a:spLocks noGrp="1" noRot="1" noChangeAspect="1"/>
+          </p:cNvSpPr>
+          <p:nvPr>
+            <p:ph type="sldImg"/>
+          </p:nvPr>
+        </p:nvSpPr>
+        <p:spPr/>
+      </p:sp>
+      <p:sp>
+        <p:nvSpPr>
+          <p:cNvPr id="3" name="Notes Placeholder 2"/>
+          <p:cNvSpPr>
+            <a:spLocks noGrp="1"/>
+          </p:cNvSpPr>
+          <p:nvPr>
+            <p:ph type="body" idx="1"/>
+          </p:nvPr>
+        </p:nvSpPr>
+        <p:spPr/>
+        <p:txBody>
+          <a:bodyPr/>
+          <a:lstStyle/>
+          <a:p>
+            <a:r>
+              <a:rPr lang="en-US" dirty="0"/>
+              <a:t>Shows higher numbers in urban areas and many more when the bicycle is traveling the same direction as traffic</a:t>
             </a:r>
           </a:p>
         </p:txBody>
@@ -800,6 +1022,93 @@
             <a:fld id="{265EB43F-5B02-4A39-ABA6-1416420AA7A8}" type="slidenum">
               <a:rPr lang="en-US" smtClean="0"/>
               <a:t>10</a:t>
+            </a:fld>
+            <a:endParaRPr lang="en-US"/>
+          </a:p>
+        </p:txBody>
+      </p:sp>
+    </p:spTree>
+    <p:extLst>
+      <p:ext uri="{BB962C8B-B14F-4D97-AF65-F5344CB8AC3E}">
+        <p14:creationId xmlns:p14="http://schemas.microsoft.com/office/powerpoint/2010/main" val="4041506570"/>
+      </p:ext>
+    </p:extLst>
+  </p:cSld>
+  <p:clrMapOvr>
+    <a:masterClrMapping/>
+  </p:clrMapOvr>
+</p:notes>
+</file>
+
+<file path=ppt/notesSlides/notesSlide7.xml><?xml version="1.0" encoding="utf-8"?>
+<p:notes xmlns:a="http://schemas.openxmlformats.org/drawingml/2006/main" xmlns:r="http://schemas.openxmlformats.org/officeDocument/2006/relationships" xmlns:p="http://schemas.openxmlformats.org/presentationml/2006/main">
+  <p:cSld>
+    <p:spTree>
+      <p:nvGrpSpPr>
+        <p:cNvPr id="1" name=""/>
+        <p:cNvGrpSpPr/>
+        <p:nvPr/>
+      </p:nvGrpSpPr>
+      <p:grpSpPr>
+        <a:xfrm>
+          <a:off x="0" y="0"/>
+          <a:ext cx="0" cy="0"/>
+          <a:chOff x="0" y="0"/>
+          <a:chExt cx="0" cy="0"/>
+        </a:xfrm>
+      </p:grpSpPr>
+      <p:sp>
+        <p:nvSpPr>
+          <p:cNvPr id="2" name="Slide Image Placeholder 1"/>
+          <p:cNvSpPr>
+            <a:spLocks noGrp="1" noRot="1" noChangeAspect="1"/>
+          </p:cNvSpPr>
+          <p:nvPr>
+            <p:ph type="sldImg"/>
+          </p:nvPr>
+        </p:nvSpPr>
+        <p:spPr/>
+      </p:sp>
+      <p:sp>
+        <p:nvSpPr>
+          <p:cNvPr id="3" name="Notes Placeholder 2"/>
+          <p:cNvSpPr>
+            <a:spLocks noGrp="1"/>
+          </p:cNvSpPr>
+          <p:nvPr>
+            <p:ph type="body" idx="1"/>
+          </p:nvPr>
+        </p:nvSpPr>
+        <p:spPr/>
+        <p:txBody>
+          <a:bodyPr/>
+          <a:lstStyle/>
+          <a:p>
+            <a:r>
+              <a:rPr lang="en-US" dirty="0"/>
+              <a:t>This correlates with our hypothesis that more urban areas are susceptible to bicycle crashes. </a:t>
+            </a:r>
+          </a:p>
+        </p:txBody>
+      </p:sp>
+      <p:sp>
+        <p:nvSpPr>
+          <p:cNvPr id="4" name="Slide Number Placeholder 3"/>
+          <p:cNvSpPr>
+            <a:spLocks noGrp="1"/>
+          </p:cNvSpPr>
+          <p:nvPr>
+            <p:ph type="sldNum" sz="quarter" idx="5"/>
+          </p:nvPr>
+        </p:nvSpPr>
+        <p:spPr/>
+        <p:txBody>
+          <a:bodyPr/>
+          <a:lstStyle/>
+          <a:p>
+            <a:fld id="{265EB43F-5B02-4A39-ABA6-1416420AA7A8}" type="slidenum">
+              <a:rPr lang="en-US" smtClean="0"/>
+              <a:t>12</a:t>
             </a:fld>
             <a:endParaRPr lang="en-US"/>
           </a:p>
@@ -1036,9 +1345,9 @@
           <a:bodyPr/>
           <a:lstStyle/>
           <a:p>
-            <a:fld id="{0D54D437-38F9-4602-9571-28821A5CC1D5}" type="datetimeFigureOut">
+            <a:fld id="{D566DD37-AE77-4A24-A83C-05583D2B8C88}" type="datetime1">
               <a:rPr lang="en-US" smtClean="0"/>
-              <a:t>10/29/2019</a:t>
+              <a:t>10/30/2019</a:t>
             </a:fld>
             <a:endParaRPr lang="en-US"/>
           </a:p>
@@ -1291,9 +1600,9 @@
           <a:bodyPr/>
           <a:lstStyle/>
           <a:p>
-            <a:fld id="{0D54D437-38F9-4602-9571-28821A5CC1D5}" type="datetimeFigureOut">
+            <a:fld id="{2D32C68B-169C-479B-9A17-0A2AF842FAAC}" type="datetime1">
               <a:rPr lang="en-US" smtClean="0"/>
-              <a:t>10/29/2019</a:t>
+              <a:t>10/30/2019</a:t>
             </a:fld>
             <a:endParaRPr lang="en-US"/>
           </a:p>
@@ -1459,9 +1768,9 @@
           <a:bodyPr/>
           <a:lstStyle/>
           <a:p>
-            <a:fld id="{0D54D437-38F9-4602-9571-28821A5CC1D5}" type="datetimeFigureOut">
+            <a:fld id="{207B0407-AEE4-4259-8381-21DAB1D2FF93}" type="datetime1">
               <a:rPr lang="en-US" smtClean="0"/>
-              <a:t>10/29/2019</a:t>
+              <a:t>10/30/2019</a:t>
             </a:fld>
             <a:endParaRPr lang="en-US"/>
           </a:p>
@@ -1637,9 +1946,9 @@
           <a:bodyPr/>
           <a:lstStyle/>
           <a:p>
-            <a:fld id="{0D54D437-38F9-4602-9571-28821A5CC1D5}" type="datetimeFigureOut">
+            <a:fld id="{D48AD53B-37AA-46F3-99FC-2E4476D7DD44}" type="datetime1">
               <a:rPr lang="en-US" smtClean="0"/>
-              <a:t>10/29/2019</a:t>
+              <a:t>10/30/2019</a:t>
             </a:fld>
             <a:endParaRPr lang="en-US"/>
           </a:p>
@@ -1919,9 +2228,9 @@
           <a:bodyPr/>
           <a:lstStyle/>
           <a:p>
-            <a:fld id="{0D54D437-38F9-4602-9571-28821A5CC1D5}" type="datetimeFigureOut">
+            <a:fld id="{5B7A3CBB-F610-4336-823E-FC1C265828A0}" type="datetime1">
               <a:rPr lang="en-US" smtClean="0"/>
-              <a:t>10/29/2019</a:t>
+              <a:t>10/30/2019</a:t>
             </a:fld>
             <a:endParaRPr lang="en-US"/>
           </a:p>
@@ -2166,9 +2475,9 @@
           <a:bodyPr/>
           <a:lstStyle/>
           <a:p>
-            <a:fld id="{0D54D437-38F9-4602-9571-28821A5CC1D5}" type="datetimeFigureOut">
+            <a:fld id="{A0A0BB07-576F-4BA3-A167-A5A98217311E}" type="datetime1">
               <a:rPr lang="en-US" smtClean="0"/>
-              <a:t>10/29/2019</a:t>
+              <a:t>10/30/2019</a:t>
             </a:fld>
             <a:endParaRPr lang="en-US"/>
           </a:p>
@@ -2411,9 +2720,9 @@
           <a:bodyPr/>
           <a:lstStyle/>
           <a:p>
-            <a:fld id="{0D54D437-38F9-4602-9571-28821A5CC1D5}" type="datetimeFigureOut">
+            <a:fld id="{7D055530-147D-4EFF-874D-08517F6DB52E}" type="datetime1">
               <a:rPr lang="en-US" smtClean="0"/>
-              <a:t>10/29/2019</a:t>
+              <a:t>10/30/2019</a:t>
             </a:fld>
             <a:endParaRPr lang="en-US"/>
           </a:p>
@@ -2696,9 +3005,9 @@
           <a:bodyPr/>
           <a:lstStyle/>
           <a:p>
-            <a:fld id="{0D54D437-38F9-4602-9571-28821A5CC1D5}" type="datetimeFigureOut">
+            <a:fld id="{6720DC1B-6253-4ED9-B321-047E0833500E}" type="datetime1">
               <a:rPr lang="en-US" smtClean="0"/>
-              <a:t>10/29/2019</a:t>
+              <a:t>10/30/2019</a:t>
             </a:fld>
             <a:endParaRPr lang="en-US"/>
           </a:p>
@@ -3184,9 +3493,9 @@
           <a:bodyPr/>
           <a:lstStyle/>
           <a:p>
-            <a:fld id="{0D54D437-38F9-4602-9571-28821A5CC1D5}" type="datetimeFigureOut">
+            <a:fld id="{F01FF38B-4F80-4CF6-8014-B3FFF4DFC5CC}" type="datetime1">
               <a:rPr lang="en-US" smtClean="0"/>
-              <a:t>10/29/2019</a:t>
+              <a:t>10/30/2019</a:t>
             </a:fld>
             <a:endParaRPr lang="en-US"/>
           </a:p>
@@ -3301,9 +3610,9 @@
           <a:bodyPr/>
           <a:lstStyle/>
           <a:p>
-            <a:fld id="{0D54D437-38F9-4602-9571-28821A5CC1D5}" type="datetimeFigureOut">
+            <a:fld id="{0FBFCC94-49A1-4693-8B41-3D65FDE0B3EB}" type="datetime1">
               <a:rPr lang="en-US" smtClean="0"/>
-              <a:t>10/29/2019</a:t>
+              <a:t>10/30/2019</a:t>
             </a:fld>
             <a:endParaRPr lang="en-US"/>
           </a:p>
@@ -3396,9 +3705,9 @@
           <a:bodyPr/>
           <a:lstStyle/>
           <a:p>
-            <a:fld id="{0D54D437-38F9-4602-9571-28821A5CC1D5}" type="datetimeFigureOut">
+            <a:fld id="{EE9B58AA-4066-4292-859C-4BA88DA30E3D}" type="datetime1">
               <a:rPr lang="en-US" smtClean="0"/>
-              <a:t>10/29/2019</a:t>
+              <a:t>10/30/2019</a:t>
             </a:fld>
             <a:endParaRPr lang="en-US"/>
           </a:p>
@@ -3671,9 +3980,9 @@
           <a:bodyPr/>
           <a:lstStyle/>
           <a:p>
-            <a:fld id="{0D54D437-38F9-4602-9571-28821A5CC1D5}" type="datetimeFigureOut">
+            <a:fld id="{CA3C07BB-1F27-496C-BA91-E46B3617BB65}" type="datetime1">
               <a:rPr lang="en-US" smtClean="0"/>
-              <a:t>10/29/2019</a:t>
+              <a:t>10/30/2019</a:t>
             </a:fld>
             <a:endParaRPr lang="en-US"/>
           </a:p>
@@ -3891,9 +4200,9 @@
             </a:lvl1pPr>
           </a:lstStyle>
           <a:p>
-            <a:fld id="{0D54D437-38F9-4602-9571-28821A5CC1D5}" type="datetimeFigureOut">
+            <a:fld id="{502DA178-7FD6-4637-AC4E-92A1EA97F47D}" type="datetime1">
               <a:rPr lang="en-US" smtClean="0"/>
-              <a:t>10/29/2019</a:t>
+              <a:t>10/30/2019</a:t>
             </a:fld>
             <a:endParaRPr lang="en-US"/>
           </a:p>
@@ -4052,6 +4361,7 @@
     <p:sldLayoutId id="2147483671" r:id="rId11"/>
     <p:sldLayoutId id="2147483672" r:id="rId12"/>
   </p:sldLayoutIdLst>
+  <p:hf hdr="0" ftr="0" dt="0"/>
   <p:txStyles>
     <p:titleStyle>
       <a:lvl1pPr algn="ctr" defTabSz="1219170" rtl="0" eaLnBrk="1" latinLnBrk="0" hangingPunct="1">
@@ -4580,6 +4890,285 @@
                   <a:schemeClr val="bg1"/>
                 </a:solidFill>
               </a:rPr>
+              <a:t>Fatalities by Time of Day, Type of Location, and Bicycle Direction	</a:t>
+            </a:r>
+          </a:p>
+        </p:txBody>
+      </p:sp>
+      <p:sp>
+        <p:nvSpPr>
+          <p:cNvPr id="3" name="Slide Number Placeholder 2">
+            <a:extLst>
+              <a:ext uri="{FF2B5EF4-FFF2-40B4-BE49-F238E27FC236}">
+                <a16:creationId xmlns:a16="http://schemas.microsoft.com/office/drawing/2014/main" id="{CDEF0D43-9610-49F3-8E97-A001A1C0720D}"/>
+              </a:ext>
+            </a:extLst>
+          </p:cNvPr>
+          <p:cNvSpPr>
+            <a:spLocks noGrp="1"/>
+          </p:cNvSpPr>
+          <p:nvPr>
+            <p:ph type="sldNum" sz="quarter" idx="12"/>
+          </p:nvPr>
+        </p:nvSpPr>
+        <p:spPr/>
+        <p:txBody>
+          <a:bodyPr/>
+          <a:lstStyle/>
+          <a:p>
+            <a:fld id="{B311205A-2B12-4C3C-9B44-D13403EC63C4}" type="slidenum">
+              <a:rPr lang="en-US" smtClean="0"/>
+              <a:t>10</a:t>
+            </a:fld>
+            <a:endParaRPr lang="en-US"/>
+          </a:p>
+        </p:txBody>
+      </p:sp>
+      <p:pic>
+        <p:nvPicPr>
+          <p:cNvPr id="5" name="Picture 4">
+            <a:extLst>
+              <a:ext uri="{FF2B5EF4-FFF2-40B4-BE49-F238E27FC236}">
+                <a16:creationId xmlns:a16="http://schemas.microsoft.com/office/drawing/2014/main" id="{7981F09E-06F1-48AD-84DE-0EB8724059D9}"/>
+              </a:ext>
+            </a:extLst>
+          </p:cNvPr>
+          <p:cNvPicPr>
+            <a:picLocks noChangeAspect="1"/>
+          </p:cNvPicPr>
+          <p:nvPr/>
+        </p:nvPicPr>
+        <p:blipFill>
+          <a:blip r:embed="rId3">
+            <a:extLst>
+              <a:ext uri="{28A0092B-C50C-407E-A947-70E740481C1C}">
+                <a14:useLocalDpi xmlns:a14="http://schemas.microsoft.com/office/drawing/2010/main" val="0"/>
+              </a:ext>
+            </a:extLst>
+          </a:blip>
+          <a:stretch>
+            <a:fillRect/>
+          </a:stretch>
+        </p:blipFill>
+        <p:spPr>
+          <a:xfrm>
+            <a:off x="4313235" y="2272819"/>
+            <a:ext cx="6106830" cy="4083532"/>
+          </a:xfrm>
+          <a:prstGeom prst="rect">
+            <a:avLst/>
+          </a:prstGeom>
+        </p:spPr>
+      </p:pic>
+    </p:spTree>
+    <p:extLst>
+      <p:ext uri="{BB962C8B-B14F-4D97-AF65-F5344CB8AC3E}">
+        <p14:creationId xmlns:p14="http://schemas.microsoft.com/office/powerpoint/2010/main" val="341495553"/>
+      </p:ext>
+    </p:extLst>
+  </p:cSld>
+  <p:clrMapOvr>
+    <a:masterClrMapping/>
+  </p:clrMapOvr>
+</p:sld>
+</file>
+
+<file path=ppt/slides/slide11.xml><?xml version="1.0" encoding="utf-8"?>
+<p:sld xmlns:a="http://schemas.openxmlformats.org/drawingml/2006/main" xmlns:r="http://schemas.openxmlformats.org/officeDocument/2006/relationships" xmlns:p="http://schemas.openxmlformats.org/presentationml/2006/main">
+  <p:cSld>
+    <p:spTree>
+      <p:nvGrpSpPr>
+        <p:cNvPr id="1" name=""/>
+        <p:cNvGrpSpPr/>
+        <p:nvPr/>
+      </p:nvGrpSpPr>
+      <p:grpSpPr>
+        <a:xfrm>
+          <a:off x="0" y="0"/>
+          <a:ext cx="0" cy="0"/>
+          <a:chOff x="0" y="0"/>
+          <a:chExt cx="0" cy="0"/>
+        </a:xfrm>
+      </p:grpSpPr>
+      <p:sp>
+        <p:nvSpPr>
+          <p:cNvPr id="2" name="Title 1">
+            <a:extLst>
+              <a:ext uri="{FF2B5EF4-FFF2-40B4-BE49-F238E27FC236}">
+                <a16:creationId xmlns:a16="http://schemas.microsoft.com/office/drawing/2014/main" id="{A3088442-7183-47CB-B5EF-C175260737F6}"/>
+              </a:ext>
+            </a:extLst>
+          </p:cNvPr>
+          <p:cNvSpPr>
+            <a:spLocks noGrp="1"/>
+          </p:cNvSpPr>
+          <p:nvPr>
+            <p:ph type="title"/>
+          </p:nvPr>
+        </p:nvSpPr>
+        <p:spPr>
+          <a:xfrm>
+            <a:off x="3245506" y="943884"/>
+            <a:ext cx="8347873" cy="763525"/>
+          </a:xfrm>
+        </p:spPr>
+        <p:txBody>
+          <a:bodyPr>
+            <a:normAutofit fontScale="90000"/>
+          </a:bodyPr>
+          <a:lstStyle/>
+          <a:p>
+            <a:r>
+              <a:rPr lang="en-US" b="1" dirty="0">
+                <a:solidFill>
+                  <a:schemeClr val="bg1"/>
+                </a:solidFill>
+              </a:rPr>
+              <a:t>Fatalities by State	</a:t>
+            </a:r>
+          </a:p>
+        </p:txBody>
+      </p:sp>
+      <p:pic>
+        <p:nvPicPr>
+          <p:cNvPr id="1026" name="Picture 2" descr="https://lh4.googleusercontent.com/TR80tTavajTR5l5HZFPpeQToG8GiwLy3g3vK6jALXhimVAlDXsQwfn4jE8dPreMeHXnTS5YYlX-69Xeczxq7IBhrRjs3QZNv9I5n67QLHtWkrck4dgpGm9E1MT76NH73pRns6wHPcpA">
+            <a:extLst>
+              <a:ext uri="{FF2B5EF4-FFF2-40B4-BE49-F238E27FC236}">
+                <a16:creationId xmlns:a16="http://schemas.microsoft.com/office/drawing/2014/main" id="{DB4CAA88-7F7F-4B77-B717-8D2374DB8DC2}"/>
+              </a:ext>
+            </a:extLst>
+          </p:cNvPr>
+          <p:cNvPicPr>
+            <a:picLocks noGrp="1" noChangeAspect="1" noChangeArrowheads="1"/>
+          </p:cNvPicPr>
+          <p:nvPr>
+            <p:ph idx="1"/>
+          </p:nvPr>
+        </p:nvPicPr>
+        <p:blipFill rotWithShape="1">
+          <a:blip r:embed="rId2">
+            <a:extLst>
+              <a:ext uri="{28A0092B-C50C-407E-A947-70E740481C1C}">
+                <a14:useLocalDpi xmlns:a14="http://schemas.microsoft.com/office/drawing/2010/main" val="0"/>
+              </a:ext>
+            </a:extLst>
+          </a:blip>
+          <a:srcRect t="25978" b="16021"/>
+          <a:stretch/>
+        </p:blipFill>
+        <p:spPr bwMode="auto">
+          <a:xfrm>
+            <a:off x="3822192" y="2247538"/>
+            <a:ext cx="7618462" cy="3787502"/>
+          </a:xfrm>
+          <a:prstGeom prst="rect">
+            <a:avLst/>
+          </a:prstGeom>
+          <a:noFill/>
+          <a:extLst>
+            <a:ext uri="{909E8E84-426E-40DD-AFC4-6F175D3DCCD1}">
+              <a14:hiddenFill xmlns:a14="http://schemas.microsoft.com/office/drawing/2010/main">
+                <a:solidFill>
+                  <a:srgbClr val="FFFFFF"/>
+                </a:solidFill>
+              </a14:hiddenFill>
+            </a:ext>
+          </a:extLst>
+        </p:spPr>
+      </p:pic>
+      <p:sp>
+        <p:nvSpPr>
+          <p:cNvPr id="3" name="Slide Number Placeholder 2">
+            <a:extLst>
+              <a:ext uri="{FF2B5EF4-FFF2-40B4-BE49-F238E27FC236}">
+                <a16:creationId xmlns:a16="http://schemas.microsoft.com/office/drawing/2014/main" id="{18F9B355-27C6-48BD-82EA-3D42637D79D2}"/>
+              </a:ext>
+            </a:extLst>
+          </p:cNvPr>
+          <p:cNvSpPr>
+            <a:spLocks noGrp="1"/>
+          </p:cNvSpPr>
+          <p:nvPr>
+            <p:ph type="sldNum" sz="quarter" idx="12"/>
+          </p:nvPr>
+        </p:nvSpPr>
+        <p:spPr/>
+        <p:txBody>
+          <a:bodyPr/>
+          <a:lstStyle/>
+          <a:p>
+            <a:fld id="{B311205A-2B12-4C3C-9B44-D13403EC63C4}" type="slidenum">
+              <a:rPr lang="en-US" smtClean="0"/>
+              <a:t>11</a:t>
+            </a:fld>
+            <a:endParaRPr lang="en-US"/>
+          </a:p>
+        </p:txBody>
+      </p:sp>
+    </p:spTree>
+    <p:extLst>
+      <p:ext uri="{BB962C8B-B14F-4D97-AF65-F5344CB8AC3E}">
+        <p14:creationId xmlns:p14="http://schemas.microsoft.com/office/powerpoint/2010/main" val="1031673138"/>
+      </p:ext>
+    </p:extLst>
+  </p:cSld>
+  <p:clrMapOvr>
+    <a:masterClrMapping/>
+  </p:clrMapOvr>
+</p:sld>
+</file>
+
+<file path=ppt/slides/slide12.xml><?xml version="1.0" encoding="utf-8"?>
+<p:sld xmlns:a="http://schemas.openxmlformats.org/drawingml/2006/main" xmlns:r="http://schemas.openxmlformats.org/officeDocument/2006/relationships" xmlns:p="http://schemas.openxmlformats.org/presentationml/2006/main">
+  <p:cSld>
+    <p:spTree>
+      <p:nvGrpSpPr>
+        <p:cNvPr id="1" name=""/>
+        <p:cNvGrpSpPr/>
+        <p:nvPr/>
+      </p:nvGrpSpPr>
+      <p:grpSpPr>
+        <a:xfrm>
+          <a:off x="0" y="0"/>
+          <a:ext cx="0" cy="0"/>
+          <a:chOff x="0" y="0"/>
+          <a:chExt cx="0" cy="0"/>
+        </a:xfrm>
+      </p:grpSpPr>
+      <p:sp>
+        <p:nvSpPr>
+          <p:cNvPr id="2" name="Title 1">
+            <a:extLst>
+              <a:ext uri="{FF2B5EF4-FFF2-40B4-BE49-F238E27FC236}">
+                <a16:creationId xmlns:a16="http://schemas.microsoft.com/office/drawing/2014/main" id="{A3088442-7183-47CB-B5EF-C175260737F6}"/>
+              </a:ext>
+            </a:extLst>
+          </p:cNvPr>
+          <p:cNvSpPr>
+            <a:spLocks noGrp="1"/>
+          </p:cNvSpPr>
+          <p:nvPr>
+            <p:ph type="title"/>
+          </p:nvPr>
+        </p:nvSpPr>
+        <p:spPr>
+          <a:xfrm>
+            <a:off x="3245506" y="943884"/>
+            <a:ext cx="8347873" cy="763525"/>
+          </a:xfrm>
+        </p:spPr>
+        <p:txBody>
+          <a:bodyPr>
+            <a:normAutofit fontScale="90000"/>
+          </a:bodyPr>
+          <a:lstStyle/>
+          <a:p>
+            <a:r>
+              <a:rPr lang="en-US" b="1" dirty="0">
+                <a:solidFill>
+                  <a:schemeClr val="bg1"/>
+                </a:solidFill>
+              </a:rPr>
               <a:t>Fatalities by State – Top 5	</a:t>
             </a:r>
           </a:p>
@@ -5137,6 +5726,35 @@
           </a:p>
         </p:txBody>
       </p:sp>
+      <p:sp>
+        <p:nvSpPr>
+          <p:cNvPr id="3" name="Slide Number Placeholder 2">
+            <a:extLst>
+              <a:ext uri="{FF2B5EF4-FFF2-40B4-BE49-F238E27FC236}">
+                <a16:creationId xmlns:a16="http://schemas.microsoft.com/office/drawing/2014/main" id="{E2338CB6-7B80-42D0-AAD5-51F28333FC97}"/>
+              </a:ext>
+            </a:extLst>
+          </p:cNvPr>
+          <p:cNvSpPr>
+            <a:spLocks noGrp="1"/>
+          </p:cNvSpPr>
+          <p:nvPr>
+            <p:ph type="sldNum" sz="quarter" idx="12"/>
+          </p:nvPr>
+        </p:nvSpPr>
+        <p:spPr/>
+        <p:txBody>
+          <a:bodyPr/>
+          <a:lstStyle/>
+          <a:p>
+            <a:fld id="{B311205A-2B12-4C3C-9B44-D13403EC63C4}" type="slidenum">
+              <a:rPr lang="en-US" smtClean="0"/>
+              <a:t>12</a:t>
+            </a:fld>
+            <a:endParaRPr lang="en-US"/>
+          </a:p>
+        </p:txBody>
+      </p:sp>
     </p:spTree>
     <p:extLst>
       <p:ext uri="{BB962C8B-B14F-4D97-AF65-F5344CB8AC3E}">
@@ -5183,13 +5801,22 @@
             <p:ph type="title"/>
           </p:nvPr>
         </p:nvSpPr>
-        <p:spPr/>
+        <p:spPr>
+          <a:xfrm>
+            <a:off x="598621" y="258894"/>
+            <a:ext cx="10994760" cy="985720"/>
+          </a:xfrm>
+        </p:spPr>
         <p:txBody>
           <a:bodyPr/>
           <a:lstStyle/>
           <a:p>
             <a:r>
-              <a:rPr lang="en-US" dirty="0"/>
+              <a:rPr lang="en-US" b="1" dirty="0">
+                <a:solidFill>
+                  <a:schemeClr val="bg1"/>
+                </a:solidFill>
+              </a:rPr>
               <a:t>Data Set</a:t>
             </a:r>
           </a:p>
@@ -5234,6 +5861,35 @@
           </a:p>
           <a:p>
             <a:endParaRPr lang="en-US" dirty="0"/>
+          </a:p>
+        </p:txBody>
+      </p:sp>
+      <p:sp>
+        <p:nvSpPr>
+          <p:cNvPr id="4" name="Slide Number Placeholder 3">
+            <a:extLst>
+              <a:ext uri="{FF2B5EF4-FFF2-40B4-BE49-F238E27FC236}">
+                <a16:creationId xmlns:a16="http://schemas.microsoft.com/office/drawing/2014/main" id="{BF11A3B3-0F17-4CDF-9FE3-0E8229BC9810}"/>
+              </a:ext>
+            </a:extLst>
+          </p:cNvPr>
+          <p:cNvSpPr>
+            <a:spLocks noGrp="1"/>
+          </p:cNvSpPr>
+          <p:nvPr>
+            <p:ph type="sldNum" sz="quarter" idx="12"/>
+          </p:nvPr>
+        </p:nvSpPr>
+        <p:spPr/>
+        <p:txBody>
+          <a:bodyPr/>
+          <a:lstStyle/>
+          <a:p>
+            <a:fld id="{B311205A-2B12-4C3C-9B44-D13403EC63C4}" type="slidenum">
+              <a:rPr lang="en-US" smtClean="0"/>
+              <a:t>2</a:t>
+            </a:fld>
+            <a:endParaRPr lang="en-US"/>
           </a:p>
         </p:txBody>
       </p:sp>
@@ -5432,6 +6088,35 @@
           </a:p>
         </p:txBody>
       </p:sp>
+      <p:sp>
+        <p:nvSpPr>
+          <p:cNvPr id="2" name="Slide Number Placeholder 1">
+            <a:extLst>
+              <a:ext uri="{FF2B5EF4-FFF2-40B4-BE49-F238E27FC236}">
+                <a16:creationId xmlns:a16="http://schemas.microsoft.com/office/drawing/2014/main" id="{2A6CB1EC-DF59-48B0-9A3D-CF71D27D5CDF}"/>
+              </a:ext>
+            </a:extLst>
+          </p:cNvPr>
+          <p:cNvSpPr>
+            <a:spLocks noGrp="1"/>
+          </p:cNvSpPr>
+          <p:nvPr>
+            <p:ph type="sldNum" sz="quarter" idx="12"/>
+          </p:nvPr>
+        </p:nvSpPr>
+        <p:spPr/>
+        <p:txBody>
+          <a:bodyPr/>
+          <a:lstStyle/>
+          <a:p>
+            <a:fld id="{B311205A-2B12-4C3C-9B44-D13403EC63C4}" type="slidenum">
+              <a:rPr lang="en-US" smtClean="0"/>
+              <a:t>3</a:t>
+            </a:fld>
+            <a:endParaRPr lang="en-US"/>
+          </a:p>
+        </p:txBody>
+      </p:sp>
     </p:spTree>
     <p:extLst>
       <p:ext uri="{BB962C8B-B14F-4D97-AF65-F5344CB8AC3E}">
@@ -5480,7 +6165,9 @@
         </p:nvSpPr>
         <p:spPr/>
         <p:txBody>
-          <a:bodyPr/>
+          <a:bodyPr>
+            <a:normAutofit lnSpcReduction="10000"/>
+          </a:bodyPr>
           <a:lstStyle/>
           <a:p>
             <a:pPr marL="0" indent="0">
@@ -5519,6 +6206,12 @@
             <a:r>
               <a:rPr lang="en-US" dirty="0"/>
               <a:t>Cause of accident</a:t>
+            </a:r>
+          </a:p>
+          <a:p>
+            <a:r>
+              <a:rPr lang="en-US" dirty="0"/>
+              <a:t>Weather conditions</a:t>
             </a:r>
           </a:p>
         </p:txBody>
@@ -5592,6 +6285,35 @@
               </a:rPr>
               <a:t>Risk of Bicycle Fatalities?</a:t>
             </a:r>
+          </a:p>
+        </p:txBody>
+      </p:sp>
+      <p:sp>
+        <p:nvSpPr>
+          <p:cNvPr id="2" name="Slide Number Placeholder 1">
+            <a:extLst>
+              <a:ext uri="{FF2B5EF4-FFF2-40B4-BE49-F238E27FC236}">
+                <a16:creationId xmlns:a16="http://schemas.microsoft.com/office/drawing/2014/main" id="{AE8E0642-4C81-41B1-87E7-74CC2BF18443}"/>
+              </a:ext>
+            </a:extLst>
+          </p:cNvPr>
+          <p:cNvSpPr>
+            <a:spLocks noGrp="1"/>
+          </p:cNvSpPr>
+          <p:nvPr>
+            <p:ph type="sldNum" sz="quarter" idx="12"/>
+          </p:nvPr>
+        </p:nvSpPr>
+        <p:spPr/>
+        <p:txBody>
+          <a:bodyPr/>
+          <a:lstStyle/>
+          <a:p>
+            <a:fld id="{B311205A-2B12-4C3C-9B44-D13403EC63C4}" type="slidenum">
+              <a:rPr lang="en-US" smtClean="0"/>
+              <a:t>4</a:t>
+            </a:fld>
+            <a:endParaRPr lang="en-US"/>
           </a:p>
         </p:txBody>
       </p:sp>
@@ -6448,6 +7170,35 @@
           </a:p>
         </p:txBody>
       </p:sp>
+      <p:sp>
+        <p:nvSpPr>
+          <p:cNvPr id="7" name="Slide Number Placeholder 6">
+            <a:extLst>
+              <a:ext uri="{FF2B5EF4-FFF2-40B4-BE49-F238E27FC236}">
+                <a16:creationId xmlns:a16="http://schemas.microsoft.com/office/drawing/2014/main" id="{E7DA6974-5694-4752-9A55-FDFA9F49616E}"/>
+              </a:ext>
+            </a:extLst>
+          </p:cNvPr>
+          <p:cNvSpPr>
+            <a:spLocks noGrp="1"/>
+          </p:cNvSpPr>
+          <p:nvPr>
+            <p:ph type="sldNum" sz="quarter" idx="12"/>
+          </p:nvPr>
+        </p:nvSpPr>
+        <p:spPr/>
+        <p:txBody>
+          <a:bodyPr/>
+          <a:lstStyle/>
+          <a:p>
+            <a:fld id="{B311205A-2B12-4C3C-9B44-D13403EC63C4}" type="slidenum">
+              <a:rPr lang="en-US" smtClean="0"/>
+              <a:t>5</a:t>
+            </a:fld>
+            <a:endParaRPr lang="en-US"/>
+          </a:p>
+        </p:txBody>
+      </p:sp>
     </p:spTree>
     <p:extLst>
       <p:ext uri="{BB962C8B-B14F-4D97-AF65-F5344CB8AC3E}">
@@ -6494,13 +7245,18 @@
             <p:ph type="title"/>
           </p:nvPr>
         </p:nvSpPr>
-        <p:spPr/>
+        <p:spPr>
+          <a:xfrm>
+            <a:off x="598621" y="252070"/>
+            <a:ext cx="10994760" cy="985720"/>
+          </a:xfrm>
+        </p:spPr>
         <p:txBody>
           <a:bodyPr/>
           <a:lstStyle/>
           <a:p>
             <a:r>
-              <a:rPr lang="en-US" dirty="0">
+              <a:rPr lang="en-US" b="1" dirty="0">
                 <a:solidFill>
                   <a:schemeClr val="bg1"/>
                 </a:solidFill>
@@ -6532,6 +7288,35 @@
           <a:lstStyle/>
           <a:p>
             <a:endParaRPr lang="en-US" dirty="0"/>
+          </a:p>
+        </p:txBody>
+      </p:sp>
+      <p:sp>
+        <p:nvSpPr>
+          <p:cNvPr id="4" name="Slide Number Placeholder 3">
+            <a:extLst>
+              <a:ext uri="{FF2B5EF4-FFF2-40B4-BE49-F238E27FC236}">
+                <a16:creationId xmlns:a16="http://schemas.microsoft.com/office/drawing/2014/main" id="{E4C02BC6-CDC9-4419-A168-CAE49CA63F54}"/>
+              </a:ext>
+            </a:extLst>
+          </p:cNvPr>
+          <p:cNvSpPr>
+            <a:spLocks noGrp="1"/>
+          </p:cNvSpPr>
+          <p:nvPr>
+            <p:ph type="sldNum" sz="quarter" idx="12"/>
+          </p:nvPr>
+        </p:nvSpPr>
+        <p:spPr/>
+        <p:txBody>
+          <a:bodyPr/>
+          <a:lstStyle/>
+          <a:p>
+            <a:fld id="{B311205A-2B12-4C3C-9B44-D13403EC63C4}" type="slidenum">
+              <a:rPr lang="en-US" smtClean="0"/>
+              <a:t>6</a:t>
+            </a:fld>
+            <a:endParaRPr lang="en-US"/>
           </a:p>
         </p:txBody>
       </p:sp>
@@ -6627,6 +7412,35 @@
           </a:p>
         </p:txBody>
       </p:sp>
+      <p:sp>
+        <p:nvSpPr>
+          <p:cNvPr id="4" name="Slide Number Placeholder 3">
+            <a:extLst>
+              <a:ext uri="{FF2B5EF4-FFF2-40B4-BE49-F238E27FC236}">
+                <a16:creationId xmlns:a16="http://schemas.microsoft.com/office/drawing/2014/main" id="{6E8DF7D9-06B2-4A83-9A84-1BF7F9DE31B0}"/>
+              </a:ext>
+            </a:extLst>
+          </p:cNvPr>
+          <p:cNvSpPr>
+            <a:spLocks noGrp="1"/>
+          </p:cNvSpPr>
+          <p:nvPr>
+            <p:ph type="sldNum" sz="quarter" idx="12"/>
+          </p:nvPr>
+        </p:nvSpPr>
+        <p:spPr/>
+        <p:txBody>
+          <a:bodyPr/>
+          <a:lstStyle/>
+          <a:p>
+            <a:fld id="{B311205A-2B12-4C3C-9B44-D13403EC63C4}" type="slidenum">
+              <a:rPr lang="en-US" smtClean="0"/>
+              <a:t>7</a:t>
+            </a:fld>
+            <a:endParaRPr lang="en-US"/>
+          </a:p>
+        </p:txBody>
+      </p:sp>
     </p:spTree>
     <p:extLst>
       <p:ext uri="{BB962C8B-B14F-4D97-AF65-F5344CB8AC3E}">
@@ -6691,17 +7505,17 @@
                   <a:schemeClr val="bg1"/>
                 </a:solidFill>
               </a:rPr>
-              <a:t>Support (graphs - placeholder)</a:t>
-            </a:r>
-          </a:p>
-        </p:txBody>
-      </p:sp>
-      <p:sp>
-        <p:nvSpPr>
-          <p:cNvPr id="3" name="Content Placeholder 2">
+              <a:t>Fatalities by Time of Day	</a:t>
+            </a:r>
+          </a:p>
+        </p:txBody>
+      </p:sp>
+      <p:sp>
+        <p:nvSpPr>
+          <p:cNvPr id="3" name="Slide Number Placeholder 2">
             <a:extLst>
               <a:ext uri="{FF2B5EF4-FFF2-40B4-BE49-F238E27FC236}">
-                <a16:creationId xmlns:a16="http://schemas.microsoft.com/office/drawing/2014/main" id="{21AEB424-6F82-4900-A055-3694339C63AC}"/>
+                <a16:creationId xmlns:a16="http://schemas.microsoft.com/office/drawing/2014/main" id="{CDEF0D43-9610-49F3-8E97-A001A1C0720D}"/>
               </a:ext>
             </a:extLst>
           </p:cNvPr>
@@ -6709,7 +7523,7 @@
             <a:spLocks noGrp="1"/>
           </p:cNvSpPr>
           <p:nvPr>
-            <p:ph idx="1"/>
+            <p:ph type="sldNum" sz="quarter" idx="12"/>
           </p:nvPr>
         </p:nvSpPr>
         <p:spPr/>
@@ -6717,14 +7531,54 @@
           <a:bodyPr/>
           <a:lstStyle/>
           <a:p>
+            <a:fld id="{B311205A-2B12-4C3C-9B44-D13403EC63C4}" type="slidenum">
+              <a:rPr lang="en-US" smtClean="0"/>
+              <a:t>8</a:t>
+            </a:fld>
             <a:endParaRPr lang="en-US"/>
           </a:p>
         </p:txBody>
       </p:sp>
+      <p:pic>
+        <p:nvPicPr>
+          <p:cNvPr id="13" name="Picture 12">
+            <a:extLst>
+              <a:ext uri="{FF2B5EF4-FFF2-40B4-BE49-F238E27FC236}">
+                <a16:creationId xmlns:a16="http://schemas.microsoft.com/office/drawing/2014/main" id="{95C04451-F835-4415-98C3-E93E562E3023}"/>
+              </a:ext>
+            </a:extLst>
+          </p:cNvPr>
+          <p:cNvPicPr>
+            <a:picLocks noChangeAspect="1"/>
+          </p:cNvPicPr>
+          <p:nvPr/>
+        </p:nvPicPr>
+        <p:blipFill>
+          <a:blip r:embed="rId3">
+            <a:extLst>
+              <a:ext uri="{28A0092B-C50C-407E-A947-70E740481C1C}">
+                <a14:useLocalDpi xmlns:a14="http://schemas.microsoft.com/office/drawing/2010/main" val="0"/>
+              </a:ext>
+            </a:extLst>
+          </a:blip>
+          <a:stretch>
+            <a:fillRect/>
+          </a:stretch>
+        </p:blipFill>
+        <p:spPr>
+          <a:xfrm>
+            <a:off x="4440509" y="2244293"/>
+            <a:ext cx="5938614" cy="3984335"/>
+          </a:xfrm>
+          <a:prstGeom prst="rect">
+            <a:avLst/>
+          </a:prstGeom>
+        </p:spPr>
+      </p:pic>
     </p:spTree>
     <p:extLst>
       <p:ext uri="{BB962C8B-B14F-4D97-AF65-F5344CB8AC3E}">
-        <p14:creationId xmlns:p14="http://schemas.microsoft.com/office/powerpoint/2010/main" val="2052706279"/>
+        <p14:creationId xmlns:p14="http://schemas.microsoft.com/office/powerpoint/2010/main" val="3622212361"/>
       </p:ext>
     </p:extLst>
   </p:cSld>
@@ -6785,62 +7639,80 @@
                   <a:schemeClr val="bg1"/>
                 </a:solidFill>
               </a:rPr>
-              <a:t>Fatalities by State	</a:t>
-            </a:r>
+              <a:t>Fatalities by Day of the Week	</a:t>
+            </a:r>
+          </a:p>
+        </p:txBody>
+      </p:sp>
+      <p:sp>
+        <p:nvSpPr>
+          <p:cNvPr id="3" name="Slide Number Placeholder 2">
+            <a:extLst>
+              <a:ext uri="{FF2B5EF4-FFF2-40B4-BE49-F238E27FC236}">
+                <a16:creationId xmlns:a16="http://schemas.microsoft.com/office/drawing/2014/main" id="{CDEF0D43-9610-49F3-8E97-A001A1C0720D}"/>
+              </a:ext>
+            </a:extLst>
+          </p:cNvPr>
+          <p:cNvSpPr>
+            <a:spLocks noGrp="1"/>
+          </p:cNvSpPr>
+          <p:nvPr>
+            <p:ph type="sldNum" sz="quarter" idx="12"/>
+          </p:nvPr>
+        </p:nvSpPr>
+        <p:spPr/>
+        <p:txBody>
+          <a:bodyPr/>
+          <a:lstStyle/>
+          <a:p>
+            <a:fld id="{B311205A-2B12-4C3C-9B44-D13403EC63C4}" type="slidenum">
+              <a:rPr lang="en-US" smtClean="0"/>
+              <a:t>9</a:t>
+            </a:fld>
+            <a:endParaRPr lang="en-US"/>
           </a:p>
         </p:txBody>
       </p:sp>
       <p:pic>
         <p:nvPicPr>
-          <p:cNvPr id="1026" name="Picture 2" descr="https://lh4.googleusercontent.com/TR80tTavajTR5l5HZFPpeQToG8GiwLy3g3vK6jALXhimVAlDXsQwfn4jE8dPreMeHXnTS5YYlX-69Xeczxq7IBhrRjs3QZNv9I5n67QLHtWkrck4dgpGm9E1MT76NH73pRns6wHPcpA">
+          <p:cNvPr id="5" name="Picture 4">
             <a:extLst>
               <a:ext uri="{FF2B5EF4-FFF2-40B4-BE49-F238E27FC236}">
-                <a16:creationId xmlns:a16="http://schemas.microsoft.com/office/drawing/2014/main" id="{DB4CAA88-7F7F-4B77-B717-8D2374DB8DC2}"/>
+                <a16:creationId xmlns:a16="http://schemas.microsoft.com/office/drawing/2014/main" id="{EEF1418D-6F92-4CB9-A765-95D6A1F31EFB}"/>
               </a:ext>
             </a:extLst>
           </p:cNvPr>
           <p:cNvPicPr>
-            <a:picLocks noGrp="1" noChangeAspect="1" noChangeArrowheads="1"/>
+            <a:picLocks noChangeAspect="1"/>
           </p:cNvPicPr>
-          <p:nvPr>
-            <p:ph idx="1"/>
-          </p:nvPr>
+          <p:nvPr/>
         </p:nvPicPr>
-        <p:blipFill rotWithShape="1">
-          <a:blip r:embed="rId2">
+        <p:blipFill>
+          <a:blip r:embed="rId3">
             <a:extLst>
               <a:ext uri="{28A0092B-C50C-407E-A947-70E740481C1C}">
                 <a14:useLocalDpi xmlns:a14="http://schemas.microsoft.com/office/drawing/2010/main" val="0"/>
               </a:ext>
             </a:extLst>
           </a:blip>
-          <a:srcRect t="25978" b="16021"/>
-          <a:stretch/>
+          <a:stretch>
+            <a:fillRect/>
+          </a:stretch>
         </p:blipFill>
-        <p:spPr bwMode="auto">
+        <p:spPr>
           <a:xfrm>
-            <a:off x="3822192" y="2247538"/>
-            <a:ext cx="7618462" cy="3787502"/>
+            <a:off x="4364836" y="2261661"/>
+            <a:ext cx="6109211" cy="4094690"/>
           </a:xfrm>
           <a:prstGeom prst="rect">
             <a:avLst/>
           </a:prstGeom>
-          <a:noFill/>
-          <a:extLst>
-            <a:ext uri="{909E8E84-426E-40DD-AFC4-6F175D3DCCD1}">
-              <a14:hiddenFill xmlns:a14="http://schemas.microsoft.com/office/drawing/2010/main">
-                <a:solidFill>
-                  <a:srgbClr val="FFFFFF"/>
-                </a:solidFill>
-              </a14:hiddenFill>
-            </a:ext>
-          </a:extLst>
         </p:spPr>
       </p:pic>
     </p:spTree>
     <p:extLst>
       <p:ext uri="{BB962C8B-B14F-4D97-AF65-F5344CB8AC3E}">
-        <p14:creationId xmlns:p14="http://schemas.microsoft.com/office/powerpoint/2010/main" val="1031673138"/>
+        <p14:creationId xmlns:p14="http://schemas.microsoft.com/office/powerpoint/2010/main" val="3089322612"/>
       </p:ext>
     </p:extLst>
   </p:cSld>

--- a/US Bicycle Fatalities_Group 4.pptx
+++ b/US Bicycle Fatalities_Group 4.pptx
@@ -5,7 +5,7 @@
     <p:sldMasterId id="2147483660" r:id="rId1"/>
   </p:sldMasterIdLst>
   <p:notesMasterIdLst>
-    <p:notesMasterId r:id="rId14"/>
+    <p:notesMasterId r:id="rId18"/>
   </p:notesMasterIdLst>
   <p:sldIdLst>
     <p:sldId id="256" r:id="rId2"/>
@@ -13,13 +13,17 @@
     <p:sldId id="257" r:id="rId4"/>
     <p:sldId id="258" r:id="rId5"/>
     <p:sldId id="260" r:id="rId6"/>
-    <p:sldId id="264" r:id="rId7"/>
-    <p:sldId id="261" r:id="rId8"/>
-    <p:sldId id="267" r:id="rId9"/>
-    <p:sldId id="269" r:id="rId10"/>
-    <p:sldId id="268" r:id="rId11"/>
-    <p:sldId id="265" r:id="rId12"/>
-    <p:sldId id="266" r:id="rId13"/>
+    <p:sldId id="270" r:id="rId7"/>
+    <p:sldId id="265" r:id="rId8"/>
+    <p:sldId id="266" r:id="rId9"/>
+    <p:sldId id="267" r:id="rId10"/>
+    <p:sldId id="269" r:id="rId11"/>
+    <p:sldId id="268" r:id="rId12"/>
+    <p:sldId id="271" r:id="rId13"/>
+    <p:sldId id="273" r:id="rId14"/>
+    <p:sldId id="272" r:id="rId15"/>
+    <p:sldId id="261" r:id="rId16"/>
+    <p:sldId id="274" r:id="rId17"/>
   </p:sldIdLst>
   <p:sldSz cx="12192000" cy="6858000"/>
   <p:notesSz cx="6858000" cy="9144000"/>
@@ -257,7 +261,7 @@
           <a:p>
             <a:fld id="{2D8596F9-D31B-4687-976B-51472F7B15D4}" type="datetimeFigureOut">
               <a:rPr lang="en-US" smtClean="0"/>
-              <a:t>10/30/2019</a:t>
+              <a:t>10/31/2019</a:t>
             </a:fld>
             <a:endParaRPr lang="en-US"/>
           </a:p>
@@ -570,7 +574,7 @@
           <a:p>
             <a:r>
               <a:rPr lang="en-US" dirty="0"/>
-              <a:t>Would weather be another to look at?  </a:t>
+              <a:t>Brian</a:t>
             </a:r>
           </a:p>
         </p:txBody>
@@ -592,7 +596,7 @@
           <a:p>
             <a:fld id="{265EB43F-5B02-4A39-ABA6-1416420AA7A8}" type="slidenum">
               <a:rPr lang="en-US" smtClean="0"/>
-              <a:t>4</a:t>
+              <a:t>2</a:t>
             </a:fld>
             <a:endParaRPr lang="en-US"/>
           </a:p>
@@ -601,7 +605,547 @@
     </p:spTree>
     <p:extLst>
       <p:ext uri="{BB962C8B-B14F-4D97-AF65-F5344CB8AC3E}">
-        <p14:creationId xmlns:p14="http://schemas.microsoft.com/office/powerpoint/2010/main" val="1681951065"/>
+        <p14:creationId xmlns:p14="http://schemas.microsoft.com/office/powerpoint/2010/main" val="805666588"/>
+      </p:ext>
+    </p:extLst>
+  </p:cSld>
+  <p:clrMapOvr>
+    <a:masterClrMapping/>
+  </p:clrMapOvr>
+</p:notes>
+</file>
+
+<file path=ppt/notesSlides/notesSlide10.xml><?xml version="1.0" encoding="utf-8"?>
+<p:notes xmlns:a="http://schemas.openxmlformats.org/drawingml/2006/main" xmlns:r="http://schemas.openxmlformats.org/officeDocument/2006/relationships" xmlns:p="http://schemas.openxmlformats.org/presentationml/2006/main">
+  <p:cSld>
+    <p:spTree>
+      <p:nvGrpSpPr>
+        <p:cNvPr id="1" name=""/>
+        <p:cNvGrpSpPr/>
+        <p:nvPr/>
+      </p:nvGrpSpPr>
+      <p:grpSpPr>
+        <a:xfrm>
+          <a:off x="0" y="0"/>
+          <a:ext cx="0" cy="0"/>
+          <a:chOff x="0" y="0"/>
+          <a:chExt cx="0" cy="0"/>
+        </a:xfrm>
+      </p:grpSpPr>
+      <p:sp>
+        <p:nvSpPr>
+          <p:cNvPr id="2" name="Slide Image Placeholder 1"/>
+          <p:cNvSpPr>
+            <a:spLocks noGrp="1" noRot="1" noChangeAspect="1"/>
+          </p:cNvSpPr>
+          <p:nvPr>
+            <p:ph type="sldImg"/>
+          </p:nvPr>
+        </p:nvSpPr>
+        <p:spPr/>
+      </p:sp>
+      <p:sp>
+        <p:nvSpPr>
+          <p:cNvPr id="3" name="Notes Placeholder 2"/>
+          <p:cNvSpPr>
+            <a:spLocks noGrp="1"/>
+          </p:cNvSpPr>
+          <p:nvPr>
+            <p:ph type="body" idx="1"/>
+          </p:nvPr>
+        </p:nvSpPr>
+        <p:spPr/>
+        <p:txBody>
+          <a:bodyPr/>
+          <a:lstStyle/>
+          <a:p>
+            <a:r>
+              <a:rPr lang="en-US" dirty="0"/>
+              <a:t>Jodie</a:t>
+            </a:r>
+          </a:p>
+          <a:p>
+            <a:r>
+              <a:rPr lang="en-US" dirty="0"/>
+              <a:t>Shows higher numbers in urban areas and many more when the bicycle is traveling the same direction as traffic</a:t>
+            </a:r>
+          </a:p>
+        </p:txBody>
+      </p:sp>
+      <p:sp>
+        <p:nvSpPr>
+          <p:cNvPr id="4" name="Slide Number Placeholder 3"/>
+          <p:cNvSpPr>
+            <a:spLocks noGrp="1"/>
+          </p:cNvSpPr>
+          <p:nvPr>
+            <p:ph type="sldNum" sz="quarter" idx="5"/>
+          </p:nvPr>
+        </p:nvSpPr>
+        <p:spPr/>
+        <p:txBody>
+          <a:bodyPr/>
+          <a:lstStyle/>
+          <a:p>
+            <a:fld id="{265EB43F-5B02-4A39-ABA6-1416420AA7A8}" type="slidenum">
+              <a:rPr lang="en-US" smtClean="0"/>
+              <a:t>11</a:t>
+            </a:fld>
+            <a:endParaRPr lang="en-US"/>
+          </a:p>
+        </p:txBody>
+      </p:sp>
+    </p:spTree>
+    <p:extLst>
+      <p:ext uri="{BB962C8B-B14F-4D97-AF65-F5344CB8AC3E}">
+        <p14:creationId xmlns:p14="http://schemas.microsoft.com/office/powerpoint/2010/main" val="4041506570"/>
+      </p:ext>
+    </p:extLst>
+  </p:cSld>
+  <p:clrMapOvr>
+    <a:masterClrMapping/>
+  </p:clrMapOvr>
+</p:notes>
+</file>
+
+<file path=ppt/notesSlides/notesSlide11.xml><?xml version="1.0" encoding="utf-8"?>
+<p:notes xmlns:a="http://schemas.openxmlformats.org/drawingml/2006/main" xmlns:r="http://schemas.openxmlformats.org/officeDocument/2006/relationships" xmlns:p="http://schemas.openxmlformats.org/presentationml/2006/main">
+  <p:cSld>
+    <p:spTree>
+      <p:nvGrpSpPr>
+        <p:cNvPr id="1" name=""/>
+        <p:cNvGrpSpPr/>
+        <p:nvPr/>
+      </p:nvGrpSpPr>
+      <p:grpSpPr>
+        <a:xfrm>
+          <a:off x="0" y="0"/>
+          <a:ext cx="0" cy="0"/>
+          <a:chOff x="0" y="0"/>
+          <a:chExt cx="0" cy="0"/>
+        </a:xfrm>
+      </p:grpSpPr>
+      <p:sp>
+        <p:nvSpPr>
+          <p:cNvPr id="2" name="Slide Image Placeholder 1"/>
+          <p:cNvSpPr>
+            <a:spLocks noGrp="1" noRot="1" noChangeAspect="1"/>
+          </p:cNvSpPr>
+          <p:nvPr>
+            <p:ph type="sldImg"/>
+          </p:nvPr>
+        </p:nvSpPr>
+        <p:spPr/>
+      </p:sp>
+      <p:sp>
+        <p:nvSpPr>
+          <p:cNvPr id="3" name="Notes Placeholder 2"/>
+          <p:cNvSpPr>
+            <a:spLocks noGrp="1"/>
+          </p:cNvSpPr>
+          <p:nvPr>
+            <p:ph type="body" idx="1"/>
+          </p:nvPr>
+        </p:nvSpPr>
+        <p:spPr/>
+        <p:txBody>
+          <a:bodyPr/>
+          <a:lstStyle/>
+          <a:p>
+            <a:r>
+              <a:rPr lang="en-US" dirty="0"/>
+              <a:t>Brian</a:t>
+            </a:r>
+          </a:p>
+        </p:txBody>
+      </p:sp>
+      <p:sp>
+        <p:nvSpPr>
+          <p:cNvPr id="4" name="Slide Number Placeholder 3"/>
+          <p:cNvSpPr>
+            <a:spLocks noGrp="1"/>
+          </p:cNvSpPr>
+          <p:nvPr>
+            <p:ph type="sldNum" sz="quarter" idx="5"/>
+          </p:nvPr>
+        </p:nvSpPr>
+        <p:spPr/>
+        <p:txBody>
+          <a:bodyPr/>
+          <a:lstStyle/>
+          <a:p>
+            <a:fld id="{265EB43F-5B02-4A39-ABA6-1416420AA7A8}" type="slidenum">
+              <a:rPr lang="en-US" smtClean="0"/>
+              <a:t>12</a:t>
+            </a:fld>
+            <a:endParaRPr lang="en-US"/>
+          </a:p>
+        </p:txBody>
+      </p:sp>
+    </p:spTree>
+    <p:extLst>
+      <p:ext uri="{BB962C8B-B14F-4D97-AF65-F5344CB8AC3E}">
+        <p14:creationId xmlns:p14="http://schemas.microsoft.com/office/powerpoint/2010/main" val="2022629077"/>
+      </p:ext>
+    </p:extLst>
+  </p:cSld>
+  <p:clrMapOvr>
+    <a:masterClrMapping/>
+  </p:clrMapOvr>
+</p:notes>
+</file>
+
+<file path=ppt/notesSlides/notesSlide12.xml><?xml version="1.0" encoding="utf-8"?>
+<p:notes xmlns:a="http://schemas.openxmlformats.org/drawingml/2006/main" xmlns:r="http://schemas.openxmlformats.org/officeDocument/2006/relationships" xmlns:p="http://schemas.openxmlformats.org/presentationml/2006/main">
+  <p:cSld>
+    <p:spTree>
+      <p:nvGrpSpPr>
+        <p:cNvPr id="1" name=""/>
+        <p:cNvGrpSpPr/>
+        <p:nvPr/>
+      </p:nvGrpSpPr>
+      <p:grpSpPr>
+        <a:xfrm>
+          <a:off x="0" y="0"/>
+          <a:ext cx="0" cy="0"/>
+          <a:chOff x="0" y="0"/>
+          <a:chExt cx="0" cy="0"/>
+        </a:xfrm>
+      </p:grpSpPr>
+      <p:sp>
+        <p:nvSpPr>
+          <p:cNvPr id="2" name="Slide Image Placeholder 1"/>
+          <p:cNvSpPr>
+            <a:spLocks noGrp="1" noRot="1" noChangeAspect="1"/>
+          </p:cNvSpPr>
+          <p:nvPr>
+            <p:ph type="sldImg"/>
+          </p:nvPr>
+        </p:nvSpPr>
+        <p:spPr/>
+      </p:sp>
+      <p:sp>
+        <p:nvSpPr>
+          <p:cNvPr id="3" name="Notes Placeholder 2"/>
+          <p:cNvSpPr>
+            <a:spLocks noGrp="1"/>
+          </p:cNvSpPr>
+          <p:nvPr>
+            <p:ph type="body" idx="1"/>
+          </p:nvPr>
+        </p:nvSpPr>
+        <p:spPr/>
+        <p:txBody>
+          <a:bodyPr/>
+          <a:lstStyle/>
+          <a:p>
+            <a:r>
+              <a:rPr lang="en-US" dirty="0"/>
+              <a:t>Sam</a:t>
+            </a:r>
+          </a:p>
+        </p:txBody>
+      </p:sp>
+      <p:sp>
+        <p:nvSpPr>
+          <p:cNvPr id="4" name="Slide Number Placeholder 3"/>
+          <p:cNvSpPr>
+            <a:spLocks noGrp="1"/>
+          </p:cNvSpPr>
+          <p:nvPr>
+            <p:ph type="sldNum" sz="quarter" idx="5"/>
+          </p:nvPr>
+        </p:nvSpPr>
+        <p:spPr/>
+        <p:txBody>
+          <a:bodyPr/>
+          <a:lstStyle/>
+          <a:p>
+            <a:fld id="{265EB43F-5B02-4A39-ABA6-1416420AA7A8}" type="slidenum">
+              <a:rPr lang="en-US" smtClean="0"/>
+              <a:t>13</a:t>
+            </a:fld>
+            <a:endParaRPr lang="en-US"/>
+          </a:p>
+        </p:txBody>
+      </p:sp>
+    </p:spTree>
+    <p:extLst>
+      <p:ext uri="{BB962C8B-B14F-4D97-AF65-F5344CB8AC3E}">
+        <p14:creationId xmlns:p14="http://schemas.microsoft.com/office/powerpoint/2010/main" val="1505171910"/>
+      </p:ext>
+    </p:extLst>
+  </p:cSld>
+  <p:clrMapOvr>
+    <a:masterClrMapping/>
+  </p:clrMapOvr>
+</p:notes>
+</file>
+
+<file path=ppt/notesSlides/notesSlide13.xml><?xml version="1.0" encoding="utf-8"?>
+<p:notes xmlns:a="http://schemas.openxmlformats.org/drawingml/2006/main" xmlns:r="http://schemas.openxmlformats.org/officeDocument/2006/relationships" xmlns:p="http://schemas.openxmlformats.org/presentationml/2006/main">
+  <p:cSld>
+    <p:spTree>
+      <p:nvGrpSpPr>
+        <p:cNvPr id="1" name=""/>
+        <p:cNvGrpSpPr/>
+        <p:nvPr/>
+      </p:nvGrpSpPr>
+      <p:grpSpPr>
+        <a:xfrm>
+          <a:off x="0" y="0"/>
+          <a:ext cx="0" cy="0"/>
+          <a:chOff x="0" y="0"/>
+          <a:chExt cx="0" cy="0"/>
+        </a:xfrm>
+      </p:grpSpPr>
+      <p:sp>
+        <p:nvSpPr>
+          <p:cNvPr id="2" name="Slide Image Placeholder 1"/>
+          <p:cNvSpPr>
+            <a:spLocks noGrp="1" noRot="1" noChangeAspect="1"/>
+          </p:cNvSpPr>
+          <p:nvPr>
+            <p:ph type="sldImg"/>
+          </p:nvPr>
+        </p:nvSpPr>
+        <p:spPr/>
+      </p:sp>
+      <p:sp>
+        <p:nvSpPr>
+          <p:cNvPr id="3" name="Notes Placeholder 2"/>
+          <p:cNvSpPr>
+            <a:spLocks noGrp="1"/>
+          </p:cNvSpPr>
+          <p:nvPr>
+            <p:ph type="body" idx="1"/>
+          </p:nvPr>
+        </p:nvSpPr>
+        <p:spPr/>
+        <p:txBody>
+          <a:bodyPr/>
+          <a:lstStyle/>
+          <a:p>
+            <a:r>
+              <a:rPr lang="en-US" dirty="0"/>
+              <a:t>Sam</a:t>
+            </a:r>
+          </a:p>
+        </p:txBody>
+      </p:sp>
+      <p:sp>
+        <p:nvSpPr>
+          <p:cNvPr id="4" name="Slide Number Placeholder 3"/>
+          <p:cNvSpPr>
+            <a:spLocks noGrp="1"/>
+          </p:cNvSpPr>
+          <p:nvPr>
+            <p:ph type="sldNum" sz="quarter" idx="5"/>
+          </p:nvPr>
+        </p:nvSpPr>
+        <p:spPr/>
+        <p:txBody>
+          <a:bodyPr/>
+          <a:lstStyle/>
+          <a:p>
+            <a:fld id="{265EB43F-5B02-4A39-ABA6-1416420AA7A8}" type="slidenum">
+              <a:rPr lang="en-US" smtClean="0"/>
+              <a:t>14</a:t>
+            </a:fld>
+            <a:endParaRPr lang="en-US"/>
+          </a:p>
+        </p:txBody>
+      </p:sp>
+    </p:spTree>
+    <p:extLst>
+      <p:ext uri="{BB962C8B-B14F-4D97-AF65-F5344CB8AC3E}">
+        <p14:creationId xmlns:p14="http://schemas.microsoft.com/office/powerpoint/2010/main" val="3217479824"/>
+      </p:ext>
+    </p:extLst>
+  </p:cSld>
+  <p:clrMapOvr>
+    <a:masterClrMapping/>
+  </p:clrMapOvr>
+</p:notes>
+</file>
+
+<file path=ppt/notesSlides/notesSlide14.xml><?xml version="1.0" encoding="utf-8"?>
+<p:notes xmlns:a="http://schemas.openxmlformats.org/drawingml/2006/main" xmlns:r="http://schemas.openxmlformats.org/officeDocument/2006/relationships" xmlns:p="http://schemas.openxmlformats.org/presentationml/2006/main">
+  <p:cSld>
+    <p:spTree>
+      <p:nvGrpSpPr>
+        <p:cNvPr id="1" name=""/>
+        <p:cNvGrpSpPr/>
+        <p:nvPr/>
+      </p:nvGrpSpPr>
+      <p:grpSpPr>
+        <a:xfrm>
+          <a:off x="0" y="0"/>
+          <a:ext cx="0" cy="0"/>
+          <a:chOff x="0" y="0"/>
+          <a:chExt cx="0" cy="0"/>
+        </a:xfrm>
+      </p:grpSpPr>
+      <p:sp>
+        <p:nvSpPr>
+          <p:cNvPr id="2" name="Slide Image Placeholder 1"/>
+          <p:cNvSpPr>
+            <a:spLocks noGrp="1" noRot="1" noChangeAspect="1"/>
+          </p:cNvSpPr>
+          <p:nvPr>
+            <p:ph type="sldImg"/>
+          </p:nvPr>
+        </p:nvSpPr>
+        <p:spPr/>
+      </p:sp>
+      <p:sp>
+        <p:nvSpPr>
+          <p:cNvPr id="3" name="Notes Placeholder 2"/>
+          <p:cNvSpPr>
+            <a:spLocks noGrp="1"/>
+          </p:cNvSpPr>
+          <p:nvPr>
+            <p:ph type="body" idx="1"/>
+          </p:nvPr>
+        </p:nvSpPr>
+        <p:spPr/>
+        <p:txBody>
+          <a:bodyPr/>
+          <a:lstStyle/>
+          <a:p>
+            <a:r>
+              <a:rPr lang="en-US" dirty="0"/>
+              <a:t>Was our hypothesis right?</a:t>
+            </a:r>
+          </a:p>
+          <a:p>
+            <a:endParaRPr lang="en-US" dirty="0"/>
+          </a:p>
+          <a:p>
+            <a:r>
+              <a:rPr lang="en-US" dirty="0"/>
+              <a:t>Sam</a:t>
+            </a:r>
+          </a:p>
+        </p:txBody>
+      </p:sp>
+      <p:sp>
+        <p:nvSpPr>
+          <p:cNvPr id="4" name="Slide Number Placeholder 3"/>
+          <p:cNvSpPr>
+            <a:spLocks noGrp="1"/>
+          </p:cNvSpPr>
+          <p:nvPr>
+            <p:ph type="sldNum" sz="quarter" idx="5"/>
+          </p:nvPr>
+        </p:nvSpPr>
+        <p:spPr/>
+        <p:txBody>
+          <a:bodyPr/>
+          <a:lstStyle/>
+          <a:p>
+            <a:fld id="{265EB43F-5B02-4A39-ABA6-1416420AA7A8}" type="slidenum">
+              <a:rPr lang="en-US" smtClean="0"/>
+              <a:t>15</a:t>
+            </a:fld>
+            <a:endParaRPr lang="en-US"/>
+          </a:p>
+        </p:txBody>
+      </p:sp>
+    </p:spTree>
+    <p:extLst>
+      <p:ext uri="{BB962C8B-B14F-4D97-AF65-F5344CB8AC3E}">
+        <p14:creationId xmlns:p14="http://schemas.microsoft.com/office/powerpoint/2010/main" val="4099037354"/>
+      </p:ext>
+    </p:extLst>
+  </p:cSld>
+  <p:clrMapOvr>
+    <a:masterClrMapping/>
+  </p:clrMapOvr>
+</p:notes>
+</file>
+
+<file path=ppt/notesSlides/notesSlide15.xml><?xml version="1.0" encoding="utf-8"?>
+<p:notes xmlns:a="http://schemas.openxmlformats.org/drawingml/2006/main" xmlns:r="http://schemas.openxmlformats.org/officeDocument/2006/relationships" xmlns:p="http://schemas.openxmlformats.org/presentationml/2006/main">
+  <p:cSld>
+    <p:spTree>
+      <p:nvGrpSpPr>
+        <p:cNvPr id="1" name=""/>
+        <p:cNvGrpSpPr/>
+        <p:nvPr/>
+      </p:nvGrpSpPr>
+      <p:grpSpPr>
+        <a:xfrm>
+          <a:off x="0" y="0"/>
+          <a:ext cx="0" cy="0"/>
+          <a:chOff x="0" y="0"/>
+          <a:chExt cx="0" cy="0"/>
+        </a:xfrm>
+      </p:grpSpPr>
+      <p:sp>
+        <p:nvSpPr>
+          <p:cNvPr id="2" name="Slide Image Placeholder 1"/>
+          <p:cNvSpPr>
+            <a:spLocks noGrp="1" noRot="1" noChangeAspect="1"/>
+          </p:cNvSpPr>
+          <p:nvPr>
+            <p:ph type="sldImg"/>
+          </p:nvPr>
+        </p:nvSpPr>
+        <p:spPr/>
+      </p:sp>
+      <p:sp>
+        <p:nvSpPr>
+          <p:cNvPr id="3" name="Notes Placeholder 2"/>
+          <p:cNvSpPr>
+            <a:spLocks noGrp="1"/>
+          </p:cNvSpPr>
+          <p:nvPr>
+            <p:ph type="body" idx="1"/>
+          </p:nvPr>
+        </p:nvSpPr>
+        <p:spPr/>
+        <p:txBody>
+          <a:bodyPr/>
+          <a:lstStyle/>
+          <a:p>
+            <a:r>
+              <a:rPr lang="en-US" dirty="0"/>
+              <a:t>Function?</a:t>
+            </a:r>
+          </a:p>
+          <a:p>
+            <a:endParaRPr lang="en-US" dirty="0"/>
+          </a:p>
+        </p:txBody>
+      </p:sp>
+      <p:sp>
+        <p:nvSpPr>
+          <p:cNvPr id="4" name="Slide Number Placeholder 3"/>
+          <p:cNvSpPr>
+            <a:spLocks noGrp="1"/>
+          </p:cNvSpPr>
+          <p:nvPr>
+            <p:ph type="sldNum" sz="quarter" idx="5"/>
+          </p:nvPr>
+        </p:nvSpPr>
+        <p:spPr/>
+        <p:txBody>
+          <a:bodyPr/>
+          <a:lstStyle/>
+          <a:p>
+            <a:fld id="{265EB43F-5B02-4A39-ABA6-1416420AA7A8}" type="slidenum">
+              <a:rPr lang="en-US" smtClean="0"/>
+              <a:t>16</a:t>
+            </a:fld>
+            <a:endParaRPr lang="en-US"/>
+          </a:p>
+        </p:txBody>
+      </p:sp>
+    </p:spTree>
+    <p:extLst>
+      <p:ext uri="{BB962C8B-B14F-4D97-AF65-F5344CB8AC3E}">
+        <p14:creationId xmlns:p14="http://schemas.microsoft.com/office/powerpoint/2010/main" val="1656972079"/>
       </p:ext>
     </p:extLst>
   </p:cSld>
@@ -655,7 +1199,10 @@
           <a:bodyPr/>
           <a:lstStyle/>
           <a:p>
-            <a:endParaRPr lang="en-US" dirty="0"/>
+            <a:r>
+              <a:rPr lang="en-US" dirty="0"/>
+              <a:t>Brian</a:t>
+            </a:r>
           </a:p>
         </p:txBody>
       </p:sp>
@@ -676,7 +1223,7 @@
           <a:p>
             <a:fld id="{265EB43F-5B02-4A39-ABA6-1416420AA7A8}" type="slidenum">
               <a:rPr lang="en-US" smtClean="0"/>
-              <a:t>5</a:t>
+              <a:t>3</a:t>
             </a:fld>
             <a:endParaRPr lang="en-US"/>
           </a:p>
@@ -685,7 +1232,7 @@
     </p:spTree>
     <p:extLst>
       <p:ext uri="{BB962C8B-B14F-4D97-AF65-F5344CB8AC3E}">
-        <p14:creationId xmlns:p14="http://schemas.microsoft.com/office/powerpoint/2010/main" val="2514645530"/>
+        <p14:creationId xmlns:p14="http://schemas.microsoft.com/office/powerpoint/2010/main" val="2067851820"/>
       </p:ext>
     </p:extLst>
   </p:cSld>
@@ -740,9 +1287,10 @@
           <a:lstStyle/>
           <a:p>
             <a:r>
-              <a:rPr lang="en-US" dirty="0"/>
-              <a:t>Add features most used</a:t>
-            </a:r>
+              <a:rPr lang="en-US" dirty="0" err="1"/>
+              <a:t>Norean</a:t>
+            </a:r>
+            <a:endParaRPr lang="en-US" dirty="0"/>
           </a:p>
         </p:txBody>
       </p:sp>
@@ -763,7 +1311,7 @@
           <a:p>
             <a:fld id="{265EB43F-5B02-4A39-ABA6-1416420AA7A8}" type="slidenum">
               <a:rPr lang="en-US" smtClean="0"/>
-              <a:t>6</a:t>
+              <a:t>4</a:t>
             </a:fld>
             <a:endParaRPr lang="en-US"/>
           </a:p>
@@ -772,7 +1320,7 @@
     </p:spTree>
     <p:extLst>
       <p:ext uri="{BB962C8B-B14F-4D97-AF65-F5344CB8AC3E}">
-        <p14:creationId xmlns:p14="http://schemas.microsoft.com/office/powerpoint/2010/main" val="1363139717"/>
+        <p14:creationId xmlns:p14="http://schemas.microsoft.com/office/powerpoint/2010/main" val="1681951065"/>
       </p:ext>
     </p:extLst>
   </p:cSld>
@@ -827,8 +1375,32 @@
           <a:lstStyle/>
           <a:p>
             <a:r>
+              <a:rPr lang="en-US" dirty="0" err="1"/>
+              <a:t>Norean</a:t>
+            </a:r>
+            <a:endParaRPr lang="en-US" dirty="0"/>
+          </a:p>
+          <a:p>
+            <a:endParaRPr lang="en-US" dirty="0"/>
+          </a:p>
+          <a:p>
+            <a:pPr marL="171450" indent="-171450">
+              <a:buFontTx/>
+              <a:buChar char="-"/>
+            </a:pPr>
+            <a:r>
               <a:rPr lang="en-US" dirty="0"/>
-              <a:t>When presenting, can share the times that correspond to each.  Shows highest number during 3-6pm (ties in with hypothesis of more during evening rush hour window, which is generally around 4-6pm)</a:t>
+              <a:t>Just define the most used fields </a:t>
+            </a:r>
+          </a:p>
+          <a:p>
+            <a:pPr marL="171450" indent="-171450">
+              <a:buFontTx/>
+              <a:buChar char="-"/>
+            </a:pPr>
+            <a:r>
+              <a:rPr lang="en-US" dirty="0"/>
+              <a:t>Squares around most used</a:t>
             </a:r>
           </a:p>
         </p:txBody>
@@ -850,7 +1422,7 @@
           <a:p>
             <a:fld id="{265EB43F-5B02-4A39-ABA6-1416420AA7A8}" type="slidenum">
               <a:rPr lang="en-US" smtClean="0"/>
-              <a:t>8</a:t>
+              <a:t>5</a:t>
             </a:fld>
             <a:endParaRPr lang="en-US"/>
           </a:p>
@@ -859,7 +1431,7 @@
     </p:spTree>
     <p:extLst>
       <p:ext uri="{BB962C8B-B14F-4D97-AF65-F5344CB8AC3E}">
-        <p14:creationId xmlns:p14="http://schemas.microsoft.com/office/powerpoint/2010/main" val="3428185444"/>
+        <p14:creationId xmlns:p14="http://schemas.microsoft.com/office/powerpoint/2010/main" val="2514645530"/>
       </p:ext>
     </p:extLst>
   </p:cSld>
@@ -913,6 +1485,10 @@
           <a:bodyPr/>
           <a:lstStyle/>
           <a:p>
+            <a:r>
+              <a:rPr lang="en-US" dirty="0" err="1"/>
+              <a:t>Norean</a:t>
+            </a:r>
             <a:endParaRPr lang="en-US" dirty="0"/>
           </a:p>
         </p:txBody>
@@ -934,7 +1510,7 @@
           <a:p>
             <a:fld id="{265EB43F-5B02-4A39-ABA6-1416420AA7A8}" type="slidenum">
               <a:rPr lang="en-US" smtClean="0"/>
-              <a:t>9</a:t>
+              <a:t>6</a:t>
             </a:fld>
             <a:endParaRPr lang="en-US"/>
           </a:p>
@@ -943,7 +1519,7 @@
     </p:spTree>
     <p:extLst>
       <p:ext uri="{BB962C8B-B14F-4D97-AF65-F5344CB8AC3E}">
-        <p14:creationId xmlns:p14="http://schemas.microsoft.com/office/powerpoint/2010/main" val="3779459296"/>
+        <p14:creationId xmlns:p14="http://schemas.microsoft.com/office/powerpoint/2010/main" val="4221776523"/>
       </p:ext>
     </p:extLst>
   </p:cSld>
@@ -999,7 +1575,7 @@
           <a:p>
             <a:r>
               <a:rPr lang="en-US" dirty="0"/>
-              <a:t>Shows higher numbers in urban areas and many more when the bicycle is traveling the same direction as traffic</a:t>
+              <a:t>Melanie</a:t>
             </a:r>
           </a:p>
         </p:txBody>
@@ -1021,7 +1597,7 @@
           <a:p>
             <a:fld id="{265EB43F-5B02-4A39-ABA6-1416420AA7A8}" type="slidenum">
               <a:rPr lang="en-US" smtClean="0"/>
-              <a:t>10</a:t>
+              <a:t>7</a:t>
             </a:fld>
             <a:endParaRPr lang="en-US"/>
           </a:p>
@@ -1030,7 +1606,7 @@
     </p:spTree>
     <p:extLst>
       <p:ext uri="{BB962C8B-B14F-4D97-AF65-F5344CB8AC3E}">
-        <p14:creationId xmlns:p14="http://schemas.microsoft.com/office/powerpoint/2010/main" val="4041506570"/>
+        <p14:creationId xmlns:p14="http://schemas.microsoft.com/office/powerpoint/2010/main" val="3521674515"/>
       </p:ext>
     </p:extLst>
   </p:cSld>
@@ -1089,6 +1665,222 @@
               <a:t>This correlates with our hypothesis that more urban areas are susceptible to bicycle crashes. </a:t>
             </a:r>
           </a:p>
+          <a:p>
+            <a:endParaRPr lang="en-US" dirty="0"/>
+          </a:p>
+          <a:p>
+            <a:r>
+              <a:rPr lang="en-US" dirty="0"/>
+              <a:t>Melanie</a:t>
+            </a:r>
+          </a:p>
+          <a:p>
+            <a:endParaRPr lang="en-US" dirty="0"/>
+          </a:p>
+          <a:p>
+            <a:endParaRPr lang="en-US" dirty="0"/>
+          </a:p>
+          <a:p>
+            <a:pPr rtl="0" eaLnBrk="1" fontAlgn="t" latinLnBrk="0" hangingPunct="1"/>
+            <a:r>
+              <a:rPr lang="en-US" sz="1200" b="1" i="0" u="none" strike="noStrike" kern="1200" dirty="0">
+                <a:solidFill>
+                  <a:schemeClr val="tx1"/>
+                </a:solidFill>
+                <a:effectLst/>
+                <a:latin typeface="+mn-lt"/>
+                <a:ea typeface="+mn-ea"/>
+                <a:cs typeface="+mn-cs"/>
+              </a:rPr>
+              <a:t>State</a:t>
+            </a:r>
+            <a:endParaRPr lang="en-US" sz="1200" b="0" i="0" u="none" strike="noStrike" kern="1200" dirty="0">
+              <a:solidFill>
+                <a:schemeClr val="tx1"/>
+              </a:solidFill>
+              <a:effectLst/>
+              <a:latin typeface="+mn-lt"/>
+              <a:ea typeface="+mn-ea"/>
+              <a:cs typeface="+mn-cs"/>
+            </a:endParaRPr>
+          </a:p>
+          <a:p>
+            <a:pPr rtl="0" eaLnBrk="1" fontAlgn="t" latinLnBrk="0" hangingPunct="1"/>
+            <a:r>
+              <a:rPr lang="en-US" sz="1200" b="1" i="0" u="none" strike="noStrike" kern="1200" dirty="0">
+                <a:solidFill>
+                  <a:schemeClr val="tx1"/>
+                </a:solidFill>
+                <a:effectLst/>
+                <a:latin typeface="+mn-lt"/>
+                <a:ea typeface="+mn-ea"/>
+                <a:cs typeface="+mn-cs"/>
+              </a:rPr>
+              <a:t>Fatalities per 1M Pop.</a:t>
+            </a:r>
+            <a:endParaRPr lang="en-US" sz="1200" b="0" i="0" u="none" strike="noStrike" kern="1200" dirty="0">
+              <a:solidFill>
+                <a:schemeClr val="tx1"/>
+              </a:solidFill>
+              <a:effectLst/>
+              <a:latin typeface="+mn-lt"/>
+              <a:ea typeface="+mn-ea"/>
+              <a:cs typeface="+mn-cs"/>
+            </a:endParaRPr>
+          </a:p>
+          <a:p>
+            <a:pPr rtl="0" eaLnBrk="1" fontAlgn="t" latinLnBrk="0" hangingPunct="1"/>
+            <a:r>
+              <a:rPr lang="en-US" sz="1200" b="0" i="0" u="none" strike="noStrike" kern="1200" dirty="0">
+                <a:solidFill>
+                  <a:schemeClr val="tx1"/>
+                </a:solidFill>
+                <a:effectLst/>
+                <a:latin typeface="+mn-lt"/>
+                <a:ea typeface="+mn-ea"/>
+                <a:cs typeface="+mn-cs"/>
+              </a:rPr>
+              <a:t>California</a:t>
+            </a:r>
+          </a:p>
+          <a:p>
+            <a:pPr rtl="0" eaLnBrk="1" fontAlgn="t" latinLnBrk="0" hangingPunct="1"/>
+            <a:r>
+              <a:rPr lang="en-US" sz="1200" b="0" i="0" u="none" strike="noStrike" kern="1200" dirty="0">
+                <a:solidFill>
+                  <a:schemeClr val="tx1"/>
+                </a:solidFill>
+                <a:effectLst/>
+                <a:latin typeface="+mn-lt"/>
+                <a:ea typeface="+mn-ea"/>
+                <a:cs typeface="+mn-cs"/>
+              </a:rPr>
+              <a:t>39.7 M</a:t>
+            </a:r>
+          </a:p>
+          <a:p>
+            <a:pPr rtl="0" eaLnBrk="1" fontAlgn="t" latinLnBrk="0" hangingPunct="1"/>
+            <a:r>
+              <a:rPr lang="en-US" sz="1200" b="0" i="0" u="none" strike="noStrike" kern="1200" dirty="0">
+                <a:solidFill>
+                  <a:schemeClr val="tx1"/>
+                </a:solidFill>
+                <a:effectLst/>
+                <a:latin typeface="+mn-lt"/>
+                <a:ea typeface="+mn-ea"/>
+                <a:cs typeface="+mn-cs"/>
+              </a:rPr>
+              <a:t>Texas</a:t>
+            </a:r>
+          </a:p>
+          <a:p>
+            <a:pPr rtl="0" eaLnBrk="1" fontAlgn="t" latinLnBrk="0" hangingPunct="1"/>
+            <a:r>
+              <a:rPr lang="en-US" sz="1200" b="0" i="0" u="none" strike="noStrike" kern="1200" dirty="0">
+                <a:solidFill>
+                  <a:schemeClr val="tx1"/>
+                </a:solidFill>
+                <a:effectLst/>
+                <a:latin typeface="+mn-lt"/>
+                <a:ea typeface="+mn-ea"/>
+                <a:cs typeface="+mn-cs"/>
+              </a:rPr>
+              <a:t>29.0 M</a:t>
+            </a:r>
+          </a:p>
+          <a:p>
+            <a:pPr rtl="0" eaLnBrk="1" fontAlgn="t" latinLnBrk="0" hangingPunct="1"/>
+            <a:r>
+              <a:rPr lang="en-US" sz="1200" b="0" i="0" u="none" strike="noStrike" kern="1200" dirty="0">
+                <a:solidFill>
+                  <a:schemeClr val="tx1"/>
+                </a:solidFill>
+                <a:effectLst/>
+                <a:latin typeface="+mn-lt"/>
+                <a:ea typeface="+mn-ea"/>
+                <a:cs typeface="+mn-cs"/>
+              </a:rPr>
+              <a:t>Florida</a:t>
+            </a:r>
+          </a:p>
+          <a:p>
+            <a:pPr rtl="0" eaLnBrk="1" fontAlgn="t" latinLnBrk="0" hangingPunct="1"/>
+            <a:r>
+              <a:rPr lang="en-US" sz="1200" b="0" i="0" u="none" strike="noStrike" kern="1200" dirty="0">
+                <a:solidFill>
+                  <a:schemeClr val="tx1"/>
+                </a:solidFill>
+                <a:effectLst/>
+                <a:latin typeface="+mn-lt"/>
+                <a:ea typeface="+mn-ea"/>
+                <a:cs typeface="+mn-cs"/>
+              </a:rPr>
+              <a:t>21.6 M</a:t>
+            </a:r>
+          </a:p>
+          <a:p>
+            <a:pPr rtl="0" eaLnBrk="1" fontAlgn="t" latinLnBrk="0" hangingPunct="1"/>
+            <a:r>
+              <a:rPr lang="en-US" sz="1200" b="0" i="0" u="none" strike="noStrike" kern="1200" dirty="0">
+                <a:solidFill>
+                  <a:schemeClr val="tx1"/>
+                </a:solidFill>
+                <a:effectLst/>
+                <a:latin typeface="+mn-lt"/>
+                <a:ea typeface="+mn-ea"/>
+                <a:cs typeface="+mn-cs"/>
+              </a:rPr>
+              <a:t>New York</a:t>
+            </a:r>
+          </a:p>
+          <a:p>
+            <a:pPr rtl="0" eaLnBrk="1" fontAlgn="t" latinLnBrk="0" hangingPunct="1"/>
+            <a:r>
+              <a:rPr lang="en-US" sz="1200" b="0" i="0" u="none" strike="noStrike" kern="1200" dirty="0">
+                <a:solidFill>
+                  <a:schemeClr val="tx1"/>
+                </a:solidFill>
+                <a:effectLst/>
+                <a:latin typeface="+mn-lt"/>
+                <a:ea typeface="+mn-ea"/>
+                <a:cs typeface="+mn-cs"/>
+              </a:rPr>
+              <a:t>19.5 M</a:t>
+            </a:r>
+          </a:p>
+          <a:p>
+            <a:pPr rtl="0" eaLnBrk="1" fontAlgn="t" latinLnBrk="0" hangingPunct="1"/>
+            <a:r>
+              <a:rPr lang="en-US" sz="1200" b="0" i="0" u="none" strike="noStrike" kern="1200" dirty="0">
+                <a:solidFill>
+                  <a:schemeClr val="tx1"/>
+                </a:solidFill>
+                <a:effectLst/>
+                <a:latin typeface="+mn-lt"/>
+                <a:ea typeface="+mn-ea"/>
+                <a:cs typeface="+mn-cs"/>
+              </a:rPr>
+              <a:t>Pennsylvania</a:t>
+            </a:r>
+          </a:p>
+          <a:p>
+            <a:pPr rtl="0" eaLnBrk="1" fontAlgn="t" latinLnBrk="0" hangingPunct="1"/>
+            <a:r>
+              <a:rPr lang="en-US" sz="1200" b="0" i="0" u="none" strike="noStrike" kern="1200" dirty="0">
+                <a:solidFill>
+                  <a:schemeClr val="tx1"/>
+                </a:solidFill>
+                <a:effectLst/>
+                <a:latin typeface="+mn-lt"/>
+                <a:ea typeface="+mn-ea"/>
+                <a:cs typeface="+mn-cs"/>
+              </a:rPr>
+              <a:t>12.8 M</a:t>
+            </a:r>
+          </a:p>
+          <a:p>
+            <a:endParaRPr lang="en-US" dirty="0"/>
+          </a:p>
         </p:txBody>
       </p:sp>
       <p:sp>
@@ -1108,7 +1900,7 @@
           <a:p>
             <a:fld id="{265EB43F-5B02-4A39-ABA6-1416420AA7A8}" type="slidenum">
               <a:rPr lang="en-US" smtClean="0"/>
-              <a:t>12</a:t>
+              <a:t>8</a:t>
             </a:fld>
             <a:endParaRPr lang="en-US"/>
           </a:p>
@@ -1118,6 +1910,186 @@
     <p:extLst>
       <p:ext uri="{BB962C8B-B14F-4D97-AF65-F5344CB8AC3E}">
         <p14:creationId xmlns:p14="http://schemas.microsoft.com/office/powerpoint/2010/main" val="296986981"/>
+      </p:ext>
+    </p:extLst>
+  </p:cSld>
+  <p:clrMapOvr>
+    <a:masterClrMapping/>
+  </p:clrMapOvr>
+</p:notes>
+</file>
+
+<file path=ppt/notesSlides/notesSlide8.xml><?xml version="1.0" encoding="utf-8"?>
+<p:notes xmlns:a="http://schemas.openxmlformats.org/drawingml/2006/main" xmlns:r="http://schemas.openxmlformats.org/officeDocument/2006/relationships" xmlns:p="http://schemas.openxmlformats.org/presentationml/2006/main">
+  <p:cSld>
+    <p:spTree>
+      <p:nvGrpSpPr>
+        <p:cNvPr id="1" name=""/>
+        <p:cNvGrpSpPr/>
+        <p:nvPr/>
+      </p:nvGrpSpPr>
+      <p:grpSpPr>
+        <a:xfrm>
+          <a:off x="0" y="0"/>
+          <a:ext cx="0" cy="0"/>
+          <a:chOff x="0" y="0"/>
+          <a:chExt cx="0" cy="0"/>
+        </a:xfrm>
+      </p:grpSpPr>
+      <p:sp>
+        <p:nvSpPr>
+          <p:cNvPr id="2" name="Slide Image Placeholder 1"/>
+          <p:cNvSpPr>
+            <a:spLocks noGrp="1" noRot="1" noChangeAspect="1"/>
+          </p:cNvSpPr>
+          <p:nvPr>
+            <p:ph type="sldImg"/>
+          </p:nvPr>
+        </p:nvSpPr>
+        <p:spPr/>
+      </p:sp>
+      <p:sp>
+        <p:nvSpPr>
+          <p:cNvPr id="3" name="Notes Placeholder 2"/>
+          <p:cNvSpPr>
+            <a:spLocks noGrp="1"/>
+          </p:cNvSpPr>
+          <p:nvPr>
+            <p:ph type="body" idx="1"/>
+          </p:nvPr>
+        </p:nvSpPr>
+        <p:spPr/>
+        <p:txBody>
+          <a:bodyPr/>
+          <a:lstStyle/>
+          <a:p>
+            <a:r>
+              <a:rPr lang="en-US" dirty="0"/>
+              <a:t>Jodie</a:t>
+            </a:r>
+          </a:p>
+          <a:p>
+            <a:r>
+              <a:rPr lang="en-US" dirty="0"/>
+              <a:t>When presenting, can share the times that correspond to each.  Shows highest number during 3-6pm (ties in with hypothesis of more during evening rush hour window, which is generally around 4-6pm)</a:t>
+            </a:r>
+          </a:p>
+        </p:txBody>
+      </p:sp>
+      <p:sp>
+        <p:nvSpPr>
+          <p:cNvPr id="4" name="Slide Number Placeholder 3"/>
+          <p:cNvSpPr>
+            <a:spLocks noGrp="1"/>
+          </p:cNvSpPr>
+          <p:nvPr>
+            <p:ph type="sldNum" sz="quarter" idx="5"/>
+          </p:nvPr>
+        </p:nvSpPr>
+        <p:spPr/>
+        <p:txBody>
+          <a:bodyPr/>
+          <a:lstStyle/>
+          <a:p>
+            <a:fld id="{265EB43F-5B02-4A39-ABA6-1416420AA7A8}" type="slidenum">
+              <a:rPr lang="en-US" smtClean="0"/>
+              <a:t>9</a:t>
+            </a:fld>
+            <a:endParaRPr lang="en-US"/>
+          </a:p>
+        </p:txBody>
+      </p:sp>
+    </p:spTree>
+    <p:extLst>
+      <p:ext uri="{BB962C8B-B14F-4D97-AF65-F5344CB8AC3E}">
+        <p14:creationId xmlns:p14="http://schemas.microsoft.com/office/powerpoint/2010/main" val="3428185444"/>
+      </p:ext>
+    </p:extLst>
+  </p:cSld>
+  <p:clrMapOvr>
+    <a:masterClrMapping/>
+  </p:clrMapOvr>
+</p:notes>
+</file>
+
+<file path=ppt/notesSlides/notesSlide9.xml><?xml version="1.0" encoding="utf-8"?>
+<p:notes xmlns:a="http://schemas.openxmlformats.org/drawingml/2006/main" xmlns:r="http://schemas.openxmlformats.org/officeDocument/2006/relationships" xmlns:p="http://schemas.openxmlformats.org/presentationml/2006/main">
+  <p:cSld>
+    <p:spTree>
+      <p:nvGrpSpPr>
+        <p:cNvPr id="1" name=""/>
+        <p:cNvGrpSpPr/>
+        <p:nvPr/>
+      </p:nvGrpSpPr>
+      <p:grpSpPr>
+        <a:xfrm>
+          <a:off x="0" y="0"/>
+          <a:ext cx="0" cy="0"/>
+          <a:chOff x="0" y="0"/>
+          <a:chExt cx="0" cy="0"/>
+        </a:xfrm>
+      </p:grpSpPr>
+      <p:sp>
+        <p:nvSpPr>
+          <p:cNvPr id="2" name="Slide Image Placeholder 1"/>
+          <p:cNvSpPr>
+            <a:spLocks noGrp="1" noRot="1" noChangeAspect="1"/>
+          </p:cNvSpPr>
+          <p:nvPr>
+            <p:ph type="sldImg"/>
+          </p:nvPr>
+        </p:nvSpPr>
+        <p:spPr/>
+      </p:sp>
+      <p:sp>
+        <p:nvSpPr>
+          <p:cNvPr id="3" name="Notes Placeholder 2"/>
+          <p:cNvSpPr>
+            <a:spLocks noGrp="1"/>
+          </p:cNvSpPr>
+          <p:nvPr>
+            <p:ph type="body" idx="1"/>
+          </p:nvPr>
+        </p:nvSpPr>
+        <p:spPr/>
+        <p:txBody>
+          <a:bodyPr/>
+          <a:lstStyle/>
+          <a:p>
+            <a:r>
+              <a:rPr lang="en-US" dirty="0"/>
+              <a:t>Jodie</a:t>
+            </a:r>
+          </a:p>
+        </p:txBody>
+      </p:sp>
+      <p:sp>
+        <p:nvSpPr>
+          <p:cNvPr id="4" name="Slide Number Placeholder 3"/>
+          <p:cNvSpPr>
+            <a:spLocks noGrp="1"/>
+          </p:cNvSpPr>
+          <p:nvPr>
+            <p:ph type="sldNum" sz="quarter" idx="5"/>
+          </p:nvPr>
+        </p:nvSpPr>
+        <p:spPr/>
+        <p:txBody>
+          <a:bodyPr/>
+          <a:lstStyle/>
+          <a:p>
+            <a:fld id="{265EB43F-5B02-4A39-ABA6-1416420AA7A8}" type="slidenum">
+              <a:rPr lang="en-US" smtClean="0"/>
+              <a:t>10</a:t>
+            </a:fld>
+            <a:endParaRPr lang="en-US"/>
+          </a:p>
+        </p:txBody>
+      </p:sp>
+    </p:spTree>
+    <p:extLst>
+      <p:ext uri="{BB962C8B-B14F-4D97-AF65-F5344CB8AC3E}">
+        <p14:creationId xmlns:p14="http://schemas.microsoft.com/office/powerpoint/2010/main" val="3779459296"/>
       </p:ext>
     </p:extLst>
   </p:cSld>
@@ -1347,7 +2319,7 @@
           <a:p>
             <a:fld id="{D566DD37-AE77-4A24-A83C-05583D2B8C88}" type="datetime1">
               <a:rPr lang="en-US" smtClean="0"/>
-              <a:t>10/30/2019</a:t>
+              <a:t>10/31/2019</a:t>
             </a:fld>
             <a:endParaRPr lang="en-US"/>
           </a:p>
@@ -1602,7 +2574,7 @@
           <a:p>
             <a:fld id="{2D32C68B-169C-479B-9A17-0A2AF842FAAC}" type="datetime1">
               <a:rPr lang="en-US" smtClean="0"/>
-              <a:t>10/30/2019</a:t>
+              <a:t>10/31/2019</a:t>
             </a:fld>
             <a:endParaRPr lang="en-US"/>
           </a:p>
@@ -1770,7 +2742,7 @@
           <a:p>
             <a:fld id="{207B0407-AEE4-4259-8381-21DAB1D2FF93}" type="datetime1">
               <a:rPr lang="en-US" smtClean="0"/>
-              <a:t>10/30/2019</a:t>
+              <a:t>10/31/2019</a:t>
             </a:fld>
             <a:endParaRPr lang="en-US"/>
           </a:p>
@@ -1948,7 +2920,7 @@
           <a:p>
             <a:fld id="{D48AD53B-37AA-46F3-99FC-2E4476D7DD44}" type="datetime1">
               <a:rPr lang="en-US" smtClean="0"/>
-              <a:t>10/30/2019</a:t>
+              <a:t>10/31/2019</a:t>
             </a:fld>
             <a:endParaRPr lang="en-US"/>
           </a:p>
@@ -2230,7 +3202,7 @@
           <a:p>
             <a:fld id="{5B7A3CBB-F610-4336-823E-FC1C265828A0}" type="datetime1">
               <a:rPr lang="en-US" smtClean="0"/>
-              <a:t>10/30/2019</a:t>
+              <a:t>10/31/2019</a:t>
             </a:fld>
             <a:endParaRPr lang="en-US"/>
           </a:p>
@@ -2477,7 +3449,7 @@
           <a:p>
             <a:fld id="{A0A0BB07-576F-4BA3-A167-A5A98217311E}" type="datetime1">
               <a:rPr lang="en-US" smtClean="0"/>
-              <a:t>10/30/2019</a:t>
+              <a:t>10/31/2019</a:t>
             </a:fld>
             <a:endParaRPr lang="en-US"/>
           </a:p>
@@ -2722,7 +3694,7 @@
           <a:p>
             <a:fld id="{7D055530-147D-4EFF-874D-08517F6DB52E}" type="datetime1">
               <a:rPr lang="en-US" smtClean="0"/>
-              <a:t>10/30/2019</a:t>
+              <a:t>10/31/2019</a:t>
             </a:fld>
             <a:endParaRPr lang="en-US"/>
           </a:p>
@@ -3007,7 +3979,7 @@
           <a:p>
             <a:fld id="{6720DC1B-6253-4ED9-B321-047E0833500E}" type="datetime1">
               <a:rPr lang="en-US" smtClean="0"/>
-              <a:t>10/30/2019</a:t>
+              <a:t>10/31/2019</a:t>
             </a:fld>
             <a:endParaRPr lang="en-US"/>
           </a:p>
@@ -3495,7 +4467,7 @@
           <a:p>
             <a:fld id="{F01FF38B-4F80-4CF6-8014-B3FFF4DFC5CC}" type="datetime1">
               <a:rPr lang="en-US" smtClean="0"/>
-              <a:t>10/30/2019</a:t>
+              <a:t>10/31/2019</a:t>
             </a:fld>
             <a:endParaRPr lang="en-US"/>
           </a:p>
@@ -3612,7 +4584,7 @@
           <a:p>
             <a:fld id="{0FBFCC94-49A1-4693-8B41-3D65FDE0B3EB}" type="datetime1">
               <a:rPr lang="en-US" smtClean="0"/>
-              <a:t>10/30/2019</a:t>
+              <a:t>10/31/2019</a:t>
             </a:fld>
             <a:endParaRPr lang="en-US"/>
           </a:p>
@@ -3707,7 +4679,7 @@
           <a:p>
             <a:fld id="{EE9B58AA-4066-4292-859C-4BA88DA30E3D}" type="datetime1">
               <a:rPr lang="en-US" smtClean="0"/>
-              <a:t>10/30/2019</a:t>
+              <a:t>10/31/2019</a:t>
             </a:fld>
             <a:endParaRPr lang="en-US"/>
           </a:p>
@@ -3982,7 +4954,7 @@
           <a:p>
             <a:fld id="{CA3C07BB-1F27-496C-BA91-E46B3617BB65}" type="datetime1">
               <a:rPr lang="en-US" smtClean="0"/>
-              <a:t>10/30/2019</a:t>
+              <a:t>10/31/2019</a:t>
             </a:fld>
             <a:endParaRPr lang="en-US"/>
           </a:p>
@@ -4202,7 +5174,7 @@
           <a:p>
             <a:fld id="{502DA178-7FD6-4637-AC4E-92A1EA97F47D}" type="datetime1">
               <a:rPr lang="en-US" smtClean="0"/>
-              <a:t>10/30/2019</a:t>
+              <a:t>10/31/2019</a:t>
             </a:fld>
             <a:endParaRPr lang="en-US"/>
           </a:p>
@@ -4890,7 +5862,7 @@
                   <a:schemeClr val="bg1"/>
                 </a:solidFill>
               </a:rPr>
-              <a:t>Fatalities by Time of Day, Type of Location, and Bicycle Direction	</a:t>
+              <a:t>Fatalities by Day of the Week	</a:t>
             </a:r>
           </a:p>
         </p:txBody>
@@ -4919,6 +5891,140 @@
             <a:fld id="{B311205A-2B12-4C3C-9B44-D13403EC63C4}" type="slidenum">
               <a:rPr lang="en-US" smtClean="0"/>
               <a:t>10</a:t>
+            </a:fld>
+            <a:endParaRPr lang="en-US"/>
+          </a:p>
+        </p:txBody>
+      </p:sp>
+      <p:pic>
+        <p:nvPicPr>
+          <p:cNvPr id="5" name="Picture 4">
+            <a:extLst>
+              <a:ext uri="{FF2B5EF4-FFF2-40B4-BE49-F238E27FC236}">
+                <a16:creationId xmlns:a16="http://schemas.microsoft.com/office/drawing/2014/main" id="{EEF1418D-6F92-4CB9-A765-95D6A1F31EFB}"/>
+              </a:ext>
+            </a:extLst>
+          </p:cNvPr>
+          <p:cNvPicPr>
+            <a:picLocks noChangeAspect="1"/>
+          </p:cNvPicPr>
+          <p:nvPr/>
+        </p:nvPicPr>
+        <p:blipFill>
+          <a:blip r:embed="rId3">
+            <a:extLst>
+              <a:ext uri="{28A0092B-C50C-407E-A947-70E740481C1C}">
+                <a14:useLocalDpi xmlns:a14="http://schemas.microsoft.com/office/drawing/2010/main" val="0"/>
+              </a:ext>
+            </a:extLst>
+          </a:blip>
+          <a:stretch>
+            <a:fillRect/>
+          </a:stretch>
+        </p:blipFill>
+        <p:spPr>
+          <a:xfrm>
+            <a:off x="4364836" y="2261661"/>
+            <a:ext cx="6109211" cy="4094690"/>
+          </a:xfrm>
+          <a:prstGeom prst="rect">
+            <a:avLst/>
+          </a:prstGeom>
+        </p:spPr>
+      </p:pic>
+    </p:spTree>
+    <p:extLst>
+      <p:ext uri="{BB962C8B-B14F-4D97-AF65-F5344CB8AC3E}">
+        <p14:creationId xmlns:p14="http://schemas.microsoft.com/office/powerpoint/2010/main" val="3089322612"/>
+      </p:ext>
+    </p:extLst>
+  </p:cSld>
+  <p:clrMapOvr>
+    <a:masterClrMapping/>
+  </p:clrMapOvr>
+</p:sld>
+</file>
+
+<file path=ppt/slides/slide11.xml><?xml version="1.0" encoding="utf-8"?>
+<p:sld xmlns:a="http://schemas.openxmlformats.org/drawingml/2006/main" xmlns:r="http://schemas.openxmlformats.org/officeDocument/2006/relationships" xmlns:p="http://schemas.openxmlformats.org/presentationml/2006/main">
+  <p:cSld>
+    <p:spTree>
+      <p:nvGrpSpPr>
+        <p:cNvPr id="1" name=""/>
+        <p:cNvGrpSpPr/>
+        <p:nvPr/>
+      </p:nvGrpSpPr>
+      <p:grpSpPr>
+        <a:xfrm>
+          <a:off x="0" y="0"/>
+          <a:ext cx="0" cy="0"/>
+          <a:chOff x="0" y="0"/>
+          <a:chExt cx="0" cy="0"/>
+        </a:xfrm>
+      </p:grpSpPr>
+      <p:sp>
+        <p:nvSpPr>
+          <p:cNvPr id="2" name="Title 1">
+            <a:extLst>
+              <a:ext uri="{FF2B5EF4-FFF2-40B4-BE49-F238E27FC236}">
+                <a16:creationId xmlns:a16="http://schemas.microsoft.com/office/drawing/2014/main" id="{A3088442-7183-47CB-B5EF-C175260737F6}"/>
+              </a:ext>
+            </a:extLst>
+          </p:cNvPr>
+          <p:cNvSpPr>
+            <a:spLocks noGrp="1"/>
+          </p:cNvSpPr>
+          <p:nvPr>
+            <p:ph type="title"/>
+          </p:nvPr>
+        </p:nvSpPr>
+        <p:spPr>
+          <a:xfrm>
+            <a:off x="3245506" y="943884"/>
+            <a:ext cx="8347873" cy="763525"/>
+          </a:xfrm>
+        </p:spPr>
+        <p:txBody>
+          <a:bodyPr>
+            <a:normAutofit fontScale="90000"/>
+          </a:bodyPr>
+          <a:lstStyle/>
+          <a:p>
+            <a:r>
+              <a:rPr lang="en-US" b="1" dirty="0">
+                <a:solidFill>
+                  <a:schemeClr val="bg1"/>
+                </a:solidFill>
+              </a:rPr>
+              <a:t>Fatalities by Time of Day, Type of Location, and Bicycle Direction	</a:t>
+            </a:r>
+          </a:p>
+        </p:txBody>
+      </p:sp>
+      <p:sp>
+        <p:nvSpPr>
+          <p:cNvPr id="3" name="Slide Number Placeholder 2">
+            <a:extLst>
+              <a:ext uri="{FF2B5EF4-FFF2-40B4-BE49-F238E27FC236}">
+                <a16:creationId xmlns:a16="http://schemas.microsoft.com/office/drawing/2014/main" id="{CDEF0D43-9610-49F3-8E97-A001A1C0720D}"/>
+              </a:ext>
+            </a:extLst>
+          </p:cNvPr>
+          <p:cNvSpPr>
+            <a:spLocks noGrp="1"/>
+          </p:cNvSpPr>
+          <p:nvPr>
+            <p:ph type="sldNum" sz="quarter" idx="12"/>
+          </p:nvPr>
+        </p:nvSpPr>
+        <p:spPr/>
+        <p:txBody>
+          <a:bodyPr/>
+          <a:lstStyle/>
+          <a:p>
+            <a:fld id="{B311205A-2B12-4C3C-9B44-D13403EC63C4}" type="slidenum">
+              <a:rPr lang="en-US" smtClean="0"/>
+              <a:t>11</a:t>
             </a:fld>
             <a:endParaRPr lang="en-US"/>
           </a:p>
@@ -4973,151 +6079,6 @@
 </p:sld>
 </file>
 
-<file path=ppt/slides/slide11.xml><?xml version="1.0" encoding="utf-8"?>
-<p:sld xmlns:a="http://schemas.openxmlformats.org/drawingml/2006/main" xmlns:r="http://schemas.openxmlformats.org/officeDocument/2006/relationships" xmlns:p="http://schemas.openxmlformats.org/presentationml/2006/main">
-  <p:cSld>
-    <p:spTree>
-      <p:nvGrpSpPr>
-        <p:cNvPr id="1" name=""/>
-        <p:cNvGrpSpPr/>
-        <p:nvPr/>
-      </p:nvGrpSpPr>
-      <p:grpSpPr>
-        <a:xfrm>
-          <a:off x="0" y="0"/>
-          <a:ext cx="0" cy="0"/>
-          <a:chOff x="0" y="0"/>
-          <a:chExt cx="0" cy="0"/>
-        </a:xfrm>
-      </p:grpSpPr>
-      <p:sp>
-        <p:nvSpPr>
-          <p:cNvPr id="2" name="Title 1">
-            <a:extLst>
-              <a:ext uri="{FF2B5EF4-FFF2-40B4-BE49-F238E27FC236}">
-                <a16:creationId xmlns:a16="http://schemas.microsoft.com/office/drawing/2014/main" id="{A3088442-7183-47CB-B5EF-C175260737F6}"/>
-              </a:ext>
-            </a:extLst>
-          </p:cNvPr>
-          <p:cNvSpPr>
-            <a:spLocks noGrp="1"/>
-          </p:cNvSpPr>
-          <p:nvPr>
-            <p:ph type="title"/>
-          </p:nvPr>
-        </p:nvSpPr>
-        <p:spPr>
-          <a:xfrm>
-            <a:off x="3245506" y="943884"/>
-            <a:ext cx="8347873" cy="763525"/>
-          </a:xfrm>
-        </p:spPr>
-        <p:txBody>
-          <a:bodyPr>
-            <a:normAutofit fontScale="90000"/>
-          </a:bodyPr>
-          <a:lstStyle/>
-          <a:p>
-            <a:r>
-              <a:rPr lang="en-US" b="1" dirty="0">
-                <a:solidFill>
-                  <a:schemeClr val="bg1"/>
-                </a:solidFill>
-              </a:rPr>
-              <a:t>Fatalities by State	</a:t>
-            </a:r>
-          </a:p>
-        </p:txBody>
-      </p:sp>
-      <p:pic>
-        <p:nvPicPr>
-          <p:cNvPr id="1026" name="Picture 2" descr="https://lh4.googleusercontent.com/TR80tTavajTR5l5HZFPpeQToG8GiwLy3g3vK6jALXhimVAlDXsQwfn4jE8dPreMeHXnTS5YYlX-69Xeczxq7IBhrRjs3QZNv9I5n67QLHtWkrck4dgpGm9E1MT76NH73pRns6wHPcpA">
-            <a:extLst>
-              <a:ext uri="{FF2B5EF4-FFF2-40B4-BE49-F238E27FC236}">
-                <a16:creationId xmlns:a16="http://schemas.microsoft.com/office/drawing/2014/main" id="{DB4CAA88-7F7F-4B77-B717-8D2374DB8DC2}"/>
-              </a:ext>
-            </a:extLst>
-          </p:cNvPr>
-          <p:cNvPicPr>
-            <a:picLocks noGrp="1" noChangeAspect="1" noChangeArrowheads="1"/>
-          </p:cNvPicPr>
-          <p:nvPr>
-            <p:ph idx="1"/>
-          </p:nvPr>
-        </p:nvPicPr>
-        <p:blipFill rotWithShape="1">
-          <a:blip r:embed="rId2">
-            <a:extLst>
-              <a:ext uri="{28A0092B-C50C-407E-A947-70E740481C1C}">
-                <a14:useLocalDpi xmlns:a14="http://schemas.microsoft.com/office/drawing/2010/main" val="0"/>
-              </a:ext>
-            </a:extLst>
-          </a:blip>
-          <a:srcRect t="25978" b="16021"/>
-          <a:stretch/>
-        </p:blipFill>
-        <p:spPr bwMode="auto">
-          <a:xfrm>
-            <a:off x="3822192" y="2247538"/>
-            <a:ext cx="7618462" cy="3787502"/>
-          </a:xfrm>
-          <a:prstGeom prst="rect">
-            <a:avLst/>
-          </a:prstGeom>
-          <a:noFill/>
-          <a:extLst>
-            <a:ext uri="{909E8E84-426E-40DD-AFC4-6F175D3DCCD1}">
-              <a14:hiddenFill xmlns:a14="http://schemas.microsoft.com/office/drawing/2010/main">
-                <a:solidFill>
-                  <a:srgbClr val="FFFFFF"/>
-                </a:solidFill>
-              </a14:hiddenFill>
-            </a:ext>
-          </a:extLst>
-        </p:spPr>
-      </p:pic>
-      <p:sp>
-        <p:nvSpPr>
-          <p:cNvPr id="3" name="Slide Number Placeholder 2">
-            <a:extLst>
-              <a:ext uri="{FF2B5EF4-FFF2-40B4-BE49-F238E27FC236}">
-                <a16:creationId xmlns:a16="http://schemas.microsoft.com/office/drawing/2014/main" id="{18F9B355-27C6-48BD-82EA-3D42637D79D2}"/>
-              </a:ext>
-            </a:extLst>
-          </p:cNvPr>
-          <p:cNvSpPr>
-            <a:spLocks noGrp="1"/>
-          </p:cNvSpPr>
-          <p:nvPr>
-            <p:ph type="sldNum" sz="quarter" idx="12"/>
-          </p:nvPr>
-        </p:nvSpPr>
-        <p:spPr/>
-        <p:txBody>
-          <a:bodyPr/>
-          <a:lstStyle/>
-          <a:p>
-            <a:fld id="{B311205A-2B12-4C3C-9B44-D13403EC63C4}" type="slidenum">
-              <a:rPr lang="en-US" smtClean="0"/>
-              <a:t>11</a:t>
-            </a:fld>
-            <a:endParaRPr lang="en-US"/>
-          </a:p>
-        </p:txBody>
-      </p:sp>
-    </p:spTree>
-    <p:extLst>
-      <p:ext uri="{BB962C8B-B14F-4D97-AF65-F5344CB8AC3E}">
-        <p14:creationId xmlns:p14="http://schemas.microsoft.com/office/powerpoint/2010/main" val="1031673138"/>
-      </p:ext>
-    </p:extLst>
-  </p:cSld>
-  <p:clrMapOvr>
-    <a:masterClrMapping/>
-  </p:clrMapOvr>
-</p:sld>
-</file>
-
 <file path=ppt/slides/slide12.xml><?xml version="1.0" encoding="utf-8"?>
 <p:sld xmlns:a="http://schemas.openxmlformats.org/drawingml/2006/main" xmlns:r="http://schemas.openxmlformats.org/officeDocument/2006/relationships" xmlns:p="http://schemas.openxmlformats.org/presentationml/2006/main">
   <p:cSld>
@@ -5140,6 +6101,2302 @@
           <p:cNvPr id="2" name="Title 1">
             <a:extLst>
               <a:ext uri="{FF2B5EF4-FFF2-40B4-BE49-F238E27FC236}">
+                <a16:creationId xmlns:a16="http://schemas.microsoft.com/office/drawing/2014/main" id="{4FFCA09D-B687-4045-B706-55531F554618}"/>
+              </a:ext>
+            </a:extLst>
+          </p:cNvPr>
+          <p:cNvSpPr>
+            <a:spLocks noGrp="1"/>
+          </p:cNvSpPr>
+          <p:nvPr>
+            <p:ph type="title"/>
+          </p:nvPr>
+        </p:nvSpPr>
+        <p:spPr/>
+        <p:txBody>
+          <a:bodyPr vert="horz" lIns="91440" tIns="45720" rIns="91440" bIns="45720" rtlCol="0" anchor="ctr">
+            <a:normAutofit/>
+          </a:bodyPr>
+          <a:lstStyle/>
+          <a:p>
+            <a:r>
+              <a:rPr lang="en-US" b="1" dirty="0">
+                <a:solidFill>
+                  <a:schemeClr val="bg1"/>
+                </a:solidFill>
+              </a:rPr>
+              <a:t>Crash Type Analysis</a:t>
+            </a:r>
+          </a:p>
+        </p:txBody>
+      </p:sp>
+      <p:sp>
+        <p:nvSpPr>
+          <p:cNvPr id="3" name="Content Placeholder 2">
+            <a:extLst>
+              <a:ext uri="{FF2B5EF4-FFF2-40B4-BE49-F238E27FC236}">
+                <a16:creationId xmlns:a16="http://schemas.microsoft.com/office/drawing/2014/main" id="{B0C5BC9A-632F-412A-A2DB-D70B12A126EA}"/>
+              </a:ext>
+            </a:extLst>
+          </p:cNvPr>
+          <p:cNvSpPr>
+            <a:spLocks noGrp="1"/>
+          </p:cNvSpPr>
+          <p:nvPr>
+            <p:ph idx="1"/>
+          </p:nvPr>
+        </p:nvSpPr>
+        <p:spPr/>
+        <p:txBody>
+          <a:bodyPr/>
+          <a:lstStyle/>
+          <a:p>
+            <a:endParaRPr lang="en-US" dirty="0"/>
+          </a:p>
+        </p:txBody>
+      </p:sp>
+      <p:sp>
+        <p:nvSpPr>
+          <p:cNvPr id="4" name="Slide Number Placeholder 3">
+            <a:extLst>
+              <a:ext uri="{FF2B5EF4-FFF2-40B4-BE49-F238E27FC236}">
+                <a16:creationId xmlns:a16="http://schemas.microsoft.com/office/drawing/2014/main" id="{A04C2E8A-40D7-48EC-A81E-79DB83BDF68D}"/>
+              </a:ext>
+            </a:extLst>
+          </p:cNvPr>
+          <p:cNvSpPr>
+            <a:spLocks noGrp="1"/>
+          </p:cNvSpPr>
+          <p:nvPr>
+            <p:ph type="sldNum" sz="quarter" idx="12"/>
+          </p:nvPr>
+        </p:nvSpPr>
+        <p:spPr/>
+        <p:txBody>
+          <a:bodyPr/>
+          <a:lstStyle/>
+          <a:p>
+            <a:fld id="{B311205A-2B12-4C3C-9B44-D13403EC63C4}" type="slidenum">
+              <a:rPr lang="en-US" smtClean="0"/>
+              <a:t>12</a:t>
+            </a:fld>
+            <a:endParaRPr lang="en-US"/>
+          </a:p>
+        </p:txBody>
+      </p:sp>
+    </p:spTree>
+    <p:extLst>
+      <p:ext uri="{BB962C8B-B14F-4D97-AF65-F5344CB8AC3E}">
+        <p14:creationId xmlns:p14="http://schemas.microsoft.com/office/powerpoint/2010/main" val="1951445760"/>
+      </p:ext>
+    </p:extLst>
+  </p:cSld>
+  <p:clrMapOvr>
+    <a:masterClrMapping/>
+  </p:clrMapOvr>
+</p:sld>
+</file>
+
+<file path=ppt/slides/slide13.xml><?xml version="1.0" encoding="utf-8"?>
+<p:sld xmlns:a="http://schemas.openxmlformats.org/drawingml/2006/main" xmlns:r="http://schemas.openxmlformats.org/officeDocument/2006/relationships" xmlns:p="http://schemas.openxmlformats.org/presentationml/2006/main">
+  <p:cSld>
+    <p:spTree>
+      <p:nvGrpSpPr>
+        <p:cNvPr id="1" name=""/>
+        <p:cNvGrpSpPr/>
+        <p:nvPr/>
+      </p:nvGrpSpPr>
+      <p:grpSpPr>
+        <a:xfrm>
+          <a:off x="0" y="0"/>
+          <a:ext cx="0" cy="0"/>
+          <a:chOff x="0" y="0"/>
+          <a:chExt cx="0" cy="0"/>
+        </a:xfrm>
+      </p:grpSpPr>
+      <p:sp>
+        <p:nvSpPr>
+          <p:cNvPr id="2" name="Title 1">
+            <a:extLst>
+              <a:ext uri="{FF2B5EF4-FFF2-40B4-BE49-F238E27FC236}">
+                <a16:creationId xmlns:a16="http://schemas.microsoft.com/office/drawing/2014/main" id="{4FFCA09D-B687-4045-B706-55531F554618}"/>
+              </a:ext>
+            </a:extLst>
+          </p:cNvPr>
+          <p:cNvSpPr>
+            <a:spLocks noGrp="1"/>
+          </p:cNvSpPr>
+          <p:nvPr>
+            <p:ph type="title"/>
+          </p:nvPr>
+        </p:nvSpPr>
+        <p:spPr/>
+        <p:txBody>
+          <a:bodyPr vert="horz" lIns="91440" tIns="45720" rIns="91440" bIns="45720" rtlCol="0" anchor="ctr">
+            <a:normAutofit/>
+          </a:bodyPr>
+          <a:lstStyle/>
+          <a:p>
+            <a:r>
+              <a:rPr lang="en-US" b="1" dirty="0">
+                <a:solidFill>
+                  <a:schemeClr val="bg1"/>
+                </a:solidFill>
+              </a:rPr>
+              <a:t>Weather</a:t>
+            </a:r>
+          </a:p>
+        </p:txBody>
+      </p:sp>
+      <p:sp>
+        <p:nvSpPr>
+          <p:cNvPr id="3" name="Content Placeholder 2">
+            <a:extLst>
+              <a:ext uri="{FF2B5EF4-FFF2-40B4-BE49-F238E27FC236}">
+                <a16:creationId xmlns:a16="http://schemas.microsoft.com/office/drawing/2014/main" id="{B0C5BC9A-632F-412A-A2DB-D70B12A126EA}"/>
+              </a:ext>
+            </a:extLst>
+          </p:cNvPr>
+          <p:cNvSpPr>
+            <a:spLocks noGrp="1"/>
+          </p:cNvSpPr>
+          <p:nvPr>
+            <p:ph idx="1"/>
+          </p:nvPr>
+        </p:nvSpPr>
+        <p:spPr/>
+        <p:txBody>
+          <a:bodyPr/>
+          <a:lstStyle/>
+          <a:p>
+            <a:endParaRPr lang="en-US" dirty="0"/>
+          </a:p>
+        </p:txBody>
+      </p:sp>
+      <p:sp>
+        <p:nvSpPr>
+          <p:cNvPr id="4" name="Slide Number Placeholder 3">
+            <a:extLst>
+              <a:ext uri="{FF2B5EF4-FFF2-40B4-BE49-F238E27FC236}">
+                <a16:creationId xmlns:a16="http://schemas.microsoft.com/office/drawing/2014/main" id="{A04C2E8A-40D7-48EC-A81E-79DB83BDF68D}"/>
+              </a:ext>
+            </a:extLst>
+          </p:cNvPr>
+          <p:cNvSpPr>
+            <a:spLocks noGrp="1"/>
+          </p:cNvSpPr>
+          <p:nvPr>
+            <p:ph type="sldNum" sz="quarter" idx="12"/>
+          </p:nvPr>
+        </p:nvSpPr>
+        <p:spPr/>
+        <p:txBody>
+          <a:bodyPr/>
+          <a:lstStyle/>
+          <a:p>
+            <a:fld id="{B311205A-2B12-4C3C-9B44-D13403EC63C4}" type="slidenum">
+              <a:rPr lang="en-US" smtClean="0"/>
+              <a:t>13</a:t>
+            </a:fld>
+            <a:endParaRPr lang="en-US"/>
+          </a:p>
+        </p:txBody>
+      </p:sp>
+    </p:spTree>
+    <p:extLst>
+      <p:ext uri="{BB962C8B-B14F-4D97-AF65-F5344CB8AC3E}">
+        <p14:creationId xmlns:p14="http://schemas.microsoft.com/office/powerpoint/2010/main" val="4118847506"/>
+      </p:ext>
+    </p:extLst>
+  </p:cSld>
+  <p:clrMapOvr>
+    <a:masterClrMapping/>
+  </p:clrMapOvr>
+</p:sld>
+</file>
+
+<file path=ppt/slides/slide14.xml><?xml version="1.0" encoding="utf-8"?>
+<p:sld xmlns:a="http://schemas.openxmlformats.org/drawingml/2006/main" xmlns:r="http://schemas.openxmlformats.org/officeDocument/2006/relationships" xmlns:p="http://schemas.openxmlformats.org/presentationml/2006/main">
+  <p:cSld>
+    <p:spTree>
+      <p:nvGrpSpPr>
+        <p:cNvPr id="1" name=""/>
+        <p:cNvGrpSpPr/>
+        <p:nvPr/>
+      </p:nvGrpSpPr>
+      <p:grpSpPr>
+        <a:xfrm>
+          <a:off x="0" y="0"/>
+          <a:ext cx="0" cy="0"/>
+          <a:chOff x="0" y="0"/>
+          <a:chExt cx="0" cy="0"/>
+        </a:xfrm>
+      </p:grpSpPr>
+      <p:sp>
+        <p:nvSpPr>
+          <p:cNvPr id="2" name="Title 1">
+            <a:extLst>
+              <a:ext uri="{FF2B5EF4-FFF2-40B4-BE49-F238E27FC236}">
+                <a16:creationId xmlns:a16="http://schemas.microsoft.com/office/drawing/2014/main" id="{4FFCA09D-B687-4045-B706-55531F554618}"/>
+              </a:ext>
+            </a:extLst>
+          </p:cNvPr>
+          <p:cNvSpPr>
+            <a:spLocks noGrp="1"/>
+          </p:cNvSpPr>
+          <p:nvPr>
+            <p:ph type="title"/>
+          </p:nvPr>
+        </p:nvSpPr>
+        <p:spPr/>
+        <p:txBody>
+          <a:bodyPr vert="horz" lIns="91440" tIns="45720" rIns="91440" bIns="45720" rtlCol="0" anchor="ctr">
+            <a:normAutofit/>
+          </a:bodyPr>
+          <a:lstStyle/>
+          <a:p>
+            <a:r>
+              <a:rPr lang="en-US" b="1" dirty="0">
+                <a:solidFill>
+                  <a:schemeClr val="bg1"/>
+                </a:solidFill>
+              </a:rPr>
+              <a:t>Drunk Driving</a:t>
+            </a:r>
+          </a:p>
+        </p:txBody>
+      </p:sp>
+      <p:sp>
+        <p:nvSpPr>
+          <p:cNvPr id="3" name="Content Placeholder 2">
+            <a:extLst>
+              <a:ext uri="{FF2B5EF4-FFF2-40B4-BE49-F238E27FC236}">
+                <a16:creationId xmlns:a16="http://schemas.microsoft.com/office/drawing/2014/main" id="{B0C5BC9A-632F-412A-A2DB-D70B12A126EA}"/>
+              </a:ext>
+            </a:extLst>
+          </p:cNvPr>
+          <p:cNvSpPr>
+            <a:spLocks noGrp="1"/>
+          </p:cNvSpPr>
+          <p:nvPr>
+            <p:ph idx="1"/>
+          </p:nvPr>
+        </p:nvSpPr>
+        <p:spPr/>
+        <p:txBody>
+          <a:bodyPr/>
+          <a:lstStyle/>
+          <a:p>
+            <a:endParaRPr lang="en-US" dirty="0"/>
+          </a:p>
+        </p:txBody>
+      </p:sp>
+      <p:sp>
+        <p:nvSpPr>
+          <p:cNvPr id="4" name="Slide Number Placeholder 3">
+            <a:extLst>
+              <a:ext uri="{FF2B5EF4-FFF2-40B4-BE49-F238E27FC236}">
+                <a16:creationId xmlns:a16="http://schemas.microsoft.com/office/drawing/2014/main" id="{A04C2E8A-40D7-48EC-A81E-79DB83BDF68D}"/>
+              </a:ext>
+            </a:extLst>
+          </p:cNvPr>
+          <p:cNvSpPr>
+            <a:spLocks noGrp="1"/>
+          </p:cNvSpPr>
+          <p:nvPr>
+            <p:ph type="sldNum" sz="quarter" idx="12"/>
+          </p:nvPr>
+        </p:nvSpPr>
+        <p:spPr/>
+        <p:txBody>
+          <a:bodyPr/>
+          <a:lstStyle/>
+          <a:p>
+            <a:fld id="{B311205A-2B12-4C3C-9B44-D13403EC63C4}" type="slidenum">
+              <a:rPr lang="en-US" smtClean="0"/>
+              <a:t>14</a:t>
+            </a:fld>
+            <a:endParaRPr lang="en-US"/>
+          </a:p>
+        </p:txBody>
+      </p:sp>
+    </p:spTree>
+    <p:extLst>
+      <p:ext uri="{BB962C8B-B14F-4D97-AF65-F5344CB8AC3E}">
+        <p14:creationId xmlns:p14="http://schemas.microsoft.com/office/powerpoint/2010/main" val="3109517064"/>
+      </p:ext>
+    </p:extLst>
+  </p:cSld>
+  <p:clrMapOvr>
+    <a:masterClrMapping/>
+  </p:clrMapOvr>
+</p:sld>
+</file>
+
+<file path=ppt/slides/slide15.xml><?xml version="1.0" encoding="utf-8"?>
+<p:sld xmlns:a="http://schemas.openxmlformats.org/drawingml/2006/main" xmlns:r="http://schemas.openxmlformats.org/officeDocument/2006/relationships" xmlns:p="http://schemas.openxmlformats.org/presentationml/2006/main">
+  <p:cSld>
+    <p:spTree>
+      <p:nvGrpSpPr>
+        <p:cNvPr id="1" name=""/>
+        <p:cNvGrpSpPr/>
+        <p:nvPr/>
+      </p:nvGrpSpPr>
+      <p:grpSpPr>
+        <a:xfrm>
+          <a:off x="0" y="0"/>
+          <a:ext cx="0" cy="0"/>
+          <a:chOff x="0" y="0"/>
+          <a:chExt cx="0" cy="0"/>
+        </a:xfrm>
+      </p:grpSpPr>
+      <p:sp>
+        <p:nvSpPr>
+          <p:cNvPr id="2" name="Title 1">
+            <a:extLst>
+              <a:ext uri="{FF2B5EF4-FFF2-40B4-BE49-F238E27FC236}">
+                <a16:creationId xmlns:a16="http://schemas.microsoft.com/office/drawing/2014/main" id="{C83A0351-F2B0-4118-8652-528BF0743D23}"/>
+              </a:ext>
+            </a:extLst>
+          </p:cNvPr>
+          <p:cNvSpPr>
+            <a:spLocks noGrp="1"/>
+          </p:cNvSpPr>
+          <p:nvPr>
+            <p:ph type="title"/>
+          </p:nvPr>
+        </p:nvSpPr>
+        <p:spPr>
+          <a:xfrm>
+            <a:off x="598620" y="251332"/>
+            <a:ext cx="10994760" cy="985720"/>
+          </a:xfrm>
+        </p:spPr>
+        <p:txBody>
+          <a:bodyPr/>
+          <a:lstStyle/>
+          <a:p>
+            <a:r>
+              <a:rPr lang="en-US" b="1" dirty="0">
+                <a:solidFill>
+                  <a:schemeClr val="bg1"/>
+                </a:solidFill>
+              </a:rPr>
+              <a:t>Key Findings</a:t>
+            </a:r>
+          </a:p>
+        </p:txBody>
+      </p:sp>
+      <p:sp>
+        <p:nvSpPr>
+          <p:cNvPr id="3" name="Content Placeholder 2">
+            <a:extLst>
+              <a:ext uri="{FF2B5EF4-FFF2-40B4-BE49-F238E27FC236}">
+                <a16:creationId xmlns:a16="http://schemas.microsoft.com/office/drawing/2014/main" id="{DF5283E1-47CC-43BD-9BC8-A5DE1585D98B}"/>
+              </a:ext>
+            </a:extLst>
+          </p:cNvPr>
+          <p:cNvSpPr>
+            <a:spLocks noGrp="1"/>
+          </p:cNvSpPr>
+          <p:nvPr>
+            <p:ph idx="1"/>
+          </p:nvPr>
+        </p:nvSpPr>
+        <p:spPr/>
+        <p:txBody>
+          <a:bodyPr/>
+          <a:lstStyle/>
+          <a:p>
+            <a:endParaRPr lang="en-US" dirty="0"/>
+          </a:p>
+        </p:txBody>
+      </p:sp>
+      <p:sp>
+        <p:nvSpPr>
+          <p:cNvPr id="4" name="Slide Number Placeholder 3">
+            <a:extLst>
+              <a:ext uri="{FF2B5EF4-FFF2-40B4-BE49-F238E27FC236}">
+                <a16:creationId xmlns:a16="http://schemas.microsoft.com/office/drawing/2014/main" id="{6E8DF7D9-06B2-4A83-9A84-1BF7F9DE31B0}"/>
+              </a:ext>
+            </a:extLst>
+          </p:cNvPr>
+          <p:cNvSpPr>
+            <a:spLocks noGrp="1"/>
+          </p:cNvSpPr>
+          <p:nvPr>
+            <p:ph type="sldNum" sz="quarter" idx="12"/>
+          </p:nvPr>
+        </p:nvSpPr>
+        <p:spPr/>
+        <p:txBody>
+          <a:bodyPr/>
+          <a:lstStyle/>
+          <a:p>
+            <a:fld id="{B311205A-2B12-4C3C-9B44-D13403EC63C4}" type="slidenum">
+              <a:rPr lang="en-US" smtClean="0"/>
+              <a:t>15</a:t>
+            </a:fld>
+            <a:endParaRPr lang="en-US"/>
+          </a:p>
+        </p:txBody>
+      </p:sp>
+    </p:spTree>
+    <p:extLst>
+      <p:ext uri="{BB962C8B-B14F-4D97-AF65-F5344CB8AC3E}">
+        <p14:creationId xmlns:p14="http://schemas.microsoft.com/office/powerpoint/2010/main" val="371237497"/>
+      </p:ext>
+    </p:extLst>
+  </p:cSld>
+  <p:clrMapOvr>
+    <a:masterClrMapping/>
+  </p:clrMapOvr>
+</p:sld>
+</file>
+
+<file path=ppt/slides/slide16.xml><?xml version="1.0" encoding="utf-8"?>
+<p:sld xmlns:a="http://schemas.openxmlformats.org/drawingml/2006/main" xmlns:r="http://schemas.openxmlformats.org/officeDocument/2006/relationships" xmlns:p="http://schemas.openxmlformats.org/presentationml/2006/main">
+  <p:cSld>
+    <p:spTree>
+      <p:nvGrpSpPr>
+        <p:cNvPr id="1" name=""/>
+        <p:cNvGrpSpPr/>
+        <p:nvPr/>
+      </p:nvGrpSpPr>
+      <p:grpSpPr>
+        <a:xfrm>
+          <a:off x="0" y="0"/>
+          <a:ext cx="0" cy="0"/>
+          <a:chOff x="0" y="0"/>
+          <a:chExt cx="0" cy="0"/>
+        </a:xfrm>
+      </p:grpSpPr>
+      <p:sp>
+        <p:nvSpPr>
+          <p:cNvPr id="2" name="Title 1">
+            <a:extLst>
+              <a:ext uri="{FF2B5EF4-FFF2-40B4-BE49-F238E27FC236}">
+                <a16:creationId xmlns:a16="http://schemas.microsoft.com/office/drawing/2014/main" id="{2F7AD3BE-06D6-4811-846B-21A101BC5136}"/>
+              </a:ext>
+            </a:extLst>
+          </p:cNvPr>
+          <p:cNvSpPr>
+            <a:spLocks noGrp="1"/>
+          </p:cNvSpPr>
+          <p:nvPr>
+            <p:ph type="title"/>
+          </p:nvPr>
+        </p:nvSpPr>
+        <p:spPr/>
+        <p:txBody>
+          <a:bodyPr/>
+          <a:lstStyle/>
+          <a:p>
+            <a:endParaRPr lang="en-US"/>
+          </a:p>
+        </p:txBody>
+      </p:sp>
+      <p:sp>
+        <p:nvSpPr>
+          <p:cNvPr id="3" name="Content Placeholder 2">
+            <a:extLst>
+              <a:ext uri="{FF2B5EF4-FFF2-40B4-BE49-F238E27FC236}">
+                <a16:creationId xmlns:a16="http://schemas.microsoft.com/office/drawing/2014/main" id="{2351C113-DC7D-4818-B0B8-93ABDEDCC7A1}"/>
+              </a:ext>
+            </a:extLst>
+          </p:cNvPr>
+          <p:cNvSpPr>
+            <a:spLocks noGrp="1"/>
+          </p:cNvSpPr>
+          <p:nvPr>
+            <p:ph idx="1"/>
+          </p:nvPr>
+        </p:nvSpPr>
+        <p:spPr/>
+        <p:txBody>
+          <a:bodyPr/>
+          <a:lstStyle/>
+          <a:p>
+            <a:endParaRPr lang="en-US"/>
+          </a:p>
+        </p:txBody>
+      </p:sp>
+      <p:sp>
+        <p:nvSpPr>
+          <p:cNvPr id="4" name="Slide Number Placeholder 3">
+            <a:extLst>
+              <a:ext uri="{FF2B5EF4-FFF2-40B4-BE49-F238E27FC236}">
+                <a16:creationId xmlns:a16="http://schemas.microsoft.com/office/drawing/2014/main" id="{8161FA30-0A56-43D1-AF89-E2A5F8C265E1}"/>
+              </a:ext>
+            </a:extLst>
+          </p:cNvPr>
+          <p:cNvSpPr>
+            <a:spLocks noGrp="1"/>
+          </p:cNvSpPr>
+          <p:nvPr>
+            <p:ph type="sldNum" sz="quarter" idx="12"/>
+          </p:nvPr>
+        </p:nvSpPr>
+        <p:spPr/>
+        <p:txBody>
+          <a:bodyPr/>
+          <a:lstStyle/>
+          <a:p>
+            <a:fld id="{B311205A-2B12-4C3C-9B44-D13403EC63C4}" type="slidenum">
+              <a:rPr lang="en-US" smtClean="0"/>
+              <a:t>16</a:t>
+            </a:fld>
+            <a:endParaRPr lang="en-US"/>
+          </a:p>
+        </p:txBody>
+      </p:sp>
+    </p:spTree>
+    <p:extLst>
+      <p:ext uri="{BB962C8B-B14F-4D97-AF65-F5344CB8AC3E}">
+        <p14:creationId xmlns:p14="http://schemas.microsoft.com/office/powerpoint/2010/main" val="4072301467"/>
+      </p:ext>
+    </p:extLst>
+  </p:cSld>
+  <p:clrMapOvr>
+    <a:masterClrMapping/>
+  </p:clrMapOvr>
+</p:sld>
+</file>
+
+<file path=ppt/slides/slide2.xml><?xml version="1.0" encoding="utf-8"?>
+<p:sld xmlns:a="http://schemas.openxmlformats.org/drawingml/2006/main" xmlns:r="http://schemas.openxmlformats.org/officeDocument/2006/relationships" xmlns:p="http://schemas.openxmlformats.org/presentationml/2006/main">
+  <p:cSld>
+    <p:spTree>
+      <p:nvGrpSpPr>
+        <p:cNvPr id="1" name=""/>
+        <p:cNvGrpSpPr/>
+        <p:nvPr/>
+      </p:nvGrpSpPr>
+      <p:grpSpPr>
+        <a:xfrm>
+          <a:off x="0" y="0"/>
+          <a:ext cx="0" cy="0"/>
+          <a:chOff x="0" y="0"/>
+          <a:chExt cx="0" cy="0"/>
+        </a:xfrm>
+      </p:grpSpPr>
+      <p:sp>
+        <p:nvSpPr>
+          <p:cNvPr id="2" name="Title 1">
+            <a:extLst>
+              <a:ext uri="{FF2B5EF4-FFF2-40B4-BE49-F238E27FC236}">
+                <a16:creationId xmlns:a16="http://schemas.microsoft.com/office/drawing/2014/main" id="{9E5637E2-70DC-4869-91A3-0300318EEF66}"/>
+              </a:ext>
+            </a:extLst>
+          </p:cNvPr>
+          <p:cNvSpPr>
+            <a:spLocks noGrp="1"/>
+          </p:cNvSpPr>
+          <p:nvPr>
+            <p:ph type="title"/>
+          </p:nvPr>
+        </p:nvSpPr>
+        <p:spPr>
+          <a:xfrm>
+            <a:off x="598621" y="258894"/>
+            <a:ext cx="10994760" cy="985720"/>
+          </a:xfrm>
+        </p:spPr>
+        <p:txBody>
+          <a:bodyPr/>
+          <a:lstStyle/>
+          <a:p>
+            <a:r>
+              <a:rPr lang="en-US" b="1" dirty="0">
+                <a:solidFill>
+                  <a:schemeClr val="bg1"/>
+                </a:solidFill>
+              </a:rPr>
+              <a:t>Data Set</a:t>
+            </a:r>
+          </a:p>
+        </p:txBody>
+      </p:sp>
+      <p:sp>
+        <p:nvSpPr>
+          <p:cNvPr id="3" name="Content Placeholder 2">
+            <a:extLst>
+              <a:ext uri="{FF2B5EF4-FFF2-40B4-BE49-F238E27FC236}">
+                <a16:creationId xmlns:a16="http://schemas.microsoft.com/office/drawing/2014/main" id="{950049A9-4805-4FEB-8FEA-61F349DC323F}"/>
+              </a:ext>
+            </a:extLst>
+          </p:cNvPr>
+          <p:cNvSpPr>
+            <a:spLocks noGrp="1"/>
+          </p:cNvSpPr>
+          <p:nvPr>
+            <p:ph idx="1"/>
+          </p:nvPr>
+        </p:nvSpPr>
+        <p:spPr/>
+        <p:txBody>
+          <a:bodyPr>
+            <a:normAutofit fontScale="77500" lnSpcReduction="20000"/>
+          </a:bodyPr>
+          <a:lstStyle/>
+          <a:p>
+            <a:r>
+              <a:rPr lang="en-US" dirty="0"/>
+              <a:t>A primary objective of the National Highway Traffic Safety Administration (NHTSA) is to reduce fatal motor vehicle traffic crashes. An initiative created by NHTSA is to collect data to support the development, implementation, and assessment of highway traffic to reduce fatalities. </a:t>
+            </a:r>
+          </a:p>
+          <a:p>
+            <a:endParaRPr lang="en-US" dirty="0"/>
+          </a:p>
+          <a:p>
+            <a:r>
+              <a:rPr lang="en-US" dirty="0"/>
+              <a:t>Data points in the set: To qualify as a FARS (Fatality Analysis Reporting System) case, the crash had to involve a motor vehicle traveling on a trafficway customarily open to the public, and must have resulted in the death of a motorist or a non-motorist within 30 days of the crash.</a:t>
+            </a:r>
+          </a:p>
+          <a:p>
+            <a:endParaRPr lang="en-US" dirty="0"/>
+          </a:p>
+        </p:txBody>
+      </p:sp>
+      <p:sp>
+        <p:nvSpPr>
+          <p:cNvPr id="4" name="Slide Number Placeholder 3">
+            <a:extLst>
+              <a:ext uri="{FF2B5EF4-FFF2-40B4-BE49-F238E27FC236}">
+                <a16:creationId xmlns:a16="http://schemas.microsoft.com/office/drawing/2014/main" id="{BF11A3B3-0F17-4CDF-9FE3-0E8229BC9810}"/>
+              </a:ext>
+            </a:extLst>
+          </p:cNvPr>
+          <p:cNvSpPr>
+            <a:spLocks noGrp="1"/>
+          </p:cNvSpPr>
+          <p:nvPr>
+            <p:ph type="sldNum" sz="quarter" idx="12"/>
+          </p:nvPr>
+        </p:nvSpPr>
+        <p:spPr/>
+        <p:txBody>
+          <a:bodyPr/>
+          <a:lstStyle/>
+          <a:p>
+            <a:fld id="{B311205A-2B12-4C3C-9B44-D13403EC63C4}" type="slidenum">
+              <a:rPr lang="en-US" smtClean="0"/>
+              <a:t>2</a:t>
+            </a:fld>
+            <a:endParaRPr lang="en-US"/>
+          </a:p>
+        </p:txBody>
+      </p:sp>
+    </p:spTree>
+    <p:extLst>
+      <p:ext uri="{BB962C8B-B14F-4D97-AF65-F5344CB8AC3E}">
+        <p14:creationId xmlns:p14="http://schemas.microsoft.com/office/powerpoint/2010/main" val="1552060446"/>
+      </p:ext>
+    </p:extLst>
+  </p:cSld>
+  <p:clrMapOvr>
+    <a:masterClrMapping/>
+  </p:clrMapOvr>
+</p:sld>
+</file>
+
+<file path=ppt/slides/slide3.xml><?xml version="1.0" encoding="utf-8"?>
+<p:sld xmlns:a="http://schemas.openxmlformats.org/drawingml/2006/main" xmlns:r="http://schemas.openxmlformats.org/officeDocument/2006/relationships" xmlns:p="http://schemas.openxmlformats.org/presentationml/2006/main">
+  <p:cSld>
+    <p:spTree>
+      <p:nvGrpSpPr>
+        <p:cNvPr id="1" name=""/>
+        <p:cNvGrpSpPr/>
+        <p:nvPr/>
+      </p:nvGrpSpPr>
+      <p:grpSpPr>
+        <a:xfrm>
+          <a:off x="0" y="0"/>
+          <a:ext cx="0" cy="0"/>
+          <a:chOff x="0" y="0"/>
+          <a:chExt cx="0" cy="0"/>
+        </a:xfrm>
+      </p:grpSpPr>
+      <p:sp>
+        <p:nvSpPr>
+          <p:cNvPr id="3" name="Content Placeholder 2">
+            <a:extLst>
+              <a:ext uri="{FF2B5EF4-FFF2-40B4-BE49-F238E27FC236}">
+                <a16:creationId xmlns:a16="http://schemas.microsoft.com/office/drawing/2014/main" id="{64390837-42D8-435D-855B-52CBF5945A0E}"/>
+              </a:ext>
+            </a:extLst>
+          </p:cNvPr>
+          <p:cNvSpPr>
+            <a:spLocks noGrp="1"/>
+          </p:cNvSpPr>
+          <p:nvPr>
+            <p:ph idx="1"/>
+          </p:nvPr>
+        </p:nvSpPr>
+        <p:spPr/>
+        <p:txBody>
+          <a:bodyPr/>
+          <a:lstStyle/>
+          <a:p>
+            <a:pPr marL="0" indent="0">
+              <a:buNone/>
+            </a:pPr>
+            <a:r>
+              <a:rPr lang="en-US" u="sng" dirty="0"/>
+              <a:t>Hypothesis analyzed</a:t>
+            </a:r>
+            <a:r>
+              <a:rPr lang="en-US" dirty="0"/>
+              <a:t>:</a:t>
+            </a:r>
+          </a:p>
+          <a:p>
+            <a:r>
+              <a:rPr lang="en-US" dirty="0"/>
+              <a:t>Bicyclists travelling during </a:t>
+            </a:r>
+            <a:r>
+              <a:rPr lang="en-US" b="1" dirty="0"/>
+              <a:t>rush hour </a:t>
+            </a:r>
+            <a:r>
+              <a:rPr lang="en-US" dirty="0"/>
+              <a:t>in </a:t>
+            </a:r>
+            <a:r>
+              <a:rPr lang="en-US" b="1" dirty="0"/>
+              <a:t>urban areas </a:t>
+            </a:r>
+            <a:r>
+              <a:rPr lang="en-US" dirty="0"/>
+              <a:t>in the </a:t>
+            </a:r>
+            <a:r>
+              <a:rPr lang="en-US" b="1" dirty="0"/>
+              <a:t>evening</a:t>
+            </a:r>
+            <a:r>
+              <a:rPr lang="en-US" dirty="0"/>
+              <a:t> are at a higher risk of fatal accidents. </a:t>
+            </a:r>
+          </a:p>
+          <a:p>
+            <a:pPr marL="0" indent="0">
+              <a:buNone/>
+            </a:pPr>
+            <a:r>
+              <a:rPr lang="en-US" u="sng" dirty="0"/>
+              <a:t>Key factors considered</a:t>
+            </a:r>
+            <a:r>
+              <a:rPr lang="en-US" dirty="0"/>
+              <a:t>:</a:t>
+            </a:r>
+          </a:p>
+          <a:p>
+            <a:r>
+              <a:rPr lang="en-US" dirty="0"/>
+              <a:t>Time of day</a:t>
+            </a:r>
+          </a:p>
+          <a:p>
+            <a:r>
+              <a:rPr lang="en-US" dirty="0"/>
+              <a:t>Type of environment</a:t>
+            </a:r>
+          </a:p>
+          <a:p>
+            <a:endParaRPr lang="en-US" dirty="0"/>
+          </a:p>
+        </p:txBody>
+      </p:sp>
+      <p:sp>
+        <p:nvSpPr>
+          <p:cNvPr id="6" name="Title 1">
+            <a:extLst>
+              <a:ext uri="{FF2B5EF4-FFF2-40B4-BE49-F238E27FC236}">
+                <a16:creationId xmlns:a16="http://schemas.microsoft.com/office/drawing/2014/main" id="{AC5C526C-530B-499B-9CC9-3CB033A8B86D}"/>
+              </a:ext>
+            </a:extLst>
+          </p:cNvPr>
+          <p:cNvSpPr txBox="1">
+            <a:spLocks/>
+          </p:cNvSpPr>
+          <p:nvPr/>
+        </p:nvSpPr>
+        <p:spPr>
+          <a:xfrm>
+            <a:off x="412375" y="164706"/>
+            <a:ext cx="11525941" cy="1243811"/>
+          </a:xfrm>
+          <a:prstGeom prst="rect">
+            <a:avLst/>
+          </a:prstGeom>
+        </p:spPr>
+        <p:txBody>
+          <a:bodyPr vert="horz" lIns="91440" tIns="45720" rIns="91440" bIns="45720" rtlCol="0" anchor="ctr">
+            <a:noAutofit/>
+          </a:bodyPr>
+          <a:lstStyle>
+            <a:lvl1pPr algn="r" defTabSz="1219170" rtl="0" eaLnBrk="1" latinLnBrk="0" hangingPunct="1">
+              <a:spcBef>
+                <a:spcPct val="0"/>
+              </a:spcBef>
+              <a:buNone/>
+              <a:defRPr sz="4800" kern="1200" baseline="0">
+                <a:solidFill>
+                  <a:srgbClr val="002060"/>
+                </a:solidFill>
+                <a:effectLst>
+                  <a:outerShdw blurRad="50800" dist="38100" dir="2700000" algn="tl" rotWithShape="0">
+                    <a:prstClr val="black">
+                      <a:alpha val="40000"/>
+                    </a:prstClr>
+                  </a:outerShdw>
+                </a:effectLst>
+                <a:latin typeface="+mj-lt"/>
+                <a:ea typeface="+mj-ea"/>
+                <a:cs typeface="+mj-cs"/>
+              </a:defRPr>
+            </a:lvl1pPr>
+          </a:lstStyle>
+          <a:p>
+            <a:r>
+              <a:rPr lang="en-US" sz="4400" b="1" dirty="0">
+                <a:solidFill>
+                  <a:schemeClr val="bg1"/>
+                </a:solidFill>
+              </a:rPr>
+              <a:t>What Factors Contribute to a Higher </a:t>
+            </a:r>
+          </a:p>
+          <a:p>
+            <a:r>
+              <a:rPr lang="en-US" sz="4400" b="1" dirty="0">
+                <a:solidFill>
+                  <a:schemeClr val="bg1"/>
+                </a:solidFill>
+              </a:rPr>
+              <a:t>Risk of Bicycle Fatalities?</a:t>
+            </a:r>
+          </a:p>
+        </p:txBody>
+      </p:sp>
+      <p:sp>
+        <p:nvSpPr>
+          <p:cNvPr id="2" name="Slide Number Placeholder 1">
+            <a:extLst>
+              <a:ext uri="{FF2B5EF4-FFF2-40B4-BE49-F238E27FC236}">
+                <a16:creationId xmlns:a16="http://schemas.microsoft.com/office/drawing/2014/main" id="{2A6CB1EC-DF59-48B0-9A3D-CF71D27D5CDF}"/>
+              </a:ext>
+            </a:extLst>
+          </p:cNvPr>
+          <p:cNvSpPr>
+            <a:spLocks noGrp="1"/>
+          </p:cNvSpPr>
+          <p:nvPr>
+            <p:ph type="sldNum" sz="quarter" idx="12"/>
+          </p:nvPr>
+        </p:nvSpPr>
+        <p:spPr/>
+        <p:txBody>
+          <a:bodyPr/>
+          <a:lstStyle/>
+          <a:p>
+            <a:fld id="{B311205A-2B12-4C3C-9B44-D13403EC63C4}" type="slidenum">
+              <a:rPr lang="en-US" smtClean="0"/>
+              <a:t>3</a:t>
+            </a:fld>
+            <a:endParaRPr lang="en-US"/>
+          </a:p>
+        </p:txBody>
+      </p:sp>
+    </p:spTree>
+    <p:extLst>
+      <p:ext uri="{BB962C8B-B14F-4D97-AF65-F5344CB8AC3E}">
+        <p14:creationId xmlns:p14="http://schemas.microsoft.com/office/powerpoint/2010/main" val="1141156376"/>
+      </p:ext>
+    </p:extLst>
+  </p:cSld>
+  <p:clrMapOvr>
+    <a:masterClrMapping/>
+  </p:clrMapOvr>
+</p:sld>
+</file>
+
+<file path=ppt/slides/slide4.xml><?xml version="1.0" encoding="utf-8"?>
+<p:sld xmlns:a="http://schemas.openxmlformats.org/drawingml/2006/main" xmlns:r="http://schemas.openxmlformats.org/officeDocument/2006/relationships" xmlns:p="http://schemas.openxmlformats.org/presentationml/2006/main">
+  <p:cSld>
+    <p:spTree>
+      <p:nvGrpSpPr>
+        <p:cNvPr id="1" name=""/>
+        <p:cNvGrpSpPr/>
+        <p:nvPr/>
+      </p:nvGrpSpPr>
+      <p:grpSpPr>
+        <a:xfrm>
+          <a:off x="0" y="0"/>
+          <a:ext cx="0" cy="0"/>
+          <a:chOff x="0" y="0"/>
+          <a:chExt cx="0" cy="0"/>
+        </a:xfrm>
+      </p:grpSpPr>
+      <p:sp>
+        <p:nvSpPr>
+          <p:cNvPr id="3" name="Content Placeholder 2">
+            <a:extLst>
+              <a:ext uri="{FF2B5EF4-FFF2-40B4-BE49-F238E27FC236}">
+                <a16:creationId xmlns:a16="http://schemas.microsoft.com/office/drawing/2014/main" id="{B97A95E2-E515-40A0-8699-AA74FE32F88E}"/>
+              </a:ext>
+            </a:extLst>
+          </p:cNvPr>
+          <p:cNvSpPr>
+            <a:spLocks noGrp="1"/>
+          </p:cNvSpPr>
+          <p:nvPr>
+            <p:ph idx="1"/>
+          </p:nvPr>
+        </p:nvSpPr>
+        <p:spPr/>
+        <p:txBody>
+          <a:bodyPr>
+            <a:normAutofit lnSpcReduction="10000"/>
+          </a:bodyPr>
+          <a:lstStyle/>
+          <a:p>
+            <a:pPr marL="0" indent="0">
+              <a:buNone/>
+            </a:pPr>
+            <a:r>
+              <a:rPr lang="en-US" u="sng" dirty="0"/>
+              <a:t>Other factors considered:</a:t>
+            </a:r>
+          </a:p>
+          <a:p>
+            <a:r>
+              <a:rPr lang="en-US" dirty="0"/>
+              <a:t>Day of the week</a:t>
+            </a:r>
+          </a:p>
+          <a:p>
+            <a:r>
+              <a:rPr lang="en-US" dirty="0"/>
+              <a:t>Gender of bicyclist</a:t>
+            </a:r>
+          </a:p>
+          <a:p>
+            <a:r>
+              <a:rPr lang="en-US" dirty="0"/>
+              <a:t>Involvement of alcohol</a:t>
+            </a:r>
+          </a:p>
+          <a:p>
+            <a:r>
+              <a:rPr lang="en-US" dirty="0"/>
+              <a:t>Direction of travel (bicyclist vs. traffic)</a:t>
+            </a:r>
+          </a:p>
+          <a:p>
+            <a:r>
+              <a:rPr lang="en-US" dirty="0"/>
+              <a:t>Cause of accident</a:t>
+            </a:r>
+          </a:p>
+          <a:p>
+            <a:r>
+              <a:rPr lang="en-US" dirty="0"/>
+              <a:t>Weather conditions</a:t>
+            </a:r>
+          </a:p>
+        </p:txBody>
+      </p:sp>
+      <p:sp>
+        <p:nvSpPr>
+          <p:cNvPr id="7" name="Title 1">
+            <a:extLst>
+              <a:ext uri="{FF2B5EF4-FFF2-40B4-BE49-F238E27FC236}">
+                <a16:creationId xmlns:a16="http://schemas.microsoft.com/office/drawing/2014/main" id="{D0993A81-114F-4D81-BF1E-887B7C38F118}"/>
+              </a:ext>
+            </a:extLst>
+          </p:cNvPr>
+          <p:cNvSpPr txBox="1">
+            <a:spLocks/>
+          </p:cNvSpPr>
+          <p:nvPr/>
+        </p:nvSpPr>
+        <p:spPr>
+          <a:xfrm>
+            <a:off x="412375" y="164706"/>
+            <a:ext cx="11525941" cy="1243811"/>
+          </a:xfrm>
+          <a:prstGeom prst="rect">
+            <a:avLst/>
+          </a:prstGeom>
+        </p:spPr>
+        <p:txBody>
+          <a:bodyPr vert="horz" lIns="91440" tIns="45720" rIns="91440" bIns="45720" rtlCol="0" anchor="ctr">
+            <a:noAutofit/>
+          </a:bodyPr>
+          <a:lstStyle>
+            <a:lvl1pPr algn="r" defTabSz="1219170" rtl="0" eaLnBrk="1" latinLnBrk="0" hangingPunct="1">
+              <a:spcBef>
+                <a:spcPct val="0"/>
+              </a:spcBef>
+              <a:buNone/>
+              <a:defRPr sz="4800" kern="1200" baseline="0">
+                <a:solidFill>
+                  <a:srgbClr val="002060"/>
+                </a:solidFill>
+                <a:effectLst>
+                  <a:outerShdw blurRad="50800" dist="38100" dir="2700000" algn="tl" rotWithShape="0">
+                    <a:prstClr val="black">
+                      <a:alpha val="40000"/>
+                    </a:prstClr>
+                  </a:outerShdw>
+                </a:effectLst>
+                <a:latin typeface="+mj-lt"/>
+                <a:ea typeface="+mj-ea"/>
+                <a:cs typeface="+mj-cs"/>
+              </a:defRPr>
+            </a:lvl1pPr>
+          </a:lstStyle>
+          <a:p>
+            <a:r>
+              <a:rPr lang="en-US" sz="4400" b="1" dirty="0">
+                <a:solidFill>
+                  <a:schemeClr val="bg1"/>
+                </a:solidFill>
+              </a:rPr>
+              <a:t>What Factors Contribute to a Higher </a:t>
+            </a:r>
+          </a:p>
+          <a:p>
+            <a:r>
+              <a:rPr lang="en-US" sz="4400" b="1" dirty="0">
+                <a:solidFill>
+                  <a:schemeClr val="bg1"/>
+                </a:solidFill>
+              </a:rPr>
+              <a:t>Risk of Bicycle Fatalities?</a:t>
+            </a:r>
+          </a:p>
+        </p:txBody>
+      </p:sp>
+      <p:sp>
+        <p:nvSpPr>
+          <p:cNvPr id="2" name="Slide Number Placeholder 1">
+            <a:extLst>
+              <a:ext uri="{FF2B5EF4-FFF2-40B4-BE49-F238E27FC236}">
+                <a16:creationId xmlns:a16="http://schemas.microsoft.com/office/drawing/2014/main" id="{AE8E0642-4C81-41B1-87E7-74CC2BF18443}"/>
+              </a:ext>
+            </a:extLst>
+          </p:cNvPr>
+          <p:cNvSpPr>
+            <a:spLocks noGrp="1"/>
+          </p:cNvSpPr>
+          <p:nvPr>
+            <p:ph type="sldNum" sz="quarter" idx="12"/>
+          </p:nvPr>
+        </p:nvSpPr>
+        <p:spPr/>
+        <p:txBody>
+          <a:bodyPr/>
+          <a:lstStyle/>
+          <a:p>
+            <a:fld id="{B311205A-2B12-4C3C-9B44-D13403EC63C4}" type="slidenum">
+              <a:rPr lang="en-US" smtClean="0"/>
+              <a:t>4</a:t>
+            </a:fld>
+            <a:endParaRPr lang="en-US"/>
+          </a:p>
+        </p:txBody>
+      </p:sp>
+    </p:spTree>
+    <p:extLst>
+      <p:ext uri="{BB962C8B-B14F-4D97-AF65-F5344CB8AC3E}">
+        <p14:creationId xmlns:p14="http://schemas.microsoft.com/office/powerpoint/2010/main" val="2136803843"/>
+      </p:ext>
+    </p:extLst>
+  </p:cSld>
+  <p:clrMapOvr>
+    <a:masterClrMapping/>
+  </p:clrMapOvr>
+</p:sld>
+</file>
+
+<file path=ppt/slides/slide5.xml><?xml version="1.0" encoding="utf-8"?>
+<p:sld xmlns:a="http://schemas.openxmlformats.org/drawingml/2006/main" xmlns:r="http://schemas.openxmlformats.org/officeDocument/2006/relationships" xmlns:p="http://schemas.openxmlformats.org/presentationml/2006/main">
+  <p:cSld>
+    <p:spTree>
+      <p:nvGrpSpPr>
+        <p:cNvPr id="1" name=""/>
+        <p:cNvGrpSpPr/>
+        <p:nvPr/>
+      </p:nvGrpSpPr>
+      <p:grpSpPr>
+        <a:xfrm>
+          <a:off x="0" y="0"/>
+          <a:ext cx="0" cy="0"/>
+          <a:chOff x="0" y="0"/>
+          <a:chExt cx="0" cy="0"/>
+        </a:xfrm>
+      </p:grpSpPr>
+      <p:sp>
+        <p:nvSpPr>
+          <p:cNvPr id="2" name="Title 1">
+            <a:extLst>
+              <a:ext uri="{FF2B5EF4-FFF2-40B4-BE49-F238E27FC236}">
+                <a16:creationId xmlns:a16="http://schemas.microsoft.com/office/drawing/2014/main" id="{331F9AD2-7013-4FFA-B3D2-64E0CDA64476}"/>
+              </a:ext>
+            </a:extLst>
+          </p:cNvPr>
+          <p:cNvSpPr>
+            <a:spLocks noGrp="1"/>
+          </p:cNvSpPr>
+          <p:nvPr>
+            <p:ph type="title"/>
+          </p:nvPr>
+        </p:nvSpPr>
+        <p:spPr>
+          <a:xfrm>
+            <a:off x="598621" y="226619"/>
+            <a:ext cx="11270650" cy="985720"/>
+          </a:xfrm>
+        </p:spPr>
+        <p:txBody>
+          <a:bodyPr/>
+          <a:lstStyle/>
+          <a:p>
+            <a:r>
+              <a:rPr lang="en-US" b="1" dirty="0">
+                <a:solidFill>
+                  <a:schemeClr val="bg1"/>
+                </a:solidFill>
+              </a:rPr>
+              <a:t>Data Fields of Interest</a:t>
+            </a:r>
+          </a:p>
+        </p:txBody>
+      </p:sp>
+      <p:sp>
+        <p:nvSpPr>
+          <p:cNvPr id="3" name="Content Placeholder 2">
+            <a:extLst>
+              <a:ext uri="{FF2B5EF4-FFF2-40B4-BE49-F238E27FC236}">
+                <a16:creationId xmlns:a16="http://schemas.microsoft.com/office/drawing/2014/main" id="{D583CE3F-243E-420A-9DA9-20BB1AB3E4D9}"/>
+              </a:ext>
+            </a:extLst>
+          </p:cNvPr>
+          <p:cNvSpPr>
+            <a:spLocks noGrp="1"/>
+          </p:cNvSpPr>
+          <p:nvPr>
+            <p:ph idx="1"/>
+          </p:nvPr>
+        </p:nvSpPr>
+        <p:spPr>
+          <a:xfrm>
+            <a:off x="598621" y="1800147"/>
+            <a:ext cx="3058979" cy="4479343"/>
+          </a:xfrm>
+        </p:spPr>
+        <p:txBody>
+          <a:bodyPr>
+            <a:normAutofit/>
+          </a:bodyPr>
+          <a:lstStyle/>
+          <a:p>
+            <a:r>
+              <a:rPr lang="en-US" sz="2000" dirty="0" err="1"/>
+              <a:t>STATE.x</a:t>
+            </a:r>
+            <a:endParaRPr lang="en-US" sz="2000" dirty="0"/>
+          </a:p>
+          <a:p>
+            <a:r>
+              <a:rPr lang="en-US" sz="2000" dirty="0"/>
+              <a:t>ST_CASE</a:t>
+            </a:r>
+          </a:p>
+          <a:p>
+            <a:r>
+              <a:rPr lang="en-US" sz="2000" dirty="0"/>
+              <a:t>PER_NO</a:t>
+            </a:r>
+          </a:p>
+          <a:p>
+            <a:r>
+              <a:rPr lang="en-US" sz="2000" dirty="0"/>
+              <a:t>PBPTYPE</a:t>
+            </a:r>
+          </a:p>
+          <a:p>
+            <a:r>
+              <a:rPr lang="en-US" sz="2000" dirty="0"/>
+              <a:t>PBAGE</a:t>
+            </a:r>
+          </a:p>
+          <a:p>
+            <a:r>
+              <a:rPr lang="en-US" sz="2000" dirty="0"/>
+              <a:t>PBSEX</a:t>
+            </a:r>
+          </a:p>
+          <a:p>
+            <a:r>
+              <a:rPr lang="en-US" sz="2000" dirty="0"/>
+              <a:t>PBCWALK</a:t>
+            </a:r>
+          </a:p>
+          <a:p>
+            <a:r>
+              <a:rPr lang="en-US" sz="2000" dirty="0"/>
+              <a:t>PBSWALK</a:t>
+            </a:r>
+          </a:p>
+          <a:p>
+            <a:r>
+              <a:rPr lang="en-US" sz="2000" dirty="0"/>
+              <a:t>PBSZONE</a:t>
+            </a:r>
+          </a:p>
+          <a:p>
+            <a:r>
+              <a:rPr lang="en-US" sz="2000" dirty="0"/>
+              <a:t>BIKECYTPE</a:t>
+            </a:r>
+          </a:p>
+          <a:p>
+            <a:r>
+              <a:rPr lang="en-US" sz="2000" dirty="0"/>
+              <a:t>BIKELOC</a:t>
+            </a:r>
+          </a:p>
+          <a:p>
+            <a:r>
+              <a:rPr lang="en-US" sz="2000" dirty="0"/>
+              <a:t>BIKEPOS</a:t>
+            </a:r>
+          </a:p>
+        </p:txBody>
+      </p:sp>
+      <p:sp>
+        <p:nvSpPr>
+          <p:cNvPr id="4" name="Content Placeholder 2">
+            <a:extLst>
+              <a:ext uri="{FF2B5EF4-FFF2-40B4-BE49-F238E27FC236}">
+                <a16:creationId xmlns:a16="http://schemas.microsoft.com/office/drawing/2014/main" id="{A58B5490-C014-4513-A332-FE7264DC86A8}"/>
+              </a:ext>
+            </a:extLst>
+          </p:cNvPr>
+          <p:cNvSpPr txBox="1">
+            <a:spLocks/>
+          </p:cNvSpPr>
+          <p:nvPr/>
+        </p:nvSpPr>
+        <p:spPr>
+          <a:xfrm>
+            <a:off x="3253946" y="1800144"/>
+            <a:ext cx="3058979" cy="4479343"/>
+          </a:xfrm>
+          <a:prstGeom prst="rect">
+            <a:avLst/>
+          </a:prstGeom>
+        </p:spPr>
+        <p:txBody>
+          <a:bodyPr vert="horz" lIns="91440" tIns="45720" rIns="91440" bIns="45720" rtlCol="0">
+            <a:normAutofit/>
+          </a:bodyPr>
+          <a:lstStyle>
+            <a:lvl1pPr marL="457189" indent="-457189" algn="l" defTabSz="1219170" rtl="0" eaLnBrk="1" latinLnBrk="0" hangingPunct="1">
+              <a:spcBef>
+                <a:spcPct val="20000"/>
+              </a:spcBef>
+              <a:buFont typeface="Arial" pitchFamily="34" charset="0"/>
+              <a:buChar char="•"/>
+              <a:defRPr sz="3733" kern="1200">
+                <a:solidFill>
+                  <a:schemeClr val="bg1"/>
+                </a:solidFill>
+                <a:latin typeface="+mn-lt"/>
+                <a:ea typeface="+mn-ea"/>
+                <a:cs typeface="+mn-cs"/>
+              </a:defRPr>
+            </a:lvl1pPr>
+            <a:lvl2pPr marL="990575" indent="-380990" algn="l" defTabSz="1219170" rtl="0" eaLnBrk="1" latinLnBrk="0" hangingPunct="1">
+              <a:spcBef>
+                <a:spcPct val="20000"/>
+              </a:spcBef>
+              <a:buFont typeface="Arial" pitchFamily="34" charset="0"/>
+              <a:buChar char="–"/>
+              <a:defRPr sz="3733" kern="1200">
+                <a:solidFill>
+                  <a:schemeClr val="bg1"/>
+                </a:solidFill>
+                <a:latin typeface="+mn-lt"/>
+                <a:ea typeface="+mn-ea"/>
+                <a:cs typeface="+mn-cs"/>
+              </a:defRPr>
+            </a:lvl2pPr>
+            <a:lvl3pPr marL="1523962" indent="-304792" algn="l" defTabSz="1219170" rtl="0" eaLnBrk="1" latinLnBrk="0" hangingPunct="1">
+              <a:spcBef>
+                <a:spcPct val="20000"/>
+              </a:spcBef>
+              <a:buFont typeface="Arial" pitchFamily="34" charset="0"/>
+              <a:buChar char="•"/>
+              <a:defRPr sz="3200" kern="1200">
+                <a:solidFill>
+                  <a:schemeClr val="bg1"/>
+                </a:solidFill>
+                <a:latin typeface="+mn-lt"/>
+                <a:ea typeface="+mn-ea"/>
+                <a:cs typeface="+mn-cs"/>
+              </a:defRPr>
+            </a:lvl3pPr>
+            <a:lvl4pPr marL="2133547" indent="-304792" algn="l" defTabSz="1219170" rtl="0" eaLnBrk="1" latinLnBrk="0" hangingPunct="1">
+              <a:spcBef>
+                <a:spcPct val="20000"/>
+              </a:spcBef>
+              <a:buFont typeface="Arial" pitchFamily="34" charset="0"/>
+              <a:buChar char="–"/>
+              <a:defRPr sz="2667" kern="1200">
+                <a:solidFill>
+                  <a:schemeClr val="bg1"/>
+                </a:solidFill>
+                <a:latin typeface="+mn-lt"/>
+                <a:ea typeface="+mn-ea"/>
+                <a:cs typeface="+mn-cs"/>
+              </a:defRPr>
+            </a:lvl4pPr>
+            <a:lvl5pPr marL="2743131" indent="-304792" algn="l" defTabSz="1219170" rtl="0" eaLnBrk="1" latinLnBrk="0" hangingPunct="1">
+              <a:spcBef>
+                <a:spcPct val="20000"/>
+              </a:spcBef>
+              <a:buFont typeface="Arial" pitchFamily="34" charset="0"/>
+              <a:buChar char="»"/>
+              <a:defRPr sz="2667" kern="1200">
+                <a:solidFill>
+                  <a:schemeClr val="bg1"/>
+                </a:solidFill>
+                <a:latin typeface="+mn-lt"/>
+                <a:ea typeface="+mn-ea"/>
+                <a:cs typeface="+mn-cs"/>
+              </a:defRPr>
+            </a:lvl5pPr>
+            <a:lvl6pPr marL="3352716" indent="-304792" algn="l" defTabSz="1219170" rtl="0" eaLnBrk="1" latinLnBrk="0" hangingPunct="1">
+              <a:spcBef>
+                <a:spcPct val="20000"/>
+              </a:spcBef>
+              <a:buFont typeface="Arial" pitchFamily="34" charset="0"/>
+              <a:buChar char="•"/>
+              <a:defRPr sz="2667" kern="1200">
+                <a:solidFill>
+                  <a:schemeClr val="tx1"/>
+                </a:solidFill>
+                <a:latin typeface="+mn-lt"/>
+                <a:ea typeface="+mn-ea"/>
+                <a:cs typeface="+mn-cs"/>
+              </a:defRPr>
+            </a:lvl6pPr>
+            <a:lvl7pPr marL="3962301" indent="-304792" algn="l" defTabSz="1219170" rtl="0" eaLnBrk="1" latinLnBrk="0" hangingPunct="1">
+              <a:spcBef>
+                <a:spcPct val="20000"/>
+              </a:spcBef>
+              <a:buFont typeface="Arial" pitchFamily="34" charset="0"/>
+              <a:buChar char="•"/>
+              <a:defRPr sz="2667" kern="1200">
+                <a:solidFill>
+                  <a:schemeClr val="tx1"/>
+                </a:solidFill>
+                <a:latin typeface="+mn-lt"/>
+                <a:ea typeface="+mn-ea"/>
+                <a:cs typeface="+mn-cs"/>
+              </a:defRPr>
+            </a:lvl7pPr>
+            <a:lvl8pPr marL="4571886" indent="-304792" algn="l" defTabSz="1219170" rtl="0" eaLnBrk="1" latinLnBrk="0" hangingPunct="1">
+              <a:spcBef>
+                <a:spcPct val="20000"/>
+              </a:spcBef>
+              <a:buFont typeface="Arial" pitchFamily="34" charset="0"/>
+              <a:buChar char="•"/>
+              <a:defRPr sz="2667" kern="1200">
+                <a:solidFill>
+                  <a:schemeClr val="tx1"/>
+                </a:solidFill>
+                <a:latin typeface="+mn-lt"/>
+                <a:ea typeface="+mn-ea"/>
+                <a:cs typeface="+mn-cs"/>
+              </a:defRPr>
+            </a:lvl8pPr>
+            <a:lvl9pPr marL="5181470" indent="-304792" algn="l" defTabSz="1219170" rtl="0" eaLnBrk="1" latinLnBrk="0" hangingPunct="1">
+              <a:spcBef>
+                <a:spcPct val="20000"/>
+              </a:spcBef>
+              <a:buFont typeface="Arial" pitchFamily="34" charset="0"/>
+              <a:buChar char="•"/>
+              <a:defRPr sz="2667" kern="1200">
+                <a:solidFill>
+                  <a:schemeClr val="tx1"/>
+                </a:solidFill>
+                <a:latin typeface="+mn-lt"/>
+                <a:ea typeface="+mn-ea"/>
+                <a:cs typeface="+mn-cs"/>
+              </a:defRPr>
+            </a:lvl9pPr>
+          </a:lstStyle>
+          <a:p>
+            <a:r>
+              <a:rPr lang="en-US" sz="2000" dirty="0"/>
+              <a:t>BIKEDIR</a:t>
+            </a:r>
+          </a:p>
+          <a:p>
+            <a:r>
+              <a:rPr lang="en-US" sz="2000" dirty="0"/>
+              <a:t>BIKECGP</a:t>
+            </a:r>
+          </a:p>
+          <a:p>
+            <a:r>
+              <a:rPr lang="en-US" sz="2000" dirty="0"/>
+              <a:t>DAY</a:t>
+            </a:r>
+          </a:p>
+          <a:p>
+            <a:r>
+              <a:rPr lang="en-US" sz="2000" dirty="0"/>
+              <a:t>MONTH</a:t>
+            </a:r>
+          </a:p>
+          <a:p>
+            <a:r>
+              <a:rPr lang="en-US" sz="2000" dirty="0"/>
+              <a:t>YEAR</a:t>
+            </a:r>
+          </a:p>
+          <a:p>
+            <a:r>
+              <a:rPr lang="en-US" sz="2000" dirty="0"/>
+              <a:t>DAY_WEEK</a:t>
+            </a:r>
+          </a:p>
+          <a:p>
+            <a:r>
+              <a:rPr lang="en-US" sz="2000" dirty="0"/>
+              <a:t>HOUR</a:t>
+            </a:r>
+          </a:p>
+          <a:p>
+            <a:r>
+              <a:rPr lang="en-US" sz="2000" dirty="0"/>
+              <a:t>MINUTE</a:t>
+            </a:r>
+          </a:p>
+          <a:p>
+            <a:r>
+              <a:rPr lang="en-US" sz="2000" dirty="0"/>
+              <a:t>RUR_URB</a:t>
+            </a:r>
+          </a:p>
+          <a:p>
+            <a:r>
+              <a:rPr lang="en-US" sz="2000" dirty="0"/>
+              <a:t>FUNC_SYS</a:t>
+            </a:r>
+          </a:p>
+          <a:p>
+            <a:r>
+              <a:rPr lang="en-US" sz="2000" dirty="0"/>
+              <a:t>TWAY_ID</a:t>
+            </a:r>
+          </a:p>
+          <a:p>
+            <a:r>
+              <a:rPr lang="en-US" sz="2000" dirty="0"/>
+              <a:t>TWAY_ID2</a:t>
+            </a:r>
+          </a:p>
+        </p:txBody>
+      </p:sp>
+      <p:sp>
+        <p:nvSpPr>
+          <p:cNvPr id="5" name="Content Placeholder 2">
+            <a:extLst>
+              <a:ext uri="{FF2B5EF4-FFF2-40B4-BE49-F238E27FC236}">
+                <a16:creationId xmlns:a16="http://schemas.microsoft.com/office/drawing/2014/main" id="{D4B71E3E-B5B3-4E3F-AD90-EFB6675844C1}"/>
+              </a:ext>
+            </a:extLst>
+          </p:cNvPr>
+          <p:cNvSpPr txBox="1">
+            <a:spLocks/>
+          </p:cNvSpPr>
+          <p:nvPr/>
+        </p:nvSpPr>
+        <p:spPr>
+          <a:xfrm>
+            <a:off x="6312925" y="1800144"/>
+            <a:ext cx="3058979" cy="4479343"/>
+          </a:xfrm>
+          <a:prstGeom prst="rect">
+            <a:avLst/>
+          </a:prstGeom>
+        </p:spPr>
+        <p:txBody>
+          <a:bodyPr vert="horz" lIns="91440" tIns="45720" rIns="91440" bIns="45720" rtlCol="0">
+            <a:normAutofit/>
+          </a:bodyPr>
+          <a:lstStyle>
+            <a:lvl1pPr marL="457189" indent="-457189" algn="l" defTabSz="1219170" rtl="0" eaLnBrk="1" latinLnBrk="0" hangingPunct="1">
+              <a:spcBef>
+                <a:spcPct val="20000"/>
+              </a:spcBef>
+              <a:buFont typeface="Arial" pitchFamily="34" charset="0"/>
+              <a:buChar char="•"/>
+              <a:defRPr sz="3733" kern="1200">
+                <a:solidFill>
+                  <a:schemeClr val="bg1"/>
+                </a:solidFill>
+                <a:latin typeface="+mn-lt"/>
+                <a:ea typeface="+mn-ea"/>
+                <a:cs typeface="+mn-cs"/>
+              </a:defRPr>
+            </a:lvl1pPr>
+            <a:lvl2pPr marL="990575" indent="-380990" algn="l" defTabSz="1219170" rtl="0" eaLnBrk="1" latinLnBrk="0" hangingPunct="1">
+              <a:spcBef>
+                <a:spcPct val="20000"/>
+              </a:spcBef>
+              <a:buFont typeface="Arial" pitchFamily="34" charset="0"/>
+              <a:buChar char="–"/>
+              <a:defRPr sz="3733" kern="1200">
+                <a:solidFill>
+                  <a:schemeClr val="bg1"/>
+                </a:solidFill>
+                <a:latin typeface="+mn-lt"/>
+                <a:ea typeface="+mn-ea"/>
+                <a:cs typeface="+mn-cs"/>
+              </a:defRPr>
+            </a:lvl2pPr>
+            <a:lvl3pPr marL="1523962" indent="-304792" algn="l" defTabSz="1219170" rtl="0" eaLnBrk="1" latinLnBrk="0" hangingPunct="1">
+              <a:spcBef>
+                <a:spcPct val="20000"/>
+              </a:spcBef>
+              <a:buFont typeface="Arial" pitchFamily="34" charset="0"/>
+              <a:buChar char="•"/>
+              <a:defRPr sz="3200" kern="1200">
+                <a:solidFill>
+                  <a:schemeClr val="bg1"/>
+                </a:solidFill>
+                <a:latin typeface="+mn-lt"/>
+                <a:ea typeface="+mn-ea"/>
+                <a:cs typeface="+mn-cs"/>
+              </a:defRPr>
+            </a:lvl3pPr>
+            <a:lvl4pPr marL="2133547" indent="-304792" algn="l" defTabSz="1219170" rtl="0" eaLnBrk="1" latinLnBrk="0" hangingPunct="1">
+              <a:spcBef>
+                <a:spcPct val="20000"/>
+              </a:spcBef>
+              <a:buFont typeface="Arial" pitchFamily="34" charset="0"/>
+              <a:buChar char="–"/>
+              <a:defRPr sz="2667" kern="1200">
+                <a:solidFill>
+                  <a:schemeClr val="bg1"/>
+                </a:solidFill>
+                <a:latin typeface="+mn-lt"/>
+                <a:ea typeface="+mn-ea"/>
+                <a:cs typeface="+mn-cs"/>
+              </a:defRPr>
+            </a:lvl4pPr>
+            <a:lvl5pPr marL="2743131" indent="-304792" algn="l" defTabSz="1219170" rtl="0" eaLnBrk="1" latinLnBrk="0" hangingPunct="1">
+              <a:spcBef>
+                <a:spcPct val="20000"/>
+              </a:spcBef>
+              <a:buFont typeface="Arial" pitchFamily="34" charset="0"/>
+              <a:buChar char="»"/>
+              <a:defRPr sz="2667" kern="1200">
+                <a:solidFill>
+                  <a:schemeClr val="bg1"/>
+                </a:solidFill>
+                <a:latin typeface="+mn-lt"/>
+                <a:ea typeface="+mn-ea"/>
+                <a:cs typeface="+mn-cs"/>
+              </a:defRPr>
+            </a:lvl5pPr>
+            <a:lvl6pPr marL="3352716" indent="-304792" algn="l" defTabSz="1219170" rtl="0" eaLnBrk="1" latinLnBrk="0" hangingPunct="1">
+              <a:spcBef>
+                <a:spcPct val="20000"/>
+              </a:spcBef>
+              <a:buFont typeface="Arial" pitchFamily="34" charset="0"/>
+              <a:buChar char="•"/>
+              <a:defRPr sz="2667" kern="1200">
+                <a:solidFill>
+                  <a:schemeClr val="tx1"/>
+                </a:solidFill>
+                <a:latin typeface="+mn-lt"/>
+                <a:ea typeface="+mn-ea"/>
+                <a:cs typeface="+mn-cs"/>
+              </a:defRPr>
+            </a:lvl6pPr>
+            <a:lvl7pPr marL="3962301" indent="-304792" algn="l" defTabSz="1219170" rtl="0" eaLnBrk="1" latinLnBrk="0" hangingPunct="1">
+              <a:spcBef>
+                <a:spcPct val="20000"/>
+              </a:spcBef>
+              <a:buFont typeface="Arial" pitchFamily="34" charset="0"/>
+              <a:buChar char="•"/>
+              <a:defRPr sz="2667" kern="1200">
+                <a:solidFill>
+                  <a:schemeClr val="tx1"/>
+                </a:solidFill>
+                <a:latin typeface="+mn-lt"/>
+                <a:ea typeface="+mn-ea"/>
+                <a:cs typeface="+mn-cs"/>
+              </a:defRPr>
+            </a:lvl7pPr>
+            <a:lvl8pPr marL="4571886" indent="-304792" algn="l" defTabSz="1219170" rtl="0" eaLnBrk="1" latinLnBrk="0" hangingPunct="1">
+              <a:spcBef>
+                <a:spcPct val="20000"/>
+              </a:spcBef>
+              <a:buFont typeface="Arial" pitchFamily="34" charset="0"/>
+              <a:buChar char="•"/>
+              <a:defRPr sz="2667" kern="1200">
+                <a:solidFill>
+                  <a:schemeClr val="tx1"/>
+                </a:solidFill>
+                <a:latin typeface="+mn-lt"/>
+                <a:ea typeface="+mn-ea"/>
+                <a:cs typeface="+mn-cs"/>
+              </a:defRPr>
+            </a:lvl8pPr>
+            <a:lvl9pPr marL="5181470" indent="-304792" algn="l" defTabSz="1219170" rtl="0" eaLnBrk="1" latinLnBrk="0" hangingPunct="1">
+              <a:spcBef>
+                <a:spcPct val="20000"/>
+              </a:spcBef>
+              <a:buFont typeface="Arial" pitchFamily="34" charset="0"/>
+              <a:buChar char="•"/>
+              <a:defRPr sz="2667" kern="1200">
+                <a:solidFill>
+                  <a:schemeClr val="tx1"/>
+                </a:solidFill>
+                <a:latin typeface="+mn-lt"/>
+                <a:ea typeface="+mn-ea"/>
+                <a:cs typeface="+mn-cs"/>
+              </a:defRPr>
+            </a:lvl9pPr>
+          </a:lstStyle>
+          <a:p>
+            <a:r>
+              <a:rPr lang="en-US" sz="2000" dirty="0"/>
+              <a:t>LATITUDE</a:t>
+            </a:r>
+          </a:p>
+          <a:p>
+            <a:r>
+              <a:rPr lang="en-US" sz="2000" dirty="0"/>
+              <a:t>LONGITUD</a:t>
+            </a:r>
+          </a:p>
+          <a:p>
+            <a:r>
+              <a:rPr lang="en-US" sz="2000" dirty="0"/>
+              <a:t>HARM_EV</a:t>
+            </a:r>
+          </a:p>
+          <a:p>
+            <a:r>
+              <a:rPr lang="en-US" sz="2000" dirty="0"/>
+              <a:t>MAN_COLL</a:t>
+            </a:r>
+          </a:p>
+          <a:p>
+            <a:r>
+              <a:rPr lang="en-US" sz="2000" dirty="0"/>
+              <a:t>TYP_INT</a:t>
+            </a:r>
+          </a:p>
+          <a:p>
+            <a:r>
+              <a:rPr lang="en-US" sz="2000" dirty="0"/>
+              <a:t>WRK_ZONE</a:t>
+            </a:r>
+          </a:p>
+          <a:p>
+            <a:r>
+              <a:rPr lang="en-US" sz="2000" dirty="0"/>
+              <a:t>REL_ROAD</a:t>
+            </a:r>
+          </a:p>
+          <a:p>
+            <a:r>
+              <a:rPr lang="en-US" sz="2000" dirty="0"/>
+              <a:t>LGT_COND</a:t>
+            </a:r>
+          </a:p>
+          <a:p>
+            <a:r>
+              <a:rPr lang="en-US" sz="2000" dirty="0"/>
+              <a:t>WEATHER1</a:t>
+            </a:r>
+          </a:p>
+          <a:p>
+            <a:r>
+              <a:rPr lang="en-US" sz="2000" dirty="0"/>
+              <a:t>WEATHER2</a:t>
+            </a:r>
+          </a:p>
+          <a:p>
+            <a:r>
+              <a:rPr lang="en-US" sz="2000" dirty="0"/>
+              <a:t>WEATHER</a:t>
+            </a:r>
+          </a:p>
+          <a:p>
+            <a:r>
+              <a:rPr lang="en-US" sz="2000" dirty="0"/>
+              <a:t>SCH_BUS</a:t>
+            </a:r>
+          </a:p>
+        </p:txBody>
+      </p:sp>
+      <p:sp>
+        <p:nvSpPr>
+          <p:cNvPr id="6" name="Content Placeholder 2">
+            <a:extLst>
+              <a:ext uri="{FF2B5EF4-FFF2-40B4-BE49-F238E27FC236}">
+                <a16:creationId xmlns:a16="http://schemas.microsoft.com/office/drawing/2014/main" id="{BE163DED-8546-43DE-966A-F4C7E34E899C}"/>
+              </a:ext>
+            </a:extLst>
+          </p:cNvPr>
+          <p:cNvSpPr txBox="1">
+            <a:spLocks/>
+          </p:cNvSpPr>
+          <p:nvPr/>
+        </p:nvSpPr>
+        <p:spPr>
+          <a:xfrm>
+            <a:off x="9371904" y="1800144"/>
+            <a:ext cx="3058979" cy="4479343"/>
+          </a:xfrm>
+          <a:prstGeom prst="rect">
+            <a:avLst/>
+          </a:prstGeom>
+        </p:spPr>
+        <p:txBody>
+          <a:bodyPr vert="horz" lIns="91440" tIns="45720" rIns="91440" bIns="45720" rtlCol="0">
+            <a:normAutofit/>
+          </a:bodyPr>
+          <a:lstStyle>
+            <a:lvl1pPr marL="457189" indent="-457189" algn="l" defTabSz="1219170" rtl="0" eaLnBrk="1" latinLnBrk="0" hangingPunct="1">
+              <a:spcBef>
+                <a:spcPct val="20000"/>
+              </a:spcBef>
+              <a:buFont typeface="Arial" pitchFamily="34" charset="0"/>
+              <a:buChar char="•"/>
+              <a:defRPr sz="3733" kern="1200">
+                <a:solidFill>
+                  <a:schemeClr val="bg1"/>
+                </a:solidFill>
+                <a:latin typeface="+mn-lt"/>
+                <a:ea typeface="+mn-ea"/>
+                <a:cs typeface="+mn-cs"/>
+              </a:defRPr>
+            </a:lvl1pPr>
+            <a:lvl2pPr marL="990575" indent="-380990" algn="l" defTabSz="1219170" rtl="0" eaLnBrk="1" latinLnBrk="0" hangingPunct="1">
+              <a:spcBef>
+                <a:spcPct val="20000"/>
+              </a:spcBef>
+              <a:buFont typeface="Arial" pitchFamily="34" charset="0"/>
+              <a:buChar char="–"/>
+              <a:defRPr sz="3733" kern="1200">
+                <a:solidFill>
+                  <a:schemeClr val="bg1"/>
+                </a:solidFill>
+                <a:latin typeface="+mn-lt"/>
+                <a:ea typeface="+mn-ea"/>
+                <a:cs typeface="+mn-cs"/>
+              </a:defRPr>
+            </a:lvl2pPr>
+            <a:lvl3pPr marL="1523962" indent="-304792" algn="l" defTabSz="1219170" rtl="0" eaLnBrk="1" latinLnBrk="0" hangingPunct="1">
+              <a:spcBef>
+                <a:spcPct val="20000"/>
+              </a:spcBef>
+              <a:buFont typeface="Arial" pitchFamily="34" charset="0"/>
+              <a:buChar char="•"/>
+              <a:defRPr sz="3200" kern="1200">
+                <a:solidFill>
+                  <a:schemeClr val="bg1"/>
+                </a:solidFill>
+                <a:latin typeface="+mn-lt"/>
+                <a:ea typeface="+mn-ea"/>
+                <a:cs typeface="+mn-cs"/>
+              </a:defRPr>
+            </a:lvl3pPr>
+            <a:lvl4pPr marL="2133547" indent="-304792" algn="l" defTabSz="1219170" rtl="0" eaLnBrk="1" latinLnBrk="0" hangingPunct="1">
+              <a:spcBef>
+                <a:spcPct val="20000"/>
+              </a:spcBef>
+              <a:buFont typeface="Arial" pitchFamily="34" charset="0"/>
+              <a:buChar char="–"/>
+              <a:defRPr sz="2667" kern="1200">
+                <a:solidFill>
+                  <a:schemeClr val="bg1"/>
+                </a:solidFill>
+                <a:latin typeface="+mn-lt"/>
+                <a:ea typeface="+mn-ea"/>
+                <a:cs typeface="+mn-cs"/>
+              </a:defRPr>
+            </a:lvl4pPr>
+            <a:lvl5pPr marL="2743131" indent="-304792" algn="l" defTabSz="1219170" rtl="0" eaLnBrk="1" latinLnBrk="0" hangingPunct="1">
+              <a:spcBef>
+                <a:spcPct val="20000"/>
+              </a:spcBef>
+              <a:buFont typeface="Arial" pitchFamily="34" charset="0"/>
+              <a:buChar char="»"/>
+              <a:defRPr sz="2667" kern="1200">
+                <a:solidFill>
+                  <a:schemeClr val="bg1"/>
+                </a:solidFill>
+                <a:latin typeface="+mn-lt"/>
+                <a:ea typeface="+mn-ea"/>
+                <a:cs typeface="+mn-cs"/>
+              </a:defRPr>
+            </a:lvl5pPr>
+            <a:lvl6pPr marL="3352716" indent="-304792" algn="l" defTabSz="1219170" rtl="0" eaLnBrk="1" latinLnBrk="0" hangingPunct="1">
+              <a:spcBef>
+                <a:spcPct val="20000"/>
+              </a:spcBef>
+              <a:buFont typeface="Arial" pitchFamily="34" charset="0"/>
+              <a:buChar char="•"/>
+              <a:defRPr sz="2667" kern="1200">
+                <a:solidFill>
+                  <a:schemeClr val="tx1"/>
+                </a:solidFill>
+                <a:latin typeface="+mn-lt"/>
+                <a:ea typeface="+mn-ea"/>
+                <a:cs typeface="+mn-cs"/>
+              </a:defRPr>
+            </a:lvl6pPr>
+            <a:lvl7pPr marL="3962301" indent="-304792" algn="l" defTabSz="1219170" rtl="0" eaLnBrk="1" latinLnBrk="0" hangingPunct="1">
+              <a:spcBef>
+                <a:spcPct val="20000"/>
+              </a:spcBef>
+              <a:buFont typeface="Arial" pitchFamily="34" charset="0"/>
+              <a:buChar char="•"/>
+              <a:defRPr sz="2667" kern="1200">
+                <a:solidFill>
+                  <a:schemeClr val="tx1"/>
+                </a:solidFill>
+                <a:latin typeface="+mn-lt"/>
+                <a:ea typeface="+mn-ea"/>
+                <a:cs typeface="+mn-cs"/>
+              </a:defRPr>
+            </a:lvl7pPr>
+            <a:lvl8pPr marL="4571886" indent="-304792" algn="l" defTabSz="1219170" rtl="0" eaLnBrk="1" latinLnBrk="0" hangingPunct="1">
+              <a:spcBef>
+                <a:spcPct val="20000"/>
+              </a:spcBef>
+              <a:buFont typeface="Arial" pitchFamily="34" charset="0"/>
+              <a:buChar char="•"/>
+              <a:defRPr sz="2667" kern="1200">
+                <a:solidFill>
+                  <a:schemeClr val="tx1"/>
+                </a:solidFill>
+                <a:latin typeface="+mn-lt"/>
+                <a:ea typeface="+mn-ea"/>
+                <a:cs typeface="+mn-cs"/>
+              </a:defRPr>
+            </a:lvl8pPr>
+            <a:lvl9pPr marL="5181470" indent="-304792" algn="l" defTabSz="1219170" rtl="0" eaLnBrk="1" latinLnBrk="0" hangingPunct="1">
+              <a:spcBef>
+                <a:spcPct val="20000"/>
+              </a:spcBef>
+              <a:buFont typeface="Arial" pitchFamily="34" charset="0"/>
+              <a:buChar char="•"/>
+              <a:defRPr sz="2667" kern="1200">
+                <a:solidFill>
+                  <a:schemeClr val="tx1"/>
+                </a:solidFill>
+                <a:latin typeface="+mn-lt"/>
+                <a:ea typeface="+mn-ea"/>
+                <a:cs typeface="+mn-cs"/>
+              </a:defRPr>
+            </a:lvl9pPr>
+          </a:lstStyle>
+          <a:p>
+            <a:r>
+              <a:rPr lang="en-US" sz="2000" dirty="0"/>
+              <a:t>CF1</a:t>
+            </a:r>
+          </a:p>
+          <a:p>
+            <a:r>
+              <a:rPr lang="en-US" sz="2000" dirty="0"/>
+              <a:t>CF2</a:t>
+            </a:r>
+          </a:p>
+          <a:p>
+            <a:r>
+              <a:rPr lang="en-US" sz="2000" dirty="0"/>
+              <a:t>CF3</a:t>
+            </a:r>
+          </a:p>
+          <a:p>
+            <a:r>
+              <a:rPr lang="en-US" sz="2000" dirty="0"/>
+              <a:t>FATALS</a:t>
+            </a:r>
+          </a:p>
+          <a:p>
+            <a:r>
+              <a:rPr lang="en-US" sz="2000" dirty="0"/>
+              <a:t>DRUNK_DR</a:t>
+            </a:r>
+          </a:p>
+          <a:p>
+            <a:r>
+              <a:rPr lang="en-US" sz="2000" dirty="0"/>
+              <a:t>date (created)</a:t>
+            </a:r>
+          </a:p>
+          <a:p>
+            <a:r>
+              <a:rPr lang="en-US" sz="2000" dirty="0"/>
+              <a:t>TIME (created)</a:t>
+            </a:r>
+          </a:p>
+        </p:txBody>
+      </p:sp>
+      <p:sp>
+        <p:nvSpPr>
+          <p:cNvPr id="7" name="Slide Number Placeholder 6">
+            <a:extLst>
+              <a:ext uri="{FF2B5EF4-FFF2-40B4-BE49-F238E27FC236}">
+                <a16:creationId xmlns:a16="http://schemas.microsoft.com/office/drawing/2014/main" id="{E7DA6974-5694-4752-9A55-FDFA9F49616E}"/>
+              </a:ext>
+            </a:extLst>
+          </p:cNvPr>
+          <p:cNvSpPr>
+            <a:spLocks noGrp="1"/>
+          </p:cNvSpPr>
+          <p:nvPr>
+            <p:ph type="sldNum" sz="quarter" idx="12"/>
+          </p:nvPr>
+        </p:nvSpPr>
+        <p:spPr/>
+        <p:txBody>
+          <a:bodyPr/>
+          <a:lstStyle/>
+          <a:p>
+            <a:fld id="{B311205A-2B12-4C3C-9B44-D13403EC63C4}" type="slidenum">
+              <a:rPr lang="en-US" smtClean="0"/>
+              <a:t>5</a:t>
+            </a:fld>
+            <a:endParaRPr lang="en-US"/>
+          </a:p>
+        </p:txBody>
+      </p:sp>
+    </p:spTree>
+    <p:extLst>
+      <p:ext uri="{BB962C8B-B14F-4D97-AF65-F5344CB8AC3E}">
+        <p14:creationId xmlns:p14="http://schemas.microsoft.com/office/powerpoint/2010/main" val="1095254977"/>
+      </p:ext>
+    </p:extLst>
+  </p:cSld>
+  <p:clrMapOvr>
+    <a:masterClrMapping/>
+  </p:clrMapOvr>
+</p:sld>
+</file>
+
+<file path=ppt/slides/slide6.xml><?xml version="1.0" encoding="utf-8"?>
+<p:sld xmlns:a="http://schemas.openxmlformats.org/drawingml/2006/main" xmlns:r="http://schemas.openxmlformats.org/officeDocument/2006/relationships" xmlns:p="http://schemas.openxmlformats.org/presentationml/2006/main">
+  <p:cSld>
+    <p:spTree>
+      <p:nvGrpSpPr>
+        <p:cNvPr id="1" name=""/>
+        <p:cNvGrpSpPr/>
+        <p:nvPr/>
+      </p:nvGrpSpPr>
+      <p:grpSpPr>
+        <a:xfrm>
+          <a:off x="0" y="0"/>
+          <a:ext cx="0" cy="0"/>
+          <a:chOff x="0" y="0"/>
+          <a:chExt cx="0" cy="0"/>
+        </a:xfrm>
+      </p:grpSpPr>
+      <p:sp>
+        <p:nvSpPr>
+          <p:cNvPr id="2" name="Title 1">
+            <a:extLst>
+              <a:ext uri="{FF2B5EF4-FFF2-40B4-BE49-F238E27FC236}">
+                <a16:creationId xmlns:a16="http://schemas.microsoft.com/office/drawing/2014/main" id="{B2F3D102-B13D-41F3-AA79-1C382E0EB747}"/>
+              </a:ext>
+            </a:extLst>
+          </p:cNvPr>
+          <p:cNvSpPr>
+            <a:spLocks noGrp="1"/>
+          </p:cNvSpPr>
+          <p:nvPr>
+            <p:ph type="title"/>
+          </p:nvPr>
+        </p:nvSpPr>
+        <p:spPr/>
+        <p:txBody>
+          <a:bodyPr vert="horz" lIns="91440" tIns="45720" rIns="91440" bIns="45720" rtlCol="0" anchor="ctr">
+            <a:normAutofit/>
+          </a:bodyPr>
+          <a:lstStyle/>
+          <a:p>
+            <a:r>
+              <a:rPr lang="en-US" b="1" dirty="0">
+                <a:solidFill>
+                  <a:schemeClr val="bg1"/>
+                </a:solidFill>
+              </a:rPr>
+              <a:t>General Information on Data</a:t>
+            </a:r>
+          </a:p>
+        </p:txBody>
+      </p:sp>
+      <p:sp>
+        <p:nvSpPr>
+          <p:cNvPr id="3" name="Content Placeholder 2">
+            <a:extLst>
+              <a:ext uri="{FF2B5EF4-FFF2-40B4-BE49-F238E27FC236}">
+                <a16:creationId xmlns:a16="http://schemas.microsoft.com/office/drawing/2014/main" id="{91301726-2480-4496-9776-FCD3EC0D18B4}"/>
+              </a:ext>
+            </a:extLst>
+          </p:cNvPr>
+          <p:cNvSpPr>
+            <a:spLocks noGrp="1"/>
+          </p:cNvSpPr>
+          <p:nvPr>
+            <p:ph idx="1"/>
+          </p:nvPr>
+        </p:nvSpPr>
+        <p:spPr/>
+        <p:txBody>
+          <a:bodyPr/>
+          <a:lstStyle/>
+          <a:p>
+            <a:r>
+              <a:rPr lang="en-US" dirty="0"/>
+              <a:t>Number of Fatalities</a:t>
+            </a:r>
+          </a:p>
+          <a:p>
+            <a:endParaRPr lang="en-US" dirty="0"/>
+          </a:p>
+          <a:p>
+            <a:r>
+              <a:rPr lang="en-US" dirty="0"/>
+              <a:t>Age distribution</a:t>
+            </a:r>
+          </a:p>
+          <a:p>
+            <a:endParaRPr lang="en-US" dirty="0"/>
+          </a:p>
+          <a:p>
+            <a:endParaRPr lang="en-US" dirty="0"/>
+          </a:p>
+        </p:txBody>
+      </p:sp>
+      <p:sp>
+        <p:nvSpPr>
+          <p:cNvPr id="4" name="Slide Number Placeholder 3">
+            <a:extLst>
+              <a:ext uri="{FF2B5EF4-FFF2-40B4-BE49-F238E27FC236}">
+                <a16:creationId xmlns:a16="http://schemas.microsoft.com/office/drawing/2014/main" id="{6E904DC4-97ED-4A18-BB8B-DA385CB42AA4}"/>
+              </a:ext>
+            </a:extLst>
+          </p:cNvPr>
+          <p:cNvSpPr>
+            <a:spLocks noGrp="1"/>
+          </p:cNvSpPr>
+          <p:nvPr>
+            <p:ph type="sldNum" sz="quarter" idx="12"/>
+          </p:nvPr>
+        </p:nvSpPr>
+        <p:spPr/>
+        <p:txBody>
+          <a:bodyPr/>
+          <a:lstStyle/>
+          <a:p>
+            <a:fld id="{B311205A-2B12-4C3C-9B44-D13403EC63C4}" type="slidenum">
+              <a:rPr lang="en-US" smtClean="0"/>
+              <a:t>6</a:t>
+            </a:fld>
+            <a:endParaRPr lang="en-US"/>
+          </a:p>
+        </p:txBody>
+      </p:sp>
+    </p:spTree>
+    <p:extLst>
+      <p:ext uri="{BB962C8B-B14F-4D97-AF65-F5344CB8AC3E}">
+        <p14:creationId xmlns:p14="http://schemas.microsoft.com/office/powerpoint/2010/main" val="1381605833"/>
+      </p:ext>
+    </p:extLst>
+  </p:cSld>
+  <p:clrMapOvr>
+    <a:masterClrMapping/>
+  </p:clrMapOvr>
+</p:sld>
+</file>
+
+<file path=ppt/slides/slide7.xml><?xml version="1.0" encoding="utf-8"?>
+<p:sld xmlns:a="http://schemas.openxmlformats.org/drawingml/2006/main" xmlns:r="http://schemas.openxmlformats.org/officeDocument/2006/relationships" xmlns:p="http://schemas.openxmlformats.org/presentationml/2006/main">
+  <p:cSld>
+    <p:spTree>
+      <p:nvGrpSpPr>
+        <p:cNvPr id="1" name=""/>
+        <p:cNvGrpSpPr/>
+        <p:nvPr/>
+      </p:nvGrpSpPr>
+      <p:grpSpPr>
+        <a:xfrm>
+          <a:off x="0" y="0"/>
+          <a:ext cx="0" cy="0"/>
+          <a:chOff x="0" y="0"/>
+          <a:chExt cx="0" cy="0"/>
+        </a:xfrm>
+      </p:grpSpPr>
+      <p:sp>
+        <p:nvSpPr>
+          <p:cNvPr id="2" name="Title 1">
+            <a:extLst>
+              <a:ext uri="{FF2B5EF4-FFF2-40B4-BE49-F238E27FC236}">
+                <a16:creationId xmlns:a16="http://schemas.microsoft.com/office/drawing/2014/main" id="{A3088442-7183-47CB-B5EF-C175260737F6}"/>
+              </a:ext>
+            </a:extLst>
+          </p:cNvPr>
+          <p:cNvSpPr>
+            <a:spLocks noGrp="1"/>
+          </p:cNvSpPr>
+          <p:nvPr>
+            <p:ph type="title"/>
+          </p:nvPr>
+        </p:nvSpPr>
+        <p:spPr>
+          <a:xfrm>
+            <a:off x="3245506" y="943884"/>
+            <a:ext cx="8347873" cy="763525"/>
+          </a:xfrm>
+        </p:spPr>
+        <p:txBody>
+          <a:bodyPr>
+            <a:normAutofit fontScale="90000"/>
+          </a:bodyPr>
+          <a:lstStyle/>
+          <a:p>
+            <a:r>
+              <a:rPr lang="en-US" b="1" dirty="0">
+                <a:solidFill>
+                  <a:schemeClr val="bg1"/>
+                </a:solidFill>
+              </a:rPr>
+              <a:t>Fatalities by State	</a:t>
+            </a:r>
+          </a:p>
+        </p:txBody>
+      </p:sp>
+      <p:sp>
+        <p:nvSpPr>
+          <p:cNvPr id="3" name="Slide Number Placeholder 2">
+            <a:extLst>
+              <a:ext uri="{FF2B5EF4-FFF2-40B4-BE49-F238E27FC236}">
+                <a16:creationId xmlns:a16="http://schemas.microsoft.com/office/drawing/2014/main" id="{18F9B355-27C6-48BD-82EA-3D42637D79D2}"/>
+              </a:ext>
+            </a:extLst>
+          </p:cNvPr>
+          <p:cNvSpPr>
+            <a:spLocks noGrp="1"/>
+          </p:cNvSpPr>
+          <p:nvPr>
+            <p:ph type="sldNum" sz="quarter" idx="12"/>
+          </p:nvPr>
+        </p:nvSpPr>
+        <p:spPr/>
+        <p:txBody>
+          <a:bodyPr/>
+          <a:lstStyle/>
+          <a:p>
+            <a:fld id="{B311205A-2B12-4C3C-9B44-D13403EC63C4}" type="slidenum">
+              <a:rPr lang="en-US" smtClean="0"/>
+              <a:t>7</a:t>
+            </a:fld>
+            <a:endParaRPr lang="en-US"/>
+          </a:p>
+        </p:txBody>
+      </p:sp>
+      <p:pic>
+        <p:nvPicPr>
+          <p:cNvPr id="10" name="Content Placeholder 9">
+            <a:extLst>
+              <a:ext uri="{FF2B5EF4-FFF2-40B4-BE49-F238E27FC236}">
+                <a16:creationId xmlns:a16="http://schemas.microsoft.com/office/drawing/2014/main" id="{72E85C32-2B5B-4154-A21C-10527F33C3E7}"/>
+              </a:ext>
+            </a:extLst>
+          </p:cNvPr>
+          <p:cNvPicPr>
+            <a:picLocks noGrp="1" noChangeAspect="1"/>
+          </p:cNvPicPr>
+          <p:nvPr>
+            <p:ph idx="1"/>
+          </p:nvPr>
+        </p:nvPicPr>
+        <p:blipFill rotWithShape="1">
+          <a:blip r:embed="rId3">
+            <a:extLst>
+              <a:ext uri="{28A0092B-C50C-407E-A947-70E740481C1C}">
+                <a14:useLocalDpi xmlns:a14="http://schemas.microsoft.com/office/drawing/2010/main" val="0"/>
+              </a:ext>
+            </a:extLst>
+          </a:blip>
+          <a:srcRect t="15516" b="10341"/>
+          <a:stretch/>
+        </p:blipFill>
+        <p:spPr>
+          <a:xfrm>
+            <a:off x="3721528" y="2378076"/>
+            <a:ext cx="8048457" cy="3978275"/>
+          </a:xfrm>
+        </p:spPr>
+      </p:pic>
+    </p:spTree>
+    <p:extLst>
+      <p:ext uri="{BB962C8B-B14F-4D97-AF65-F5344CB8AC3E}">
+        <p14:creationId xmlns:p14="http://schemas.microsoft.com/office/powerpoint/2010/main" val="1031673138"/>
+      </p:ext>
+    </p:extLst>
+  </p:cSld>
+  <p:clrMapOvr>
+    <a:masterClrMapping/>
+  </p:clrMapOvr>
+</p:sld>
+</file>
+
+<file path=ppt/slides/slide8.xml><?xml version="1.0" encoding="utf-8"?>
+<p:sld xmlns:a="http://schemas.openxmlformats.org/drawingml/2006/main" xmlns:r="http://schemas.openxmlformats.org/officeDocument/2006/relationships" xmlns:p="http://schemas.openxmlformats.org/presentationml/2006/main">
+  <p:cSld>
+    <p:spTree>
+      <p:nvGrpSpPr>
+        <p:cNvPr id="1" name=""/>
+        <p:cNvGrpSpPr/>
+        <p:nvPr/>
+      </p:nvGrpSpPr>
+      <p:grpSpPr>
+        <a:xfrm>
+          <a:off x="0" y="0"/>
+          <a:ext cx="0" cy="0"/>
+          <a:chOff x="0" y="0"/>
+          <a:chExt cx="0" cy="0"/>
+        </a:xfrm>
+      </p:grpSpPr>
+      <p:sp>
+        <p:nvSpPr>
+          <p:cNvPr id="2" name="Title 1">
+            <a:extLst>
+              <a:ext uri="{FF2B5EF4-FFF2-40B4-BE49-F238E27FC236}">
                 <a16:creationId xmlns:a16="http://schemas.microsoft.com/office/drawing/2014/main" id="{A3088442-7183-47CB-B5EF-C175260737F6}"/>
               </a:ext>
             </a:extLst>
@@ -5190,7 +8447,7 @@
             <p:ph idx="1"/>
             <p:extLst>
               <p:ext uri="{D42A27DB-BD31-4B8C-83A1-F6EECF244321}">
-                <p14:modId xmlns:p14="http://schemas.microsoft.com/office/powerpoint/2010/main" val="114573082"/>
+                <p14:modId xmlns:p14="http://schemas.microsoft.com/office/powerpoint/2010/main" val="1587272057"/>
               </p:ext>
             </p:extLst>
           </p:nvPr>
@@ -5228,7 +8485,11 @@
                     <a:lstStyle/>
                     <a:p>
                       <a:r>
-                        <a:rPr lang="en-US" sz="1600" dirty="0"/>
+                        <a:rPr lang="en-US" sz="1600" dirty="0">
+                          <a:solidFill>
+                            <a:schemeClr val="tx1"/>
+                          </a:solidFill>
+                        </a:rPr>
                         <a:t>State</a:t>
                       </a:r>
                     </a:p>
@@ -5245,7 +8506,11 @@
                     <a:lstStyle/>
                     <a:p>
                       <a:r>
-                        <a:rPr lang="en-US" sz="1600" dirty="0"/>
+                        <a:rPr lang="en-US" sz="1600" dirty="0">
+                          <a:solidFill>
+                            <a:schemeClr val="tx1"/>
+                          </a:solidFill>
+                        </a:rPr>
                         <a:t>Number of Fatalities in Data</a:t>
                       </a:r>
                     </a:p>
@@ -5283,7 +8548,7 @@
                     <a:p>
                       <a:r>
                         <a:rPr lang="en-US" dirty="0"/>
-                        <a:t>124</a:t>
+                        <a:t>129</a:t>
                       </a:r>
                     </a:p>
                   </a:txBody>
@@ -5316,7 +8581,7 @@
                     <a:p>
                       <a:r>
                         <a:rPr lang="en-US" dirty="0"/>
-                        <a:t>119</a:t>
+                        <a:t>127</a:t>
                       </a:r>
                     </a:p>
                   </a:txBody>
@@ -5349,7 +8614,7 @@
                     <a:p>
                       <a:r>
                         <a:rPr lang="en-US" dirty="0"/>
-                        <a:t>59</a:t>
+                        <a:t>60</a:t>
                       </a:r>
                     </a:p>
                   </a:txBody>
@@ -5382,7 +8647,7 @@
                     <a:p>
                       <a:r>
                         <a:rPr lang="en-US" dirty="0"/>
-                        <a:t>47</a:t>
+                        <a:t>49</a:t>
                       </a:r>
                     </a:p>
                   </a:txBody>
@@ -5446,14 +8711,14 @@
           <p:nvPr>
             <p:extLst>
               <p:ext uri="{D42A27DB-BD31-4B8C-83A1-F6EECF244321}">
-                <p14:modId xmlns:p14="http://schemas.microsoft.com/office/powerpoint/2010/main" val="1924585805"/>
+                <p14:modId xmlns:p14="http://schemas.microsoft.com/office/powerpoint/2010/main" val="3653195802"/>
               </p:ext>
             </p:extLst>
           </p:nvPr>
         </p:nvGraphicFramePr>
         <p:xfrm>
           <a:off x="8106410" y="2908681"/>
-          <a:ext cx="3741166" cy="2656840"/>
+          <a:ext cx="3741166" cy="2865120"/>
         </p:xfrm>
         <a:graphic>
           <a:graphicData uri="http://schemas.openxmlformats.org/drawingml/2006/table">
@@ -5484,7 +8749,11 @@
                     <a:lstStyle/>
                     <a:p>
                       <a:r>
-                        <a:rPr lang="en-US" sz="1600" dirty="0"/>
+                        <a:rPr lang="en-US" sz="1600" dirty="0">
+                          <a:solidFill>
+                            <a:schemeClr val="tx1"/>
+                          </a:solidFill>
+                        </a:rPr>
                         <a:t>State</a:t>
                       </a:r>
                     </a:p>
@@ -5501,8 +8770,12 @@
                     <a:lstStyle/>
                     <a:p>
                       <a:r>
-                        <a:rPr lang="en-US" sz="1600" dirty="0"/>
-                        <a:t>Population</a:t>
+                        <a:rPr lang="en-US" sz="1600" dirty="0">
+                          <a:solidFill>
+                            <a:schemeClr val="tx1"/>
+                          </a:solidFill>
+                        </a:rPr>
+                        <a:t>Fatalities per 1M Pop.</a:t>
                       </a:r>
                     </a:p>
                   </a:txBody>
@@ -5515,6 +8788,72 @@
                 <a:extLst>
                   <a:ext uri="{0D108BD9-81ED-4DB2-BD59-A6C34878D82A}">
                     <a16:rowId xmlns:a16="http://schemas.microsoft.com/office/drawing/2014/main" val="3543200142"/>
+                  </a:ext>
+                </a:extLst>
+              </a:tr>
+              <a:tr h="370840">
+                <a:tc>
+                  <a:txBody>
+                    <a:bodyPr/>
+                    <a:lstStyle/>
+                    <a:p>
+                      <a:r>
+                        <a:rPr lang="en-US" dirty="0"/>
+                        <a:t>Florida</a:t>
+                      </a:r>
+                    </a:p>
+                  </a:txBody>
+                  <a:tcPr/>
+                </a:tc>
+                <a:tc>
+                  <a:txBody>
+                    <a:bodyPr/>
+                    <a:lstStyle/>
+                    <a:p>
+                      <a:r>
+                        <a:rPr lang="en-US" dirty="0"/>
+                        <a:t>5.88</a:t>
+                      </a:r>
+                    </a:p>
+                  </a:txBody>
+                  <a:tcPr/>
+                </a:tc>
+                <a:extLst>
+                  <a:ext uri="{0D108BD9-81ED-4DB2-BD59-A6C34878D82A}">
+                    <a16:rowId xmlns:a16="http://schemas.microsoft.com/office/drawing/2014/main" val="1924686917"/>
+                  </a:ext>
+                </a:extLst>
+              </a:tr>
+              <a:tr h="370840">
+                <a:tc>
+                  <a:txBody>
+                    <a:bodyPr/>
+                    <a:lstStyle/>
+                    <a:p>
+                      <a:r>
+                        <a:rPr lang="en-US" dirty="0"/>
+                        <a:t>Arizona</a:t>
+                      </a:r>
+                    </a:p>
+                  </a:txBody>
+                  <a:tcPr/>
+                </a:tc>
+                <a:tc>
+                  <a:txBody>
+                    <a:bodyPr/>
+                    <a:lstStyle/>
+                    <a:p>
+                      <a:r>
+                        <a:rPr lang="en-US" dirty="0"/>
+                        <a:t>4.52</a:t>
+                      </a:r>
+                    </a:p>
+                  </a:txBody>
+                  <a:tcPr/>
+                </a:tc>
+                <a:extLst>
+                  <a:ext uri="{0D108BD9-81ED-4DB2-BD59-A6C34878D82A}">
+                    <a16:rowId xmlns:a16="http://schemas.microsoft.com/office/drawing/2014/main" val="1881735128"/>
                   </a:ext>
                 </a:extLst>
               </a:tr>
@@ -5539,7 +8878,7 @@
                     <a:p>
                       <a:r>
                         <a:rPr lang="en-US" dirty="0"/>
-                        <a:t>39.7 M</a:t>
+                        <a:t>3.25</a:t>
                       </a:r>
                     </a:p>
                   </a:txBody>
@@ -5547,7 +8886,40 @@
                 </a:tc>
                 <a:extLst>
                   <a:ext uri="{0D108BD9-81ED-4DB2-BD59-A6C34878D82A}">
-                    <a16:rowId xmlns:a16="http://schemas.microsoft.com/office/drawing/2014/main" val="1302391072"/>
+                    <a16:rowId xmlns:a16="http://schemas.microsoft.com/office/drawing/2014/main" val="457468762"/>
+                  </a:ext>
+                </a:extLst>
+              </a:tr>
+              <a:tr h="370840">
+                <a:tc>
+                  <a:txBody>
+                    <a:bodyPr/>
+                    <a:lstStyle/>
+                    <a:p>
+                      <a:r>
+                        <a:rPr lang="en-US" dirty="0"/>
+                        <a:t>New York</a:t>
+                      </a:r>
+                    </a:p>
+                  </a:txBody>
+                  <a:tcPr/>
+                </a:tc>
+                <a:tc>
+                  <a:txBody>
+                    <a:bodyPr/>
+                    <a:lstStyle/>
+                    <a:p>
+                      <a:r>
+                        <a:rPr lang="en-US" dirty="0"/>
+                        <a:t>2.51</a:t>
+                      </a:r>
+                    </a:p>
+                  </a:txBody>
+                  <a:tcPr/>
+                </a:tc>
+                <a:extLst>
+                  <a:ext uri="{0D108BD9-81ED-4DB2-BD59-A6C34878D82A}">
+                    <a16:rowId xmlns:a16="http://schemas.microsoft.com/office/drawing/2014/main" val="4075301972"/>
                   </a:ext>
                 </a:extLst>
               </a:tr>
@@ -5572,7 +8944,7 @@
                     <a:p>
                       <a:r>
                         <a:rPr lang="en-US" dirty="0"/>
-                        <a:t>29.0 M</a:t>
+                        <a:t>2.07</a:t>
                       </a:r>
                     </a:p>
                   </a:txBody>
@@ -5580,106 +8952,7 @@
                 </a:tc>
                 <a:extLst>
                   <a:ext uri="{0D108BD9-81ED-4DB2-BD59-A6C34878D82A}">
-                    <a16:rowId xmlns:a16="http://schemas.microsoft.com/office/drawing/2014/main" val="1842595682"/>
-                  </a:ext>
-                </a:extLst>
-              </a:tr>
-              <a:tr h="370840">
-                <a:tc>
-                  <a:txBody>
-                    <a:bodyPr/>
-                    <a:lstStyle/>
-                    <a:p>
-                      <a:r>
-                        <a:rPr lang="en-US" dirty="0"/>
-                        <a:t>Florida</a:t>
-                      </a:r>
-                    </a:p>
-                  </a:txBody>
-                  <a:tcPr/>
-                </a:tc>
-                <a:tc>
-                  <a:txBody>
-                    <a:bodyPr/>
-                    <a:lstStyle/>
-                    <a:p>
-                      <a:r>
-                        <a:rPr lang="en-US" dirty="0"/>
-                        <a:t>21.6 M</a:t>
-                      </a:r>
-                    </a:p>
-                  </a:txBody>
-                  <a:tcPr/>
-                </a:tc>
-                <a:extLst>
-                  <a:ext uri="{0D108BD9-81ED-4DB2-BD59-A6C34878D82A}">
-                    <a16:rowId xmlns:a16="http://schemas.microsoft.com/office/drawing/2014/main" val="1318821594"/>
-                  </a:ext>
-                </a:extLst>
-              </a:tr>
-              <a:tr h="370840">
-                <a:tc>
-                  <a:txBody>
-                    <a:bodyPr/>
-                    <a:lstStyle/>
-                    <a:p>
-                      <a:r>
-                        <a:rPr lang="en-US" dirty="0"/>
-                        <a:t>New York</a:t>
-                      </a:r>
-                    </a:p>
-                  </a:txBody>
-                  <a:tcPr/>
-                </a:tc>
-                <a:tc>
-                  <a:txBody>
-                    <a:bodyPr/>
-                    <a:lstStyle/>
-                    <a:p>
-                      <a:r>
-                        <a:rPr lang="en-US" dirty="0"/>
-                        <a:t>19.5 M</a:t>
-                      </a:r>
-                    </a:p>
-                  </a:txBody>
-                  <a:tcPr/>
-                </a:tc>
-                <a:extLst>
-                  <a:ext uri="{0D108BD9-81ED-4DB2-BD59-A6C34878D82A}">
-                    <a16:rowId xmlns:a16="http://schemas.microsoft.com/office/drawing/2014/main" val="4075301972"/>
-                  </a:ext>
-                </a:extLst>
-              </a:tr>
-              <a:tr h="370840">
-                <a:tc>
-                  <a:txBody>
-                    <a:bodyPr/>
-                    <a:lstStyle/>
-                    <a:p>
-                      <a:r>
-                        <a:rPr lang="en-US" dirty="0"/>
-                        <a:t>Pennsylvania</a:t>
-                      </a:r>
-                    </a:p>
-                  </a:txBody>
-                  <a:tcPr/>
-                </a:tc>
-                <a:tc>
-                  <a:txBody>
-                    <a:bodyPr/>
-                    <a:lstStyle/>
-                    <a:p>
-                      <a:r>
-                        <a:rPr lang="en-US" dirty="0"/>
-                        <a:t>12.8 M</a:t>
-                      </a:r>
-                    </a:p>
-                  </a:txBody>
-                  <a:tcPr/>
-                </a:tc>
-                <a:extLst>
-                  <a:ext uri="{0D108BD9-81ED-4DB2-BD59-A6C34878D82A}">
-                    <a16:rowId xmlns:a16="http://schemas.microsoft.com/office/drawing/2014/main" val="1997806999"/>
+                    <a16:rowId xmlns:a16="http://schemas.microsoft.com/office/drawing/2014/main" val="1443941223"/>
                   </a:ext>
                 </a:extLst>
               </a:tr>
@@ -5749,7 +9022,7 @@
           <a:p>
             <a:fld id="{B311205A-2B12-4C3C-9B44-D13403EC63C4}" type="slidenum">
               <a:rPr lang="en-US" smtClean="0"/>
-              <a:t>12</a:t>
+              <a:t>8</a:t>
             </a:fld>
             <a:endParaRPr lang="en-US"/>
           </a:p>
@@ -5768,7 +9041,7 @@
 </p:sld>
 </file>
 
-<file path=ppt/slides/slide2.xml><?xml version="1.0" encoding="utf-8"?>
+<file path=ppt/slides/slide9.xml><?xml version="1.0" encoding="utf-8"?>
 <p:sld xmlns:a="http://schemas.openxmlformats.org/drawingml/2006/main" xmlns:r="http://schemas.openxmlformats.org/officeDocument/2006/relationships" xmlns:p="http://schemas.openxmlformats.org/presentationml/2006/main">
   <p:cSld>
     <p:spTree>
@@ -5790,1692 +9063,6 @@
           <p:cNvPr id="2" name="Title 1">
             <a:extLst>
               <a:ext uri="{FF2B5EF4-FFF2-40B4-BE49-F238E27FC236}">
-                <a16:creationId xmlns:a16="http://schemas.microsoft.com/office/drawing/2014/main" id="{9E5637E2-70DC-4869-91A3-0300318EEF66}"/>
-              </a:ext>
-            </a:extLst>
-          </p:cNvPr>
-          <p:cNvSpPr>
-            <a:spLocks noGrp="1"/>
-          </p:cNvSpPr>
-          <p:nvPr>
-            <p:ph type="title"/>
-          </p:nvPr>
-        </p:nvSpPr>
-        <p:spPr>
-          <a:xfrm>
-            <a:off x="598621" y="258894"/>
-            <a:ext cx="10994760" cy="985720"/>
-          </a:xfrm>
-        </p:spPr>
-        <p:txBody>
-          <a:bodyPr/>
-          <a:lstStyle/>
-          <a:p>
-            <a:r>
-              <a:rPr lang="en-US" b="1" dirty="0">
-                <a:solidFill>
-                  <a:schemeClr val="bg1"/>
-                </a:solidFill>
-              </a:rPr>
-              <a:t>Data Set</a:t>
-            </a:r>
-          </a:p>
-        </p:txBody>
-      </p:sp>
-      <p:sp>
-        <p:nvSpPr>
-          <p:cNvPr id="3" name="Content Placeholder 2">
-            <a:extLst>
-              <a:ext uri="{FF2B5EF4-FFF2-40B4-BE49-F238E27FC236}">
-                <a16:creationId xmlns:a16="http://schemas.microsoft.com/office/drawing/2014/main" id="{950049A9-4805-4FEB-8FEA-61F349DC323F}"/>
-              </a:ext>
-            </a:extLst>
-          </p:cNvPr>
-          <p:cNvSpPr>
-            <a:spLocks noGrp="1"/>
-          </p:cNvSpPr>
-          <p:nvPr>
-            <p:ph idx="1"/>
-          </p:nvPr>
-        </p:nvSpPr>
-        <p:spPr/>
-        <p:txBody>
-          <a:bodyPr>
-            <a:normAutofit fontScale="77500" lnSpcReduction="20000"/>
-          </a:bodyPr>
-          <a:lstStyle/>
-          <a:p>
-            <a:r>
-              <a:rPr lang="en-US" dirty="0"/>
-              <a:t>A primary objective of the National Highway Traffic Safety Administration (NHTSA) is to reduce fatal motor vehicle traffic crashes. An initiative created by NHTSA is to collect data to support the development, implementation, and assessment of highway traffic to reduce fatalities. </a:t>
-            </a:r>
-          </a:p>
-          <a:p>
-            <a:endParaRPr lang="en-US" dirty="0"/>
-          </a:p>
-          <a:p>
-            <a:r>
-              <a:rPr lang="en-US" dirty="0"/>
-              <a:t>Data points in the set: To qualify as a FARS (Fatality Analysis Reporting System) case, the crash had to involve a motor vehicle traveling on a trafficway customarily open to the public, and must have resulted in the death of a motorist or a non-motorist within 30 days of the crash.</a:t>
-            </a:r>
-          </a:p>
-          <a:p>
-            <a:endParaRPr lang="en-US" dirty="0"/>
-          </a:p>
-        </p:txBody>
-      </p:sp>
-      <p:sp>
-        <p:nvSpPr>
-          <p:cNvPr id="4" name="Slide Number Placeholder 3">
-            <a:extLst>
-              <a:ext uri="{FF2B5EF4-FFF2-40B4-BE49-F238E27FC236}">
-                <a16:creationId xmlns:a16="http://schemas.microsoft.com/office/drawing/2014/main" id="{BF11A3B3-0F17-4CDF-9FE3-0E8229BC9810}"/>
-              </a:ext>
-            </a:extLst>
-          </p:cNvPr>
-          <p:cNvSpPr>
-            <a:spLocks noGrp="1"/>
-          </p:cNvSpPr>
-          <p:nvPr>
-            <p:ph type="sldNum" sz="quarter" idx="12"/>
-          </p:nvPr>
-        </p:nvSpPr>
-        <p:spPr/>
-        <p:txBody>
-          <a:bodyPr/>
-          <a:lstStyle/>
-          <a:p>
-            <a:fld id="{B311205A-2B12-4C3C-9B44-D13403EC63C4}" type="slidenum">
-              <a:rPr lang="en-US" smtClean="0"/>
-              <a:t>2</a:t>
-            </a:fld>
-            <a:endParaRPr lang="en-US"/>
-          </a:p>
-        </p:txBody>
-      </p:sp>
-    </p:spTree>
-    <p:extLst>
-      <p:ext uri="{BB962C8B-B14F-4D97-AF65-F5344CB8AC3E}">
-        <p14:creationId xmlns:p14="http://schemas.microsoft.com/office/powerpoint/2010/main" val="1552060446"/>
-      </p:ext>
-    </p:extLst>
-  </p:cSld>
-  <p:clrMapOvr>
-    <a:masterClrMapping/>
-  </p:clrMapOvr>
-</p:sld>
-</file>
-
-<file path=ppt/slides/slide3.xml><?xml version="1.0" encoding="utf-8"?>
-<p:sld xmlns:a="http://schemas.openxmlformats.org/drawingml/2006/main" xmlns:r="http://schemas.openxmlformats.org/officeDocument/2006/relationships" xmlns:p="http://schemas.openxmlformats.org/presentationml/2006/main">
-  <p:cSld>
-    <p:spTree>
-      <p:nvGrpSpPr>
-        <p:cNvPr id="1" name=""/>
-        <p:cNvGrpSpPr/>
-        <p:nvPr/>
-      </p:nvGrpSpPr>
-      <p:grpSpPr>
-        <a:xfrm>
-          <a:off x="0" y="0"/>
-          <a:ext cx="0" cy="0"/>
-          <a:chOff x="0" y="0"/>
-          <a:chExt cx="0" cy="0"/>
-        </a:xfrm>
-      </p:grpSpPr>
-      <p:sp>
-        <p:nvSpPr>
-          <p:cNvPr id="3" name="Content Placeholder 2">
-            <a:extLst>
-              <a:ext uri="{FF2B5EF4-FFF2-40B4-BE49-F238E27FC236}">
-                <a16:creationId xmlns:a16="http://schemas.microsoft.com/office/drawing/2014/main" id="{64390837-42D8-435D-855B-52CBF5945A0E}"/>
-              </a:ext>
-            </a:extLst>
-          </p:cNvPr>
-          <p:cNvSpPr>
-            <a:spLocks noGrp="1"/>
-          </p:cNvSpPr>
-          <p:nvPr>
-            <p:ph idx="1"/>
-          </p:nvPr>
-        </p:nvSpPr>
-        <p:spPr/>
-        <p:txBody>
-          <a:bodyPr/>
-          <a:lstStyle/>
-          <a:p>
-            <a:pPr marL="0" indent="0">
-              <a:buNone/>
-            </a:pPr>
-            <a:r>
-              <a:rPr lang="en-US" u="sng" dirty="0"/>
-              <a:t>Hypothesis analyzed</a:t>
-            </a:r>
-            <a:r>
-              <a:rPr lang="en-US" dirty="0"/>
-              <a:t>:</a:t>
-            </a:r>
-          </a:p>
-          <a:p>
-            <a:r>
-              <a:rPr lang="en-US" dirty="0"/>
-              <a:t>Bicyclists travelling during </a:t>
-            </a:r>
-            <a:r>
-              <a:rPr lang="en-US" b="1" dirty="0"/>
-              <a:t>rush hour </a:t>
-            </a:r>
-            <a:r>
-              <a:rPr lang="en-US" dirty="0"/>
-              <a:t>in </a:t>
-            </a:r>
-            <a:r>
-              <a:rPr lang="en-US" b="1" dirty="0"/>
-              <a:t>urban areas </a:t>
-            </a:r>
-            <a:r>
-              <a:rPr lang="en-US" dirty="0"/>
-              <a:t>in the </a:t>
-            </a:r>
-            <a:r>
-              <a:rPr lang="en-US" b="1" dirty="0"/>
-              <a:t>evening</a:t>
-            </a:r>
-            <a:r>
-              <a:rPr lang="en-US" dirty="0"/>
-              <a:t> are at a higher risk of fatal accidents. </a:t>
-            </a:r>
-          </a:p>
-          <a:p>
-            <a:pPr marL="0" indent="0">
-              <a:buNone/>
-            </a:pPr>
-            <a:r>
-              <a:rPr lang="en-US" u="sng" dirty="0"/>
-              <a:t>Key factors considered</a:t>
-            </a:r>
-            <a:r>
-              <a:rPr lang="en-US" dirty="0"/>
-              <a:t>:</a:t>
-            </a:r>
-          </a:p>
-          <a:p>
-            <a:r>
-              <a:rPr lang="en-US" dirty="0"/>
-              <a:t>Time of day</a:t>
-            </a:r>
-          </a:p>
-          <a:p>
-            <a:r>
-              <a:rPr lang="en-US" dirty="0"/>
-              <a:t>Type of environment</a:t>
-            </a:r>
-          </a:p>
-          <a:p>
-            <a:endParaRPr lang="en-US" dirty="0"/>
-          </a:p>
-        </p:txBody>
-      </p:sp>
-      <p:sp>
-        <p:nvSpPr>
-          <p:cNvPr id="6" name="Title 1">
-            <a:extLst>
-              <a:ext uri="{FF2B5EF4-FFF2-40B4-BE49-F238E27FC236}">
-                <a16:creationId xmlns:a16="http://schemas.microsoft.com/office/drawing/2014/main" id="{AC5C526C-530B-499B-9CC9-3CB033A8B86D}"/>
-              </a:ext>
-            </a:extLst>
-          </p:cNvPr>
-          <p:cNvSpPr txBox="1">
-            <a:spLocks/>
-          </p:cNvSpPr>
-          <p:nvPr/>
-        </p:nvSpPr>
-        <p:spPr>
-          <a:xfrm>
-            <a:off x="412375" y="164706"/>
-            <a:ext cx="11525941" cy="1243811"/>
-          </a:xfrm>
-          <a:prstGeom prst="rect">
-            <a:avLst/>
-          </a:prstGeom>
-        </p:spPr>
-        <p:txBody>
-          <a:bodyPr vert="horz" lIns="91440" tIns="45720" rIns="91440" bIns="45720" rtlCol="0" anchor="ctr">
-            <a:noAutofit/>
-          </a:bodyPr>
-          <a:lstStyle>
-            <a:lvl1pPr algn="r" defTabSz="1219170" rtl="0" eaLnBrk="1" latinLnBrk="0" hangingPunct="1">
-              <a:spcBef>
-                <a:spcPct val="0"/>
-              </a:spcBef>
-              <a:buNone/>
-              <a:defRPr sz="4800" kern="1200" baseline="0">
-                <a:solidFill>
-                  <a:srgbClr val="002060"/>
-                </a:solidFill>
-                <a:effectLst>
-                  <a:outerShdw blurRad="50800" dist="38100" dir="2700000" algn="tl" rotWithShape="0">
-                    <a:prstClr val="black">
-                      <a:alpha val="40000"/>
-                    </a:prstClr>
-                  </a:outerShdw>
-                </a:effectLst>
-                <a:latin typeface="+mj-lt"/>
-                <a:ea typeface="+mj-ea"/>
-                <a:cs typeface="+mj-cs"/>
-              </a:defRPr>
-            </a:lvl1pPr>
-          </a:lstStyle>
-          <a:p>
-            <a:r>
-              <a:rPr lang="en-US" sz="4400" b="1" dirty="0">
-                <a:solidFill>
-                  <a:schemeClr val="bg1"/>
-                </a:solidFill>
-              </a:rPr>
-              <a:t>What Factors Contribute to a Higher </a:t>
-            </a:r>
-          </a:p>
-          <a:p>
-            <a:r>
-              <a:rPr lang="en-US" sz="4400" b="1" dirty="0">
-                <a:solidFill>
-                  <a:schemeClr val="bg1"/>
-                </a:solidFill>
-              </a:rPr>
-              <a:t>Risk of Bicycle Fatalities?</a:t>
-            </a:r>
-          </a:p>
-        </p:txBody>
-      </p:sp>
-      <p:sp>
-        <p:nvSpPr>
-          <p:cNvPr id="2" name="Slide Number Placeholder 1">
-            <a:extLst>
-              <a:ext uri="{FF2B5EF4-FFF2-40B4-BE49-F238E27FC236}">
-                <a16:creationId xmlns:a16="http://schemas.microsoft.com/office/drawing/2014/main" id="{2A6CB1EC-DF59-48B0-9A3D-CF71D27D5CDF}"/>
-              </a:ext>
-            </a:extLst>
-          </p:cNvPr>
-          <p:cNvSpPr>
-            <a:spLocks noGrp="1"/>
-          </p:cNvSpPr>
-          <p:nvPr>
-            <p:ph type="sldNum" sz="quarter" idx="12"/>
-          </p:nvPr>
-        </p:nvSpPr>
-        <p:spPr/>
-        <p:txBody>
-          <a:bodyPr/>
-          <a:lstStyle/>
-          <a:p>
-            <a:fld id="{B311205A-2B12-4C3C-9B44-D13403EC63C4}" type="slidenum">
-              <a:rPr lang="en-US" smtClean="0"/>
-              <a:t>3</a:t>
-            </a:fld>
-            <a:endParaRPr lang="en-US"/>
-          </a:p>
-        </p:txBody>
-      </p:sp>
-    </p:spTree>
-    <p:extLst>
-      <p:ext uri="{BB962C8B-B14F-4D97-AF65-F5344CB8AC3E}">
-        <p14:creationId xmlns:p14="http://schemas.microsoft.com/office/powerpoint/2010/main" val="1141156376"/>
-      </p:ext>
-    </p:extLst>
-  </p:cSld>
-  <p:clrMapOvr>
-    <a:masterClrMapping/>
-  </p:clrMapOvr>
-</p:sld>
-</file>
-
-<file path=ppt/slides/slide4.xml><?xml version="1.0" encoding="utf-8"?>
-<p:sld xmlns:a="http://schemas.openxmlformats.org/drawingml/2006/main" xmlns:r="http://schemas.openxmlformats.org/officeDocument/2006/relationships" xmlns:p="http://schemas.openxmlformats.org/presentationml/2006/main">
-  <p:cSld>
-    <p:spTree>
-      <p:nvGrpSpPr>
-        <p:cNvPr id="1" name=""/>
-        <p:cNvGrpSpPr/>
-        <p:nvPr/>
-      </p:nvGrpSpPr>
-      <p:grpSpPr>
-        <a:xfrm>
-          <a:off x="0" y="0"/>
-          <a:ext cx="0" cy="0"/>
-          <a:chOff x="0" y="0"/>
-          <a:chExt cx="0" cy="0"/>
-        </a:xfrm>
-      </p:grpSpPr>
-      <p:sp>
-        <p:nvSpPr>
-          <p:cNvPr id="3" name="Content Placeholder 2">
-            <a:extLst>
-              <a:ext uri="{FF2B5EF4-FFF2-40B4-BE49-F238E27FC236}">
-                <a16:creationId xmlns:a16="http://schemas.microsoft.com/office/drawing/2014/main" id="{B97A95E2-E515-40A0-8699-AA74FE32F88E}"/>
-              </a:ext>
-            </a:extLst>
-          </p:cNvPr>
-          <p:cNvSpPr>
-            <a:spLocks noGrp="1"/>
-          </p:cNvSpPr>
-          <p:nvPr>
-            <p:ph idx="1"/>
-          </p:nvPr>
-        </p:nvSpPr>
-        <p:spPr/>
-        <p:txBody>
-          <a:bodyPr>
-            <a:normAutofit lnSpcReduction="10000"/>
-          </a:bodyPr>
-          <a:lstStyle/>
-          <a:p>
-            <a:pPr marL="0" indent="0">
-              <a:buNone/>
-            </a:pPr>
-            <a:r>
-              <a:rPr lang="en-US" u="sng" dirty="0"/>
-              <a:t>Other factors considered:</a:t>
-            </a:r>
-          </a:p>
-          <a:p>
-            <a:r>
-              <a:rPr lang="en-US" dirty="0"/>
-              <a:t>Day of the week</a:t>
-            </a:r>
-          </a:p>
-          <a:p>
-            <a:r>
-              <a:rPr lang="en-US" dirty="0"/>
-              <a:t>Gender of bicyclist</a:t>
-            </a:r>
-          </a:p>
-          <a:p>
-            <a:r>
-              <a:rPr lang="en-US" dirty="0"/>
-              <a:t>Involvement of alcohol</a:t>
-            </a:r>
-          </a:p>
-          <a:p>
-            <a:r>
-              <a:rPr lang="en-US" dirty="0"/>
-              <a:t>Direction of travel (bicyclist vs. traffic)</a:t>
-            </a:r>
-          </a:p>
-          <a:p>
-            <a:r>
-              <a:rPr lang="en-US" dirty="0"/>
-              <a:t>Cause of accident</a:t>
-            </a:r>
-          </a:p>
-          <a:p>
-            <a:r>
-              <a:rPr lang="en-US" dirty="0"/>
-              <a:t>Weather conditions</a:t>
-            </a:r>
-          </a:p>
-        </p:txBody>
-      </p:sp>
-      <p:sp>
-        <p:nvSpPr>
-          <p:cNvPr id="7" name="Title 1">
-            <a:extLst>
-              <a:ext uri="{FF2B5EF4-FFF2-40B4-BE49-F238E27FC236}">
-                <a16:creationId xmlns:a16="http://schemas.microsoft.com/office/drawing/2014/main" id="{D0993A81-114F-4D81-BF1E-887B7C38F118}"/>
-              </a:ext>
-            </a:extLst>
-          </p:cNvPr>
-          <p:cNvSpPr txBox="1">
-            <a:spLocks/>
-          </p:cNvSpPr>
-          <p:nvPr/>
-        </p:nvSpPr>
-        <p:spPr>
-          <a:xfrm>
-            <a:off x="412375" y="164706"/>
-            <a:ext cx="11525941" cy="1243811"/>
-          </a:xfrm>
-          <a:prstGeom prst="rect">
-            <a:avLst/>
-          </a:prstGeom>
-        </p:spPr>
-        <p:txBody>
-          <a:bodyPr vert="horz" lIns="91440" tIns="45720" rIns="91440" bIns="45720" rtlCol="0" anchor="ctr">
-            <a:noAutofit/>
-          </a:bodyPr>
-          <a:lstStyle>
-            <a:lvl1pPr algn="r" defTabSz="1219170" rtl="0" eaLnBrk="1" latinLnBrk="0" hangingPunct="1">
-              <a:spcBef>
-                <a:spcPct val="0"/>
-              </a:spcBef>
-              <a:buNone/>
-              <a:defRPr sz="4800" kern="1200" baseline="0">
-                <a:solidFill>
-                  <a:srgbClr val="002060"/>
-                </a:solidFill>
-                <a:effectLst>
-                  <a:outerShdw blurRad="50800" dist="38100" dir="2700000" algn="tl" rotWithShape="0">
-                    <a:prstClr val="black">
-                      <a:alpha val="40000"/>
-                    </a:prstClr>
-                  </a:outerShdw>
-                </a:effectLst>
-                <a:latin typeface="+mj-lt"/>
-                <a:ea typeface="+mj-ea"/>
-                <a:cs typeface="+mj-cs"/>
-              </a:defRPr>
-            </a:lvl1pPr>
-          </a:lstStyle>
-          <a:p>
-            <a:r>
-              <a:rPr lang="en-US" sz="4400" b="1" dirty="0">
-                <a:solidFill>
-                  <a:schemeClr val="bg1"/>
-                </a:solidFill>
-              </a:rPr>
-              <a:t>What Factors Contribute to a Higher </a:t>
-            </a:r>
-          </a:p>
-          <a:p>
-            <a:r>
-              <a:rPr lang="en-US" sz="4400" b="1" dirty="0">
-                <a:solidFill>
-                  <a:schemeClr val="bg1"/>
-                </a:solidFill>
-              </a:rPr>
-              <a:t>Risk of Bicycle Fatalities?</a:t>
-            </a:r>
-          </a:p>
-        </p:txBody>
-      </p:sp>
-      <p:sp>
-        <p:nvSpPr>
-          <p:cNvPr id="2" name="Slide Number Placeholder 1">
-            <a:extLst>
-              <a:ext uri="{FF2B5EF4-FFF2-40B4-BE49-F238E27FC236}">
-                <a16:creationId xmlns:a16="http://schemas.microsoft.com/office/drawing/2014/main" id="{AE8E0642-4C81-41B1-87E7-74CC2BF18443}"/>
-              </a:ext>
-            </a:extLst>
-          </p:cNvPr>
-          <p:cNvSpPr>
-            <a:spLocks noGrp="1"/>
-          </p:cNvSpPr>
-          <p:nvPr>
-            <p:ph type="sldNum" sz="quarter" idx="12"/>
-          </p:nvPr>
-        </p:nvSpPr>
-        <p:spPr/>
-        <p:txBody>
-          <a:bodyPr/>
-          <a:lstStyle/>
-          <a:p>
-            <a:fld id="{B311205A-2B12-4C3C-9B44-D13403EC63C4}" type="slidenum">
-              <a:rPr lang="en-US" smtClean="0"/>
-              <a:t>4</a:t>
-            </a:fld>
-            <a:endParaRPr lang="en-US"/>
-          </a:p>
-        </p:txBody>
-      </p:sp>
-    </p:spTree>
-    <p:extLst>
-      <p:ext uri="{BB962C8B-B14F-4D97-AF65-F5344CB8AC3E}">
-        <p14:creationId xmlns:p14="http://schemas.microsoft.com/office/powerpoint/2010/main" val="2136803843"/>
-      </p:ext>
-    </p:extLst>
-  </p:cSld>
-  <p:clrMapOvr>
-    <a:masterClrMapping/>
-  </p:clrMapOvr>
-</p:sld>
-</file>
-
-<file path=ppt/slides/slide5.xml><?xml version="1.0" encoding="utf-8"?>
-<p:sld xmlns:a="http://schemas.openxmlformats.org/drawingml/2006/main" xmlns:r="http://schemas.openxmlformats.org/officeDocument/2006/relationships" xmlns:p="http://schemas.openxmlformats.org/presentationml/2006/main">
-  <p:cSld>
-    <p:spTree>
-      <p:nvGrpSpPr>
-        <p:cNvPr id="1" name=""/>
-        <p:cNvGrpSpPr/>
-        <p:nvPr/>
-      </p:nvGrpSpPr>
-      <p:grpSpPr>
-        <a:xfrm>
-          <a:off x="0" y="0"/>
-          <a:ext cx="0" cy="0"/>
-          <a:chOff x="0" y="0"/>
-          <a:chExt cx="0" cy="0"/>
-        </a:xfrm>
-      </p:grpSpPr>
-      <p:sp>
-        <p:nvSpPr>
-          <p:cNvPr id="2" name="Title 1">
-            <a:extLst>
-              <a:ext uri="{FF2B5EF4-FFF2-40B4-BE49-F238E27FC236}">
-                <a16:creationId xmlns:a16="http://schemas.microsoft.com/office/drawing/2014/main" id="{331F9AD2-7013-4FFA-B3D2-64E0CDA64476}"/>
-              </a:ext>
-            </a:extLst>
-          </p:cNvPr>
-          <p:cNvSpPr>
-            <a:spLocks noGrp="1"/>
-          </p:cNvSpPr>
-          <p:nvPr>
-            <p:ph type="title"/>
-          </p:nvPr>
-        </p:nvSpPr>
-        <p:spPr>
-          <a:xfrm>
-            <a:off x="598621" y="226619"/>
-            <a:ext cx="11270650" cy="985720"/>
-          </a:xfrm>
-        </p:spPr>
-        <p:txBody>
-          <a:bodyPr/>
-          <a:lstStyle/>
-          <a:p>
-            <a:r>
-              <a:rPr lang="en-US" b="1" dirty="0">
-                <a:solidFill>
-                  <a:schemeClr val="bg1"/>
-                </a:solidFill>
-              </a:rPr>
-              <a:t>Data Fields of Interest</a:t>
-            </a:r>
-          </a:p>
-        </p:txBody>
-      </p:sp>
-      <p:sp>
-        <p:nvSpPr>
-          <p:cNvPr id="3" name="Content Placeholder 2">
-            <a:extLst>
-              <a:ext uri="{FF2B5EF4-FFF2-40B4-BE49-F238E27FC236}">
-                <a16:creationId xmlns:a16="http://schemas.microsoft.com/office/drawing/2014/main" id="{D583CE3F-243E-420A-9DA9-20BB1AB3E4D9}"/>
-              </a:ext>
-            </a:extLst>
-          </p:cNvPr>
-          <p:cNvSpPr>
-            <a:spLocks noGrp="1"/>
-          </p:cNvSpPr>
-          <p:nvPr>
-            <p:ph idx="1"/>
-          </p:nvPr>
-        </p:nvSpPr>
-        <p:spPr>
-          <a:xfrm>
-            <a:off x="598621" y="1800147"/>
-            <a:ext cx="3058979" cy="4479343"/>
-          </a:xfrm>
-        </p:spPr>
-        <p:txBody>
-          <a:bodyPr>
-            <a:normAutofit/>
-          </a:bodyPr>
-          <a:lstStyle/>
-          <a:p>
-            <a:r>
-              <a:rPr lang="en-US" sz="2000" dirty="0" err="1"/>
-              <a:t>STATE.x</a:t>
-            </a:r>
-            <a:endParaRPr lang="en-US" sz="2000" dirty="0"/>
-          </a:p>
-          <a:p>
-            <a:r>
-              <a:rPr lang="en-US" sz="2000" dirty="0"/>
-              <a:t>ST_CASE</a:t>
-            </a:r>
-          </a:p>
-          <a:p>
-            <a:r>
-              <a:rPr lang="en-US" sz="2000" dirty="0"/>
-              <a:t>PER_NO</a:t>
-            </a:r>
-          </a:p>
-          <a:p>
-            <a:r>
-              <a:rPr lang="en-US" sz="2000" dirty="0"/>
-              <a:t>PBPTYPE</a:t>
-            </a:r>
-          </a:p>
-          <a:p>
-            <a:r>
-              <a:rPr lang="en-US" sz="2000" dirty="0"/>
-              <a:t>PBAGE</a:t>
-            </a:r>
-          </a:p>
-          <a:p>
-            <a:r>
-              <a:rPr lang="en-US" sz="2000" dirty="0"/>
-              <a:t>PBSEX</a:t>
-            </a:r>
-          </a:p>
-          <a:p>
-            <a:r>
-              <a:rPr lang="en-US" sz="2000" dirty="0"/>
-              <a:t>PBCWALK</a:t>
-            </a:r>
-          </a:p>
-          <a:p>
-            <a:r>
-              <a:rPr lang="en-US" sz="2000" dirty="0"/>
-              <a:t>PBSWALK</a:t>
-            </a:r>
-          </a:p>
-          <a:p>
-            <a:r>
-              <a:rPr lang="en-US" sz="2000" dirty="0"/>
-              <a:t>PBSZONE</a:t>
-            </a:r>
-          </a:p>
-          <a:p>
-            <a:r>
-              <a:rPr lang="en-US" sz="2000" dirty="0"/>
-              <a:t>BIKECYTPE</a:t>
-            </a:r>
-          </a:p>
-          <a:p>
-            <a:r>
-              <a:rPr lang="en-US" sz="2000" dirty="0"/>
-              <a:t>BIKELOC</a:t>
-            </a:r>
-          </a:p>
-          <a:p>
-            <a:r>
-              <a:rPr lang="en-US" sz="2000" dirty="0"/>
-              <a:t>BIKEPOS</a:t>
-            </a:r>
-          </a:p>
-        </p:txBody>
-      </p:sp>
-      <p:sp>
-        <p:nvSpPr>
-          <p:cNvPr id="4" name="Content Placeholder 2">
-            <a:extLst>
-              <a:ext uri="{FF2B5EF4-FFF2-40B4-BE49-F238E27FC236}">
-                <a16:creationId xmlns:a16="http://schemas.microsoft.com/office/drawing/2014/main" id="{A58B5490-C014-4513-A332-FE7264DC86A8}"/>
-              </a:ext>
-            </a:extLst>
-          </p:cNvPr>
-          <p:cNvSpPr txBox="1">
-            <a:spLocks/>
-          </p:cNvSpPr>
-          <p:nvPr/>
-        </p:nvSpPr>
-        <p:spPr>
-          <a:xfrm>
-            <a:off x="3253946" y="1800144"/>
-            <a:ext cx="3058979" cy="4479343"/>
-          </a:xfrm>
-          <a:prstGeom prst="rect">
-            <a:avLst/>
-          </a:prstGeom>
-        </p:spPr>
-        <p:txBody>
-          <a:bodyPr vert="horz" lIns="91440" tIns="45720" rIns="91440" bIns="45720" rtlCol="0">
-            <a:normAutofit/>
-          </a:bodyPr>
-          <a:lstStyle>
-            <a:lvl1pPr marL="457189" indent="-457189" algn="l" defTabSz="1219170" rtl="0" eaLnBrk="1" latinLnBrk="0" hangingPunct="1">
-              <a:spcBef>
-                <a:spcPct val="20000"/>
-              </a:spcBef>
-              <a:buFont typeface="Arial" pitchFamily="34" charset="0"/>
-              <a:buChar char="•"/>
-              <a:defRPr sz="3733" kern="1200">
-                <a:solidFill>
-                  <a:schemeClr val="bg1"/>
-                </a:solidFill>
-                <a:latin typeface="+mn-lt"/>
-                <a:ea typeface="+mn-ea"/>
-                <a:cs typeface="+mn-cs"/>
-              </a:defRPr>
-            </a:lvl1pPr>
-            <a:lvl2pPr marL="990575" indent="-380990" algn="l" defTabSz="1219170" rtl="0" eaLnBrk="1" latinLnBrk="0" hangingPunct="1">
-              <a:spcBef>
-                <a:spcPct val="20000"/>
-              </a:spcBef>
-              <a:buFont typeface="Arial" pitchFamily="34" charset="0"/>
-              <a:buChar char="–"/>
-              <a:defRPr sz="3733" kern="1200">
-                <a:solidFill>
-                  <a:schemeClr val="bg1"/>
-                </a:solidFill>
-                <a:latin typeface="+mn-lt"/>
-                <a:ea typeface="+mn-ea"/>
-                <a:cs typeface="+mn-cs"/>
-              </a:defRPr>
-            </a:lvl2pPr>
-            <a:lvl3pPr marL="1523962" indent="-304792" algn="l" defTabSz="1219170" rtl="0" eaLnBrk="1" latinLnBrk="0" hangingPunct="1">
-              <a:spcBef>
-                <a:spcPct val="20000"/>
-              </a:spcBef>
-              <a:buFont typeface="Arial" pitchFamily="34" charset="0"/>
-              <a:buChar char="•"/>
-              <a:defRPr sz="3200" kern="1200">
-                <a:solidFill>
-                  <a:schemeClr val="bg1"/>
-                </a:solidFill>
-                <a:latin typeface="+mn-lt"/>
-                <a:ea typeface="+mn-ea"/>
-                <a:cs typeface="+mn-cs"/>
-              </a:defRPr>
-            </a:lvl3pPr>
-            <a:lvl4pPr marL="2133547" indent="-304792" algn="l" defTabSz="1219170" rtl="0" eaLnBrk="1" latinLnBrk="0" hangingPunct="1">
-              <a:spcBef>
-                <a:spcPct val="20000"/>
-              </a:spcBef>
-              <a:buFont typeface="Arial" pitchFamily="34" charset="0"/>
-              <a:buChar char="–"/>
-              <a:defRPr sz="2667" kern="1200">
-                <a:solidFill>
-                  <a:schemeClr val="bg1"/>
-                </a:solidFill>
-                <a:latin typeface="+mn-lt"/>
-                <a:ea typeface="+mn-ea"/>
-                <a:cs typeface="+mn-cs"/>
-              </a:defRPr>
-            </a:lvl4pPr>
-            <a:lvl5pPr marL="2743131" indent="-304792" algn="l" defTabSz="1219170" rtl="0" eaLnBrk="1" latinLnBrk="0" hangingPunct="1">
-              <a:spcBef>
-                <a:spcPct val="20000"/>
-              </a:spcBef>
-              <a:buFont typeface="Arial" pitchFamily="34" charset="0"/>
-              <a:buChar char="»"/>
-              <a:defRPr sz="2667" kern="1200">
-                <a:solidFill>
-                  <a:schemeClr val="bg1"/>
-                </a:solidFill>
-                <a:latin typeface="+mn-lt"/>
-                <a:ea typeface="+mn-ea"/>
-                <a:cs typeface="+mn-cs"/>
-              </a:defRPr>
-            </a:lvl5pPr>
-            <a:lvl6pPr marL="3352716" indent="-304792" algn="l" defTabSz="1219170" rtl="0" eaLnBrk="1" latinLnBrk="0" hangingPunct="1">
-              <a:spcBef>
-                <a:spcPct val="20000"/>
-              </a:spcBef>
-              <a:buFont typeface="Arial" pitchFamily="34" charset="0"/>
-              <a:buChar char="•"/>
-              <a:defRPr sz="2667" kern="1200">
-                <a:solidFill>
-                  <a:schemeClr val="tx1"/>
-                </a:solidFill>
-                <a:latin typeface="+mn-lt"/>
-                <a:ea typeface="+mn-ea"/>
-                <a:cs typeface="+mn-cs"/>
-              </a:defRPr>
-            </a:lvl6pPr>
-            <a:lvl7pPr marL="3962301" indent="-304792" algn="l" defTabSz="1219170" rtl="0" eaLnBrk="1" latinLnBrk="0" hangingPunct="1">
-              <a:spcBef>
-                <a:spcPct val="20000"/>
-              </a:spcBef>
-              <a:buFont typeface="Arial" pitchFamily="34" charset="0"/>
-              <a:buChar char="•"/>
-              <a:defRPr sz="2667" kern="1200">
-                <a:solidFill>
-                  <a:schemeClr val="tx1"/>
-                </a:solidFill>
-                <a:latin typeface="+mn-lt"/>
-                <a:ea typeface="+mn-ea"/>
-                <a:cs typeface="+mn-cs"/>
-              </a:defRPr>
-            </a:lvl7pPr>
-            <a:lvl8pPr marL="4571886" indent="-304792" algn="l" defTabSz="1219170" rtl="0" eaLnBrk="1" latinLnBrk="0" hangingPunct="1">
-              <a:spcBef>
-                <a:spcPct val="20000"/>
-              </a:spcBef>
-              <a:buFont typeface="Arial" pitchFamily="34" charset="0"/>
-              <a:buChar char="•"/>
-              <a:defRPr sz="2667" kern="1200">
-                <a:solidFill>
-                  <a:schemeClr val="tx1"/>
-                </a:solidFill>
-                <a:latin typeface="+mn-lt"/>
-                <a:ea typeface="+mn-ea"/>
-                <a:cs typeface="+mn-cs"/>
-              </a:defRPr>
-            </a:lvl8pPr>
-            <a:lvl9pPr marL="5181470" indent="-304792" algn="l" defTabSz="1219170" rtl="0" eaLnBrk="1" latinLnBrk="0" hangingPunct="1">
-              <a:spcBef>
-                <a:spcPct val="20000"/>
-              </a:spcBef>
-              <a:buFont typeface="Arial" pitchFamily="34" charset="0"/>
-              <a:buChar char="•"/>
-              <a:defRPr sz="2667" kern="1200">
-                <a:solidFill>
-                  <a:schemeClr val="tx1"/>
-                </a:solidFill>
-                <a:latin typeface="+mn-lt"/>
-                <a:ea typeface="+mn-ea"/>
-                <a:cs typeface="+mn-cs"/>
-              </a:defRPr>
-            </a:lvl9pPr>
-          </a:lstStyle>
-          <a:p>
-            <a:r>
-              <a:rPr lang="en-US" sz="2000" dirty="0"/>
-              <a:t>BIKEDIR</a:t>
-            </a:r>
-          </a:p>
-          <a:p>
-            <a:r>
-              <a:rPr lang="en-US" sz="2000" dirty="0"/>
-              <a:t>BIKECGP</a:t>
-            </a:r>
-          </a:p>
-          <a:p>
-            <a:r>
-              <a:rPr lang="en-US" sz="2000" dirty="0"/>
-              <a:t>DAY</a:t>
-            </a:r>
-          </a:p>
-          <a:p>
-            <a:r>
-              <a:rPr lang="en-US" sz="2000" dirty="0"/>
-              <a:t>MONTH</a:t>
-            </a:r>
-          </a:p>
-          <a:p>
-            <a:r>
-              <a:rPr lang="en-US" sz="2000" dirty="0"/>
-              <a:t>YEAR</a:t>
-            </a:r>
-          </a:p>
-          <a:p>
-            <a:r>
-              <a:rPr lang="en-US" sz="2000" dirty="0"/>
-              <a:t>DAY_WEEK</a:t>
-            </a:r>
-          </a:p>
-          <a:p>
-            <a:r>
-              <a:rPr lang="en-US" sz="2000" dirty="0"/>
-              <a:t>HOUR</a:t>
-            </a:r>
-          </a:p>
-          <a:p>
-            <a:r>
-              <a:rPr lang="en-US" sz="2000" dirty="0"/>
-              <a:t>MINUTE</a:t>
-            </a:r>
-          </a:p>
-          <a:p>
-            <a:r>
-              <a:rPr lang="en-US" sz="2000" dirty="0"/>
-              <a:t>RUR_URB</a:t>
-            </a:r>
-          </a:p>
-          <a:p>
-            <a:r>
-              <a:rPr lang="en-US" sz="2000" dirty="0"/>
-              <a:t>FUNC_SYS</a:t>
-            </a:r>
-          </a:p>
-          <a:p>
-            <a:r>
-              <a:rPr lang="en-US" sz="2000" dirty="0"/>
-              <a:t>TWAY_ID</a:t>
-            </a:r>
-          </a:p>
-          <a:p>
-            <a:r>
-              <a:rPr lang="en-US" sz="2000" dirty="0"/>
-              <a:t>TWAY_ID2</a:t>
-            </a:r>
-          </a:p>
-        </p:txBody>
-      </p:sp>
-      <p:sp>
-        <p:nvSpPr>
-          <p:cNvPr id="5" name="Content Placeholder 2">
-            <a:extLst>
-              <a:ext uri="{FF2B5EF4-FFF2-40B4-BE49-F238E27FC236}">
-                <a16:creationId xmlns:a16="http://schemas.microsoft.com/office/drawing/2014/main" id="{D4B71E3E-B5B3-4E3F-AD90-EFB6675844C1}"/>
-              </a:ext>
-            </a:extLst>
-          </p:cNvPr>
-          <p:cNvSpPr txBox="1">
-            <a:spLocks/>
-          </p:cNvSpPr>
-          <p:nvPr/>
-        </p:nvSpPr>
-        <p:spPr>
-          <a:xfrm>
-            <a:off x="6312925" y="1800144"/>
-            <a:ext cx="3058979" cy="4479343"/>
-          </a:xfrm>
-          <a:prstGeom prst="rect">
-            <a:avLst/>
-          </a:prstGeom>
-        </p:spPr>
-        <p:txBody>
-          <a:bodyPr vert="horz" lIns="91440" tIns="45720" rIns="91440" bIns="45720" rtlCol="0">
-            <a:normAutofit/>
-          </a:bodyPr>
-          <a:lstStyle>
-            <a:lvl1pPr marL="457189" indent="-457189" algn="l" defTabSz="1219170" rtl="0" eaLnBrk="1" latinLnBrk="0" hangingPunct="1">
-              <a:spcBef>
-                <a:spcPct val="20000"/>
-              </a:spcBef>
-              <a:buFont typeface="Arial" pitchFamily="34" charset="0"/>
-              <a:buChar char="•"/>
-              <a:defRPr sz="3733" kern="1200">
-                <a:solidFill>
-                  <a:schemeClr val="bg1"/>
-                </a:solidFill>
-                <a:latin typeface="+mn-lt"/>
-                <a:ea typeface="+mn-ea"/>
-                <a:cs typeface="+mn-cs"/>
-              </a:defRPr>
-            </a:lvl1pPr>
-            <a:lvl2pPr marL="990575" indent="-380990" algn="l" defTabSz="1219170" rtl="0" eaLnBrk="1" latinLnBrk="0" hangingPunct="1">
-              <a:spcBef>
-                <a:spcPct val="20000"/>
-              </a:spcBef>
-              <a:buFont typeface="Arial" pitchFamily="34" charset="0"/>
-              <a:buChar char="–"/>
-              <a:defRPr sz="3733" kern="1200">
-                <a:solidFill>
-                  <a:schemeClr val="bg1"/>
-                </a:solidFill>
-                <a:latin typeface="+mn-lt"/>
-                <a:ea typeface="+mn-ea"/>
-                <a:cs typeface="+mn-cs"/>
-              </a:defRPr>
-            </a:lvl2pPr>
-            <a:lvl3pPr marL="1523962" indent="-304792" algn="l" defTabSz="1219170" rtl="0" eaLnBrk="1" latinLnBrk="0" hangingPunct="1">
-              <a:spcBef>
-                <a:spcPct val="20000"/>
-              </a:spcBef>
-              <a:buFont typeface="Arial" pitchFamily="34" charset="0"/>
-              <a:buChar char="•"/>
-              <a:defRPr sz="3200" kern="1200">
-                <a:solidFill>
-                  <a:schemeClr val="bg1"/>
-                </a:solidFill>
-                <a:latin typeface="+mn-lt"/>
-                <a:ea typeface="+mn-ea"/>
-                <a:cs typeface="+mn-cs"/>
-              </a:defRPr>
-            </a:lvl3pPr>
-            <a:lvl4pPr marL="2133547" indent="-304792" algn="l" defTabSz="1219170" rtl="0" eaLnBrk="1" latinLnBrk="0" hangingPunct="1">
-              <a:spcBef>
-                <a:spcPct val="20000"/>
-              </a:spcBef>
-              <a:buFont typeface="Arial" pitchFamily="34" charset="0"/>
-              <a:buChar char="–"/>
-              <a:defRPr sz="2667" kern="1200">
-                <a:solidFill>
-                  <a:schemeClr val="bg1"/>
-                </a:solidFill>
-                <a:latin typeface="+mn-lt"/>
-                <a:ea typeface="+mn-ea"/>
-                <a:cs typeface="+mn-cs"/>
-              </a:defRPr>
-            </a:lvl4pPr>
-            <a:lvl5pPr marL="2743131" indent="-304792" algn="l" defTabSz="1219170" rtl="0" eaLnBrk="1" latinLnBrk="0" hangingPunct="1">
-              <a:spcBef>
-                <a:spcPct val="20000"/>
-              </a:spcBef>
-              <a:buFont typeface="Arial" pitchFamily="34" charset="0"/>
-              <a:buChar char="»"/>
-              <a:defRPr sz="2667" kern="1200">
-                <a:solidFill>
-                  <a:schemeClr val="bg1"/>
-                </a:solidFill>
-                <a:latin typeface="+mn-lt"/>
-                <a:ea typeface="+mn-ea"/>
-                <a:cs typeface="+mn-cs"/>
-              </a:defRPr>
-            </a:lvl5pPr>
-            <a:lvl6pPr marL="3352716" indent="-304792" algn="l" defTabSz="1219170" rtl="0" eaLnBrk="1" latinLnBrk="0" hangingPunct="1">
-              <a:spcBef>
-                <a:spcPct val="20000"/>
-              </a:spcBef>
-              <a:buFont typeface="Arial" pitchFamily="34" charset="0"/>
-              <a:buChar char="•"/>
-              <a:defRPr sz="2667" kern="1200">
-                <a:solidFill>
-                  <a:schemeClr val="tx1"/>
-                </a:solidFill>
-                <a:latin typeface="+mn-lt"/>
-                <a:ea typeface="+mn-ea"/>
-                <a:cs typeface="+mn-cs"/>
-              </a:defRPr>
-            </a:lvl6pPr>
-            <a:lvl7pPr marL="3962301" indent="-304792" algn="l" defTabSz="1219170" rtl="0" eaLnBrk="1" latinLnBrk="0" hangingPunct="1">
-              <a:spcBef>
-                <a:spcPct val="20000"/>
-              </a:spcBef>
-              <a:buFont typeface="Arial" pitchFamily="34" charset="0"/>
-              <a:buChar char="•"/>
-              <a:defRPr sz="2667" kern="1200">
-                <a:solidFill>
-                  <a:schemeClr val="tx1"/>
-                </a:solidFill>
-                <a:latin typeface="+mn-lt"/>
-                <a:ea typeface="+mn-ea"/>
-                <a:cs typeface="+mn-cs"/>
-              </a:defRPr>
-            </a:lvl7pPr>
-            <a:lvl8pPr marL="4571886" indent="-304792" algn="l" defTabSz="1219170" rtl="0" eaLnBrk="1" latinLnBrk="0" hangingPunct="1">
-              <a:spcBef>
-                <a:spcPct val="20000"/>
-              </a:spcBef>
-              <a:buFont typeface="Arial" pitchFamily="34" charset="0"/>
-              <a:buChar char="•"/>
-              <a:defRPr sz="2667" kern="1200">
-                <a:solidFill>
-                  <a:schemeClr val="tx1"/>
-                </a:solidFill>
-                <a:latin typeface="+mn-lt"/>
-                <a:ea typeface="+mn-ea"/>
-                <a:cs typeface="+mn-cs"/>
-              </a:defRPr>
-            </a:lvl8pPr>
-            <a:lvl9pPr marL="5181470" indent="-304792" algn="l" defTabSz="1219170" rtl="0" eaLnBrk="1" latinLnBrk="0" hangingPunct="1">
-              <a:spcBef>
-                <a:spcPct val="20000"/>
-              </a:spcBef>
-              <a:buFont typeface="Arial" pitchFamily="34" charset="0"/>
-              <a:buChar char="•"/>
-              <a:defRPr sz="2667" kern="1200">
-                <a:solidFill>
-                  <a:schemeClr val="tx1"/>
-                </a:solidFill>
-                <a:latin typeface="+mn-lt"/>
-                <a:ea typeface="+mn-ea"/>
-                <a:cs typeface="+mn-cs"/>
-              </a:defRPr>
-            </a:lvl9pPr>
-          </a:lstStyle>
-          <a:p>
-            <a:r>
-              <a:rPr lang="en-US" sz="2000" dirty="0"/>
-              <a:t>LATITUDE</a:t>
-            </a:r>
-          </a:p>
-          <a:p>
-            <a:r>
-              <a:rPr lang="en-US" sz="2000" dirty="0"/>
-              <a:t>LONGITUD</a:t>
-            </a:r>
-          </a:p>
-          <a:p>
-            <a:r>
-              <a:rPr lang="en-US" sz="2000" dirty="0"/>
-              <a:t>HARM_EV</a:t>
-            </a:r>
-          </a:p>
-          <a:p>
-            <a:r>
-              <a:rPr lang="en-US" sz="2000" dirty="0"/>
-              <a:t>MAN_COLL</a:t>
-            </a:r>
-          </a:p>
-          <a:p>
-            <a:r>
-              <a:rPr lang="en-US" sz="2000" dirty="0"/>
-              <a:t>TYP_INT</a:t>
-            </a:r>
-          </a:p>
-          <a:p>
-            <a:r>
-              <a:rPr lang="en-US" sz="2000" dirty="0"/>
-              <a:t>WRK_ZONE</a:t>
-            </a:r>
-          </a:p>
-          <a:p>
-            <a:r>
-              <a:rPr lang="en-US" sz="2000" dirty="0"/>
-              <a:t>REL_ROAD</a:t>
-            </a:r>
-          </a:p>
-          <a:p>
-            <a:r>
-              <a:rPr lang="en-US" sz="2000" dirty="0"/>
-              <a:t>LGT_COND</a:t>
-            </a:r>
-          </a:p>
-          <a:p>
-            <a:r>
-              <a:rPr lang="en-US" sz="2000" dirty="0"/>
-              <a:t>WEATHER1</a:t>
-            </a:r>
-          </a:p>
-          <a:p>
-            <a:r>
-              <a:rPr lang="en-US" sz="2000" dirty="0"/>
-              <a:t>WEATHER2</a:t>
-            </a:r>
-          </a:p>
-          <a:p>
-            <a:r>
-              <a:rPr lang="en-US" sz="2000" dirty="0"/>
-              <a:t>WEATHER</a:t>
-            </a:r>
-          </a:p>
-          <a:p>
-            <a:r>
-              <a:rPr lang="en-US" sz="2000" dirty="0"/>
-              <a:t>SCH_BUS</a:t>
-            </a:r>
-          </a:p>
-        </p:txBody>
-      </p:sp>
-      <p:sp>
-        <p:nvSpPr>
-          <p:cNvPr id="6" name="Content Placeholder 2">
-            <a:extLst>
-              <a:ext uri="{FF2B5EF4-FFF2-40B4-BE49-F238E27FC236}">
-                <a16:creationId xmlns:a16="http://schemas.microsoft.com/office/drawing/2014/main" id="{BE163DED-8546-43DE-966A-F4C7E34E899C}"/>
-              </a:ext>
-            </a:extLst>
-          </p:cNvPr>
-          <p:cNvSpPr txBox="1">
-            <a:spLocks/>
-          </p:cNvSpPr>
-          <p:nvPr/>
-        </p:nvSpPr>
-        <p:spPr>
-          <a:xfrm>
-            <a:off x="9371904" y="1800144"/>
-            <a:ext cx="3058979" cy="4479343"/>
-          </a:xfrm>
-          <a:prstGeom prst="rect">
-            <a:avLst/>
-          </a:prstGeom>
-        </p:spPr>
-        <p:txBody>
-          <a:bodyPr vert="horz" lIns="91440" tIns="45720" rIns="91440" bIns="45720" rtlCol="0">
-            <a:normAutofit/>
-          </a:bodyPr>
-          <a:lstStyle>
-            <a:lvl1pPr marL="457189" indent="-457189" algn="l" defTabSz="1219170" rtl="0" eaLnBrk="1" latinLnBrk="0" hangingPunct="1">
-              <a:spcBef>
-                <a:spcPct val="20000"/>
-              </a:spcBef>
-              <a:buFont typeface="Arial" pitchFamily="34" charset="0"/>
-              <a:buChar char="•"/>
-              <a:defRPr sz="3733" kern="1200">
-                <a:solidFill>
-                  <a:schemeClr val="bg1"/>
-                </a:solidFill>
-                <a:latin typeface="+mn-lt"/>
-                <a:ea typeface="+mn-ea"/>
-                <a:cs typeface="+mn-cs"/>
-              </a:defRPr>
-            </a:lvl1pPr>
-            <a:lvl2pPr marL="990575" indent="-380990" algn="l" defTabSz="1219170" rtl="0" eaLnBrk="1" latinLnBrk="0" hangingPunct="1">
-              <a:spcBef>
-                <a:spcPct val="20000"/>
-              </a:spcBef>
-              <a:buFont typeface="Arial" pitchFamily="34" charset="0"/>
-              <a:buChar char="–"/>
-              <a:defRPr sz="3733" kern="1200">
-                <a:solidFill>
-                  <a:schemeClr val="bg1"/>
-                </a:solidFill>
-                <a:latin typeface="+mn-lt"/>
-                <a:ea typeface="+mn-ea"/>
-                <a:cs typeface="+mn-cs"/>
-              </a:defRPr>
-            </a:lvl2pPr>
-            <a:lvl3pPr marL="1523962" indent="-304792" algn="l" defTabSz="1219170" rtl="0" eaLnBrk="1" latinLnBrk="0" hangingPunct="1">
-              <a:spcBef>
-                <a:spcPct val="20000"/>
-              </a:spcBef>
-              <a:buFont typeface="Arial" pitchFamily="34" charset="0"/>
-              <a:buChar char="•"/>
-              <a:defRPr sz="3200" kern="1200">
-                <a:solidFill>
-                  <a:schemeClr val="bg1"/>
-                </a:solidFill>
-                <a:latin typeface="+mn-lt"/>
-                <a:ea typeface="+mn-ea"/>
-                <a:cs typeface="+mn-cs"/>
-              </a:defRPr>
-            </a:lvl3pPr>
-            <a:lvl4pPr marL="2133547" indent="-304792" algn="l" defTabSz="1219170" rtl="0" eaLnBrk="1" latinLnBrk="0" hangingPunct="1">
-              <a:spcBef>
-                <a:spcPct val="20000"/>
-              </a:spcBef>
-              <a:buFont typeface="Arial" pitchFamily="34" charset="0"/>
-              <a:buChar char="–"/>
-              <a:defRPr sz="2667" kern="1200">
-                <a:solidFill>
-                  <a:schemeClr val="bg1"/>
-                </a:solidFill>
-                <a:latin typeface="+mn-lt"/>
-                <a:ea typeface="+mn-ea"/>
-                <a:cs typeface="+mn-cs"/>
-              </a:defRPr>
-            </a:lvl4pPr>
-            <a:lvl5pPr marL="2743131" indent="-304792" algn="l" defTabSz="1219170" rtl="0" eaLnBrk="1" latinLnBrk="0" hangingPunct="1">
-              <a:spcBef>
-                <a:spcPct val="20000"/>
-              </a:spcBef>
-              <a:buFont typeface="Arial" pitchFamily="34" charset="0"/>
-              <a:buChar char="»"/>
-              <a:defRPr sz="2667" kern="1200">
-                <a:solidFill>
-                  <a:schemeClr val="bg1"/>
-                </a:solidFill>
-                <a:latin typeface="+mn-lt"/>
-                <a:ea typeface="+mn-ea"/>
-                <a:cs typeface="+mn-cs"/>
-              </a:defRPr>
-            </a:lvl5pPr>
-            <a:lvl6pPr marL="3352716" indent="-304792" algn="l" defTabSz="1219170" rtl="0" eaLnBrk="1" latinLnBrk="0" hangingPunct="1">
-              <a:spcBef>
-                <a:spcPct val="20000"/>
-              </a:spcBef>
-              <a:buFont typeface="Arial" pitchFamily="34" charset="0"/>
-              <a:buChar char="•"/>
-              <a:defRPr sz="2667" kern="1200">
-                <a:solidFill>
-                  <a:schemeClr val="tx1"/>
-                </a:solidFill>
-                <a:latin typeface="+mn-lt"/>
-                <a:ea typeface="+mn-ea"/>
-                <a:cs typeface="+mn-cs"/>
-              </a:defRPr>
-            </a:lvl6pPr>
-            <a:lvl7pPr marL="3962301" indent="-304792" algn="l" defTabSz="1219170" rtl="0" eaLnBrk="1" latinLnBrk="0" hangingPunct="1">
-              <a:spcBef>
-                <a:spcPct val="20000"/>
-              </a:spcBef>
-              <a:buFont typeface="Arial" pitchFamily="34" charset="0"/>
-              <a:buChar char="•"/>
-              <a:defRPr sz="2667" kern="1200">
-                <a:solidFill>
-                  <a:schemeClr val="tx1"/>
-                </a:solidFill>
-                <a:latin typeface="+mn-lt"/>
-                <a:ea typeface="+mn-ea"/>
-                <a:cs typeface="+mn-cs"/>
-              </a:defRPr>
-            </a:lvl7pPr>
-            <a:lvl8pPr marL="4571886" indent="-304792" algn="l" defTabSz="1219170" rtl="0" eaLnBrk="1" latinLnBrk="0" hangingPunct="1">
-              <a:spcBef>
-                <a:spcPct val="20000"/>
-              </a:spcBef>
-              <a:buFont typeface="Arial" pitchFamily="34" charset="0"/>
-              <a:buChar char="•"/>
-              <a:defRPr sz="2667" kern="1200">
-                <a:solidFill>
-                  <a:schemeClr val="tx1"/>
-                </a:solidFill>
-                <a:latin typeface="+mn-lt"/>
-                <a:ea typeface="+mn-ea"/>
-                <a:cs typeface="+mn-cs"/>
-              </a:defRPr>
-            </a:lvl8pPr>
-            <a:lvl9pPr marL="5181470" indent="-304792" algn="l" defTabSz="1219170" rtl="0" eaLnBrk="1" latinLnBrk="0" hangingPunct="1">
-              <a:spcBef>
-                <a:spcPct val="20000"/>
-              </a:spcBef>
-              <a:buFont typeface="Arial" pitchFamily="34" charset="0"/>
-              <a:buChar char="•"/>
-              <a:defRPr sz="2667" kern="1200">
-                <a:solidFill>
-                  <a:schemeClr val="tx1"/>
-                </a:solidFill>
-                <a:latin typeface="+mn-lt"/>
-                <a:ea typeface="+mn-ea"/>
-                <a:cs typeface="+mn-cs"/>
-              </a:defRPr>
-            </a:lvl9pPr>
-          </a:lstStyle>
-          <a:p>
-            <a:r>
-              <a:rPr lang="en-US" sz="2000" dirty="0"/>
-              <a:t>CF1</a:t>
-            </a:r>
-          </a:p>
-          <a:p>
-            <a:r>
-              <a:rPr lang="en-US" sz="2000" dirty="0"/>
-              <a:t>CF2</a:t>
-            </a:r>
-          </a:p>
-          <a:p>
-            <a:r>
-              <a:rPr lang="en-US" sz="2000" dirty="0"/>
-              <a:t>CF3</a:t>
-            </a:r>
-          </a:p>
-          <a:p>
-            <a:r>
-              <a:rPr lang="en-US" sz="2000" dirty="0"/>
-              <a:t>FATALS</a:t>
-            </a:r>
-          </a:p>
-          <a:p>
-            <a:r>
-              <a:rPr lang="en-US" sz="2000" dirty="0"/>
-              <a:t>DRUNK_DR</a:t>
-            </a:r>
-          </a:p>
-          <a:p>
-            <a:r>
-              <a:rPr lang="en-US" sz="2000" dirty="0"/>
-              <a:t>date (created)</a:t>
-            </a:r>
-          </a:p>
-          <a:p>
-            <a:r>
-              <a:rPr lang="en-US" sz="2000" dirty="0"/>
-              <a:t>TIME (created)</a:t>
-            </a:r>
-          </a:p>
-        </p:txBody>
-      </p:sp>
-      <p:sp>
-        <p:nvSpPr>
-          <p:cNvPr id="7" name="Slide Number Placeholder 6">
-            <a:extLst>
-              <a:ext uri="{FF2B5EF4-FFF2-40B4-BE49-F238E27FC236}">
-                <a16:creationId xmlns:a16="http://schemas.microsoft.com/office/drawing/2014/main" id="{E7DA6974-5694-4752-9A55-FDFA9F49616E}"/>
-              </a:ext>
-            </a:extLst>
-          </p:cNvPr>
-          <p:cNvSpPr>
-            <a:spLocks noGrp="1"/>
-          </p:cNvSpPr>
-          <p:nvPr>
-            <p:ph type="sldNum" sz="quarter" idx="12"/>
-          </p:nvPr>
-        </p:nvSpPr>
-        <p:spPr/>
-        <p:txBody>
-          <a:bodyPr/>
-          <a:lstStyle/>
-          <a:p>
-            <a:fld id="{B311205A-2B12-4C3C-9B44-D13403EC63C4}" type="slidenum">
-              <a:rPr lang="en-US" smtClean="0"/>
-              <a:t>5</a:t>
-            </a:fld>
-            <a:endParaRPr lang="en-US"/>
-          </a:p>
-        </p:txBody>
-      </p:sp>
-    </p:spTree>
-    <p:extLst>
-      <p:ext uri="{BB962C8B-B14F-4D97-AF65-F5344CB8AC3E}">
-        <p14:creationId xmlns:p14="http://schemas.microsoft.com/office/powerpoint/2010/main" val="1095254977"/>
-      </p:ext>
-    </p:extLst>
-  </p:cSld>
-  <p:clrMapOvr>
-    <a:masterClrMapping/>
-  </p:clrMapOvr>
-</p:sld>
-</file>
-
-<file path=ppt/slides/slide6.xml><?xml version="1.0" encoding="utf-8"?>
-<p:sld xmlns:a="http://schemas.openxmlformats.org/drawingml/2006/main" xmlns:r="http://schemas.openxmlformats.org/officeDocument/2006/relationships" xmlns:p="http://schemas.openxmlformats.org/presentationml/2006/main">
-  <p:cSld>
-    <p:spTree>
-      <p:nvGrpSpPr>
-        <p:cNvPr id="1" name=""/>
-        <p:cNvGrpSpPr/>
-        <p:nvPr/>
-      </p:nvGrpSpPr>
-      <p:grpSpPr>
-        <a:xfrm>
-          <a:off x="0" y="0"/>
-          <a:ext cx="0" cy="0"/>
-          <a:chOff x="0" y="0"/>
-          <a:chExt cx="0" cy="0"/>
-        </a:xfrm>
-      </p:grpSpPr>
-      <p:sp>
-        <p:nvSpPr>
-          <p:cNvPr id="2" name="Title 1">
-            <a:extLst>
-              <a:ext uri="{FF2B5EF4-FFF2-40B4-BE49-F238E27FC236}">
-                <a16:creationId xmlns:a16="http://schemas.microsoft.com/office/drawing/2014/main" id="{41AB2E51-DE05-44AF-8C1F-9E63FAFD2553}"/>
-              </a:ext>
-            </a:extLst>
-          </p:cNvPr>
-          <p:cNvSpPr>
-            <a:spLocks noGrp="1"/>
-          </p:cNvSpPr>
-          <p:nvPr>
-            <p:ph type="title"/>
-          </p:nvPr>
-        </p:nvSpPr>
-        <p:spPr>
-          <a:xfrm>
-            <a:off x="598621" y="252070"/>
-            <a:ext cx="10994760" cy="985720"/>
-          </a:xfrm>
-        </p:spPr>
-        <p:txBody>
-          <a:bodyPr/>
-          <a:lstStyle/>
-          <a:p>
-            <a:r>
-              <a:rPr lang="en-US" b="1" dirty="0">
-                <a:solidFill>
-                  <a:schemeClr val="bg1"/>
-                </a:solidFill>
-              </a:rPr>
-              <a:t>Data Features Used in Analysis</a:t>
-            </a:r>
-          </a:p>
-        </p:txBody>
-      </p:sp>
-      <p:sp>
-        <p:nvSpPr>
-          <p:cNvPr id="3" name="Content Placeholder 2">
-            <a:extLst>
-              <a:ext uri="{FF2B5EF4-FFF2-40B4-BE49-F238E27FC236}">
-                <a16:creationId xmlns:a16="http://schemas.microsoft.com/office/drawing/2014/main" id="{C47EE0DB-F37A-4EA0-9134-3987C265D4B1}"/>
-              </a:ext>
-            </a:extLst>
-          </p:cNvPr>
-          <p:cNvSpPr>
-            <a:spLocks noGrp="1"/>
-          </p:cNvSpPr>
-          <p:nvPr>
-            <p:ph idx="1"/>
-          </p:nvPr>
-        </p:nvSpPr>
-        <p:spPr/>
-        <p:txBody>
-          <a:bodyPr/>
-          <a:lstStyle/>
-          <a:p>
-            <a:endParaRPr lang="en-US" dirty="0"/>
-          </a:p>
-        </p:txBody>
-      </p:sp>
-      <p:sp>
-        <p:nvSpPr>
-          <p:cNvPr id="4" name="Slide Number Placeholder 3">
-            <a:extLst>
-              <a:ext uri="{FF2B5EF4-FFF2-40B4-BE49-F238E27FC236}">
-                <a16:creationId xmlns:a16="http://schemas.microsoft.com/office/drawing/2014/main" id="{E4C02BC6-CDC9-4419-A168-CAE49CA63F54}"/>
-              </a:ext>
-            </a:extLst>
-          </p:cNvPr>
-          <p:cNvSpPr>
-            <a:spLocks noGrp="1"/>
-          </p:cNvSpPr>
-          <p:nvPr>
-            <p:ph type="sldNum" sz="quarter" idx="12"/>
-          </p:nvPr>
-        </p:nvSpPr>
-        <p:spPr/>
-        <p:txBody>
-          <a:bodyPr/>
-          <a:lstStyle/>
-          <a:p>
-            <a:fld id="{B311205A-2B12-4C3C-9B44-D13403EC63C4}" type="slidenum">
-              <a:rPr lang="en-US" smtClean="0"/>
-              <a:t>6</a:t>
-            </a:fld>
-            <a:endParaRPr lang="en-US"/>
-          </a:p>
-        </p:txBody>
-      </p:sp>
-    </p:spTree>
-    <p:extLst>
-      <p:ext uri="{BB962C8B-B14F-4D97-AF65-F5344CB8AC3E}">
-        <p14:creationId xmlns:p14="http://schemas.microsoft.com/office/powerpoint/2010/main" val="519223448"/>
-      </p:ext>
-    </p:extLst>
-  </p:cSld>
-  <p:clrMapOvr>
-    <a:masterClrMapping/>
-  </p:clrMapOvr>
-</p:sld>
-</file>
-
-<file path=ppt/slides/slide7.xml><?xml version="1.0" encoding="utf-8"?>
-<p:sld xmlns:a="http://schemas.openxmlformats.org/drawingml/2006/main" xmlns:r="http://schemas.openxmlformats.org/officeDocument/2006/relationships" xmlns:p="http://schemas.openxmlformats.org/presentationml/2006/main">
-  <p:cSld>
-    <p:spTree>
-      <p:nvGrpSpPr>
-        <p:cNvPr id="1" name=""/>
-        <p:cNvGrpSpPr/>
-        <p:nvPr/>
-      </p:nvGrpSpPr>
-      <p:grpSpPr>
-        <a:xfrm>
-          <a:off x="0" y="0"/>
-          <a:ext cx="0" cy="0"/>
-          <a:chOff x="0" y="0"/>
-          <a:chExt cx="0" cy="0"/>
-        </a:xfrm>
-      </p:grpSpPr>
-      <p:sp>
-        <p:nvSpPr>
-          <p:cNvPr id="2" name="Title 1">
-            <a:extLst>
-              <a:ext uri="{FF2B5EF4-FFF2-40B4-BE49-F238E27FC236}">
-                <a16:creationId xmlns:a16="http://schemas.microsoft.com/office/drawing/2014/main" id="{C83A0351-F2B0-4118-8652-528BF0743D23}"/>
-              </a:ext>
-            </a:extLst>
-          </p:cNvPr>
-          <p:cNvSpPr>
-            <a:spLocks noGrp="1"/>
-          </p:cNvSpPr>
-          <p:nvPr>
-            <p:ph type="title"/>
-          </p:nvPr>
-        </p:nvSpPr>
-        <p:spPr>
-          <a:xfrm>
-            <a:off x="598620" y="251332"/>
-            <a:ext cx="10994760" cy="985720"/>
-          </a:xfrm>
-        </p:spPr>
-        <p:txBody>
-          <a:bodyPr/>
-          <a:lstStyle/>
-          <a:p>
-            <a:r>
-              <a:rPr lang="en-US" b="1" dirty="0">
-                <a:solidFill>
-                  <a:schemeClr val="bg1"/>
-                </a:solidFill>
-              </a:rPr>
-              <a:t>Key Findings</a:t>
-            </a:r>
-          </a:p>
-        </p:txBody>
-      </p:sp>
-      <p:sp>
-        <p:nvSpPr>
-          <p:cNvPr id="3" name="Content Placeholder 2">
-            <a:extLst>
-              <a:ext uri="{FF2B5EF4-FFF2-40B4-BE49-F238E27FC236}">
-                <a16:creationId xmlns:a16="http://schemas.microsoft.com/office/drawing/2014/main" id="{DF5283E1-47CC-43BD-9BC8-A5DE1585D98B}"/>
-              </a:ext>
-            </a:extLst>
-          </p:cNvPr>
-          <p:cNvSpPr>
-            <a:spLocks noGrp="1"/>
-          </p:cNvSpPr>
-          <p:nvPr>
-            <p:ph idx="1"/>
-          </p:nvPr>
-        </p:nvSpPr>
-        <p:spPr/>
-        <p:txBody>
-          <a:bodyPr/>
-          <a:lstStyle/>
-          <a:p>
-            <a:endParaRPr lang="en-US"/>
-          </a:p>
-        </p:txBody>
-      </p:sp>
-      <p:sp>
-        <p:nvSpPr>
-          <p:cNvPr id="4" name="Slide Number Placeholder 3">
-            <a:extLst>
-              <a:ext uri="{FF2B5EF4-FFF2-40B4-BE49-F238E27FC236}">
-                <a16:creationId xmlns:a16="http://schemas.microsoft.com/office/drawing/2014/main" id="{6E8DF7D9-06B2-4A83-9A84-1BF7F9DE31B0}"/>
-              </a:ext>
-            </a:extLst>
-          </p:cNvPr>
-          <p:cNvSpPr>
-            <a:spLocks noGrp="1"/>
-          </p:cNvSpPr>
-          <p:nvPr>
-            <p:ph type="sldNum" sz="quarter" idx="12"/>
-          </p:nvPr>
-        </p:nvSpPr>
-        <p:spPr/>
-        <p:txBody>
-          <a:bodyPr/>
-          <a:lstStyle/>
-          <a:p>
-            <a:fld id="{B311205A-2B12-4C3C-9B44-D13403EC63C4}" type="slidenum">
-              <a:rPr lang="en-US" smtClean="0"/>
-              <a:t>7</a:t>
-            </a:fld>
-            <a:endParaRPr lang="en-US"/>
-          </a:p>
-        </p:txBody>
-      </p:sp>
-    </p:spTree>
-    <p:extLst>
-      <p:ext uri="{BB962C8B-B14F-4D97-AF65-F5344CB8AC3E}">
-        <p14:creationId xmlns:p14="http://schemas.microsoft.com/office/powerpoint/2010/main" val="371237497"/>
-      </p:ext>
-    </p:extLst>
-  </p:cSld>
-  <p:clrMapOvr>
-    <a:masterClrMapping/>
-  </p:clrMapOvr>
-</p:sld>
-</file>
-
-<file path=ppt/slides/slide8.xml><?xml version="1.0" encoding="utf-8"?>
-<p:sld xmlns:a="http://schemas.openxmlformats.org/drawingml/2006/main" xmlns:r="http://schemas.openxmlformats.org/officeDocument/2006/relationships" xmlns:p="http://schemas.openxmlformats.org/presentationml/2006/main">
-  <p:cSld>
-    <p:spTree>
-      <p:nvGrpSpPr>
-        <p:cNvPr id="1" name=""/>
-        <p:cNvGrpSpPr/>
-        <p:nvPr/>
-      </p:nvGrpSpPr>
-      <p:grpSpPr>
-        <a:xfrm>
-          <a:off x="0" y="0"/>
-          <a:ext cx="0" cy="0"/>
-          <a:chOff x="0" y="0"/>
-          <a:chExt cx="0" cy="0"/>
-        </a:xfrm>
-      </p:grpSpPr>
-      <p:sp>
-        <p:nvSpPr>
-          <p:cNvPr id="2" name="Title 1">
-            <a:extLst>
-              <a:ext uri="{FF2B5EF4-FFF2-40B4-BE49-F238E27FC236}">
                 <a16:creationId xmlns:a16="http://schemas.microsoft.com/office/drawing/2014/main" id="{A3088442-7183-47CB-B5EF-C175260737F6}"/>
               </a:ext>
             </a:extLst>
@@ -7533,7 +9120,7 @@
           <a:p>
             <a:fld id="{B311205A-2B12-4C3C-9B44-D13403EC63C4}" type="slidenum">
               <a:rPr lang="en-US" smtClean="0"/>
-              <a:t>8</a:t>
+              <a:t>9</a:t>
             </a:fld>
             <a:endParaRPr lang="en-US"/>
           </a:p>
@@ -7579,140 +9166,6 @@
     <p:extLst>
       <p:ext uri="{BB962C8B-B14F-4D97-AF65-F5344CB8AC3E}">
         <p14:creationId xmlns:p14="http://schemas.microsoft.com/office/powerpoint/2010/main" val="3622212361"/>
-      </p:ext>
-    </p:extLst>
-  </p:cSld>
-  <p:clrMapOvr>
-    <a:masterClrMapping/>
-  </p:clrMapOvr>
-</p:sld>
-</file>
-
-<file path=ppt/slides/slide9.xml><?xml version="1.0" encoding="utf-8"?>
-<p:sld xmlns:a="http://schemas.openxmlformats.org/drawingml/2006/main" xmlns:r="http://schemas.openxmlformats.org/officeDocument/2006/relationships" xmlns:p="http://schemas.openxmlformats.org/presentationml/2006/main">
-  <p:cSld>
-    <p:spTree>
-      <p:nvGrpSpPr>
-        <p:cNvPr id="1" name=""/>
-        <p:cNvGrpSpPr/>
-        <p:nvPr/>
-      </p:nvGrpSpPr>
-      <p:grpSpPr>
-        <a:xfrm>
-          <a:off x="0" y="0"/>
-          <a:ext cx="0" cy="0"/>
-          <a:chOff x="0" y="0"/>
-          <a:chExt cx="0" cy="0"/>
-        </a:xfrm>
-      </p:grpSpPr>
-      <p:sp>
-        <p:nvSpPr>
-          <p:cNvPr id="2" name="Title 1">
-            <a:extLst>
-              <a:ext uri="{FF2B5EF4-FFF2-40B4-BE49-F238E27FC236}">
-                <a16:creationId xmlns:a16="http://schemas.microsoft.com/office/drawing/2014/main" id="{A3088442-7183-47CB-B5EF-C175260737F6}"/>
-              </a:ext>
-            </a:extLst>
-          </p:cNvPr>
-          <p:cNvSpPr>
-            <a:spLocks noGrp="1"/>
-          </p:cNvSpPr>
-          <p:nvPr>
-            <p:ph type="title"/>
-          </p:nvPr>
-        </p:nvSpPr>
-        <p:spPr>
-          <a:xfrm>
-            <a:off x="3245506" y="943884"/>
-            <a:ext cx="8347873" cy="763525"/>
-          </a:xfrm>
-        </p:spPr>
-        <p:txBody>
-          <a:bodyPr>
-            <a:normAutofit fontScale="90000"/>
-          </a:bodyPr>
-          <a:lstStyle/>
-          <a:p>
-            <a:r>
-              <a:rPr lang="en-US" b="1" dirty="0">
-                <a:solidFill>
-                  <a:schemeClr val="bg1"/>
-                </a:solidFill>
-              </a:rPr>
-              <a:t>Fatalities by Day of the Week	</a:t>
-            </a:r>
-          </a:p>
-        </p:txBody>
-      </p:sp>
-      <p:sp>
-        <p:nvSpPr>
-          <p:cNvPr id="3" name="Slide Number Placeholder 2">
-            <a:extLst>
-              <a:ext uri="{FF2B5EF4-FFF2-40B4-BE49-F238E27FC236}">
-                <a16:creationId xmlns:a16="http://schemas.microsoft.com/office/drawing/2014/main" id="{CDEF0D43-9610-49F3-8E97-A001A1C0720D}"/>
-              </a:ext>
-            </a:extLst>
-          </p:cNvPr>
-          <p:cNvSpPr>
-            <a:spLocks noGrp="1"/>
-          </p:cNvSpPr>
-          <p:nvPr>
-            <p:ph type="sldNum" sz="quarter" idx="12"/>
-          </p:nvPr>
-        </p:nvSpPr>
-        <p:spPr/>
-        <p:txBody>
-          <a:bodyPr/>
-          <a:lstStyle/>
-          <a:p>
-            <a:fld id="{B311205A-2B12-4C3C-9B44-D13403EC63C4}" type="slidenum">
-              <a:rPr lang="en-US" smtClean="0"/>
-              <a:t>9</a:t>
-            </a:fld>
-            <a:endParaRPr lang="en-US"/>
-          </a:p>
-        </p:txBody>
-      </p:sp>
-      <p:pic>
-        <p:nvPicPr>
-          <p:cNvPr id="5" name="Picture 4">
-            <a:extLst>
-              <a:ext uri="{FF2B5EF4-FFF2-40B4-BE49-F238E27FC236}">
-                <a16:creationId xmlns:a16="http://schemas.microsoft.com/office/drawing/2014/main" id="{EEF1418D-6F92-4CB9-A765-95D6A1F31EFB}"/>
-              </a:ext>
-            </a:extLst>
-          </p:cNvPr>
-          <p:cNvPicPr>
-            <a:picLocks noChangeAspect="1"/>
-          </p:cNvPicPr>
-          <p:nvPr/>
-        </p:nvPicPr>
-        <p:blipFill>
-          <a:blip r:embed="rId3">
-            <a:extLst>
-              <a:ext uri="{28A0092B-C50C-407E-A947-70E740481C1C}">
-                <a14:useLocalDpi xmlns:a14="http://schemas.microsoft.com/office/drawing/2010/main" val="0"/>
-              </a:ext>
-            </a:extLst>
-          </a:blip>
-          <a:stretch>
-            <a:fillRect/>
-          </a:stretch>
-        </p:blipFill>
-        <p:spPr>
-          <a:xfrm>
-            <a:off x="4364836" y="2261661"/>
-            <a:ext cx="6109211" cy="4094690"/>
-          </a:xfrm>
-          <a:prstGeom prst="rect">
-            <a:avLst/>
-          </a:prstGeom>
-        </p:spPr>
-      </p:pic>
-    </p:spTree>
-    <p:extLst>
-      <p:ext uri="{BB962C8B-B14F-4D97-AF65-F5344CB8AC3E}">
-        <p14:creationId xmlns:p14="http://schemas.microsoft.com/office/powerpoint/2010/main" val="3089322612"/>
       </p:ext>
     </p:extLst>
   </p:cSld>

--- a/US Bicycle Fatalities_Group 4.pptx
+++ b/US Bicycle Fatalities_Group 4.pptx
@@ -261,7 +261,7 @@
           <a:p>
             <a:fld id="{2D8596F9-D31B-4687-976B-51472F7B15D4}" type="datetimeFigureOut">
               <a:rPr lang="en-US" smtClean="0"/>
-              <a:t>10/31/2019</a:t>
+              <a:t>11/2/2019</a:t>
             </a:fld>
             <a:endParaRPr lang="en-US"/>
           </a:p>
@@ -2319,7 +2319,7 @@
           <a:p>
             <a:fld id="{D566DD37-AE77-4A24-A83C-05583D2B8C88}" type="datetime1">
               <a:rPr lang="en-US" smtClean="0"/>
-              <a:t>10/31/2019</a:t>
+              <a:t>11/2/2019</a:t>
             </a:fld>
             <a:endParaRPr lang="en-US"/>
           </a:p>
@@ -2574,7 +2574,7 @@
           <a:p>
             <a:fld id="{2D32C68B-169C-479B-9A17-0A2AF842FAAC}" type="datetime1">
               <a:rPr lang="en-US" smtClean="0"/>
-              <a:t>10/31/2019</a:t>
+              <a:t>11/2/2019</a:t>
             </a:fld>
             <a:endParaRPr lang="en-US"/>
           </a:p>
@@ -2742,7 +2742,7 @@
           <a:p>
             <a:fld id="{207B0407-AEE4-4259-8381-21DAB1D2FF93}" type="datetime1">
               <a:rPr lang="en-US" smtClean="0"/>
-              <a:t>10/31/2019</a:t>
+              <a:t>11/2/2019</a:t>
             </a:fld>
             <a:endParaRPr lang="en-US"/>
           </a:p>
@@ -2920,7 +2920,7 @@
           <a:p>
             <a:fld id="{D48AD53B-37AA-46F3-99FC-2E4476D7DD44}" type="datetime1">
               <a:rPr lang="en-US" smtClean="0"/>
-              <a:t>10/31/2019</a:t>
+              <a:t>11/2/2019</a:t>
             </a:fld>
             <a:endParaRPr lang="en-US"/>
           </a:p>
@@ -3202,7 +3202,7 @@
           <a:p>
             <a:fld id="{5B7A3CBB-F610-4336-823E-FC1C265828A0}" type="datetime1">
               <a:rPr lang="en-US" smtClean="0"/>
-              <a:t>10/31/2019</a:t>
+              <a:t>11/2/2019</a:t>
             </a:fld>
             <a:endParaRPr lang="en-US"/>
           </a:p>
@@ -3449,7 +3449,7 @@
           <a:p>
             <a:fld id="{A0A0BB07-576F-4BA3-A167-A5A98217311E}" type="datetime1">
               <a:rPr lang="en-US" smtClean="0"/>
-              <a:t>10/31/2019</a:t>
+              <a:t>11/2/2019</a:t>
             </a:fld>
             <a:endParaRPr lang="en-US"/>
           </a:p>
@@ -3694,7 +3694,7 @@
           <a:p>
             <a:fld id="{7D055530-147D-4EFF-874D-08517F6DB52E}" type="datetime1">
               <a:rPr lang="en-US" smtClean="0"/>
-              <a:t>10/31/2019</a:t>
+              <a:t>11/2/2019</a:t>
             </a:fld>
             <a:endParaRPr lang="en-US"/>
           </a:p>
@@ -3979,7 +3979,7 @@
           <a:p>
             <a:fld id="{6720DC1B-6253-4ED9-B321-047E0833500E}" type="datetime1">
               <a:rPr lang="en-US" smtClean="0"/>
-              <a:t>10/31/2019</a:t>
+              <a:t>11/2/2019</a:t>
             </a:fld>
             <a:endParaRPr lang="en-US"/>
           </a:p>
@@ -4467,7 +4467,7 @@
           <a:p>
             <a:fld id="{F01FF38B-4F80-4CF6-8014-B3FFF4DFC5CC}" type="datetime1">
               <a:rPr lang="en-US" smtClean="0"/>
-              <a:t>10/31/2019</a:t>
+              <a:t>11/2/2019</a:t>
             </a:fld>
             <a:endParaRPr lang="en-US"/>
           </a:p>
@@ -4584,7 +4584,7 @@
           <a:p>
             <a:fld id="{0FBFCC94-49A1-4693-8B41-3D65FDE0B3EB}" type="datetime1">
               <a:rPr lang="en-US" smtClean="0"/>
-              <a:t>10/31/2019</a:t>
+              <a:t>11/2/2019</a:t>
             </a:fld>
             <a:endParaRPr lang="en-US"/>
           </a:p>
@@ -4679,7 +4679,7 @@
           <a:p>
             <a:fld id="{EE9B58AA-4066-4292-859C-4BA88DA30E3D}" type="datetime1">
               <a:rPr lang="en-US" smtClean="0"/>
-              <a:t>10/31/2019</a:t>
+              <a:t>11/2/2019</a:t>
             </a:fld>
             <a:endParaRPr lang="en-US"/>
           </a:p>
@@ -4954,7 +4954,7 @@
           <a:p>
             <a:fld id="{CA3C07BB-1F27-496C-BA91-E46B3617BB65}" type="datetime1">
               <a:rPr lang="en-US" smtClean="0"/>
-              <a:t>10/31/2019</a:t>
+              <a:t>11/2/2019</a:t>
             </a:fld>
             <a:endParaRPr lang="en-US"/>
           </a:p>
@@ -5174,7 +5174,7 @@
           <a:p>
             <a:fld id="{502DA178-7FD6-4637-AC4E-92A1EA97F47D}" type="datetime1">
               <a:rPr lang="en-US" smtClean="0"/>
-              <a:t>10/31/2019</a:t>
+              <a:t>11/2/2019</a:t>
             </a:fld>
             <a:endParaRPr lang="en-US"/>
           </a:p>
@@ -5924,14 +5924,53 @@
         </p:blipFill>
         <p:spPr>
           <a:xfrm>
-            <a:off x="4364836" y="2261661"/>
-            <a:ext cx="6109211" cy="4094690"/>
+            <a:off x="4532811" y="2553149"/>
+            <a:ext cx="5675812" cy="3804204"/>
           </a:xfrm>
           <a:prstGeom prst="rect">
             <a:avLst/>
           </a:prstGeom>
         </p:spPr>
       </p:pic>
+      <p:sp>
+        <p:nvSpPr>
+          <p:cNvPr id="6" name="TextBox 5">
+            <a:extLst>
+              <a:ext uri="{FF2B5EF4-FFF2-40B4-BE49-F238E27FC236}">
+                <a16:creationId xmlns:a16="http://schemas.microsoft.com/office/drawing/2014/main" id="{5BB4A18F-D2D7-4192-8103-75C7E0BDCA61}"/>
+              </a:ext>
+            </a:extLst>
+          </p:cNvPr>
+          <p:cNvSpPr txBox="1"/>
+          <p:nvPr/>
+        </p:nvSpPr>
+        <p:spPr>
+          <a:xfrm>
+            <a:off x="3331029" y="2075664"/>
+            <a:ext cx="8549640" cy="400110"/>
+          </a:xfrm>
+          <a:prstGeom prst="rect">
+            <a:avLst/>
+          </a:prstGeom>
+          <a:noFill/>
+        </p:spPr>
+        <p:txBody>
+          <a:bodyPr wrap="square" rtlCol="0">
+            <a:spAutoFit/>
+          </a:bodyPr>
+          <a:lstStyle/>
+          <a:p>
+            <a:r>
+              <a:rPr lang="en-US" sz="2000" b="1" dirty="0">
+                <a:solidFill>
+                  <a:schemeClr val="bg1"/>
+                </a:solidFill>
+              </a:rPr>
+              <a:t>Slightly more fatalities seen on Friday, with fewer occurring on the weekends</a:t>
+            </a:r>
+          </a:p>
+        </p:txBody>
+      </p:sp>
     </p:spTree>
     <p:extLst>
       <p:ext uri="{BB962C8B-B14F-4D97-AF65-F5344CB8AC3E}">
@@ -6032,10 +6071,10 @@
       </p:sp>
       <p:pic>
         <p:nvPicPr>
-          <p:cNvPr id="5" name="Picture 4">
+          <p:cNvPr id="6" name="Picture 5">
             <a:extLst>
               <a:ext uri="{FF2B5EF4-FFF2-40B4-BE49-F238E27FC236}">
-                <a16:creationId xmlns:a16="http://schemas.microsoft.com/office/drawing/2014/main" id="{7981F09E-06F1-48AD-84DE-0EB8724059D9}"/>
+                <a16:creationId xmlns:a16="http://schemas.microsoft.com/office/drawing/2014/main" id="{A6D7789D-B6B6-41C0-A3D7-C20B1AD376D5}"/>
               </a:ext>
             </a:extLst>
           </p:cNvPr>
@@ -6058,14 +6097,53 @@
         </p:blipFill>
         <p:spPr>
           <a:xfrm>
-            <a:off x="4313235" y="2272819"/>
-            <a:ext cx="6106830" cy="4083532"/>
+            <a:off x="4369216" y="2596294"/>
+            <a:ext cx="6133321" cy="3736391"/>
           </a:xfrm>
           <a:prstGeom prst="rect">
             <a:avLst/>
           </a:prstGeom>
         </p:spPr>
       </p:pic>
+      <p:sp>
+        <p:nvSpPr>
+          <p:cNvPr id="7" name="TextBox 6">
+            <a:extLst>
+              <a:ext uri="{FF2B5EF4-FFF2-40B4-BE49-F238E27FC236}">
+                <a16:creationId xmlns:a16="http://schemas.microsoft.com/office/drawing/2014/main" id="{F591AFD2-8F39-4251-AEA6-26674F61F23A}"/>
+              </a:ext>
+            </a:extLst>
+          </p:cNvPr>
+          <p:cNvSpPr txBox="1"/>
+          <p:nvPr/>
+        </p:nvSpPr>
+        <p:spPr>
+          <a:xfrm>
+            <a:off x="3331029" y="2075664"/>
+            <a:ext cx="8549640" cy="707886"/>
+          </a:xfrm>
+          <a:prstGeom prst="rect">
+            <a:avLst/>
+          </a:prstGeom>
+          <a:noFill/>
+        </p:spPr>
+        <p:txBody>
+          <a:bodyPr wrap="square" rtlCol="0">
+            <a:spAutoFit/>
+          </a:bodyPr>
+          <a:lstStyle/>
+          <a:p>
+            <a:r>
+              <a:rPr lang="en-US" sz="2000" b="1" dirty="0">
+                <a:solidFill>
+                  <a:schemeClr val="bg1"/>
+                </a:solidFill>
+              </a:rPr>
+              <a:t>Significantly more fatalities in Urban areas and when the bicycle is riding with traffic</a:t>
+            </a:r>
+          </a:p>
+        </p:txBody>
+      </p:sp>
     </p:spTree>
     <p:extLst>
       <p:ext uri="{BB962C8B-B14F-4D97-AF65-F5344CB8AC3E}">
@@ -9128,10 +9206,10 @@
       </p:sp>
       <p:pic>
         <p:nvPicPr>
-          <p:cNvPr id="13" name="Picture 12">
+          <p:cNvPr id="5" name="Picture 4">
             <a:extLst>
               <a:ext uri="{FF2B5EF4-FFF2-40B4-BE49-F238E27FC236}">
-                <a16:creationId xmlns:a16="http://schemas.microsoft.com/office/drawing/2014/main" id="{95C04451-F835-4415-98C3-E93E562E3023}"/>
+                <a16:creationId xmlns:a16="http://schemas.microsoft.com/office/drawing/2014/main" id="{80EE4A40-90AD-4F47-8ABF-C6E8DE8CE7DB}"/>
               </a:ext>
             </a:extLst>
           </p:cNvPr>
@@ -9154,14 +9232,53 @@
         </p:blipFill>
         <p:spPr>
           <a:xfrm>
-            <a:off x="4440509" y="2244293"/>
-            <a:ext cx="5938614" cy="3984335"/>
+            <a:off x="4432935" y="2608897"/>
+            <a:ext cx="5912004" cy="3747453"/>
           </a:xfrm>
           <a:prstGeom prst="rect">
             <a:avLst/>
           </a:prstGeom>
         </p:spPr>
       </p:pic>
+      <p:sp>
+        <p:nvSpPr>
+          <p:cNvPr id="6" name="TextBox 5">
+            <a:extLst>
+              <a:ext uri="{FF2B5EF4-FFF2-40B4-BE49-F238E27FC236}">
+                <a16:creationId xmlns:a16="http://schemas.microsoft.com/office/drawing/2014/main" id="{3F7060CB-3FC6-4C5E-A5B5-E47F1525A6A6}"/>
+              </a:ext>
+            </a:extLst>
+          </p:cNvPr>
+          <p:cNvSpPr txBox="1"/>
+          <p:nvPr/>
+        </p:nvSpPr>
+        <p:spPr>
+          <a:xfrm>
+            <a:off x="3331029" y="2075664"/>
+            <a:ext cx="6537960" cy="400110"/>
+          </a:xfrm>
+          <a:prstGeom prst="rect">
+            <a:avLst/>
+          </a:prstGeom>
+          <a:noFill/>
+        </p:spPr>
+        <p:txBody>
+          <a:bodyPr wrap="square" rtlCol="0">
+            <a:spAutoFit/>
+          </a:bodyPr>
+          <a:lstStyle/>
+          <a:p>
+            <a:r>
+              <a:rPr lang="en-US" sz="2000" b="1" dirty="0">
+                <a:solidFill>
+                  <a:schemeClr val="bg1"/>
+                </a:solidFill>
+              </a:rPr>
+              <a:t>Most bicycle fatalities seen in the afternoon (3pm – 6pm) </a:t>
+            </a:r>
+          </a:p>
+        </p:txBody>
+      </p:sp>
     </p:spTree>
     <p:extLst>
       <p:ext uri="{BB962C8B-B14F-4D97-AF65-F5344CB8AC3E}">

--- a/US Bicycle Fatalities_Group 4.pptx
+++ b/US Bicycle Fatalities_Group 4.pptx
@@ -5,7 +5,7 @@
     <p:sldMasterId id="2147483660" r:id="rId1"/>
   </p:sldMasterIdLst>
   <p:notesMasterIdLst>
-    <p:notesMasterId r:id="rId18"/>
+    <p:notesMasterId r:id="rId21"/>
   </p:notesMasterIdLst>
   <p:sldIdLst>
     <p:sldId id="256" r:id="rId2"/>
@@ -13,17 +13,20 @@
     <p:sldId id="257" r:id="rId4"/>
     <p:sldId id="258" r:id="rId5"/>
     <p:sldId id="260" r:id="rId6"/>
-    <p:sldId id="270" r:id="rId7"/>
-    <p:sldId id="265" r:id="rId8"/>
-    <p:sldId id="266" r:id="rId9"/>
-    <p:sldId id="267" r:id="rId10"/>
-    <p:sldId id="269" r:id="rId11"/>
-    <p:sldId id="268" r:id="rId12"/>
+    <p:sldId id="265" r:id="rId7"/>
+    <p:sldId id="266" r:id="rId8"/>
+    <p:sldId id="267" r:id="rId9"/>
+    <p:sldId id="269" r:id="rId10"/>
+    <p:sldId id="268" r:id="rId11"/>
+    <p:sldId id="276" r:id="rId12"/>
     <p:sldId id="271" r:id="rId13"/>
-    <p:sldId id="273" r:id="rId14"/>
-    <p:sldId id="272" r:id="rId15"/>
-    <p:sldId id="261" r:id="rId16"/>
-    <p:sldId id="274" r:id="rId17"/>
+    <p:sldId id="279" r:id="rId14"/>
+    <p:sldId id="273" r:id="rId15"/>
+    <p:sldId id="272" r:id="rId16"/>
+    <p:sldId id="261" r:id="rId17"/>
+    <p:sldId id="274" r:id="rId18"/>
+    <p:sldId id="275" r:id="rId19"/>
+    <p:sldId id="278" r:id="rId20"/>
   </p:sldIdLst>
   <p:sldSz cx="12192000" cy="6858000"/>
   <p:notesSz cx="6858000" cy="9144000"/>
@@ -261,7 +264,7 @@
           <a:p>
             <a:fld id="{2D8596F9-D31B-4687-976B-51472F7B15D4}" type="datetimeFigureOut">
               <a:rPr lang="en-US" smtClean="0"/>
-              <a:t>11/2/2019</a:t>
+              <a:t>11/3/2019</a:t>
             </a:fld>
             <a:endParaRPr lang="en-US"/>
           </a:p>
@@ -661,13 +664,7 @@
           <a:p>
             <a:r>
               <a:rPr lang="en-US" dirty="0"/>
-              <a:t>Jodie</a:t>
-            </a:r>
-          </a:p>
-          <a:p>
-            <a:r>
-              <a:rPr lang="en-US" dirty="0"/>
-              <a:t>Shows higher numbers in urban areas and many more when the bicycle is traveling the same direction as traffic</a:t>
+              <a:t>Brian</a:t>
             </a:r>
           </a:p>
         </p:txBody>
@@ -689,7 +686,7 @@
           <a:p>
             <a:fld id="{265EB43F-5B02-4A39-ABA6-1416420AA7A8}" type="slidenum">
               <a:rPr lang="en-US" smtClean="0"/>
-              <a:t>11</a:t>
+              <a:t>12</a:t>
             </a:fld>
             <a:endParaRPr lang="en-US"/>
           </a:p>
@@ -698,7 +695,7 @@
     </p:spTree>
     <p:extLst>
       <p:ext uri="{BB962C8B-B14F-4D97-AF65-F5344CB8AC3E}">
-        <p14:creationId xmlns:p14="http://schemas.microsoft.com/office/powerpoint/2010/main" val="4041506570"/>
+        <p14:creationId xmlns:p14="http://schemas.microsoft.com/office/powerpoint/2010/main" val="2022629077"/>
       </p:ext>
     </p:extLst>
   </p:cSld>
@@ -776,7 +773,7 @@
           <a:p>
             <a:fld id="{265EB43F-5B02-4A39-ABA6-1416420AA7A8}" type="slidenum">
               <a:rPr lang="en-US" smtClean="0"/>
-              <a:t>12</a:t>
+              <a:t>13</a:t>
             </a:fld>
             <a:endParaRPr lang="en-US"/>
           </a:p>
@@ -785,7 +782,7 @@
     </p:spTree>
     <p:extLst>
       <p:ext uri="{BB962C8B-B14F-4D97-AF65-F5344CB8AC3E}">
-        <p14:creationId xmlns:p14="http://schemas.microsoft.com/office/powerpoint/2010/main" val="2022629077"/>
+        <p14:creationId xmlns:p14="http://schemas.microsoft.com/office/powerpoint/2010/main" val="4046680318"/>
       </p:ext>
     </p:extLst>
   </p:cSld>
@@ -863,7 +860,7 @@
           <a:p>
             <a:fld id="{265EB43F-5B02-4A39-ABA6-1416420AA7A8}" type="slidenum">
               <a:rPr lang="en-US" smtClean="0"/>
-              <a:t>13</a:t>
+              <a:t>14</a:t>
             </a:fld>
             <a:endParaRPr lang="en-US"/>
           </a:p>
@@ -950,7 +947,7 @@
           <a:p>
             <a:fld id="{265EB43F-5B02-4A39-ABA6-1416420AA7A8}" type="slidenum">
               <a:rPr lang="en-US" smtClean="0"/>
-              <a:t>14</a:t>
+              <a:t>15</a:t>
             </a:fld>
             <a:endParaRPr lang="en-US"/>
           </a:p>
@@ -1046,7 +1043,7 @@
           <a:p>
             <a:fld id="{265EB43F-5B02-4A39-ABA6-1416420AA7A8}" type="slidenum">
               <a:rPr lang="en-US" smtClean="0"/>
-              <a:t>15</a:t>
+              <a:t>16</a:t>
             </a:fld>
             <a:endParaRPr lang="en-US"/>
           </a:p>
@@ -1136,7 +1133,7 @@
           <a:p>
             <a:fld id="{265EB43F-5B02-4A39-ABA6-1416420AA7A8}" type="slidenum">
               <a:rPr lang="en-US" smtClean="0"/>
-              <a:t>16</a:t>
+              <a:t>17</a:t>
             </a:fld>
             <a:endParaRPr lang="en-US"/>
           </a:p>
@@ -1146,6 +1143,90 @@
     <p:extLst>
       <p:ext uri="{BB962C8B-B14F-4D97-AF65-F5344CB8AC3E}">
         <p14:creationId xmlns:p14="http://schemas.microsoft.com/office/powerpoint/2010/main" val="1656972079"/>
+      </p:ext>
+    </p:extLst>
+  </p:cSld>
+  <p:clrMapOvr>
+    <a:masterClrMapping/>
+  </p:clrMapOvr>
+</p:notes>
+</file>
+
+<file path=ppt/notesSlides/notesSlide16.xml><?xml version="1.0" encoding="utf-8"?>
+<p:notes xmlns:a="http://schemas.openxmlformats.org/drawingml/2006/main" xmlns:r="http://schemas.openxmlformats.org/officeDocument/2006/relationships" xmlns:p="http://schemas.openxmlformats.org/presentationml/2006/main">
+  <p:cSld>
+    <p:spTree>
+      <p:nvGrpSpPr>
+        <p:cNvPr id="1" name=""/>
+        <p:cNvGrpSpPr/>
+        <p:nvPr/>
+      </p:nvGrpSpPr>
+      <p:grpSpPr>
+        <a:xfrm>
+          <a:off x="0" y="0"/>
+          <a:ext cx="0" cy="0"/>
+          <a:chOff x="0" y="0"/>
+          <a:chExt cx="0" cy="0"/>
+        </a:xfrm>
+      </p:grpSpPr>
+      <p:sp>
+        <p:nvSpPr>
+          <p:cNvPr id="2" name="Slide Image Placeholder 1"/>
+          <p:cNvSpPr>
+            <a:spLocks noGrp="1" noRot="1" noChangeAspect="1"/>
+          </p:cNvSpPr>
+          <p:nvPr>
+            <p:ph type="sldImg"/>
+          </p:nvPr>
+        </p:nvSpPr>
+        <p:spPr/>
+      </p:sp>
+      <p:sp>
+        <p:nvSpPr>
+          <p:cNvPr id="3" name="Notes Placeholder 2"/>
+          <p:cNvSpPr>
+            <a:spLocks noGrp="1"/>
+          </p:cNvSpPr>
+          <p:nvPr>
+            <p:ph type="body" idx="1"/>
+          </p:nvPr>
+        </p:nvSpPr>
+        <p:spPr/>
+        <p:txBody>
+          <a:bodyPr/>
+          <a:lstStyle/>
+          <a:p>
+            <a:endParaRPr lang="en-US" dirty="0"/>
+          </a:p>
+        </p:txBody>
+      </p:sp>
+      <p:sp>
+        <p:nvSpPr>
+          <p:cNvPr id="4" name="Slide Number Placeholder 3"/>
+          <p:cNvSpPr>
+            <a:spLocks noGrp="1"/>
+          </p:cNvSpPr>
+          <p:nvPr>
+            <p:ph type="sldNum" sz="quarter" idx="5"/>
+          </p:nvPr>
+        </p:nvSpPr>
+        <p:spPr/>
+        <p:txBody>
+          <a:bodyPr/>
+          <a:lstStyle/>
+          <a:p>
+            <a:fld id="{265EB43F-5B02-4A39-ABA6-1416420AA7A8}" type="slidenum">
+              <a:rPr lang="en-US" smtClean="0"/>
+              <a:t>18</a:t>
+            </a:fld>
+            <a:endParaRPr lang="en-US"/>
+          </a:p>
+        </p:txBody>
+      </p:sp>
+    </p:spTree>
+    <p:extLst>
+      <p:ext uri="{BB962C8B-B14F-4D97-AF65-F5344CB8AC3E}">
+        <p14:creationId xmlns:p14="http://schemas.microsoft.com/office/powerpoint/2010/main" val="2707297331"/>
       </p:ext>
     </p:extLst>
   </p:cSld>
@@ -1486,10 +1567,9 @@
           <a:lstStyle/>
           <a:p>
             <a:r>
-              <a:rPr lang="en-US" dirty="0" err="1"/>
-              <a:t>Norean</a:t>
-            </a:r>
-            <a:endParaRPr lang="en-US" dirty="0"/>
+              <a:rPr lang="en-US" dirty="0"/>
+              <a:t>Melanie</a:t>
+            </a:r>
           </a:p>
         </p:txBody>
       </p:sp>
@@ -1519,7 +1599,7 @@
     </p:spTree>
     <p:extLst>
       <p:ext uri="{BB962C8B-B14F-4D97-AF65-F5344CB8AC3E}">
-        <p14:creationId xmlns:p14="http://schemas.microsoft.com/office/powerpoint/2010/main" val="4221776523"/>
+        <p14:creationId xmlns:p14="http://schemas.microsoft.com/office/powerpoint/2010/main" val="3521674515"/>
       </p:ext>
     </p:extLst>
   </p:cSld>
@@ -1575,8 +1655,224 @@
           <a:p>
             <a:r>
               <a:rPr lang="en-US" dirty="0"/>
+              <a:t>This correlates with our hypothesis that more urban areas are susceptible to bicycle crashes. </a:t>
+            </a:r>
+          </a:p>
+          <a:p>
+            <a:endParaRPr lang="en-US" dirty="0"/>
+          </a:p>
+          <a:p>
+            <a:r>
+              <a:rPr lang="en-US" dirty="0"/>
               <a:t>Melanie</a:t>
             </a:r>
+          </a:p>
+          <a:p>
+            <a:endParaRPr lang="en-US" dirty="0"/>
+          </a:p>
+          <a:p>
+            <a:endParaRPr lang="en-US" dirty="0"/>
+          </a:p>
+          <a:p>
+            <a:pPr rtl="0" eaLnBrk="1" fontAlgn="t" latinLnBrk="0" hangingPunct="1"/>
+            <a:r>
+              <a:rPr lang="en-US" sz="1200" b="1" i="0" u="none" strike="noStrike" kern="1200" dirty="0">
+                <a:solidFill>
+                  <a:schemeClr val="tx1"/>
+                </a:solidFill>
+                <a:effectLst/>
+                <a:latin typeface="+mn-lt"/>
+                <a:ea typeface="+mn-ea"/>
+                <a:cs typeface="+mn-cs"/>
+              </a:rPr>
+              <a:t>State</a:t>
+            </a:r>
+            <a:endParaRPr lang="en-US" sz="1200" b="0" i="0" u="none" strike="noStrike" kern="1200" dirty="0">
+              <a:solidFill>
+                <a:schemeClr val="tx1"/>
+              </a:solidFill>
+              <a:effectLst/>
+              <a:latin typeface="+mn-lt"/>
+              <a:ea typeface="+mn-ea"/>
+              <a:cs typeface="+mn-cs"/>
+            </a:endParaRPr>
+          </a:p>
+          <a:p>
+            <a:pPr rtl="0" eaLnBrk="1" fontAlgn="t" latinLnBrk="0" hangingPunct="1"/>
+            <a:r>
+              <a:rPr lang="en-US" sz="1200" b="1" i="0" u="none" strike="noStrike" kern="1200" dirty="0">
+                <a:solidFill>
+                  <a:schemeClr val="tx1"/>
+                </a:solidFill>
+                <a:effectLst/>
+                <a:latin typeface="+mn-lt"/>
+                <a:ea typeface="+mn-ea"/>
+                <a:cs typeface="+mn-cs"/>
+              </a:rPr>
+              <a:t>Fatalities per 1M Pop.</a:t>
+            </a:r>
+            <a:endParaRPr lang="en-US" sz="1200" b="0" i="0" u="none" strike="noStrike" kern="1200" dirty="0">
+              <a:solidFill>
+                <a:schemeClr val="tx1"/>
+              </a:solidFill>
+              <a:effectLst/>
+              <a:latin typeface="+mn-lt"/>
+              <a:ea typeface="+mn-ea"/>
+              <a:cs typeface="+mn-cs"/>
+            </a:endParaRPr>
+          </a:p>
+          <a:p>
+            <a:pPr rtl="0" eaLnBrk="1" fontAlgn="t" latinLnBrk="0" hangingPunct="1"/>
+            <a:r>
+              <a:rPr lang="en-US" sz="1200" b="0" i="0" u="none" strike="noStrike" kern="1200" dirty="0">
+                <a:solidFill>
+                  <a:schemeClr val="tx1"/>
+                </a:solidFill>
+                <a:effectLst/>
+                <a:latin typeface="+mn-lt"/>
+                <a:ea typeface="+mn-ea"/>
+                <a:cs typeface="+mn-cs"/>
+              </a:rPr>
+              <a:t>California</a:t>
+            </a:r>
+          </a:p>
+          <a:p>
+            <a:pPr rtl="0" eaLnBrk="1" fontAlgn="t" latinLnBrk="0" hangingPunct="1"/>
+            <a:r>
+              <a:rPr lang="en-US" sz="1200" b="0" i="0" u="none" strike="noStrike" kern="1200" dirty="0">
+                <a:solidFill>
+                  <a:schemeClr val="tx1"/>
+                </a:solidFill>
+                <a:effectLst/>
+                <a:latin typeface="+mn-lt"/>
+                <a:ea typeface="+mn-ea"/>
+                <a:cs typeface="+mn-cs"/>
+              </a:rPr>
+              <a:t>39.7 M</a:t>
+            </a:r>
+          </a:p>
+          <a:p>
+            <a:pPr rtl="0" eaLnBrk="1" fontAlgn="t" latinLnBrk="0" hangingPunct="1"/>
+            <a:r>
+              <a:rPr lang="en-US" sz="1200" b="0" i="0" u="none" strike="noStrike" kern="1200" dirty="0">
+                <a:solidFill>
+                  <a:schemeClr val="tx1"/>
+                </a:solidFill>
+                <a:effectLst/>
+                <a:latin typeface="+mn-lt"/>
+                <a:ea typeface="+mn-ea"/>
+                <a:cs typeface="+mn-cs"/>
+              </a:rPr>
+              <a:t>Texas</a:t>
+            </a:r>
+          </a:p>
+          <a:p>
+            <a:pPr rtl="0" eaLnBrk="1" fontAlgn="t" latinLnBrk="0" hangingPunct="1"/>
+            <a:r>
+              <a:rPr lang="en-US" sz="1200" b="0" i="0" u="none" strike="noStrike" kern="1200" dirty="0">
+                <a:solidFill>
+                  <a:schemeClr val="tx1"/>
+                </a:solidFill>
+                <a:effectLst/>
+                <a:latin typeface="+mn-lt"/>
+                <a:ea typeface="+mn-ea"/>
+                <a:cs typeface="+mn-cs"/>
+              </a:rPr>
+              <a:t>29.0 M</a:t>
+            </a:r>
+          </a:p>
+          <a:p>
+            <a:pPr rtl="0" eaLnBrk="1" fontAlgn="t" latinLnBrk="0" hangingPunct="1"/>
+            <a:r>
+              <a:rPr lang="en-US" sz="1200" b="0" i="0" u="none" strike="noStrike" kern="1200" dirty="0">
+                <a:solidFill>
+                  <a:schemeClr val="tx1"/>
+                </a:solidFill>
+                <a:effectLst/>
+                <a:latin typeface="+mn-lt"/>
+                <a:ea typeface="+mn-ea"/>
+                <a:cs typeface="+mn-cs"/>
+              </a:rPr>
+              <a:t>Florida</a:t>
+            </a:r>
+          </a:p>
+          <a:p>
+            <a:pPr rtl="0" eaLnBrk="1" fontAlgn="t" latinLnBrk="0" hangingPunct="1"/>
+            <a:r>
+              <a:rPr lang="en-US" sz="1200" b="0" i="0" u="none" strike="noStrike" kern="1200" dirty="0">
+                <a:solidFill>
+                  <a:schemeClr val="tx1"/>
+                </a:solidFill>
+                <a:effectLst/>
+                <a:latin typeface="+mn-lt"/>
+                <a:ea typeface="+mn-ea"/>
+                <a:cs typeface="+mn-cs"/>
+              </a:rPr>
+              <a:t>21.6 M</a:t>
+            </a:r>
+          </a:p>
+          <a:p>
+            <a:pPr rtl="0" eaLnBrk="1" fontAlgn="t" latinLnBrk="0" hangingPunct="1"/>
+            <a:r>
+              <a:rPr lang="en-US" sz="1200" b="0" i="0" u="none" strike="noStrike" kern="1200" dirty="0">
+                <a:solidFill>
+                  <a:schemeClr val="tx1"/>
+                </a:solidFill>
+                <a:effectLst/>
+                <a:latin typeface="+mn-lt"/>
+                <a:ea typeface="+mn-ea"/>
+                <a:cs typeface="+mn-cs"/>
+              </a:rPr>
+              <a:t>New York</a:t>
+            </a:r>
+          </a:p>
+          <a:p>
+            <a:pPr rtl="0" eaLnBrk="1" fontAlgn="t" latinLnBrk="0" hangingPunct="1"/>
+            <a:r>
+              <a:rPr lang="en-US" sz="1200" b="0" i="0" u="none" strike="noStrike" kern="1200" dirty="0">
+                <a:solidFill>
+                  <a:schemeClr val="tx1"/>
+                </a:solidFill>
+                <a:effectLst/>
+                <a:latin typeface="+mn-lt"/>
+                <a:ea typeface="+mn-ea"/>
+                <a:cs typeface="+mn-cs"/>
+              </a:rPr>
+              <a:t>19.5 M</a:t>
+            </a:r>
+          </a:p>
+          <a:p>
+            <a:pPr rtl="0" eaLnBrk="1" fontAlgn="t" latinLnBrk="0" hangingPunct="1"/>
+            <a:r>
+              <a:rPr lang="en-US" sz="1200" b="0" i="0" u="none" strike="noStrike" kern="1200" dirty="0">
+                <a:solidFill>
+                  <a:schemeClr val="tx1"/>
+                </a:solidFill>
+                <a:effectLst/>
+                <a:latin typeface="+mn-lt"/>
+                <a:ea typeface="+mn-ea"/>
+                <a:cs typeface="+mn-cs"/>
+              </a:rPr>
+              <a:t>Pennsylvania</a:t>
+            </a:r>
+          </a:p>
+          <a:p>
+            <a:pPr rtl="0" eaLnBrk="1" fontAlgn="t" latinLnBrk="0" hangingPunct="1"/>
+            <a:r>
+              <a:rPr lang="en-US" sz="1200" b="0" i="0" u="none" strike="noStrike" kern="1200" dirty="0">
+                <a:solidFill>
+                  <a:schemeClr val="tx1"/>
+                </a:solidFill>
+                <a:effectLst/>
+                <a:latin typeface="+mn-lt"/>
+                <a:ea typeface="+mn-ea"/>
+                <a:cs typeface="+mn-cs"/>
+              </a:rPr>
+              <a:t>12.8 M</a:t>
+            </a:r>
+          </a:p>
+          <a:p>
+            <a:endParaRPr lang="en-US" dirty="0"/>
           </a:p>
         </p:txBody>
       </p:sp>
@@ -1606,7 +1902,7 @@
     </p:spTree>
     <p:extLst>
       <p:ext uri="{BB962C8B-B14F-4D97-AF65-F5344CB8AC3E}">
-        <p14:creationId xmlns:p14="http://schemas.microsoft.com/office/powerpoint/2010/main" val="3521674515"/>
+        <p14:creationId xmlns:p14="http://schemas.microsoft.com/office/powerpoint/2010/main" val="296986981"/>
       </p:ext>
     </p:extLst>
   </p:cSld>
@@ -1662,224 +1958,14 @@
           <a:p>
             <a:r>
               <a:rPr lang="en-US" dirty="0"/>
-              <a:t>This correlates with our hypothesis that more urban areas are susceptible to bicycle crashes. </a:t>
-            </a:r>
-          </a:p>
-          <a:p>
-            <a:endParaRPr lang="en-US" dirty="0"/>
+              <a:t>Jodie</a:t>
+            </a:r>
           </a:p>
           <a:p>
             <a:r>
               <a:rPr lang="en-US" dirty="0"/>
-              <a:t>Melanie</a:t>
-            </a:r>
-          </a:p>
-          <a:p>
-            <a:endParaRPr lang="en-US" dirty="0"/>
-          </a:p>
-          <a:p>
-            <a:endParaRPr lang="en-US" dirty="0"/>
-          </a:p>
-          <a:p>
-            <a:pPr rtl="0" eaLnBrk="1" fontAlgn="t" latinLnBrk="0" hangingPunct="1"/>
-            <a:r>
-              <a:rPr lang="en-US" sz="1200" b="1" i="0" u="none" strike="noStrike" kern="1200" dirty="0">
-                <a:solidFill>
-                  <a:schemeClr val="tx1"/>
-                </a:solidFill>
-                <a:effectLst/>
-                <a:latin typeface="+mn-lt"/>
-                <a:ea typeface="+mn-ea"/>
-                <a:cs typeface="+mn-cs"/>
-              </a:rPr>
-              <a:t>State</a:t>
-            </a:r>
-            <a:endParaRPr lang="en-US" sz="1200" b="0" i="0" u="none" strike="noStrike" kern="1200" dirty="0">
-              <a:solidFill>
-                <a:schemeClr val="tx1"/>
-              </a:solidFill>
-              <a:effectLst/>
-              <a:latin typeface="+mn-lt"/>
-              <a:ea typeface="+mn-ea"/>
-              <a:cs typeface="+mn-cs"/>
-            </a:endParaRPr>
-          </a:p>
-          <a:p>
-            <a:pPr rtl="0" eaLnBrk="1" fontAlgn="t" latinLnBrk="0" hangingPunct="1"/>
-            <a:r>
-              <a:rPr lang="en-US" sz="1200" b="1" i="0" u="none" strike="noStrike" kern="1200" dirty="0">
-                <a:solidFill>
-                  <a:schemeClr val="tx1"/>
-                </a:solidFill>
-                <a:effectLst/>
-                <a:latin typeface="+mn-lt"/>
-                <a:ea typeface="+mn-ea"/>
-                <a:cs typeface="+mn-cs"/>
-              </a:rPr>
-              <a:t>Fatalities per 1M Pop.</a:t>
-            </a:r>
-            <a:endParaRPr lang="en-US" sz="1200" b="0" i="0" u="none" strike="noStrike" kern="1200" dirty="0">
-              <a:solidFill>
-                <a:schemeClr val="tx1"/>
-              </a:solidFill>
-              <a:effectLst/>
-              <a:latin typeface="+mn-lt"/>
-              <a:ea typeface="+mn-ea"/>
-              <a:cs typeface="+mn-cs"/>
-            </a:endParaRPr>
-          </a:p>
-          <a:p>
-            <a:pPr rtl="0" eaLnBrk="1" fontAlgn="t" latinLnBrk="0" hangingPunct="1"/>
-            <a:r>
-              <a:rPr lang="en-US" sz="1200" b="0" i="0" u="none" strike="noStrike" kern="1200" dirty="0">
-                <a:solidFill>
-                  <a:schemeClr val="tx1"/>
-                </a:solidFill>
-                <a:effectLst/>
-                <a:latin typeface="+mn-lt"/>
-                <a:ea typeface="+mn-ea"/>
-                <a:cs typeface="+mn-cs"/>
-              </a:rPr>
-              <a:t>California</a:t>
-            </a:r>
-          </a:p>
-          <a:p>
-            <a:pPr rtl="0" eaLnBrk="1" fontAlgn="t" latinLnBrk="0" hangingPunct="1"/>
-            <a:r>
-              <a:rPr lang="en-US" sz="1200" b="0" i="0" u="none" strike="noStrike" kern="1200" dirty="0">
-                <a:solidFill>
-                  <a:schemeClr val="tx1"/>
-                </a:solidFill>
-                <a:effectLst/>
-                <a:latin typeface="+mn-lt"/>
-                <a:ea typeface="+mn-ea"/>
-                <a:cs typeface="+mn-cs"/>
-              </a:rPr>
-              <a:t>39.7 M</a:t>
-            </a:r>
-          </a:p>
-          <a:p>
-            <a:pPr rtl="0" eaLnBrk="1" fontAlgn="t" latinLnBrk="0" hangingPunct="1"/>
-            <a:r>
-              <a:rPr lang="en-US" sz="1200" b="0" i="0" u="none" strike="noStrike" kern="1200" dirty="0">
-                <a:solidFill>
-                  <a:schemeClr val="tx1"/>
-                </a:solidFill>
-                <a:effectLst/>
-                <a:latin typeface="+mn-lt"/>
-                <a:ea typeface="+mn-ea"/>
-                <a:cs typeface="+mn-cs"/>
-              </a:rPr>
-              <a:t>Texas</a:t>
-            </a:r>
-          </a:p>
-          <a:p>
-            <a:pPr rtl="0" eaLnBrk="1" fontAlgn="t" latinLnBrk="0" hangingPunct="1"/>
-            <a:r>
-              <a:rPr lang="en-US" sz="1200" b="0" i="0" u="none" strike="noStrike" kern="1200" dirty="0">
-                <a:solidFill>
-                  <a:schemeClr val="tx1"/>
-                </a:solidFill>
-                <a:effectLst/>
-                <a:latin typeface="+mn-lt"/>
-                <a:ea typeface="+mn-ea"/>
-                <a:cs typeface="+mn-cs"/>
-              </a:rPr>
-              <a:t>29.0 M</a:t>
-            </a:r>
-          </a:p>
-          <a:p>
-            <a:pPr rtl="0" eaLnBrk="1" fontAlgn="t" latinLnBrk="0" hangingPunct="1"/>
-            <a:r>
-              <a:rPr lang="en-US" sz="1200" b="0" i="0" u="none" strike="noStrike" kern="1200" dirty="0">
-                <a:solidFill>
-                  <a:schemeClr val="tx1"/>
-                </a:solidFill>
-                <a:effectLst/>
-                <a:latin typeface="+mn-lt"/>
-                <a:ea typeface="+mn-ea"/>
-                <a:cs typeface="+mn-cs"/>
-              </a:rPr>
-              <a:t>Florida</a:t>
-            </a:r>
-          </a:p>
-          <a:p>
-            <a:pPr rtl="0" eaLnBrk="1" fontAlgn="t" latinLnBrk="0" hangingPunct="1"/>
-            <a:r>
-              <a:rPr lang="en-US" sz="1200" b="0" i="0" u="none" strike="noStrike" kern="1200" dirty="0">
-                <a:solidFill>
-                  <a:schemeClr val="tx1"/>
-                </a:solidFill>
-                <a:effectLst/>
-                <a:latin typeface="+mn-lt"/>
-                <a:ea typeface="+mn-ea"/>
-                <a:cs typeface="+mn-cs"/>
-              </a:rPr>
-              <a:t>21.6 M</a:t>
-            </a:r>
-          </a:p>
-          <a:p>
-            <a:pPr rtl="0" eaLnBrk="1" fontAlgn="t" latinLnBrk="0" hangingPunct="1"/>
-            <a:r>
-              <a:rPr lang="en-US" sz="1200" b="0" i="0" u="none" strike="noStrike" kern="1200" dirty="0">
-                <a:solidFill>
-                  <a:schemeClr val="tx1"/>
-                </a:solidFill>
-                <a:effectLst/>
-                <a:latin typeface="+mn-lt"/>
-                <a:ea typeface="+mn-ea"/>
-                <a:cs typeface="+mn-cs"/>
-              </a:rPr>
-              <a:t>New York</a:t>
-            </a:r>
-          </a:p>
-          <a:p>
-            <a:pPr rtl="0" eaLnBrk="1" fontAlgn="t" latinLnBrk="0" hangingPunct="1"/>
-            <a:r>
-              <a:rPr lang="en-US" sz="1200" b="0" i="0" u="none" strike="noStrike" kern="1200" dirty="0">
-                <a:solidFill>
-                  <a:schemeClr val="tx1"/>
-                </a:solidFill>
-                <a:effectLst/>
-                <a:latin typeface="+mn-lt"/>
-                <a:ea typeface="+mn-ea"/>
-                <a:cs typeface="+mn-cs"/>
-              </a:rPr>
-              <a:t>19.5 M</a:t>
-            </a:r>
-          </a:p>
-          <a:p>
-            <a:pPr rtl="0" eaLnBrk="1" fontAlgn="t" latinLnBrk="0" hangingPunct="1"/>
-            <a:r>
-              <a:rPr lang="en-US" sz="1200" b="0" i="0" u="none" strike="noStrike" kern="1200" dirty="0">
-                <a:solidFill>
-                  <a:schemeClr val="tx1"/>
-                </a:solidFill>
-                <a:effectLst/>
-                <a:latin typeface="+mn-lt"/>
-                <a:ea typeface="+mn-ea"/>
-                <a:cs typeface="+mn-cs"/>
-              </a:rPr>
-              <a:t>Pennsylvania</a:t>
-            </a:r>
-          </a:p>
-          <a:p>
-            <a:pPr rtl="0" eaLnBrk="1" fontAlgn="t" latinLnBrk="0" hangingPunct="1"/>
-            <a:r>
-              <a:rPr lang="en-US" sz="1200" b="0" i="0" u="none" strike="noStrike" kern="1200" dirty="0">
-                <a:solidFill>
-                  <a:schemeClr val="tx1"/>
-                </a:solidFill>
-                <a:effectLst/>
-                <a:latin typeface="+mn-lt"/>
-                <a:ea typeface="+mn-ea"/>
-                <a:cs typeface="+mn-cs"/>
-              </a:rPr>
-              <a:t>12.8 M</a:t>
-            </a:r>
-          </a:p>
-          <a:p>
-            <a:endParaRPr lang="en-US" dirty="0"/>
+              <a:t>When presenting, can share the times that correspond to each.  Shows highest number during 3-6pm (ties in with hypothesis of more during evening rush hour window, which is generally around 4-6pm)</a:t>
+            </a:r>
           </a:p>
         </p:txBody>
       </p:sp>
@@ -1909,7 +1995,7 @@
     </p:spTree>
     <p:extLst>
       <p:ext uri="{BB962C8B-B14F-4D97-AF65-F5344CB8AC3E}">
-        <p14:creationId xmlns:p14="http://schemas.microsoft.com/office/powerpoint/2010/main" val="296986981"/>
+        <p14:creationId xmlns:p14="http://schemas.microsoft.com/office/powerpoint/2010/main" val="3428185444"/>
       </p:ext>
     </p:extLst>
   </p:cSld>
@@ -1968,12 +2054,6 @@
               <a:t>Jodie</a:t>
             </a:r>
           </a:p>
-          <a:p>
-            <a:r>
-              <a:rPr lang="en-US" dirty="0"/>
-              <a:t>When presenting, can share the times that correspond to each.  Shows highest number during 3-6pm (ties in with hypothesis of more during evening rush hour window, which is generally around 4-6pm)</a:t>
-            </a:r>
-          </a:p>
         </p:txBody>
       </p:sp>
       <p:sp>
@@ -2002,7 +2082,7 @@
     </p:spTree>
     <p:extLst>
       <p:ext uri="{BB962C8B-B14F-4D97-AF65-F5344CB8AC3E}">
-        <p14:creationId xmlns:p14="http://schemas.microsoft.com/office/powerpoint/2010/main" val="3428185444"/>
+        <p14:creationId xmlns:p14="http://schemas.microsoft.com/office/powerpoint/2010/main" val="3779459296"/>
       </p:ext>
     </p:extLst>
   </p:cSld>
@@ -2061,6 +2141,12 @@
               <a:t>Jodie</a:t>
             </a:r>
           </a:p>
+          <a:p>
+            <a:r>
+              <a:rPr lang="en-US" dirty="0"/>
+              <a:t>Shows higher numbers in urban areas and many more when the bicycle is traveling the same direction as traffic</a:t>
+            </a:r>
+          </a:p>
         </p:txBody>
       </p:sp>
       <p:sp>
@@ -2089,7 +2175,7 @@
     </p:spTree>
     <p:extLst>
       <p:ext uri="{BB962C8B-B14F-4D97-AF65-F5344CB8AC3E}">
-        <p14:creationId xmlns:p14="http://schemas.microsoft.com/office/powerpoint/2010/main" val="3779459296"/>
+        <p14:creationId xmlns:p14="http://schemas.microsoft.com/office/powerpoint/2010/main" val="4041506570"/>
       </p:ext>
     </p:extLst>
   </p:cSld>
@@ -2319,7 +2405,7 @@
           <a:p>
             <a:fld id="{D566DD37-AE77-4A24-A83C-05583D2B8C88}" type="datetime1">
               <a:rPr lang="en-US" smtClean="0"/>
-              <a:t>11/2/2019</a:t>
+              <a:t>11/3/2019</a:t>
             </a:fld>
             <a:endParaRPr lang="en-US"/>
           </a:p>
@@ -2574,7 +2660,7 @@
           <a:p>
             <a:fld id="{2D32C68B-169C-479B-9A17-0A2AF842FAAC}" type="datetime1">
               <a:rPr lang="en-US" smtClean="0"/>
-              <a:t>11/2/2019</a:t>
+              <a:t>11/3/2019</a:t>
             </a:fld>
             <a:endParaRPr lang="en-US"/>
           </a:p>
@@ -2742,7 +2828,7 @@
           <a:p>
             <a:fld id="{207B0407-AEE4-4259-8381-21DAB1D2FF93}" type="datetime1">
               <a:rPr lang="en-US" smtClean="0"/>
-              <a:t>11/2/2019</a:t>
+              <a:t>11/3/2019</a:t>
             </a:fld>
             <a:endParaRPr lang="en-US"/>
           </a:p>
@@ -2920,7 +3006,7 @@
           <a:p>
             <a:fld id="{D48AD53B-37AA-46F3-99FC-2E4476D7DD44}" type="datetime1">
               <a:rPr lang="en-US" smtClean="0"/>
-              <a:t>11/2/2019</a:t>
+              <a:t>11/3/2019</a:t>
             </a:fld>
             <a:endParaRPr lang="en-US"/>
           </a:p>
@@ -3202,7 +3288,7 @@
           <a:p>
             <a:fld id="{5B7A3CBB-F610-4336-823E-FC1C265828A0}" type="datetime1">
               <a:rPr lang="en-US" smtClean="0"/>
-              <a:t>11/2/2019</a:t>
+              <a:t>11/3/2019</a:t>
             </a:fld>
             <a:endParaRPr lang="en-US"/>
           </a:p>
@@ -3449,7 +3535,7 @@
           <a:p>
             <a:fld id="{A0A0BB07-576F-4BA3-A167-A5A98217311E}" type="datetime1">
               <a:rPr lang="en-US" smtClean="0"/>
-              <a:t>11/2/2019</a:t>
+              <a:t>11/3/2019</a:t>
             </a:fld>
             <a:endParaRPr lang="en-US"/>
           </a:p>
@@ -3694,7 +3780,7 @@
           <a:p>
             <a:fld id="{7D055530-147D-4EFF-874D-08517F6DB52E}" type="datetime1">
               <a:rPr lang="en-US" smtClean="0"/>
-              <a:t>11/2/2019</a:t>
+              <a:t>11/3/2019</a:t>
             </a:fld>
             <a:endParaRPr lang="en-US"/>
           </a:p>
@@ -3979,7 +4065,7 @@
           <a:p>
             <a:fld id="{6720DC1B-6253-4ED9-B321-047E0833500E}" type="datetime1">
               <a:rPr lang="en-US" smtClean="0"/>
-              <a:t>11/2/2019</a:t>
+              <a:t>11/3/2019</a:t>
             </a:fld>
             <a:endParaRPr lang="en-US"/>
           </a:p>
@@ -4467,7 +4553,7 @@
           <a:p>
             <a:fld id="{F01FF38B-4F80-4CF6-8014-B3FFF4DFC5CC}" type="datetime1">
               <a:rPr lang="en-US" smtClean="0"/>
-              <a:t>11/2/2019</a:t>
+              <a:t>11/3/2019</a:t>
             </a:fld>
             <a:endParaRPr lang="en-US"/>
           </a:p>
@@ -4584,7 +4670,7 @@
           <a:p>
             <a:fld id="{0FBFCC94-49A1-4693-8B41-3D65FDE0B3EB}" type="datetime1">
               <a:rPr lang="en-US" smtClean="0"/>
-              <a:t>11/2/2019</a:t>
+              <a:t>11/3/2019</a:t>
             </a:fld>
             <a:endParaRPr lang="en-US"/>
           </a:p>
@@ -4679,7 +4765,7 @@
           <a:p>
             <a:fld id="{EE9B58AA-4066-4292-859C-4BA88DA30E3D}" type="datetime1">
               <a:rPr lang="en-US" smtClean="0"/>
-              <a:t>11/2/2019</a:t>
+              <a:t>11/3/2019</a:t>
             </a:fld>
             <a:endParaRPr lang="en-US"/>
           </a:p>
@@ -4954,7 +5040,7 @@
           <a:p>
             <a:fld id="{CA3C07BB-1F27-496C-BA91-E46B3617BB65}" type="datetime1">
               <a:rPr lang="en-US" smtClean="0"/>
-              <a:t>11/2/2019</a:t>
+              <a:t>11/3/2019</a:t>
             </a:fld>
             <a:endParaRPr lang="en-US"/>
           </a:p>
@@ -5174,7 +5260,7 @@
           <a:p>
             <a:fld id="{502DA178-7FD6-4637-AC4E-92A1EA97F47D}" type="datetime1">
               <a:rPr lang="en-US" smtClean="0"/>
-              <a:t>11/2/2019</a:t>
+              <a:t>11/3/2019</a:t>
             </a:fld>
             <a:endParaRPr lang="en-US"/>
           </a:p>
@@ -5856,13 +5942,14 @@
           </a:bodyPr>
           <a:lstStyle/>
           <a:p>
+            <a:pPr algn="r"/>
             <a:r>
               <a:rPr lang="en-US" b="1" dirty="0">
                 <a:solidFill>
                   <a:schemeClr val="bg1"/>
                 </a:solidFill>
               </a:rPr>
-              <a:t>Fatalities by Day of the Week	</a:t>
+              <a:t>Fatalities by Time of Day, Type of Location, and Bicycle Direction	</a:t>
             </a:r>
           </a:p>
         </p:txBody>
@@ -5891,179 +5978,6 @@
             <a:fld id="{B311205A-2B12-4C3C-9B44-D13403EC63C4}" type="slidenum">
               <a:rPr lang="en-US" smtClean="0"/>
               <a:t>10</a:t>
-            </a:fld>
-            <a:endParaRPr lang="en-US"/>
-          </a:p>
-        </p:txBody>
-      </p:sp>
-      <p:pic>
-        <p:nvPicPr>
-          <p:cNvPr id="5" name="Picture 4">
-            <a:extLst>
-              <a:ext uri="{FF2B5EF4-FFF2-40B4-BE49-F238E27FC236}">
-                <a16:creationId xmlns:a16="http://schemas.microsoft.com/office/drawing/2014/main" id="{EEF1418D-6F92-4CB9-A765-95D6A1F31EFB}"/>
-              </a:ext>
-            </a:extLst>
-          </p:cNvPr>
-          <p:cNvPicPr>
-            <a:picLocks noChangeAspect="1"/>
-          </p:cNvPicPr>
-          <p:nvPr/>
-        </p:nvPicPr>
-        <p:blipFill>
-          <a:blip r:embed="rId3">
-            <a:extLst>
-              <a:ext uri="{28A0092B-C50C-407E-A947-70E740481C1C}">
-                <a14:useLocalDpi xmlns:a14="http://schemas.microsoft.com/office/drawing/2010/main" val="0"/>
-              </a:ext>
-            </a:extLst>
-          </a:blip>
-          <a:stretch>
-            <a:fillRect/>
-          </a:stretch>
-        </p:blipFill>
-        <p:spPr>
-          <a:xfrm>
-            <a:off x="4532811" y="2553149"/>
-            <a:ext cx="5675812" cy="3804204"/>
-          </a:xfrm>
-          <a:prstGeom prst="rect">
-            <a:avLst/>
-          </a:prstGeom>
-        </p:spPr>
-      </p:pic>
-      <p:sp>
-        <p:nvSpPr>
-          <p:cNvPr id="6" name="TextBox 5">
-            <a:extLst>
-              <a:ext uri="{FF2B5EF4-FFF2-40B4-BE49-F238E27FC236}">
-                <a16:creationId xmlns:a16="http://schemas.microsoft.com/office/drawing/2014/main" id="{5BB4A18F-D2D7-4192-8103-75C7E0BDCA61}"/>
-              </a:ext>
-            </a:extLst>
-          </p:cNvPr>
-          <p:cNvSpPr txBox="1"/>
-          <p:nvPr/>
-        </p:nvSpPr>
-        <p:spPr>
-          <a:xfrm>
-            <a:off x="3331029" y="2075664"/>
-            <a:ext cx="8549640" cy="400110"/>
-          </a:xfrm>
-          <a:prstGeom prst="rect">
-            <a:avLst/>
-          </a:prstGeom>
-          <a:noFill/>
-        </p:spPr>
-        <p:txBody>
-          <a:bodyPr wrap="square" rtlCol="0">
-            <a:spAutoFit/>
-          </a:bodyPr>
-          <a:lstStyle/>
-          <a:p>
-            <a:r>
-              <a:rPr lang="en-US" sz="2000" b="1" dirty="0">
-                <a:solidFill>
-                  <a:schemeClr val="bg1"/>
-                </a:solidFill>
-              </a:rPr>
-              <a:t>Slightly more fatalities seen on Friday, with fewer occurring on the weekends</a:t>
-            </a:r>
-          </a:p>
-        </p:txBody>
-      </p:sp>
-    </p:spTree>
-    <p:extLst>
-      <p:ext uri="{BB962C8B-B14F-4D97-AF65-F5344CB8AC3E}">
-        <p14:creationId xmlns:p14="http://schemas.microsoft.com/office/powerpoint/2010/main" val="3089322612"/>
-      </p:ext>
-    </p:extLst>
-  </p:cSld>
-  <p:clrMapOvr>
-    <a:masterClrMapping/>
-  </p:clrMapOvr>
-</p:sld>
-</file>
-
-<file path=ppt/slides/slide11.xml><?xml version="1.0" encoding="utf-8"?>
-<p:sld xmlns:a="http://schemas.openxmlformats.org/drawingml/2006/main" xmlns:r="http://schemas.openxmlformats.org/officeDocument/2006/relationships" xmlns:p="http://schemas.openxmlformats.org/presentationml/2006/main">
-  <p:cSld>
-    <p:spTree>
-      <p:nvGrpSpPr>
-        <p:cNvPr id="1" name=""/>
-        <p:cNvGrpSpPr/>
-        <p:nvPr/>
-      </p:nvGrpSpPr>
-      <p:grpSpPr>
-        <a:xfrm>
-          <a:off x="0" y="0"/>
-          <a:ext cx="0" cy="0"/>
-          <a:chOff x="0" y="0"/>
-          <a:chExt cx="0" cy="0"/>
-        </a:xfrm>
-      </p:grpSpPr>
-      <p:sp>
-        <p:nvSpPr>
-          <p:cNvPr id="2" name="Title 1">
-            <a:extLst>
-              <a:ext uri="{FF2B5EF4-FFF2-40B4-BE49-F238E27FC236}">
-                <a16:creationId xmlns:a16="http://schemas.microsoft.com/office/drawing/2014/main" id="{A3088442-7183-47CB-B5EF-C175260737F6}"/>
-              </a:ext>
-            </a:extLst>
-          </p:cNvPr>
-          <p:cNvSpPr>
-            <a:spLocks noGrp="1"/>
-          </p:cNvSpPr>
-          <p:nvPr>
-            <p:ph type="title"/>
-          </p:nvPr>
-        </p:nvSpPr>
-        <p:spPr>
-          <a:xfrm>
-            <a:off x="3245506" y="943884"/>
-            <a:ext cx="8347873" cy="763525"/>
-          </a:xfrm>
-        </p:spPr>
-        <p:txBody>
-          <a:bodyPr>
-            <a:normAutofit fontScale="90000"/>
-          </a:bodyPr>
-          <a:lstStyle/>
-          <a:p>
-            <a:r>
-              <a:rPr lang="en-US" b="1" dirty="0">
-                <a:solidFill>
-                  <a:schemeClr val="bg1"/>
-                </a:solidFill>
-              </a:rPr>
-              <a:t>Fatalities by Time of Day, Type of Location, and Bicycle Direction	</a:t>
-            </a:r>
-          </a:p>
-        </p:txBody>
-      </p:sp>
-      <p:sp>
-        <p:nvSpPr>
-          <p:cNvPr id="3" name="Slide Number Placeholder 2">
-            <a:extLst>
-              <a:ext uri="{FF2B5EF4-FFF2-40B4-BE49-F238E27FC236}">
-                <a16:creationId xmlns:a16="http://schemas.microsoft.com/office/drawing/2014/main" id="{CDEF0D43-9610-49F3-8E97-A001A1C0720D}"/>
-              </a:ext>
-            </a:extLst>
-          </p:cNvPr>
-          <p:cNvSpPr>
-            <a:spLocks noGrp="1"/>
-          </p:cNvSpPr>
-          <p:nvPr>
-            <p:ph type="sldNum" sz="quarter" idx="12"/>
-          </p:nvPr>
-        </p:nvSpPr>
-        <p:spPr/>
-        <p:txBody>
-          <a:bodyPr/>
-          <a:lstStyle/>
-          <a:p>
-            <a:fld id="{B311205A-2B12-4C3C-9B44-D13403EC63C4}" type="slidenum">
-              <a:rPr lang="en-US" smtClean="0"/>
-              <a:t>11</a:t>
             </a:fld>
             <a:endParaRPr lang="en-US"/>
           </a:p>
@@ -6157,9 +6071,23 @@
 </p:sld>
 </file>
 
-<file path=ppt/slides/slide12.xml><?xml version="1.0" encoding="utf-8"?>
+<file path=ppt/slides/slide11.xml><?xml version="1.0" encoding="utf-8"?>
 <p:sld xmlns:a="http://schemas.openxmlformats.org/drawingml/2006/main" xmlns:r="http://schemas.openxmlformats.org/officeDocument/2006/relationships" xmlns:p="http://schemas.openxmlformats.org/presentationml/2006/main">
   <p:cSld>
+    <p:bg>
+      <p:bgPr>
+        <a:blipFill dpi="0" rotWithShape="1">
+          <a:blip r:embed="rId3">
+            <a:lum/>
+          </a:blip>
+          <a:srcRect/>
+          <a:stretch>
+            <a:fillRect/>
+          </a:stretch>
+        </a:blipFill>
+        <a:effectLst/>
+      </p:bgPr>
+    </p:bg>
     <p:spTree>
       <p:nvGrpSpPr>
         <p:cNvPr id="1" name=""/>
@@ -6179,7 +6107,7 @@
           <p:cNvPr id="2" name="Title 1">
             <a:extLst>
               <a:ext uri="{FF2B5EF4-FFF2-40B4-BE49-F238E27FC236}">
-                <a16:creationId xmlns:a16="http://schemas.microsoft.com/office/drawing/2014/main" id="{4FFCA09D-B687-4045-B706-55531F554618}"/>
+                <a16:creationId xmlns:a16="http://schemas.microsoft.com/office/drawing/2014/main" id="{F38F29D7-EE51-440C-BB0B-ED5B08A5A661}"/>
               </a:ext>
             </a:extLst>
           </p:cNvPr>
@@ -6190,7 +6118,12 @@
             <p:ph type="title"/>
           </p:nvPr>
         </p:nvSpPr>
-        <p:spPr/>
+        <p:spPr>
+          <a:xfrm>
+            <a:off x="670539" y="847512"/>
+            <a:ext cx="10994760" cy="985720"/>
+          </a:xfrm>
+        </p:spPr>
         <p:txBody>
           <a:bodyPr vert="horz" lIns="91440" tIns="45720" rIns="91440" bIns="45720" rtlCol="0" anchor="ctr">
             <a:normAutofit/>
@@ -6203,42 +6136,52 @@
                   <a:schemeClr val="bg1"/>
                 </a:solidFill>
               </a:rPr>
-              <a:t>Crash Type Analysis</a:t>
-            </a:r>
-          </a:p>
-        </p:txBody>
-      </p:sp>
-      <p:sp>
-        <p:nvSpPr>
-          <p:cNvPr id="3" name="Content Placeholder 2">
+              <a:t>Time of Day vs Gender</a:t>
+            </a:r>
+          </a:p>
+        </p:txBody>
+      </p:sp>
+      <p:pic>
+        <p:nvPicPr>
+          <p:cNvPr id="6" name="Content Placeholder 5">
             <a:extLst>
               <a:ext uri="{FF2B5EF4-FFF2-40B4-BE49-F238E27FC236}">
-                <a16:creationId xmlns:a16="http://schemas.microsoft.com/office/drawing/2014/main" id="{B0C5BC9A-632F-412A-A2DB-D70B12A126EA}"/>
+                <a16:creationId xmlns:a16="http://schemas.microsoft.com/office/drawing/2014/main" id="{AB38E02E-EDE3-4FD4-8FB9-4B276246D74B}"/>
               </a:ext>
             </a:extLst>
           </p:cNvPr>
-          <p:cNvSpPr>
-            <a:spLocks noGrp="1"/>
-          </p:cNvSpPr>
+          <p:cNvPicPr>
+            <a:picLocks noGrp="1" noChangeAspect="1"/>
+          </p:cNvPicPr>
           <p:nvPr>
             <p:ph idx="1"/>
           </p:nvPr>
-        </p:nvSpPr>
-        <p:spPr/>
-        <p:txBody>
-          <a:bodyPr/>
-          <a:lstStyle/>
-          <a:p>
-            <a:endParaRPr lang="en-US" dirty="0"/>
-          </a:p>
-        </p:txBody>
-      </p:sp>
+        </p:nvPicPr>
+        <p:blipFill>
+          <a:blip r:embed="rId4">
+            <a:extLst>
+              <a:ext uri="{28A0092B-C50C-407E-A947-70E740481C1C}">
+                <a14:useLocalDpi xmlns:a14="http://schemas.microsoft.com/office/drawing/2010/main" val="0"/>
+              </a:ext>
+            </a:extLst>
+          </a:blip>
+          <a:stretch>
+            <a:fillRect/>
+          </a:stretch>
+        </p:blipFill>
+        <p:spPr>
+          <a:xfrm>
+            <a:off x="5188616" y="2609636"/>
+            <a:ext cx="5250190" cy="3937643"/>
+          </a:xfrm>
+        </p:spPr>
+      </p:pic>
       <p:sp>
         <p:nvSpPr>
           <p:cNvPr id="4" name="Slide Number Placeholder 3">
             <a:extLst>
               <a:ext uri="{FF2B5EF4-FFF2-40B4-BE49-F238E27FC236}">
-                <a16:creationId xmlns:a16="http://schemas.microsoft.com/office/drawing/2014/main" id="{A04C2E8A-40D7-48EC-A81E-79DB83BDF68D}"/>
+                <a16:creationId xmlns:a16="http://schemas.microsoft.com/office/drawing/2014/main" id="{24DCC7B5-C393-4BF2-A433-B5512E779A92}"/>
               </a:ext>
             </a:extLst>
           </p:cNvPr>
@@ -6256,28 +6199,81 @@
           <a:p>
             <a:fld id="{B311205A-2B12-4C3C-9B44-D13403EC63C4}" type="slidenum">
               <a:rPr lang="en-US" smtClean="0"/>
-              <a:t>12</a:t>
+              <a:t>11</a:t>
             </a:fld>
             <a:endParaRPr lang="en-US"/>
+          </a:p>
+        </p:txBody>
+      </p:sp>
+      <p:sp>
+        <p:nvSpPr>
+          <p:cNvPr id="7" name="TextBox 6">
+            <a:extLst>
+              <a:ext uri="{FF2B5EF4-FFF2-40B4-BE49-F238E27FC236}">
+                <a16:creationId xmlns:a16="http://schemas.microsoft.com/office/drawing/2014/main" id="{C57AF12F-4B4C-4058-92AF-FD36DD80279D}"/>
+              </a:ext>
+            </a:extLst>
+          </p:cNvPr>
+          <p:cNvSpPr txBox="1"/>
+          <p:nvPr/>
+        </p:nvSpPr>
+        <p:spPr>
+          <a:xfrm>
+            <a:off x="3331029" y="2075664"/>
+            <a:ext cx="8549640" cy="400110"/>
+          </a:xfrm>
+          <a:prstGeom prst="rect">
+            <a:avLst/>
+          </a:prstGeom>
+          <a:noFill/>
+        </p:spPr>
+        <p:txBody>
+          <a:bodyPr wrap="square" rtlCol="0">
+            <a:spAutoFit/>
+          </a:bodyPr>
+          <a:lstStyle/>
+          <a:p>
+            <a:r>
+              <a:rPr lang="en-US" sz="2000" b="1" dirty="0">
+                <a:solidFill>
+                  <a:schemeClr val="bg1"/>
+                </a:solidFill>
+              </a:rPr>
+              <a:t>More male fatalities than female fatalities.</a:t>
+            </a:r>
           </a:p>
         </p:txBody>
       </p:sp>
     </p:spTree>
     <p:extLst>
       <p:ext uri="{BB962C8B-B14F-4D97-AF65-F5344CB8AC3E}">
-        <p14:creationId xmlns:p14="http://schemas.microsoft.com/office/powerpoint/2010/main" val="1951445760"/>
+        <p14:creationId xmlns:p14="http://schemas.microsoft.com/office/powerpoint/2010/main" val="2836554731"/>
       </p:ext>
     </p:extLst>
   </p:cSld>
   <p:clrMapOvr>
-    <a:masterClrMapping/>
+    <a:overrideClrMapping bg1="lt1" tx1="dk1" bg2="lt2" tx2="dk2" accent1="accent1" accent2="accent2" accent3="accent3" accent4="accent4" accent5="accent5" accent6="accent6" hlink="hlink" folHlink="folHlink"/>
   </p:clrMapOvr>
 </p:sld>
 </file>
 
-<file path=ppt/slides/slide13.xml><?xml version="1.0" encoding="utf-8"?>
+<file path=ppt/slides/slide12.xml><?xml version="1.0" encoding="utf-8"?>
 <p:sld xmlns:a="http://schemas.openxmlformats.org/drawingml/2006/main" xmlns:r="http://schemas.openxmlformats.org/officeDocument/2006/relationships" xmlns:p="http://schemas.openxmlformats.org/presentationml/2006/main">
   <p:cSld>
+    <p:bg>
+      <p:bgPr>
+        <a:blipFill dpi="0" rotWithShape="1">
+          <a:blip r:embed="rId4">
+            <a:lum/>
+          </a:blip>
+          <a:srcRect/>
+          <a:stretch>
+            <a:fillRect/>
+          </a:stretch>
+        </a:blipFill>
+        <a:effectLst/>
+      </p:bgPr>
+    </p:bg>
     <p:spTree>
       <p:nvGrpSpPr>
         <p:cNvPr id="1" name=""/>
@@ -6294,10 +6290,10 @@
       </p:grpSpPr>
       <p:sp>
         <p:nvSpPr>
-          <p:cNvPr id="2" name="Title 1">
+          <p:cNvPr id="16" name="Title 15">
             <a:extLst>
               <a:ext uri="{FF2B5EF4-FFF2-40B4-BE49-F238E27FC236}">
-                <a16:creationId xmlns:a16="http://schemas.microsoft.com/office/drawing/2014/main" id="{4FFCA09D-B687-4045-B706-55531F554618}"/>
+                <a16:creationId xmlns:a16="http://schemas.microsoft.com/office/drawing/2014/main" id="{58A1EC86-1675-42E2-93B6-BB76CB730921}"/>
               </a:ext>
             </a:extLst>
           </p:cNvPr>
@@ -6308,7 +6304,12 @@
             <p:ph type="title"/>
           </p:nvPr>
         </p:nvSpPr>
-        <p:spPr/>
+        <p:spPr>
+          <a:xfrm>
+            <a:off x="598620" y="868059"/>
+            <a:ext cx="10994760" cy="985720"/>
+          </a:xfrm>
+        </p:spPr>
         <p:txBody>
           <a:bodyPr vert="horz" lIns="91440" tIns="45720" rIns="91440" bIns="45720" rtlCol="0" anchor="ctr">
             <a:normAutofit/>
@@ -6321,36 +6322,46 @@
                   <a:schemeClr val="bg1"/>
                 </a:solidFill>
               </a:rPr>
-              <a:t>Weather</a:t>
-            </a:r>
-          </a:p>
-        </p:txBody>
-      </p:sp>
-      <p:sp>
-        <p:nvSpPr>
-          <p:cNvPr id="3" name="Content Placeholder 2">
+              <a:t>Crash Type</a:t>
+            </a:r>
+          </a:p>
+        </p:txBody>
+      </p:sp>
+      <p:pic>
+        <p:nvPicPr>
+          <p:cNvPr id="24" name="Content Placeholder 23">
             <a:extLst>
               <a:ext uri="{FF2B5EF4-FFF2-40B4-BE49-F238E27FC236}">
-                <a16:creationId xmlns:a16="http://schemas.microsoft.com/office/drawing/2014/main" id="{B0C5BC9A-632F-412A-A2DB-D70B12A126EA}"/>
+                <a16:creationId xmlns:a16="http://schemas.microsoft.com/office/drawing/2014/main" id="{659CB5D7-32B8-4EC9-A85A-3AB2930A9A67}"/>
               </a:ext>
             </a:extLst>
           </p:cNvPr>
-          <p:cNvSpPr>
-            <a:spLocks noGrp="1"/>
-          </p:cNvSpPr>
+          <p:cNvPicPr>
+            <a:picLocks noGrp="1" noChangeAspect="1"/>
+          </p:cNvPicPr>
           <p:nvPr>
             <p:ph idx="1"/>
           </p:nvPr>
-        </p:nvSpPr>
-        <p:spPr/>
-        <p:txBody>
-          <a:bodyPr/>
-          <a:lstStyle/>
-          <a:p>
-            <a:endParaRPr lang="en-US" dirty="0"/>
-          </a:p>
-        </p:txBody>
-      </p:sp>
+        </p:nvPicPr>
+        <p:blipFill>
+          <a:blip r:embed="rId5">
+            <a:extLst>
+              <a:ext uri="{28A0092B-C50C-407E-A947-70E740481C1C}">
+                <a14:useLocalDpi xmlns:a14="http://schemas.microsoft.com/office/drawing/2010/main" val="0"/>
+              </a:ext>
+            </a:extLst>
+          </a:blip>
+          <a:stretch>
+            <a:fillRect/>
+          </a:stretch>
+        </p:blipFill>
+        <p:spPr>
+          <a:xfrm>
+            <a:off x="4691412" y="2578973"/>
+            <a:ext cx="5828873" cy="3885915"/>
+          </a:xfrm>
+        </p:spPr>
+      </p:pic>
       <p:sp>
         <p:nvSpPr>
           <p:cNvPr id="4" name="Slide Number Placeholder 3">
@@ -6374,28 +6385,81 @@
           <a:p>
             <a:fld id="{B311205A-2B12-4C3C-9B44-D13403EC63C4}" type="slidenum">
               <a:rPr lang="en-US" smtClean="0"/>
-              <a:t>13</a:t>
+              <a:t>12</a:t>
             </a:fld>
             <a:endParaRPr lang="en-US"/>
+          </a:p>
+        </p:txBody>
+      </p:sp>
+      <p:sp>
+        <p:nvSpPr>
+          <p:cNvPr id="25" name="TextBox 24">
+            <a:extLst>
+              <a:ext uri="{FF2B5EF4-FFF2-40B4-BE49-F238E27FC236}">
+                <a16:creationId xmlns:a16="http://schemas.microsoft.com/office/drawing/2014/main" id="{238C2B9D-0B93-486C-A8F6-C466A12F8C01}"/>
+              </a:ext>
+            </a:extLst>
+          </p:cNvPr>
+          <p:cNvSpPr txBox="1"/>
+          <p:nvPr/>
+        </p:nvSpPr>
+        <p:spPr>
+          <a:xfrm>
+            <a:off x="3331029" y="2075664"/>
+            <a:ext cx="8549640" cy="400110"/>
+          </a:xfrm>
+          <a:prstGeom prst="rect">
+            <a:avLst/>
+          </a:prstGeom>
+          <a:noFill/>
+        </p:spPr>
+        <p:txBody>
+          <a:bodyPr wrap="square" rtlCol="0">
+            <a:spAutoFit/>
+          </a:bodyPr>
+          <a:lstStyle/>
+          <a:p>
+            <a:r>
+              <a:rPr lang="en-US" sz="2000" b="1" dirty="0">
+                <a:solidFill>
+                  <a:schemeClr val="bg1"/>
+                </a:solidFill>
+              </a:rPr>
+              <a:t>Motorist Error and Bicyclist Error are comparable.</a:t>
+            </a:r>
           </a:p>
         </p:txBody>
       </p:sp>
     </p:spTree>
     <p:extLst>
       <p:ext uri="{BB962C8B-B14F-4D97-AF65-F5344CB8AC3E}">
-        <p14:creationId xmlns:p14="http://schemas.microsoft.com/office/powerpoint/2010/main" val="4118847506"/>
+        <p14:creationId xmlns:p14="http://schemas.microsoft.com/office/powerpoint/2010/main" val="1951445760"/>
       </p:ext>
     </p:extLst>
   </p:cSld>
   <p:clrMapOvr>
-    <a:masterClrMapping/>
+    <a:overrideClrMapping bg1="lt1" tx1="dk1" bg2="lt2" tx2="dk2" accent1="accent1" accent2="accent2" accent3="accent3" accent4="accent4" accent5="accent5" accent6="accent6" hlink="hlink" folHlink="folHlink"/>
   </p:clrMapOvr>
 </p:sld>
 </file>
 
-<file path=ppt/slides/slide14.xml><?xml version="1.0" encoding="utf-8"?>
+<file path=ppt/slides/slide13.xml><?xml version="1.0" encoding="utf-8"?>
 <p:sld xmlns:a="http://schemas.openxmlformats.org/drawingml/2006/main" xmlns:r="http://schemas.openxmlformats.org/officeDocument/2006/relationships" xmlns:p="http://schemas.openxmlformats.org/presentationml/2006/main">
   <p:cSld>
+    <p:bg>
+      <p:bgPr>
+        <a:blipFill dpi="0" rotWithShape="1">
+          <a:blip r:embed="rId4">
+            <a:lum/>
+          </a:blip>
+          <a:srcRect/>
+          <a:stretch>
+            <a:fillRect/>
+          </a:stretch>
+        </a:blipFill>
+        <a:effectLst/>
+      </p:bgPr>
+    </p:bg>
     <p:spTree>
       <p:nvGrpSpPr>
         <p:cNvPr id="1" name=""/>
@@ -6412,10 +6476,10 @@
       </p:grpSpPr>
       <p:sp>
         <p:nvSpPr>
-          <p:cNvPr id="2" name="Title 1">
+          <p:cNvPr id="16" name="Title 15">
             <a:extLst>
               <a:ext uri="{FF2B5EF4-FFF2-40B4-BE49-F238E27FC236}">
-                <a16:creationId xmlns:a16="http://schemas.microsoft.com/office/drawing/2014/main" id="{4FFCA09D-B687-4045-B706-55531F554618}"/>
+                <a16:creationId xmlns:a16="http://schemas.microsoft.com/office/drawing/2014/main" id="{58A1EC86-1675-42E2-93B6-BB76CB730921}"/>
               </a:ext>
             </a:extLst>
           </p:cNvPr>
@@ -6426,7 +6490,12 @@
             <p:ph type="title"/>
           </p:nvPr>
         </p:nvSpPr>
-        <p:spPr/>
+        <p:spPr>
+          <a:xfrm>
+            <a:off x="598620" y="868059"/>
+            <a:ext cx="10994760" cy="985720"/>
+          </a:xfrm>
+        </p:spPr>
         <p:txBody>
           <a:bodyPr vert="horz" lIns="91440" tIns="45720" rIns="91440" bIns="45720" rtlCol="0" anchor="ctr">
             <a:normAutofit/>
@@ -6439,33 +6508,8 @@
                   <a:schemeClr val="bg1"/>
                 </a:solidFill>
               </a:rPr>
-              <a:t>Drunk Driving</a:t>
-            </a:r>
-          </a:p>
-        </p:txBody>
-      </p:sp>
-      <p:sp>
-        <p:nvSpPr>
-          <p:cNvPr id="3" name="Content Placeholder 2">
-            <a:extLst>
-              <a:ext uri="{FF2B5EF4-FFF2-40B4-BE49-F238E27FC236}">
-                <a16:creationId xmlns:a16="http://schemas.microsoft.com/office/drawing/2014/main" id="{B0C5BC9A-632F-412A-A2DB-D70B12A126EA}"/>
-              </a:ext>
-            </a:extLst>
-          </p:cNvPr>
-          <p:cNvSpPr>
-            <a:spLocks noGrp="1"/>
-          </p:cNvSpPr>
-          <p:nvPr>
-            <p:ph idx="1"/>
-          </p:nvPr>
-        </p:nvSpPr>
-        <p:spPr/>
-        <p:txBody>
-          <a:bodyPr/>
-          <a:lstStyle/>
-          <a:p>
-            <a:endParaRPr lang="en-US" dirty="0"/>
+              <a:t>Crash Location</a:t>
+            </a:r>
           </a:p>
         </p:txBody>
       </p:sp>
@@ -6492,28 +6536,117 @@
           <a:p>
             <a:fld id="{B311205A-2B12-4C3C-9B44-D13403EC63C4}" type="slidenum">
               <a:rPr lang="en-US" smtClean="0"/>
-              <a:t>14</a:t>
+              <a:t>13</a:t>
             </a:fld>
             <a:endParaRPr lang="en-US"/>
           </a:p>
         </p:txBody>
       </p:sp>
+      <p:sp>
+        <p:nvSpPr>
+          <p:cNvPr id="25" name="TextBox 24">
+            <a:extLst>
+              <a:ext uri="{FF2B5EF4-FFF2-40B4-BE49-F238E27FC236}">
+                <a16:creationId xmlns:a16="http://schemas.microsoft.com/office/drawing/2014/main" id="{238C2B9D-0B93-486C-A8F6-C466A12F8C01}"/>
+              </a:ext>
+            </a:extLst>
+          </p:cNvPr>
+          <p:cNvSpPr txBox="1"/>
+          <p:nvPr/>
+        </p:nvSpPr>
+        <p:spPr>
+          <a:xfrm>
+            <a:off x="3331029" y="2075664"/>
+            <a:ext cx="8549640" cy="646331"/>
+          </a:xfrm>
+          <a:prstGeom prst="rect">
+            <a:avLst/>
+          </a:prstGeom>
+          <a:noFill/>
+        </p:spPr>
+        <p:txBody>
+          <a:bodyPr wrap="square" rtlCol="0">
+            <a:spAutoFit/>
+          </a:bodyPr>
+          <a:lstStyle/>
+          <a:p>
+            <a:r>
+              <a:rPr lang="en-US" b="1" dirty="0">
+                <a:solidFill>
+                  <a:schemeClr val="bg1"/>
+                </a:solidFill>
+              </a:rPr>
+              <a:t>At intersections, more commonly Bicyclist Error. Not at intersections, more commonly Motorist Error.</a:t>
+            </a:r>
+          </a:p>
+        </p:txBody>
+      </p:sp>
+      <p:pic>
+        <p:nvPicPr>
+          <p:cNvPr id="14" name="Picture 13">
+            <a:extLst>
+              <a:ext uri="{FF2B5EF4-FFF2-40B4-BE49-F238E27FC236}">
+                <a16:creationId xmlns:a16="http://schemas.microsoft.com/office/drawing/2014/main" id="{2650C060-F238-4B54-940A-F02D9E9360B8}"/>
+              </a:ext>
+            </a:extLst>
+          </p:cNvPr>
+          <p:cNvPicPr>
+            <a:picLocks noChangeAspect="1"/>
+          </p:cNvPicPr>
+          <p:nvPr/>
+        </p:nvPicPr>
+        <p:blipFill>
+          <a:blip r:embed="rId5">
+            <a:extLst>
+              <a:ext uri="{28A0092B-C50C-407E-A947-70E740481C1C}">
+                <a14:useLocalDpi xmlns:a14="http://schemas.microsoft.com/office/drawing/2010/main" val="0"/>
+              </a:ext>
+            </a:extLst>
+          </a:blip>
+          <a:stretch>
+            <a:fillRect/>
+          </a:stretch>
+        </p:blipFill>
+        <p:spPr>
+          <a:xfrm>
+            <a:off x="4973957" y="2475774"/>
+            <a:ext cx="5263784" cy="3947838"/>
+          </a:xfrm>
+          <a:prstGeom prst="rect">
+            <a:avLst/>
+          </a:prstGeom>
+        </p:spPr>
+      </p:pic>
     </p:spTree>
     <p:extLst>
       <p:ext uri="{BB962C8B-B14F-4D97-AF65-F5344CB8AC3E}">
-        <p14:creationId xmlns:p14="http://schemas.microsoft.com/office/powerpoint/2010/main" val="3109517064"/>
+        <p14:creationId xmlns:p14="http://schemas.microsoft.com/office/powerpoint/2010/main" val="2410765163"/>
       </p:ext>
     </p:extLst>
   </p:cSld>
   <p:clrMapOvr>
-    <a:masterClrMapping/>
+    <a:overrideClrMapping bg1="lt1" tx1="dk1" bg2="lt2" tx2="dk2" accent1="accent1" accent2="accent2" accent3="accent3" accent4="accent4" accent5="accent5" accent6="accent6" hlink="hlink" folHlink="folHlink"/>
   </p:clrMapOvr>
 </p:sld>
 </file>
 
-<file path=ppt/slides/slide15.xml><?xml version="1.0" encoding="utf-8"?>
+<file path=ppt/slides/slide14.xml><?xml version="1.0" encoding="utf-8"?>
 <p:sld xmlns:a="http://schemas.openxmlformats.org/drawingml/2006/main" xmlns:r="http://schemas.openxmlformats.org/officeDocument/2006/relationships" xmlns:p="http://schemas.openxmlformats.org/presentationml/2006/main">
   <p:cSld>
+    <p:bg>
+      <p:bgPr>
+        <a:blipFill dpi="0" rotWithShape="1">
+          <a:blip r:embed="rId4">
+            <a:lum/>
+          </a:blip>
+          <a:srcRect/>
+          <a:stretch>
+            <a:fillRect/>
+          </a:stretch>
+        </a:blipFill>
+        <a:effectLst/>
+      </p:bgPr>
+    </p:bg>
     <p:spTree>
       <p:nvGrpSpPr>
         <p:cNvPr id="1" name=""/>
@@ -6533,7 +6666,7 @@
           <p:cNvPr id="2" name="Title 1">
             <a:extLst>
               <a:ext uri="{FF2B5EF4-FFF2-40B4-BE49-F238E27FC236}">
-                <a16:creationId xmlns:a16="http://schemas.microsoft.com/office/drawing/2014/main" id="{C83A0351-F2B0-4118-8652-528BF0743D23}"/>
+                <a16:creationId xmlns:a16="http://schemas.microsoft.com/office/drawing/2014/main" id="{4FFCA09D-B687-4045-B706-55531F554618}"/>
               </a:ext>
             </a:extLst>
           </p:cNvPr>
@@ -6546,12 +6679,14 @@
         </p:nvSpPr>
         <p:spPr>
           <a:xfrm>
-            <a:off x="598620" y="251332"/>
+            <a:off x="587640" y="866967"/>
             <a:ext cx="10994760" cy="985720"/>
           </a:xfrm>
         </p:spPr>
         <p:txBody>
-          <a:bodyPr/>
+          <a:bodyPr vert="horz" lIns="91440" tIns="45720" rIns="91440" bIns="45720" rtlCol="0" anchor="ctr">
+            <a:normAutofit/>
+          </a:bodyPr>
           <a:lstStyle/>
           <a:p>
             <a:r>
@@ -6560,42 +6695,203 @@
                   <a:schemeClr val="bg1"/>
                 </a:solidFill>
               </a:rPr>
-              <a:t>Key Findings</a:t>
-            </a:r>
-          </a:p>
-        </p:txBody>
-      </p:sp>
-      <p:sp>
-        <p:nvSpPr>
-          <p:cNvPr id="3" name="Content Placeholder 2">
+              <a:t>Weather</a:t>
+            </a:r>
+          </a:p>
+        </p:txBody>
+      </p:sp>
+      <p:pic>
+        <p:nvPicPr>
+          <p:cNvPr id="9" name="Content Placeholder 8">
             <a:extLst>
               <a:ext uri="{FF2B5EF4-FFF2-40B4-BE49-F238E27FC236}">
-                <a16:creationId xmlns:a16="http://schemas.microsoft.com/office/drawing/2014/main" id="{DF5283E1-47CC-43BD-9BC8-A5DE1585D98B}"/>
+                <a16:creationId xmlns:a16="http://schemas.microsoft.com/office/drawing/2014/main" id="{3AD84888-0744-44F5-8336-C36A25CE463D}"/>
               </a:ext>
             </a:extLst>
           </p:cNvPr>
-          <p:cNvSpPr>
-            <a:spLocks noGrp="1"/>
-          </p:cNvSpPr>
+          <p:cNvPicPr>
+            <a:picLocks noGrp="1" noChangeAspect="1"/>
+          </p:cNvPicPr>
           <p:nvPr>
             <p:ph idx="1"/>
           </p:nvPr>
-        </p:nvSpPr>
-        <p:spPr/>
-        <p:txBody>
-          <a:bodyPr/>
-          <a:lstStyle/>
-          <a:p>
-            <a:endParaRPr lang="en-US" dirty="0"/>
-          </a:p>
-        </p:txBody>
-      </p:sp>
+        </p:nvPicPr>
+        <p:blipFill>
+          <a:blip r:embed="rId5">
+            <a:extLst>
+              <a:ext uri="{28A0092B-C50C-407E-A947-70E740481C1C}">
+                <a14:useLocalDpi xmlns:a14="http://schemas.microsoft.com/office/drawing/2010/main" val="0"/>
+              </a:ext>
+            </a:extLst>
+          </a:blip>
+          <a:stretch>
+            <a:fillRect/>
+          </a:stretch>
+        </p:blipFill>
+        <p:spPr>
+          <a:xfrm>
+            <a:off x="4673600" y="2698751"/>
+            <a:ext cx="5486400" cy="3657600"/>
+          </a:xfrm>
+        </p:spPr>
+      </p:pic>
       <p:sp>
         <p:nvSpPr>
           <p:cNvPr id="4" name="Slide Number Placeholder 3">
             <a:extLst>
               <a:ext uri="{FF2B5EF4-FFF2-40B4-BE49-F238E27FC236}">
-                <a16:creationId xmlns:a16="http://schemas.microsoft.com/office/drawing/2014/main" id="{6E8DF7D9-06B2-4A83-9A84-1BF7F9DE31B0}"/>
+                <a16:creationId xmlns:a16="http://schemas.microsoft.com/office/drawing/2014/main" id="{A04C2E8A-40D7-48EC-A81E-79DB83BDF68D}"/>
+              </a:ext>
+            </a:extLst>
+          </p:cNvPr>
+          <p:cNvSpPr>
+            <a:spLocks noGrp="1"/>
+          </p:cNvSpPr>
+          <p:nvPr>
+            <p:ph type="sldNum" sz="quarter" idx="12"/>
+          </p:nvPr>
+        </p:nvSpPr>
+        <p:spPr/>
+        <p:txBody>
+          <a:bodyPr/>
+          <a:lstStyle/>
+          <a:p>
+            <a:fld id="{B311205A-2B12-4C3C-9B44-D13403EC63C4}" type="slidenum">
+              <a:rPr lang="en-US" smtClean="0"/>
+              <a:t>14</a:t>
+            </a:fld>
+            <a:endParaRPr lang="en-US"/>
+          </a:p>
+        </p:txBody>
+      </p:sp>
+      <p:sp>
+        <p:nvSpPr>
+          <p:cNvPr id="10" name="TextBox 9">
+            <a:extLst>
+              <a:ext uri="{FF2B5EF4-FFF2-40B4-BE49-F238E27FC236}">
+                <a16:creationId xmlns:a16="http://schemas.microsoft.com/office/drawing/2014/main" id="{0E57E48F-D646-4640-939C-340C16487F2A}"/>
+              </a:ext>
+            </a:extLst>
+          </p:cNvPr>
+          <p:cNvSpPr txBox="1"/>
+          <p:nvPr/>
+        </p:nvSpPr>
+        <p:spPr>
+          <a:xfrm>
+            <a:off x="3444045" y="2133571"/>
+            <a:ext cx="8549640" cy="400110"/>
+          </a:xfrm>
+          <a:prstGeom prst="rect">
+            <a:avLst/>
+          </a:prstGeom>
+          <a:noFill/>
+        </p:spPr>
+        <p:txBody>
+          <a:bodyPr wrap="square" rtlCol="0">
+            <a:spAutoFit/>
+          </a:bodyPr>
+          <a:lstStyle/>
+          <a:p>
+            <a:r>
+              <a:rPr lang="en-US" sz="2000" b="1" dirty="0">
+                <a:solidFill>
+                  <a:schemeClr val="bg1"/>
+                </a:solidFill>
+              </a:rPr>
+              <a:t>Inclement weather didn’t seem to affect fatalities</a:t>
+            </a:r>
+          </a:p>
+        </p:txBody>
+      </p:sp>
+    </p:spTree>
+    <p:extLst>
+      <p:ext uri="{BB962C8B-B14F-4D97-AF65-F5344CB8AC3E}">
+        <p14:creationId xmlns:p14="http://schemas.microsoft.com/office/powerpoint/2010/main" val="4118847506"/>
+      </p:ext>
+    </p:extLst>
+  </p:cSld>
+  <p:clrMapOvr>
+    <a:overrideClrMapping bg1="lt1" tx1="dk1" bg2="lt2" tx2="dk2" accent1="accent1" accent2="accent2" accent3="accent3" accent4="accent4" accent5="accent5" accent6="accent6" hlink="hlink" folHlink="folHlink"/>
+  </p:clrMapOvr>
+</p:sld>
+</file>
+
+<file path=ppt/slides/slide15.xml><?xml version="1.0" encoding="utf-8"?>
+<p:sld xmlns:a="http://schemas.openxmlformats.org/drawingml/2006/main" xmlns:r="http://schemas.openxmlformats.org/officeDocument/2006/relationships" xmlns:p="http://schemas.openxmlformats.org/presentationml/2006/main">
+  <p:cSld>
+    <p:bg>
+      <p:bgPr>
+        <a:blipFill dpi="0" rotWithShape="1">
+          <a:blip r:embed="rId4">
+            <a:lum/>
+          </a:blip>
+          <a:srcRect/>
+          <a:stretch>
+            <a:fillRect/>
+          </a:stretch>
+        </a:blipFill>
+        <a:effectLst/>
+      </p:bgPr>
+    </p:bg>
+    <p:spTree>
+      <p:nvGrpSpPr>
+        <p:cNvPr id="1" name=""/>
+        <p:cNvGrpSpPr/>
+        <p:nvPr/>
+      </p:nvGrpSpPr>
+      <p:grpSpPr>
+        <a:xfrm>
+          <a:off x="0" y="0"/>
+          <a:ext cx="0" cy="0"/>
+          <a:chOff x="0" y="0"/>
+          <a:chExt cx="0" cy="0"/>
+        </a:xfrm>
+      </p:grpSpPr>
+      <p:sp>
+        <p:nvSpPr>
+          <p:cNvPr id="2" name="Title 1">
+            <a:extLst>
+              <a:ext uri="{FF2B5EF4-FFF2-40B4-BE49-F238E27FC236}">
+                <a16:creationId xmlns:a16="http://schemas.microsoft.com/office/drawing/2014/main" id="{4FFCA09D-B687-4045-B706-55531F554618}"/>
+              </a:ext>
+            </a:extLst>
+          </p:cNvPr>
+          <p:cNvSpPr>
+            <a:spLocks noGrp="1"/>
+          </p:cNvSpPr>
+          <p:nvPr>
+            <p:ph type="title"/>
+          </p:nvPr>
+        </p:nvSpPr>
+        <p:spPr>
+          <a:xfrm>
+            <a:off x="763007" y="857785"/>
+            <a:ext cx="10994760" cy="985720"/>
+          </a:xfrm>
+        </p:spPr>
+        <p:txBody>
+          <a:bodyPr vert="horz" lIns="91440" tIns="45720" rIns="91440" bIns="45720" rtlCol="0" anchor="ctr">
+            <a:normAutofit/>
+          </a:bodyPr>
+          <a:lstStyle/>
+          <a:p>
+            <a:r>
+              <a:rPr lang="en-US" b="1" dirty="0">
+                <a:solidFill>
+                  <a:schemeClr val="bg1"/>
+                </a:solidFill>
+              </a:rPr>
+              <a:t>Drunk Driving</a:t>
+            </a:r>
+          </a:p>
+        </p:txBody>
+      </p:sp>
+      <p:sp>
+        <p:nvSpPr>
+          <p:cNvPr id="4" name="Slide Number Placeholder 3">
+            <a:extLst>
+              <a:ext uri="{FF2B5EF4-FFF2-40B4-BE49-F238E27FC236}">
+                <a16:creationId xmlns:a16="http://schemas.microsoft.com/office/drawing/2014/main" id="{A04C2E8A-40D7-48EC-A81E-79DB83BDF68D}"/>
               </a:ext>
             </a:extLst>
           </p:cNvPr>
@@ -6619,15 +6915,89 @@
           </a:p>
         </p:txBody>
       </p:sp>
+      <p:sp>
+        <p:nvSpPr>
+          <p:cNvPr id="6" name="TextBox 5">
+            <a:extLst>
+              <a:ext uri="{FF2B5EF4-FFF2-40B4-BE49-F238E27FC236}">
+                <a16:creationId xmlns:a16="http://schemas.microsoft.com/office/drawing/2014/main" id="{95B0849D-7889-4200-950D-A3C6FA5AEFF2}"/>
+              </a:ext>
+            </a:extLst>
+          </p:cNvPr>
+          <p:cNvSpPr txBox="1"/>
+          <p:nvPr/>
+        </p:nvSpPr>
+        <p:spPr>
+          <a:xfrm>
+            <a:off x="3444045" y="2133571"/>
+            <a:ext cx="8549640" cy="400110"/>
+          </a:xfrm>
+          <a:prstGeom prst="rect">
+            <a:avLst/>
+          </a:prstGeom>
+          <a:noFill/>
+        </p:spPr>
+        <p:txBody>
+          <a:bodyPr wrap="square" rtlCol="0">
+            <a:spAutoFit/>
+          </a:bodyPr>
+          <a:lstStyle/>
+          <a:p>
+            <a:r>
+              <a:rPr lang="en-US" sz="2000" b="1" dirty="0">
+                <a:solidFill>
+                  <a:schemeClr val="bg1"/>
+                </a:solidFill>
+              </a:rPr>
+              <a:t>Drunk drivers weren’t common in accidents.</a:t>
+            </a:r>
+          </a:p>
+        </p:txBody>
+      </p:sp>
+      <p:pic>
+        <p:nvPicPr>
+          <p:cNvPr id="10" name="Content Placeholder 9">
+            <a:extLst>
+              <a:ext uri="{FF2B5EF4-FFF2-40B4-BE49-F238E27FC236}">
+                <a16:creationId xmlns:a16="http://schemas.microsoft.com/office/drawing/2014/main" id="{B7A85BE5-B109-41D4-8DFD-0C85E91C5556}"/>
+              </a:ext>
+            </a:extLst>
+          </p:cNvPr>
+          <p:cNvPicPr>
+            <a:picLocks noGrp="1" noChangeAspect="1"/>
+          </p:cNvPicPr>
+          <p:nvPr>
+            <p:ph idx="1"/>
+          </p:nvPr>
+        </p:nvPicPr>
+        <p:blipFill>
+          <a:blip r:embed="rId5">
+            <a:extLst>
+              <a:ext uri="{28A0092B-C50C-407E-A947-70E740481C1C}">
+                <a14:useLocalDpi xmlns:a14="http://schemas.microsoft.com/office/drawing/2010/main" val="0"/>
+              </a:ext>
+            </a:extLst>
+          </a:blip>
+          <a:stretch>
+            <a:fillRect/>
+          </a:stretch>
+        </p:blipFill>
+        <p:spPr>
+          <a:xfrm>
+            <a:off x="4975665" y="2495520"/>
+            <a:ext cx="5486400" cy="3657600"/>
+          </a:xfrm>
+        </p:spPr>
+      </p:pic>
     </p:spTree>
     <p:extLst>
       <p:ext uri="{BB962C8B-B14F-4D97-AF65-F5344CB8AC3E}">
-        <p14:creationId xmlns:p14="http://schemas.microsoft.com/office/powerpoint/2010/main" val="371237497"/>
+        <p14:creationId xmlns:p14="http://schemas.microsoft.com/office/powerpoint/2010/main" val="3109517064"/>
       </p:ext>
     </p:extLst>
   </p:cSld>
   <p:clrMapOvr>
-    <a:masterClrMapping/>
+    <a:overrideClrMapping bg1="lt1" tx1="dk1" bg2="lt2" tx2="dk2" accent1="accent1" accent2="accent2" accent3="accent3" accent4="accent4" accent5="accent5" accent6="accent6" hlink="hlink" folHlink="folHlink"/>
   </p:clrMapOvr>
 </p:sld>
 </file>
@@ -6654,6 +7024,170 @@
           <p:cNvPr id="2" name="Title 1">
             <a:extLst>
               <a:ext uri="{FF2B5EF4-FFF2-40B4-BE49-F238E27FC236}">
+                <a16:creationId xmlns:a16="http://schemas.microsoft.com/office/drawing/2014/main" id="{C83A0351-F2B0-4118-8652-528BF0743D23}"/>
+              </a:ext>
+            </a:extLst>
+          </p:cNvPr>
+          <p:cNvSpPr>
+            <a:spLocks noGrp="1"/>
+          </p:cNvSpPr>
+          <p:nvPr>
+            <p:ph type="title"/>
+          </p:nvPr>
+        </p:nvSpPr>
+        <p:spPr>
+          <a:xfrm>
+            <a:off x="598620" y="251332"/>
+            <a:ext cx="10994760" cy="985720"/>
+          </a:xfrm>
+        </p:spPr>
+        <p:txBody>
+          <a:bodyPr/>
+          <a:lstStyle/>
+          <a:p>
+            <a:r>
+              <a:rPr lang="en-US" b="1" dirty="0">
+                <a:solidFill>
+                  <a:schemeClr val="bg1"/>
+                </a:solidFill>
+              </a:rPr>
+              <a:t>Key Findings</a:t>
+            </a:r>
+          </a:p>
+        </p:txBody>
+      </p:sp>
+      <p:sp>
+        <p:nvSpPr>
+          <p:cNvPr id="3" name="Content Placeholder 2">
+            <a:extLst>
+              <a:ext uri="{FF2B5EF4-FFF2-40B4-BE49-F238E27FC236}">
+                <a16:creationId xmlns:a16="http://schemas.microsoft.com/office/drawing/2014/main" id="{DF5283E1-47CC-43BD-9BC8-A5DE1585D98B}"/>
+              </a:ext>
+            </a:extLst>
+          </p:cNvPr>
+          <p:cNvSpPr>
+            <a:spLocks noGrp="1"/>
+          </p:cNvSpPr>
+          <p:nvPr>
+            <p:ph idx="1"/>
+          </p:nvPr>
+        </p:nvSpPr>
+        <p:spPr/>
+        <p:txBody>
+          <a:bodyPr/>
+          <a:lstStyle/>
+          <a:p>
+            <a:pPr marL="0" indent="0">
+              <a:buNone/>
+            </a:pPr>
+            <a:r>
+              <a:rPr lang="en-US" u="sng" dirty="0"/>
+              <a:t>Hypothesis analyzed</a:t>
+            </a:r>
+            <a:r>
+              <a:rPr lang="en-US" dirty="0"/>
+              <a:t>:</a:t>
+            </a:r>
+          </a:p>
+          <a:p>
+            <a:r>
+              <a:rPr lang="en-US" dirty="0"/>
+              <a:t>Bicyclists traveling during </a:t>
+            </a:r>
+            <a:r>
+              <a:rPr lang="en-US" b="1" dirty="0"/>
+              <a:t>rush hour </a:t>
+            </a:r>
+            <a:r>
+              <a:rPr lang="en-US" dirty="0"/>
+              <a:t>in </a:t>
+            </a:r>
+            <a:r>
+              <a:rPr lang="en-US" b="1" dirty="0"/>
+              <a:t>urban areas </a:t>
+            </a:r>
+            <a:r>
+              <a:rPr lang="en-US" dirty="0"/>
+              <a:t>in the </a:t>
+            </a:r>
+            <a:r>
+              <a:rPr lang="en-US" b="1" dirty="0"/>
+              <a:t>evening</a:t>
+            </a:r>
+            <a:r>
+              <a:rPr lang="en-US" dirty="0"/>
+              <a:t> are at a higher risk of fatal accidents. </a:t>
+            </a:r>
+          </a:p>
+          <a:p>
+            <a:endParaRPr lang="en-US" dirty="0"/>
+          </a:p>
+        </p:txBody>
+      </p:sp>
+      <p:sp>
+        <p:nvSpPr>
+          <p:cNvPr id="4" name="Slide Number Placeholder 3">
+            <a:extLst>
+              <a:ext uri="{FF2B5EF4-FFF2-40B4-BE49-F238E27FC236}">
+                <a16:creationId xmlns:a16="http://schemas.microsoft.com/office/drawing/2014/main" id="{6E8DF7D9-06B2-4A83-9A84-1BF7F9DE31B0}"/>
+              </a:ext>
+            </a:extLst>
+          </p:cNvPr>
+          <p:cNvSpPr>
+            <a:spLocks noGrp="1"/>
+          </p:cNvSpPr>
+          <p:nvPr>
+            <p:ph type="sldNum" sz="quarter" idx="12"/>
+          </p:nvPr>
+        </p:nvSpPr>
+        <p:spPr/>
+        <p:txBody>
+          <a:bodyPr/>
+          <a:lstStyle/>
+          <a:p>
+            <a:fld id="{B311205A-2B12-4C3C-9B44-D13403EC63C4}" type="slidenum">
+              <a:rPr lang="en-US" smtClean="0"/>
+              <a:t>16</a:t>
+            </a:fld>
+            <a:endParaRPr lang="en-US"/>
+          </a:p>
+        </p:txBody>
+      </p:sp>
+    </p:spTree>
+    <p:extLst>
+      <p:ext uri="{BB962C8B-B14F-4D97-AF65-F5344CB8AC3E}">
+        <p14:creationId xmlns:p14="http://schemas.microsoft.com/office/powerpoint/2010/main" val="371237497"/>
+      </p:ext>
+    </p:extLst>
+  </p:cSld>
+  <p:clrMapOvr>
+    <a:masterClrMapping/>
+  </p:clrMapOvr>
+</p:sld>
+</file>
+
+<file path=ppt/slides/slide17.xml><?xml version="1.0" encoding="utf-8"?>
+<p:sld xmlns:a="http://schemas.openxmlformats.org/drawingml/2006/main" xmlns:r="http://schemas.openxmlformats.org/officeDocument/2006/relationships" xmlns:p="http://schemas.openxmlformats.org/presentationml/2006/main">
+  <p:cSld>
+    <p:spTree>
+      <p:nvGrpSpPr>
+        <p:cNvPr id="1" name=""/>
+        <p:cNvGrpSpPr/>
+        <p:nvPr/>
+      </p:nvGrpSpPr>
+      <p:grpSpPr>
+        <a:xfrm>
+          <a:off x="0" y="0"/>
+          <a:ext cx="0" cy="0"/>
+          <a:chOff x="0" y="0"/>
+          <a:chExt cx="0" cy="0"/>
+        </a:xfrm>
+      </p:grpSpPr>
+      <p:sp>
+        <p:nvSpPr>
+          <p:cNvPr id="2" name="Title 1">
+            <a:extLst>
+              <a:ext uri="{FF2B5EF4-FFF2-40B4-BE49-F238E27FC236}">
                 <a16:creationId xmlns:a16="http://schemas.microsoft.com/office/drawing/2014/main" id="{2F7AD3BE-06D6-4811-846B-21A101BC5136}"/>
               </a:ext>
             </a:extLst>
@@ -6667,10 +7201,19 @@
         </p:nvSpPr>
         <p:spPr/>
         <p:txBody>
-          <a:bodyPr/>
-          <a:lstStyle/>
-          <a:p>
-            <a:endParaRPr lang="en-US"/>
+          <a:bodyPr vert="horz" lIns="91440" tIns="45720" rIns="91440" bIns="45720" rtlCol="0" anchor="ctr">
+            <a:normAutofit/>
+          </a:bodyPr>
+          <a:lstStyle/>
+          <a:p>
+            <a:r>
+              <a:rPr lang="en-US" sz="4000" b="1" dirty="0">
+                <a:solidFill>
+                  <a:schemeClr val="bg1"/>
+                </a:solidFill>
+              </a:rPr>
+              <a:t>Key Findings – Continued</a:t>
+            </a:r>
           </a:p>
         </p:txBody>
       </p:sp>
@@ -6695,7 +7238,50 @@
           <a:bodyPr/>
           <a:lstStyle/>
           <a:p>
-            <a:endParaRPr lang="en-US"/>
+            <a:pPr marL="0" indent="0">
+              <a:buNone/>
+            </a:pPr>
+            <a:r>
+              <a:rPr lang="en-US" u="sng" dirty="0"/>
+              <a:t>Surprises</a:t>
+            </a:r>
+          </a:p>
+          <a:p>
+            <a:r>
+              <a:rPr lang="en-US" dirty="0"/>
+              <a:t>Overnight fatalities would be so high</a:t>
+            </a:r>
+          </a:p>
+          <a:p>
+            <a:r>
+              <a:rPr lang="en-US" dirty="0"/>
+              <a:t>Not much difference regardless of day</a:t>
+            </a:r>
+          </a:p>
+          <a:p>
+            <a:r>
+              <a:rPr lang="en-US" dirty="0"/>
+              <a:t>Arizona is 5</a:t>
+            </a:r>
+            <a:r>
+              <a:rPr lang="en-US" baseline="30000" dirty="0"/>
+              <a:t>th</a:t>
+            </a:r>
+            <a:r>
+              <a:rPr lang="en-US" dirty="0"/>
+              <a:t> in number of fatalities but 2</a:t>
+            </a:r>
+            <a:r>
+              <a:rPr lang="en-US" baseline="30000" dirty="0"/>
+              <a:t>nd</a:t>
+            </a:r>
+            <a:r>
+              <a:rPr lang="en-US" dirty="0"/>
+              <a:t> in fatalities per million residents</a:t>
+            </a:r>
+          </a:p>
+          <a:p>
+            <a:endParaRPr lang="en-US" dirty="0"/>
           </a:p>
         </p:txBody>
       </p:sp>
@@ -6722,7 +7308,7 @@
           <a:p>
             <a:fld id="{B311205A-2B12-4C3C-9B44-D13403EC63C4}" type="slidenum">
               <a:rPr lang="en-US" smtClean="0"/>
-              <a:t>16</a:t>
+              <a:t>17</a:t>
             </a:fld>
             <a:endParaRPr lang="en-US"/>
           </a:p>
@@ -6732,6 +7318,325 @@
     <p:extLst>
       <p:ext uri="{BB962C8B-B14F-4D97-AF65-F5344CB8AC3E}">
         <p14:creationId xmlns:p14="http://schemas.microsoft.com/office/powerpoint/2010/main" val="4072301467"/>
+      </p:ext>
+    </p:extLst>
+  </p:cSld>
+  <p:clrMapOvr>
+    <a:masterClrMapping/>
+  </p:clrMapOvr>
+</p:sld>
+</file>
+
+<file path=ppt/slides/slide18.xml><?xml version="1.0" encoding="utf-8"?>
+<p:sld xmlns:a="http://schemas.openxmlformats.org/drawingml/2006/main" xmlns:r="http://schemas.openxmlformats.org/officeDocument/2006/relationships" xmlns:p="http://schemas.openxmlformats.org/presentationml/2006/main">
+  <p:cSld>
+    <p:spTree>
+      <p:nvGrpSpPr>
+        <p:cNvPr id="1" name=""/>
+        <p:cNvGrpSpPr/>
+        <p:nvPr/>
+      </p:nvGrpSpPr>
+      <p:grpSpPr>
+        <a:xfrm>
+          <a:off x="0" y="0"/>
+          <a:ext cx="0" cy="0"/>
+          <a:chOff x="0" y="0"/>
+          <a:chExt cx="0" cy="0"/>
+        </a:xfrm>
+      </p:grpSpPr>
+      <p:sp>
+        <p:nvSpPr>
+          <p:cNvPr id="2" name="Title 1">
+            <a:extLst>
+              <a:ext uri="{FF2B5EF4-FFF2-40B4-BE49-F238E27FC236}">
+                <a16:creationId xmlns:a16="http://schemas.microsoft.com/office/drawing/2014/main" id="{2F7AD3BE-06D6-4811-846B-21A101BC5136}"/>
+              </a:ext>
+            </a:extLst>
+          </p:cNvPr>
+          <p:cNvSpPr>
+            <a:spLocks noGrp="1"/>
+          </p:cNvSpPr>
+          <p:nvPr>
+            <p:ph type="title"/>
+          </p:nvPr>
+        </p:nvSpPr>
+        <p:spPr/>
+        <p:txBody>
+          <a:bodyPr vert="horz" lIns="91440" tIns="45720" rIns="91440" bIns="45720" rtlCol="0" anchor="ctr">
+            <a:normAutofit/>
+          </a:bodyPr>
+          <a:lstStyle/>
+          <a:p>
+            <a:r>
+              <a:rPr lang="en-US" b="1" dirty="0">
+                <a:solidFill>
+                  <a:schemeClr val="bg1"/>
+                </a:solidFill>
+              </a:rPr>
+              <a:t>Conclusion</a:t>
+            </a:r>
+          </a:p>
+        </p:txBody>
+      </p:sp>
+      <p:sp>
+        <p:nvSpPr>
+          <p:cNvPr id="3" name="Content Placeholder 2">
+            <a:extLst>
+              <a:ext uri="{FF2B5EF4-FFF2-40B4-BE49-F238E27FC236}">
+                <a16:creationId xmlns:a16="http://schemas.microsoft.com/office/drawing/2014/main" id="{2351C113-DC7D-4818-B0B8-93ABDEDCC7A1}"/>
+              </a:ext>
+            </a:extLst>
+          </p:cNvPr>
+          <p:cNvSpPr>
+            <a:spLocks noGrp="1"/>
+          </p:cNvSpPr>
+          <p:nvPr>
+            <p:ph idx="1"/>
+          </p:nvPr>
+        </p:nvSpPr>
+        <p:spPr/>
+        <p:txBody>
+          <a:bodyPr/>
+          <a:lstStyle/>
+          <a:p>
+            <a:pPr marL="0" indent="0">
+              <a:buNone/>
+            </a:pPr>
+            <a:r>
+              <a:rPr lang="en-US" u="sng" dirty="0"/>
+              <a:t>What we found:</a:t>
+            </a:r>
+          </a:p>
+          <a:p>
+            <a:r>
+              <a:rPr lang="en-US" dirty="0"/>
+              <a:t>Urban vs Rural</a:t>
+            </a:r>
+          </a:p>
+          <a:p>
+            <a:r>
+              <a:rPr lang="en-US" dirty="0"/>
+              <a:t>Evening Rush vs Rest of the Day</a:t>
+            </a:r>
+          </a:p>
+          <a:p>
+            <a:endParaRPr lang="en-US" dirty="0"/>
+          </a:p>
+        </p:txBody>
+      </p:sp>
+      <p:sp>
+        <p:nvSpPr>
+          <p:cNvPr id="4" name="Slide Number Placeholder 3">
+            <a:extLst>
+              <a:ext uri="{FF2B5EF4-FFF2-40B4-BE49-F238E27FC236}">
+                <a16:creationId xmlns:a16="http://schemas.microsoft.com/office/drawing/2014/main" id="{8161FA30-0A56-43D1-AF89-E2A5F8C265E1}"/>
+              </a:ext>
+            </a:extLst>
+          </p:cNvPr>
+          <p:cNvSpPr>
+            <a:spLocks noGrp="1"/>
+          </p:cNvSpPr>
+          <p:nvPr>
+            <p:ph type="sldNum" sz="quarter" idx="12"/>
+          </p:nvPr>
+        </p:nvSpPr>
+        <p:spPr/>
+        <p:txBody>
+          <a:bodyPr/>
+          <a:lstStyle/>
+          <a:p>
+            <a:fld id="{B311205A-2B12-4C3C-9B44-D13403EC63C4}" type="slidenum">
+              <a:rPr lang="en-US" smtClean="0"/>
+              <a:t>18</a:t>
+            </a:fld>
+            <a:endParaRPr lang="en-US"/>
+          </a:p>
+        </p:txBody>
+      </p:sp>
+    </p:spTree>
+    <p:extLst>
+      <p:ext uri="{BB962C8B-B14F-4D97-AF65-F5344CB8AC3E}">
+        <p14:creationId xmlns:p14="http://schemas.microsoft.com/office/powerpoint/2010/main" val="2309799627"/>
+      </p:ext>
+    </p:extLst>
+  </p:cSld>
+  <p:clrMapOvr>
+    <a:masterClrMapping/>
+  </p:clrMapOvr>
+</p:sld>
+</file>
+
+<file path=ppt/slides/slide19.xml><?xml version="1.0" encoding="utf-8"?>
+<p:sld xmlns:a="http://schemas.openxmlformats.org/drawingml/2006/main" xmlns:r="http://schemas.openxmlformats.org/officeDocument/2006/relationships" xmlns:p="http://schemas.openxmlformats.org/presentationml/2006/main">
+  <p:cSld>
+    <p:spTree>
+      <p:nvGrpSpPr>
+        <p:cNvPr id="1" name=""/>
+        <p:cNvGrpSpPr/>
+        <p:nvPr/>
+      </p:nvGrpSpPr>
+      <p:grpSpPr>
+        <a:xfrm>
+          <a:off x="0" y="0"/>
+          <a:ext cx="0" cy="0"/>
+          <a:chOff x="0" y="0"/>
+          <a:chExt cx="0" cy="0"/>
+        </a:xfrm>
+      </p:grpSpPr>
+      <p:sp>
+        <p:nvSpPr>
+          <p:cNvPr id="2" name="Title 1">
+            <a:extLst>
+              <a:ext uri="{FF2B5EF4-FFF2-40B4-BE49-F238E27FC236}">
+                <a16:creationId xmlns:a16="http://schemas.microsoft.com/office/drawing/2014/main" id="{5FE624E8-9DC6-4C19-BD81-2AB3DDB7FC8B}"/>
+              </a:ext>
+            </a:extLst>
+          </p:cNvPr>
+          <p:cNvSpPr>
+            <a:spLocks noGrp="1"/>
+          </p:cNvSpPr>
+          <p:nvPr>
+            <p:ph type="ctrTitle"/>
+          </p:nvPr>
+        </p:nvSpPr>
+        <p:spPr>
+          <a:xfrm>
+            <a:off x="5732060" y="2003753"/>
+            <a:ext cx="6393975" cy="1832459"/>
+          </a:xfrm>
+        </p:spPr>
+        <p:txBody>
+          <a:bodyPr>
+            <a:noAutofit/>
+          </a:bodyPr>
+          <a:lstStyle/>
+          <a:p>
+            <a:r>
+              <a:rPr lang="en-US" sz="5800" dirty="0">
+                <a:solidFill>
+                  <a:schemeClr val="bg1"/>
+                </a:solidFill>
+              </a:rPr>
+              <a:t>Thank You</a:t>
+            </a:r>
+          </a:p>
+        </p:txBody>
+      </p:sp>
+      <p:sp>
+        <p:nvSpPr>
+          <p:cNvPr id="3" name="Subtitle 2">
+            <a:extLst>
+              <a:ext uri="{FF2B5EF4-FFF2-40B4-BE49-F238E27FC236}">
+                <a16:creationId xmlns:a16="http://schemas.microsoft.com/office/drawing/2014/main" id="{2365496A-C201-4AB6-8B48-5A49145F8DE8}"/>
+              </a:ext>
+            </a:extLst>
+          </p:cNvPr>
+          <p:cNvSpPr>
+            <a:spLocks noGrp="1"/>
+          </p:cNvSpPr>
+          <p:nvPr>
+            <p:ph type="subTitle" idx="1"/>
+          </p:nvPr>
+        </p:nvSpPr>
+        <p:spPr>
+          <a:xfrm>
+            <a:off x="6428096" y="4555593"/>
+            <a:ext cx="5697939" cy="1405719"/>
+          </a:xfrm>
+        </p:spPr>
+        <p:txBody>
+          <a:bodyPr>
+            <a:noAutofit/>
+          </a:bodyPr>
+          <a:lstStyle/>
+          <a:p>
+            <a:pPr>
+              <a:spcBef>
+                <a:spcPts val="0"/>
+              </a:spcBef>
+            </a:pPr>
+            <a:r>
+              <a:rPr lang="en-US" sz="2400" dirty="0">
+                <a:solidFill>
+                  <a:schemeClr val="tx2"/>
+                </a:solidFill>
+                <a:effectLst>
+                  <a:outerShdw blurRad="38100" dist="38100" dir="2700000" algn="tl">
+                    <a:srgbClr val="000000">
+                      <a:alpha val="43137"/>
+                    </a:srgbClr>
+                  </a:outerShdw>
+                </a:effectLst>
+              </a:rPr>
+              <a:t>Melanie Adams, Jodie Carlson, Sam </a:t>
+            </a:r>
+            <a:r>
+              <a:rPr lang="en-US" sz="2400" dirty="0" err="1">
+                <a:solidFill>
+                  <a:schemeClr val="tx2"/>
+                </a:solidFill>
+                <a:effectLst>
+                  <a:outerShdw blurRad="38100" dist="38100" dir="2700000" algn="tl">
+                    <a:srgbClr val="000000">
+                      <a:alpha val="43137"/>
+                    </a:srgbClr>
+                  </a:outerShdw>
+                </a:effectLst>
+              </a:rPr>
+              <a:t>Etten</a:t>
+            </a:r>
+            <a:r>
+              <a:rPr lang="en-US" sz="2400" dirty="0">
+                <a:solidFill>
+                  <a:schemeClr val="tx2"/>
+                </a:solidFill>
+                <a:effectLst>
+                  <a:outerShdw blurRad="38100" dist="38100" dir="2700000" algn="tl">
+                    <a:srgbClr val="000000">
+                      <a:alpha val="43137"/>
+                    </a:srgbClr>
+                  </a:outerShdw>
+                </a:effectLst>
+              </a:rPr>
+              <a:t>, </a:t>
+            </a:r>
+            <a:r>
+              <a:rPr lang="en-US" sz="2400" dirty="0" err="1">
+                <a:solidFill>
+                  <a:schemeClr val="tx2"/>
+                </a:solidFill>
+                <a:effectLst>
+                  <a:outerShdw blurRad="38100" dist="38100" dir="2700000" algn="tl">
+                    <a:srgbClr val="000000">
+                      <a:alpha val="43137"/>
+                    </a:srgbClr>
+                  </a:outerShdw>
+                </a:effectLst>
+              </a:rPr>
+              <a:t>Norean</a:t>
+            </a:r>
+            <a:r>
+              <a:rPr lang="en-US" sz="2400" dirty="0">
+                <a:solidFill>
+                  <a:schemeClr val="tx2"/>
+                </a:solidFill>
+                <a:effectLst>
+                  <a:outerShdw blurRad="38100" dist="38100" dir="2700000" algn="tl">
+                    <a:srgbClr val="000000">
+                      <a:alpha val="43137"/>
+                    </a:srgbClr>
+                  </a:outerShdw>
+                </a:effectLst>
+              </a:rPr>
+              <a:t> Gardner, and Brian Rolf</a:t>
+            </a:r>
+          </a:p>
+        </p:txBody>
+      </p:sp>
+    </p:spTree>
+    <p:extLst>
+      <p:ext uri="{BB962C8B-B14F-4D97-AF65-F5344CB8AC3E}">
+        <p14:creationId xmlns:p14="http://schemas.microsoft.com/office/powerpoint/2010/main" val="1988734212"/>
       </p:ext>
     </p:extLst>
   </p:cSld>
@@ -6790,7 +7695,7 @@
                   <a:schemeClr val="bg1"/>
                 </a:solidFill>
               </a:rPr>
-              <a:t>Data Set</a:t>
+              <a:t>Data Set – 2017 FARS</a:t>
             </a:r>
           </a:p>
         </p:txBody>
@@ -6948,15 +7853,23 @@
             </a:r>
             <a:r>
               <a:rPr lang="en-US" dirty="0"/>
-              <a:t>in the </a:t>
-            </a:r>
-            <a:r>
-              <a:rPr lang="en-US" b="1" dirty="0"/>
+              <a:t>in </a:t>
+            </a:r>
+            <a:r>
+              <a:rPr lang="en-US"/>
+              <a:t>the </a:t>
+            </a:r>
+            <a:r>
+              <a:rPr lang="en-US" b="1"/>
               <a:t>evening</a:t>
             </a:r>
             <a:r>
+              <a:rPr lang="en-US"/>
+              <a:t> </a:t>
+            </a:r>
+            <a:r>
               <a:rPr lang="en-US" dirty="0"/>
-              <a:t> are at a higher risk of fatal accidents. </a:t>
+              <a:t>are at a higher risk of fatal accidents. </a:t>
             </a:r>
           </a:p>
           <a:p>
@@ -8188,6 +9101,20 @@
 <file path=ppt/slides/slide6.xml><?xml version="1.0" encoding="utf-8"?>
 <p:sld xmlns:a="http://schemas.openxmlformats.org/drawingml/2006/main" xmlns:r="http://schemas.openxmlformats.org/officeDocument/2006/relationships" xmlns:p="http://schemas.openxmlformats.org/presentationml/2006/main">
   <p:cSld>
+    <p:bg>
+      <p:bgPr>
+        <a:blipFill dpi="0" rotWithShape="1">
+          <a:blip r:embed="rId4">
+            <a:lum/>
+          </a:blip>
+          <a:srcRect/>
+          <a:stretch>
+            <a:fillRect/>
+          </a:stretch>
+        </a:blipFill>
+        <a:effectLst/>
+      </p:bgPr>
+    </p:bg>
     <p:spTree>
       <p:nvGrpSpPr>
         <p:cNvPr id="1" name=""/>
@@ -8207,7 +9134,7 @@
           <p:cNvPr id="2" name="Title 1">
             <a:extLst>
               <a:ext uri="{FF2B5EF4-FFF2-40B4-BE49-F238E27FC236}">
-                <a16:creationId xmlns:a16="http://schemas.microsoft.com/office/drawing/2014/main" id="{B2F3D102-B13D-41F3-AA79-1C382E0EB747}"/>
+                <a16:creationId xmlns:a16="http://schemas.microsoft.com/office/drawing/2014/main" id="{A3088442-7183-47CB-B5EF-C175260737F6}"/>
               </a:ext>
             </a:extLst>
           </p:cNvPr>
@@ -8218,73 +9145,36 @@
             <p:ph type="title"/>
           </p:nvPr>
         </p:nvSpPr>
-        <p:spPr/>
-        <p:txBody>
-          <a:bodyPr vert="horz" lIns="91440" tIns="45720" rIns="91440" bIns="45720" rtlCol="0" anchor="ctr">
-            <a:normAutofit/>
+        <p:spPr>
+          <a:xfrm>
+            <a:off x="3245506" y="943884"/>
+            <a:ext cx="8347873" cy="763525"/>
+          </a:xfrm>
+        </p:spPr>
+        <p:txBody>
+          <a:bodyPr>
+            <a:normAutofit fontScale="90000"/>
           </a:bodyPr>
           <a:lstStyle/>
           <a:p>
+            <a:pPr algn="r"/>
             <a:r>
               <a:rPr lang="en-US" b="1" dirty="0">
                 <a:solidFill>
                   <a:schemeClr val="bg1"/>
                 </a:solidFill>
               </a:rPr>
-              <a:t>General Information on Data</a:t>
-            </a:r>
-          </a:p>
-        </p:txBody>
-      </p:sp>
-      <p:sp>
-        <p:nvSpPr>
-          <p:cNvPr id="3" name="Content Placeholder 2">
+              <a:t>Fatalities by State</a:t>
+            </a:r>
+          </a:p>
+        </p:txBody>
+      </p:sp>
+      <p:sp>
+        <p:nvSpPr>
+          <p:cNvPr id="3" name="Slide Number Placeholder 2">
             <a:extLst>
               <a:ext uri="{FF2B5EF4-FFF2-40B4-BE49-F238E27FC236}">
-                <a16:creationId xmlns:a16="http://schemas.microsoft.com/office/drawing/2014/main" id="{91301726-2480-4496-9776-FCD3EC0D18B4}"/>
-              </a:ext>
-            </a:extLst>
-          </p:cNvPr>
-          <p:cNvSpPr>
-            <a:spLocks noGrp="1"/>
-          </p:cNvSpPr>
-          <p:nvPr>
-            <p:ph idx="1"/>
-          </p:nvPr>
-        </p:nvSpPr>
-        <p:spPr/>
-        <p:txBody>
-          <a:bodyPr/>
-          <a:lstStyle/>
-          <a:p>
-            <a:r>
-              <a:rPr lang="en-US" dirty="0"/>
-              <a:t>Number of Fatalities</a:t>
-            </a:r>
-          </a:p>
-          <a:p>
-            <a:endParaRPr lang="en-US" dirty="0"/>
-          </a:p>
-          <a:p>
-            <a:r>
-              <a:rPr lang="en-US" dirty="0"/>
-              <a:t>Age distribution</a:t>
-            </a:r>
-          </a:p>
-          <a:p>
-            <a:endParaRPr lang="en-US" dirty="0"/>
-          </a:p>
-          <a:p>
-            <a:endParaRPr lang="en-US" dirty="0"/>
-          </a:p>
-        </p:txBody>
-      </p:sp>
-      <p:sp>
-        <p:nvSpPr>
-          <p:cNvPr id="4" name="Slide Number Placeholder 3">
-            <a:extLst>
-              <a:ext uri="{FF2B5EF4-FFF2-40B4-BE49-F238E27FC236}">
-                <a16:creationId xmlns:a16="http://schemas.microsoft.com/office/drawing/2014/main" id="{6E904DC4-97ED-4A18-BB8B-DA385CB42AA4}"/>
+                <a16:creationId xmlns:a16="http://schemas.microsoft.com/office/drawing/2014/main" id="{18F9B355-27C6-48BD-82EA-3D42637D79D2}"/>
               </a:ext>
             </a:extLst>
           </p:cNvPr>
@@ -8308,15 +9198,50 @@
           </a:p>
         </p:txBody>
       </p:sp>
+      <p:pic>
+        <p:nvPicPr>
+          <p:cNvPr id="7" name="Content Placeholder 6">
+            <a:extLst>
+              <a:ext uri="{FF2B5EF4-FFF2-40B4-BE49-F238E27FC236}">
+                <a16:creationId xmlns:a16="http://schemas.microsoft.com/office/drawing/2014/main" id="{1F3DB8D1-AD88-4722-95FA-BB9DAC11AF1E}"/>
+              </a:ext>
+            </a:extLst>
+          </p:cNvPr>
+          <p:cNvPicPr>
+            <a:picLocks noGrp="1" noChangeAspect="1"/>
+          </p:cNvPicPr>
+          <p:nvPr>
+            <p:ph idx="1"/>
+          </p:nvPr>
+        </p:nvPicPr>
+        <p:blipFill>
+          <a:blip r:embed="rId5">
+            <a:extLst>
+              <a:ext uri="{28A0092B-C50C-407E-A947-70E740481C1C}">
+                <a14:useLocalDpi xmlns:a14="http://schemas.microsoft.com/office/drawing/2010/main" val="0"/>
+              </a:ext>
+            </a:extLst>
+          </a:blip>
+          <a:stretch>
+            <a:fillRect/>
+          </a:stretch>
+        </p:blipFill>
+        <p:spPr>
+          <a:xfrm>
+            <a:off x="4211638" y="2003425"/>
+            <a:ext cx="6415087" cy="4276725"/>
+          </a:xfrm>
+        </p:spPr>
+      </p:pic>
     </p:spTree>
     <p:extLst>
       <p:ext uri="{BB962C8B-B14F-4D97-AF65-F5344CB8AC3E}">
-        <p14:creationId xmlns:p14="http://schemas.microsoft.com/office/powerpoint/2010/main" val="1381605833"/>
+        <p14:creationId xmlns:p14="http://schemas.microsoft.com/office/powerpoint/2010/main" val="1031673138"/>
       </p:ext>
     </p:extLst>
   </p:cSld>
   <p:clrMapOvr>
-    <a:masterClrMapping/>
+    <a:overrideClrMapping bg1="lt1" tx1="dk1" bg2="lt2" tx2="dk2" accent1="accent1" accent2="accent2" accent3="accent3" accent4="accent4" accent5="accent5" accent6="accent6" hlink="hlink" folHlink="folHlink"/>
   </p:clrMapOvr>
 </p:sld>
 </file>
@@ -8366,145 +9291,14 @@
           </a:bodyPr>
           <a:lstStyle/>
           <a:p>
+            <a:pPr algn="r"/>
             <a:r>
               <a:rPr lang="en-US" b="1" dirty="0">
                 <a:solidFill>
                   <a:schemeClr val="bg1"/>
                 </a:solidFill>
               </a:rPr>
-              <a:t>Fatalities by State	</a:t>
-            </a:r>
-          </a:p>
-        </p:txBody>
-      </p:sp>
-      <p:sp>
-        <p:nvSpPr>
-          <p:cNvPr id="3" name="Slide Number Placeholder 2">
-            <a:extLst>
-              <a:ext uri="{FF2B5EF4-FFF2-40B4-BE49-F238E27FC236}">
-                <a16:creationId xmlns:a16="http://schemas.microsoft.com/office/drawing/2014/main" id="{18F9B355-27C6-48BD-82EA-3D42637D79D2}"/>
-              </a:ext>
-            </a:extLst>
-          </p:cNvPr>
-          <p:cNvSpPr>
-            <a:spLocks noGrp="1"/>
-          </p:cNvSpPr>
-          <p:nvPr>
-            <p:ph type="sldNum" sz="quarter" idx="12"/>
-          </p:nvPr>
-        </p:nvSpPr>
-        <p:spPr/>
-        <p:txBody>
-          <a:bodyPr/>
-          <a:lstStyle/>
-          <a:p>
-            <a:fld id="{B311205A-2B12-4C3C-9B44-D13403EC63C4}" type="slidenum">
-              <a:rPr lang="en-US" smtClean="0"/>
-              <a:t>7</a:t>
-            </a:fld>
-            <a:endParaRPr lang="en-US"/>
-          </a:p>
-        </p:txBody>
-      </p:sp>
-      <p:pic>
-        <p:nvPicPr>
-          <p:cNvPr id="10" name="Content Placeholder 9">
-            <a:extLst>
-              <a:ext uri="{FF2B5EF4-FFF2-40B4-BE49-F238E27FC236}">
-                <a16:creationId xmlns:a16="http://schemas.microsoft.com/office/drawing/2014/main" id="{72E85C32-2B5B-4154-A21C-10527F33C3E7}"/>
-              </a:ext>
-            </a:extLst>
-          </p:cNvPr>
-          <p:cNvPicPr>
-            <a:picLocks noGrp="1" noChangeAspect="1"/>
-          </p:cNvPicPr>
-          <p:nvPr>
-            <p:ph idx="1"/>
-          </p:nvPr>
-        </p:nvPicPr>
-        <p:blipFill rotWithShape="1">
-          <a:blip r:embed="rId3">
-            <a:extLst>
-              <a:ext uri="{28A0092B-C50C-407E-A947-70E740481C1C}">
-                <a14:useLocalDpi xmlns:a14="http://schemas.microsoft.com/office/drawing/2010/main" val="0"/>
-              </a:ext>
-            </a:extLst>
-          </a:blip>
-          <a:srcRect t="15516" b="10341"/>
-          <a:stretch/>
-        </p:blipFill>
-        <p:spPr>
-          <a:xfrm>
-            <a:off x="3721528" y="2378076"/>
-            <a:ext cx="8048457" cy="3978275"/>
-          </a:xfrm>
-        </p:spPr>
-      </p:pic>
-    </p:spTree>
-    <p:extLst>
-      <p:ext uri="{BB962C8B-B14F-4D97-AF65-F5344CB8AC3E}">
-        <p14:creationId xmlns:p14="http://schemas.microsoft.com/office/powerpoint/2010/main" val="1031673138"/>
-      </p:ext>
-    </p:extLst>
-  </p:cSld>
-  <p:clrMapOvr>
-    <a:masterClrMapping/>
-  </p:clrMapOvr>
-</p:sld>
-</file>
-
-<file path=ppt/slides/slide8.xml><?xml version="1.0" encoding="utf-8"?>
-<p:sld xmlns:a="http://schemas.openxmlformats.org/drawingml/2006/main" xmlns:r="http://schemas.openxmlformats.org/officeDocument/2006/relationships" xmlns:p="http://schemas.openxmlformats.org/presentationml/2006/main">
-  <p:cSld>
-    <p:spTree>
-      <p:nvGrpSpPr>
-        <p:cNvPr id="1" name=""/>
-        <p:cNvGrpSpPr/>
-        <p:nvPr/>
-      </p:nvGrpSpPr>
-      <p:grpSpPr>
-        <a:xfrm>
-          <a:off x="0" y="0"/>
-          <a:ext cx="0" cy="0"/>
-          <a:chOff x="0" y="0"/>
-          <a:chExt cx="0" cy="0"/>
-        </a:xfrm>
-      </p:grpSpPr>
-      <p:sp>
-        <p:nvSpPr>
-          <p:cNvPr id="2" name="Title 1">
-            <a:extLst>
-              <a:ext uri="{FF2B5EF4-FFF2-40B4-BE49-F238E27FC236}">
-                <a16:creationId xmlns:a16="http://schemas.microsoft.com/office/drawing/2014/main" id="{A3088442-7183-47CB-B5EF-C175260737F6}"/>
-              </a:ext>
-            </a:extLst>
-          </p:cNvPr>
-          <p:cNvSpPr>
-            <a:spLocks noGrp="1"/>
-          </p:cNvSpPr>
-          <p:nvPr>
-            <p:ph type="title"/>
-          </p:nvPr>
-        </p:nvSpPr>
-        <p:spPr>
-          <a:xfrm>
-            <a:off x="3245506" y="943884"/>
-            <a:ext cx="8347873" cy="763525"/>
-          </a:xfrm>
-        </p:spPr>
-        <p:txBody>
-          <a:bodyPr>
-            <a:normAutofit fontScale="90000"/>
-          </a:bodyPr>
-          <a:lstStyle/>
-          <a:p>
-            <a:r>
-              <a:rPr lang="en-US" b="1" dirty="0">
-                <a:solidFill>
-                  <a:schemeClr val="bg1"/>
-                </a:solidFill>
-              </a:rPr>
-              <a:t>Fatalities by State – Top 5	</a:t>
+              <a:t>Fatalities by State – Top 5</a:t>
             </a:r>
           </a:p>
         </p:txBody>
@@ -9100,7 +9894,7 @@
           <a:p>
             <a:fld id="{B311205A-2B12-4C3C-9B44-D13403EC63C4}" type="slidenum">
               <a:rPr lang="en-US" smtClean="0"/>
-              <a:t>8</a:t>
+              <a:t>7</a:t>
             </a:fld>
             <a:endParaRPr lang="en-US"/>
           </a:p>
@@ -9119,7 +9913,7 @@
 </p:sld>
 </file>
 
-<file path=ppt/slides/slide9.xml><?xml version="1.0" encoding="utf-8"?>
+<file path=ppt/slides/slide8.xml><?xml version="1.0" encoding="utf-8"?>
 <p:sld xmlns:a="http://schemas.openxmlformats.org/drawingml/2006/main" xmlns:r="http://schemas.openxmlformats.org/officeDocument/2006/relationships" xmlns:p="http://schemas.openxmlformats.org/presentationml/2006/main">
   <p:cSld>
     <p:spTree>
@@ -9164,13 +9958,14 @@
           </a:bodyPr>
           <a:lstStyle/>
           <a:p>
+            <a:pPr algn="r"/>
             <a:r>
               <a:rPr lang="en-US" b="1" dirty="0">
                 <a:solidFill>
                   <a:schemeClr val="bg1"/>
                 </a:solidFill>
               </a:rPr>
-              <a:t>Fatalities by Time of Day	</a:t>
+              <a:t>Fatalities by Time of Day</a:t>
             </a:r>
           </a:p>
         </p:txBody>
@@ -9198,7 +9993,7 @@
           <a:p>
             <a:fld id="{B311205A-2B12-4C3C-9B44-D13403EC63C4}" type="slidenum">
               <a:rPr lang="en-US" smtClean="0"/>
-              <a:t>9</a:t>
+              <a:t>8</a:t>
             </a:fld>
             <a:endParaRPr lang="en-US"/>
           </a:p>
@@ -9283,6 +10078,180 @@
     <p:extLst>
       <p:ext uri="{BB962C8B-B14F-4D97-AF65-F5344CB8AC3E}">
         <p14:creationId xmlns:p14="http://schemas.microsoft.com/office/powerpoint/2010/main" val="3622212361"/>
+      </p:ext>
+    </p:extLst>
+  </p:cSld>
+  <p:clrMapOvr>
+    <a:masterClrMapping/>
+  </p:clrMapOvr>
+</p:sld>
+</file>
+
+<file path=ppt/slides/slide9.xml><?xml version="1.0" encoding="utf-8"?>
+<p:sld xmlns:a="http://schemas.openxmlformats.org/drawingml/2006/main" xmlns:r="http://schemas.openxmlformats.org/officeDocument/2006/relationships" xmlns:p="http://schemas.openxmlformats.org/presentationml/2006/main">
+  <p:cSld>
+    <p:spTree>
+      <p:nvGrpSpPr>
+        <p:cNvPr id="1" name=""/>
+        <p:cNvGrpSpPr/>
+        <p:nvPr/>
+      </p:nvGrpSpPr>
+      <p:grpSpPr>
+        <a:xfrm>
+          <a:off x="0" y="0"/>
+          <a:ext cx="0" cy="0"/>
+          <a:chOff x="0" y="0"/>
+          <a:chExt cx="0" cy="0"/>
+        </a:xfrm>
+      </p:grpSpPr>
+      <p:sp>
+        <p:nvSpPr>
+          <p:cNvPr id="2" name="Title 1">
+            <a:extLst>
+              <a:ext uri="{FF2B5EF4-FFF2-40B4-BE49-F238E27FC236}">
+                <a16:creationId xmlns:a16="http://schemas.microsoft.com/office/drawing/2014/main" id="{A3088442-7183-47CB-B5EF-C175260737F6}"/>
+              </a:ext>
+            </a:extLst>
+          </p:cNvPr>
+          <p:cNvSpPr>
+            <a:spLocks noGrp="1"/>
+          </p:cNvSpPr>
+          <p:nvPr>
+            <p:ph type="title"/>
+          </p:nvPr>
+        </p:nvSpPr>
+        <p:spPr>
+          <a:xfrm>
+            <a:off x="3245506" y="943884"/>
+            <a:ext cx="8347873" cy="763525"/>
+          </a:xfrm>
+        </p:spPr>
+        <p:txBody>
+          <a:bodyPr>
+            <a:normAutofit fontScale="90000"/>
+          </a:bodyPr>
+          <a:lstStyle/>
+          <a:p>
+            <a:pPr algn="r"/>
+            <a:r>
+              <a:rPr lang="en-US" b="1" dirty="0">
+                <a:solidFill>
+                  <a:schemeClr val="bg1"/>
+                </a:solidFill>
+              </a:rPr>
+              <a:t>Fatalities by Day of the Week</a:t>
+            </a:r>
+          </a:p>
+        </p:txBody>
+      </p:sp>
+      <p:sp>
+        <p:nvSpPr>
+          <p:cNvPr id="3" name="Slide Number Placeholder 2">
+            <a:extLst>
+              <a:ext uri="{FF2B5EF4-FFF2-40B4-BE49-F238E27FC236}">
+                <a16:creationId xmlns:a16="http://schemas.microsoft.com/office/drawing/2014/main" id="{CDEF0D43-9610-49F3-8E97-A001A1C0720D}"/>
+              </a:ext>
+            </a:extLst>
+          </p:cNvPr>
+          <p:cNvSpPr>
+            <a:spLocks noGrp="1"/>
+          </p:cNvSpPr>
+          <p:nvPr>
+            <p:ph type="sldNum" sz="quarter" idx="12"/>
+          </p:nvPr>
+        </p:nvSpPr>
+        <p:spPr/>
+        <p:txBody>
+          <a:bodyPr/>
+          <a:lstStyle/>
+          <a:p>
+            <a:fld id="{B311205A-2B12-4C3C-9B44-D13403EC63C4}" type="slidenum">
+              <a:rPr lang="en-US" smtClean="0"/>
+              <a:t>9</a:t>
+            </a:fld>
+            <a:endParaRPr lang="en-US"/>
+          </a:p>
+        </p:txBody>
+      </p:sp>
+      <p:pic>
+        <p:nvPicPr>
+          <p:cNvPr id="5" name="Picture 4">
+            <a:extLst>
+              <a:ext uri="{FF2B5EF4-FFF2-40B4-BE49-F238E27FC236}">
+                <a16:creationId xmlns:a16="http://schemas.microsoft.com/office/drawing/2014/main" id="{EEF1418D-6F92-4CB9-A765-95D6A1F31EFB}"/>
+              </a:ext>
+            </a:extLst>
+          </p:cNvPr>
+          <p:cNvPicPr>
+            <a:picLocks noChangeAspect="1"/>
+          </p:cNvPicPr>
+          <p:nvPr/>
+        </p:nvPicPr>
+        <p:blipFill>
+          <a:blip r:embed="rId3">
+            <a:extLst>
+              <a:ext uri="{28A0092B-C50C-407E-A947-70E740481C1C}">
+                <a14:useLocalDpi xmlns:a14="http://schemas.microsoft.com/office/drawing/2010/main" val="0"/>
+              </a:ext>
+            </a:extLst>
+          </a:blip>
+          <a:stretch>
+            <a:fillRect/>
+          </a:stretch>
+        </p:blipFill>
+        <p:spPr>
+          <a:xfrm>
+            <a:off x="4532811" y="2553149"/>
+            <a:ext cx="5675812" cy="3804204"/>
+          </a:xfrm>
+          <a:prstGeom prst="rect">
+            <a:avLst/>
+          </a:prstGeom>
+        </p:spPr>
+      </p:pic>
+      <p:sp>
+        <p:nvSpPr>
+          <p:cNvPr id="6" name="TextBox 5">
+            <a:extLst>
+              <a:ext uri="{FF2B5EF4-FFF2-40B4-BE49-F238E27FC236}">
+                <a16:creationId xmlns:a16="http://schemas.microsoft.com/office/drawing/2014/main" id="{5BB4A18F-D2D7-4192-8103-75C7E0BDCA61}"/>
+              </a:ext>
+            </a:extLst>
+          </p:cNvPr>
+          <p:cNvSpPr txBox="1"/>
+          <p:nvPr/>
+        </p:nvSpPr>
+        <p:spPr>
+          <a:xfrm>
+            <a:off x="3331029" y="2075664"/>
+            <a:ext cx="8549640" cy="400110"/>
+          </a:xfrm>
+          <a:prstGeom prst="rect">
+            <a:avLst/>
+          </a:prstGeom>
+          <a:noFill/>
+        </p:spPr>
+        <p:txBody>
+          <a:bodyPr wrap="square" rtlCol="0">
+            <a:spAutoFit/>
+          </a:bodyPr>
+          <a:lstStyle/>
+          <a:p>
+            <a:r>
+              <a:rPr lang="en-US" sz="2000" b="1" dirty="0">
+                <a:solidFill>
+                  <a:schemeClr val="bg1"/>
+                </a:solidFill>
+              </a:rPr>
+              <a:t>Slightly more fatalities seen on Friday, with fewer occurring on the weekends</a:t>
+            </a:r>
+          </a:p>
+        </p:txBody>
+      </p:sp>
+    </p:spTree>
+    <p:extLst>
+      <p:ext uri="{BB962C8B-B14F-4D97-AF65-F5344CB8AC3E}">
+        <p14:creationId xmlns:p14="http://schemas.microsoft.com/office/powerpoint/2010/main" val="3089322612"/>
       </p:ext>
     </p:extLst>
   </p:cSld>
@@ -9870,4 +10839,262 @@
     </a:ext>
   </a:extLst>
 </a:theme>
+</file>
+
+<file path=ppt/theme/themeOverride1.xml><?xml version="1.0" encoding="utf-8"?>
+<a:themeOverride xmlns:a="http://schemas.openxmlformats.org/drawingml/2006/main">
+  <a:clrScheme name="Office">
+    <a:dk1>
+      <a:sysClr val="windowText" lastClr="000000"/>
+    </a:dk1>
+    <a:lt1>
+      <a:sysClr val="window" lastClr="FFFFFF"/>
+    </a:lt1>
+    <a:dk2>
+      <a:srgbClr val="1F497D"/>
+    </a:dk2>
+    <a:lt2>
+      <a:srgbClr val="EEECE1"/>
+    </a:lt2>
+    <a:accent1>
+      <a:srgbClr val="4F81BD"/>
+    </a:accent1>
+    <a:accent2>
+      <a:srgbClr val="C0504D"/>
+    </a:accent2>
+    <a:accent3>
+      <a:srgbClr val="9BBB59"/>
+    </a:accent3>
+    <a:accent4>
+      <a:srgbClr val="8064A2"/>
+    </a:accent4>
+    <a:accent5>
+      <a:srgbClr val="4BACC6"/>
+    </a:accent5>
+    <a:accent6>
+      <a:srgbClr val="F79646"/>
+    </a:accent6>
+    <a:hlink>
+      <a:srgbClr val="0000FF"/>
+    </a:hlink>
+    <a:folHlink>
+      <a:srgbClr val="800080"/>
+    </a:folHlink>
+  </a:clrScheme>
+</a:themeOverride>
+</file>
+
+<file path=ppt/theme/themeOverride2.xml><?xml version="1.0" encoding="utf-8"?>
+<a:themeOverride xmlns:a="http://schemas.openxmlformats.org/drawingml/2006/main">
+  <a:clrScheme name="Office">
+    <a:dk1>
+      <a:sysClr val="windowText" lastClr="000000"/>
+    </a:dk1>
+    <a:lt1>
+      <a:sysClr val="window" lastClr="FFFFFF"/>
+    </a:lt1>
+    <a:dk2>
+      <a:srgbClr val="1F497D"/>
+    </a:dk2>
+    <a:lt2>
+      <a:srgbClr val="EEECE1"/>
+    </a:lt2>
+    <a:accent1>
+      <a:srgbClr val="4F81BD"/>
+    </a:accent1>
+    <a:accent2>
+      <a:srgbClr val="C0504D"/>
+    </a:accent2>
+    <a:accent3>
+      <a:srgbClr val="9BBB59"/>
+    </a:accent3>
+    <a:accent4>
+      <a:srgbClr val="8064A2"/>
+    </a:accent4>
+    <a:accent5>
+      <a:srgbClr val="4BACC6"/>
+    </a:accent5>
+    <a:accent6>
+      <a:srgbClr val="F79646"/>
+    </a:accent6>
+    <a:hlink>
+      <a:srgbClr val="0000FF"/>
+    </a:hlink>
+    <a:folHlink>
+      <a:srgbClr val="800080"/>
+    </a:folHlink>
+  </a:clrScheme>
+</a:themeOverride>
+</file>
+
+<file path=ppt/theme/themeOverride3.xml><?xml version="1.0" encoding="utf-8"?>
+<a:themeOverride xmlns:a="http://schemas.openxmlformats.org/drawingml/2006/main">
+  <a:clrScheme name="Office">
+    <a:dk1>
+      <a:sysClr val="windowText" lastClr="000000"/>
+    </a:dk1>
+    <a:lt1>
+      <a:sysClr val="window" lastClr="FFFFFF"/>
+    </a:lt1>
+    <a:dk2>
+      <a:srgbClr val="1F497D"/>
+    </a:dk2>
+    <a:lt2>
+      <a:srgbClr val="EEECE1"/>
+    </a:lt2>
+    <a:accent1>
+      <a:srgbClr val="4F81BD"/>
+    </a:accent1>
+    <a:accent2>
+      <a:srgbClr val="C0504D"/>
+    </a:accent2>
+    <a:accent3>
+      <a:srgbClr val="9BBB59"/>
+    </a:accent3>
+    <a:accent4>
+      <a:srgbClr val="8064A2"/>
+    </a:accent4>
+    <a:accent5>
+      <a:srgbClr val="4BACC6"/>
+    </a:accent5>
+    <a:accent6>
+      <a:srgbClr val="F79646"/>
+    </a:accent6>
+    <a:hlink>
+      <a:srgbClr val="0000FF"/>
+    </a:hlink>
+    <a:folHlink>
+      <a:srgbClr val="800080"/>
+    </a:folHlink>
+  </a:clrScheme>
+</a:themeOverride>
+</file>
+
+<file path=ppt/theme/themeOverride4.xml><?xml version="1.0" encoding="utf-8"?>
+<a:themeOverride xmlns:a="http://schemas.openxmlformats.org/drawingml/2006/main">
+  <a:clrScheme name="Office">
+    <a:dk1>
+      <a:sysClr val="windowText" lastClr="000000"/>
+    </a:dk1>
+    <a:lt1>
+      <a:sysClr val="window" lastClr="FFFFFF"/>
+    </a:lt1>
+    <a:dk2>
+      <a:srgbClr val="1F497D"/>
+    </a:dk2>
+    <a:lt2>
+      <a:srgbClr val="EEECE1"/>
+    </a:lt2>
+    <a:accent1>
+      <a:srgbClr val="4F81BD"/>
+    </a:accent1>
+    <a:accent2>
+      <a:srgbClr val="C0504D"/>
+    </a:accent2>
+    <a:accent3>
+      <a:srgbClr val="9BBB59"/>
+    </a:accent3>
+    <a:accent4>
+      <a:srgbClr val="8064A2"/>
+    </a:accent4>
+    <a:accent5>
+      <a:srgbClr val="4BACC6"/>
+    </a:accent5>
+    <a:accent6>
+      <a:srgbClr val="F79646"/>
+    </a:accent6>
+    <a:hlink>
+      <a:srgbClr val="0000FF"/>
+    </a:hlink>
+    <a:folHlink>
+      <a:srgbClr val="800080"/>
+    </a:folHlink>
+  </a:clrScheme>
+</a:themeOverride>
+</file>
+
+<file path=ppt/theme/themeOverride5.xml><?xml version="1.0" encoding="utf-8"?>
+<a:themeOverride xmlns:a="http://schemas.openxmlformats.org/drawingml/2006/main">
+  <a:clrScheme name="Office">
+    <a:dk1>
+      <a:sysClr val="windowText" lastClr="000000"/>
+    </a:dk1>
+    <a:lt1>
+      <a:sysClr val="window" lastClr="FFFFFF"/>
+    </a:lt1>
+    <a:dk2>
+      <a:srgbClr val="1F497D"/>
+    </a:dk2>
+    <a:lt2>
+      <a:srgbClr val="EEECE1"/>
+    </a:lt2>
+    <a:accent1>
+      <a:srgbClr val="4F81BD"/>
+    </a:accent1>
+    <a:accent2>
+      <a:srgbClr val="C0504D"/>
+    </a:accent2>
+    <a:accent3>
+      <a:srgbClr val="9BBB59"/>
+    </a:accent3>
+    <a:accent4>
+      <a:srgbClr val="8064A2"/>
+    </a:accent4>
+    <a:accent5>
+      <a:srgbClr val="4BACC6"/>
+    </a:accent5>
+    <a:accent6>
+      <a:srgbClr val="F79646"/>
+    </a:accent6>
+    <a:hlink>
+      <a:srgbClr val="0000FF"/>
+    </a:hlink>
+    <a:folHlink>
+      <a:srgbClr val="800080"/>
+    </a:folHlink>
+  </a:clrScheme>
+</a:themeOverride>
+</file>
+
+<file path=ppt/theme/themeOverride6.xml><?xml version="1.0" encoding="utf-8"?>
+<a:themeOverride xmlns:a="http://schemas.openxmlformats.org/drawingml/2006/main">
+  <a:clrScheme name="Office">
+    <a:dk1>
+      <a:sysClr val="windowText" lastClr="000000"/>
+    </a:dk1>
+    <a:lt1>
+      <a:sysClr val="window" lastClr="FFFFFF"/>
+    </a:lt1>
+    <a:dk2>
+      <a:srgbClr val="1F497D"/>
+    </a:dk2>
+    <a:lt2>
+      <a:srgbClr val="EEECE1"/>
+    </a:lt2>
+    <a:accent1>
+      <a:srgbClr val="4F81BD"/>
+    </a:accent1>
+    <a:accent2>
+      <a:srgbClr val="C0504D"/>
+    </a:accent2>
+    <a:accent3>
+      <a:srgbClr val="9BBB59"/>
+    </a:accent3>
+    <a:accent4>
+      <a:srgbClr val="8064A2"/>
+    </a:accent4>
+    <a:accent5>
+      <a:srgbClr val="4BACC6"/>
+    </a:accent5>
+    <a:accent6>
+      <a:srgbClr val="F79646"/>
+    </a:accent6>
+    <a:hlink>
+      <a:srgbClr val="0000FF"/>
+    </a:hlink>
+    <a:folHlink>
+      <a:srgbClr val="800080"/>
+    </a:folHlink>
+  </a:clrScheme>
+</a:themeOverride>
 </file>